--- a/Embedded System Presentation.pptx
+++ b/Embedded System Presentation.pptx
@@ -5,24 +5,26 @@
     <p:sldMasterId id="2147483648" r:id="rId2"/>
     <p:sldMasterId id="2147483661" r:id="rId3"/>
     <p:sldMasterId id="2147483674" r:id="rId4"/>
+    <p:sldMasterId id="2147483687" r:id="rId5"/>
   </p:sldMasterIdLst>
   <p:notesMasterIdLst>
-    <p:notesMasterId r:id="rId5"/>
+    <p:notesMasterId r:id="rId6"/>
   </p:notesMasterIdLst>
   <p:sldIdLst>
-    <p:sldId id="256" r:id="rId6"/>
-    <p:sldId id="257" r:id="rId7"/>
-    <p:sldId id="258" r:id="rId8"/>
-    <p:sldId id="259" r:id="rId9"/>
-    <p:sldId id="260" r:id="rId10"/>
-    <p:sldId id="261" r:id="rId11"/>
-    <p:sldId id="262" r:id="rId12"/>
-    <p:sldId id="263" r:id="rId13"/>
-    <p:sldId id="264" r:id="rId14"/>
-    <p:sldId id="265" r:id="rId15"/>
-    <p:sldId id="266" r:id="rId16"/>
-    <p:sldId id="267" r:id="rId17"/>
-    <p:sldId id="268" r:id="rId18"/>
+    <p:sldId id="256" r:id="rId7"/>
+    <p:sldId id="257" r:id="rId8"/>
+    <p:sldId id="258" r:id="rId9"/>
+    <p:sldId id="259" r:id="rId10"/>
+    <p:sldId id="260" r:id="rId11"/>
+    <p:sldId id="261" r:id="rId12"/>
+    <p:sldId id="262" r:id="rId13"/>
+    <p:sldId id="263" r:id="rId14"/>
+    <p:sldId id="264" r:id="rId15"/>
+    <p:sldId id="265" r:id="rId16"/>
+    <p:sldId id="266" r:id="rId17"/>
+    <p:sldId id="267" r:id="rId18"/>
+    <p:sldId id="268" r:id="rId19"/>
+    <p:sldId id="269" r:id="rId20"/>
   </p:sldIdLst>
   <p:sldSz cx="12192000" cy="6858000"/>
   <p:notesSz cx="6858000" cy="9144000"/>
@@ -48,7 +50,7 @@
       </p:grpSpPr>
       <p:sp>
         <p:nvSpPr>
-          <p:cNvPr id="125" name="PlaceHolder 1"/>
+          <p:cNvPr id="171" name="PlaceHolder 1"/>
           <p:cNvSpPr>
             <a:spLocks noGrp="1"/>
           </p:cNvSpPr>
@@ -83,7 +85,7 @@
       </p:sp>
       <p:sp>
         <p:nvSpPr>
-          <p:cNvPr id="126" name="PlaceHolder 2"/>
+          <p:cNvPr id="172" name="PlaceHolder 2"/>
           <p:cNvSpPr>
             <a:spLocks noGrp="1"/>
           </p:cNvSpPr>
@@ -117,7 +119,7 @@
       </p:sp>
       <p:sp>
         <p:nvSpPr>
-          <p:cNvPr id="127" name="PlaceHolder 3"/>
+          <p:cNvPr id="173" name="PlaceHolder 3"/>
           <p:cNvSpPr>
             <a:spLocks noGrp="1"/>
           </p:cNvSpPr>
@@ -141,7 +143,7 @@
               <a:rPr b="0" lang="en-US" sz="1400" spc="-1" strike="noStrike">
                 <a:latin typeface="Times New Roman"/>
               </a:rPr>
-              <a:t> </a:t>
+              <a:t>&lt;header&gt;</a:t>
             </a:r>
             <a:endParaRPr b="0" lang="en-US" sz="1400" spc="-1" strike="noStrike">
               <a:latin typeface="Times New Roman"/>
@@ -151,7 +153,7 @@
       </p:sp>
       <p:sp>
         <p:nvSpPr>
-          <p:cNvPr id="128" name="PlaceHolder 4"/>
+          <p:cNvPr id="174" name="PlaceHolder 4"/>
           <p:cNvSpPr>
             <a:spLocks noGrp="1"/>
           </p:cNvSpPr>
@@ -176,7 +178,7 @@
               <a:rPr b="0" lang="en-US" sz="1400" spc="-1" strike="noStrike">
                 <a:latin typeface="Times New Roman"/>
               </a:rPr>
-              <a:t> </a:t>
+              <a:t>&lt;date/time&gt;</a:t>
             </a:r>
             <a:endParaRPr b="0" lang="en-US" sz="1400" spc="-1" strike="noStrike">
               <a:latin typeface="Times New Roman"/>
@@ -186,7 +188,7 @@
       </p:sp>
       <p:sp>
         <p:nvSpPr>
-          <p:cNvPr id="129" name="PlaceHolder 5"/>
+          <p:cNvPr id="175" name="PlaceHolder 5"/>
           <p:cNvSpPr>
             <a:spLocks noGrp="1"/>
           </p:cNvSpPr>
@@ -210,7 +212,7 @@
               <a:rPr b="0" lang="en-US" sz="1400" spc="-1" strike="noStrike">
                 <a:latin typeface="Times New Roman"/>
               </a:rPr>
-              <a:t> </a:t>
+              <a:t>&lt;footer&gt;</a:t>
             </a:r>
             <a:endParaRPr b="0" lang="en-US" sz="1400" spc="-1" strike="noStrike">
               <a:latin typeface="Times New Roman"/>
@@ -220,7 +222,7 @@
       </p:sp>
       <p:sp>
         <p:nvSpPr>
-          <p:cNvPr id="130" name="PlaceHolder 6"/>
+          <p:cNvPr id="176" name="PlaceHolder 6"/>
           <p:cNvSpPr>
             <a:spLocks noGrp="1"/>
           </p:cNvSpPr>
@@ -241,11 +243,11 @@
           <a:bodyPr lIns="0" rIns="0" tIns="0" bIns="0" anchor="b"/>
           <a:p>
             <a:pPr algn="r"/>
-            <a:fld id="{E9489BC0-17A0-45B5-8D3D-FF583046A42F}" type="slidenum">
+            <a:fld id="{F744ADE1-365E-476B-A617-AA9A52B47856}" type="slidenum">
               <a:rPr b="0" lang="en-US" sz="1400" spc="-1" strike="noStrike">
                 <a:latin typeface="Times New Roman"/>
               </a:rPr>
-              <a:t>1</a:t>
+              <a:t>&lt;number&gt;</a:t>
             </a:fld>
             <a:endParaRPr b="0" lang="en-US" sz="1400" spc="-1" strike="noStrike">
               <a:latin typeface="Times New Roman"/>
@@ -278,7 +280,7 @@
       </p:grpSpPr>
       <p:sp>
         <p:nvSpPr>
-          <p:cNvPr id="168" name="PlaceHolder 1"/>
+          <p:cNvPr id="223" name="PlaceHolder 1"/>
           <p:cNvSpPr>
             <a:spLocks noGrp="1"/>
           </p:cNvSpPr>
@@ -289,16 +291,16 @@
         <p:spPr>
           <a:xfrm>
             <a:off x="685800" y="1143000"/>
-            <a:ext cx="5485320" cy="3085200"/>
-          </a:xfrm>
-          <a:prstGeom prst="rect">
-            <a:avLst/>
-          </a:prstGeom>
-        </p:spPr>
-      </p:sp>
-      <p:sp>
-        <p:nvSpPr>
-          <p:cNvPr id="169" name="PlaceHolder 2"/>
+            <a:ext cx="5484600" cy="3084480"/>
+          </a:xfrm>
+          <a:prstGeom prst="rect">
+            <a:avLst/>
+          </a:prstGeom>
+        </p:spPr>
+      </p:sp>
+      <p:sp>
+        <p:nvSpPr>
+          <p:cNvPr id="224" name="PlaceHolder 2"/>
           <p:cNvSpPr>
             <a:spLocks noGrp="1"/>
           </p:cNvSpPr>
@@ -309,7 +311,7 @@
         <p:spPr>
           <a:xfrm>
             <a:off x="685800" y="4400640"/>
-            <a:ext cx="5485320" cy="3599280"/>
+            <a:ext cx="5484600" cy="3598560"/>
           </a:xfrm>
           <a:prstGeom prst="rect">
             <a:avLst/>
@@ -326,14 +328,14 @@
       </p:sp>
       <p:sp>
         <p:nvSpPr>
-          <p:cNvPr id="170" name="CustomShape 3"/>
+          <p:cNvPr id="225" name="CustomShape 3"/>
           <p:cNvSpPr/>
           <p:nvPr/>
         </p:nvSpPr>
         <p:spPr>
           <a:xfrm>
             <a:off x="3884760" y="8685360"/>
-            <a:ext cx="2970720" cy="457560"/>
+            <a:ext cx="2970000" cy="456840"/>
           </a:xfrm>
           <a:prstGeom prst="rect">
             <a:avLst/>
@@ -349,29 +351,6 @@
           <a:effectRef idx="0"/>
           <a:fontRef idx="minor"/>
         </p:style>
-        <p:txBody>
-          <a:bodyPr lIns="90000" rIns="90000" tIns="45000" bIns="45000" anchor="b"/>
-          <a:p>
-            <a:pPr algn="r">
-              <a:lnSpc>
-                <a:spcPct val="100000"/>
-              </a:lnSpc>
-            </a:pPr>
-            <a:fld id="{8C32C12B-01B4-4AFF-824D-04B91612EB92}" type="slidenum">
-              <a:rPr b="0" lang="en-US" sz="1200" spc="-1" strike="noStrike">
-                <a:solidFill>
-                  <a:srgbClr val="000000"/>
-                </a:solidFill>
-                <a:latin typeface="Calibri"/>
-                <a:ea typeface="Calibri"/>
-              </a:rPr>
-              <a:t>1</a:t>
-            </a:fld>
-            <a:endParaRPr b="0" lang="en-US" sz="1200" spc="-1" strike="noStrike">
-              <a:latin typeface="Arial"/>
-            </a:endParaRPr>
-          </a:p>
-        </p:txBody>
       </p:sp>
     </p:spTree>
   </p:cSld>
@@ -430,7 +409,7 @@
         <p:spPr>
           <a:xfrm>
             <a:off x="609480" y="273600"/>
-            <a:ext cx="10972440" cy="1144800"/>
+            <a:ext cx="10972080" cy="1144440"/>
           </a:xfrm>
           <a:prstGeom prst="rect">
             <a:avLst/>
@@ -459,7 +438,7 @@
         <p:spPr>
           <a:xfrm>
             <a:off x="609480" y="1604520"/>
-            <a:ext cx="10972440" cy="1896840"/>
+            <a:ext cx="3532680" cy="904320"/>
           </a:xfrm>
           <a:prstGeom prst="rect">
             <a:avLst/>
@@ -488,8 +467,8 @@
         </p:nvSpPr>
         <p:spPr>
           <a:xfrm>
-            <a:off x="609480" y="3682080"/>
-            <a:ext cx="10972440" cy="1896840"/>
+            <a:off x="609480" y="2595240"/>
+            <a:ext cx="3532680" cy="904320"/>
           </a:xfrm>
           <a:prstGeom prst="rect">
             <a:avLst/>
@@ -541,7 +520,7 @@
         <p:spPr>
           <a:xfrm>
             <a:off x="609480" y="273600"/>
-            <a:ext cx="10972440" cy="1144800"/>
+            <a:ext cx="10972080" cy="1144440"/>
           </a:xfrm>
           <a:prstGeom prst="rect">
             <a:avLst/>
@@ -570,7 +549,7 @@
         <p:spPr>
           <a:xfrm>
             <a:off x="609480" y="1604520"/>
-            <a:ext cx="5354280" cy="1896840"/>
+            <a:ext cx="1723680" cy="904320"/>
           </a:xfrm>
           <a:prstGeom prst="rect">
             <a:avLst/>
@@ -599,8 +578,8 @@
         </p:nvSpPr>
         <p:spPr>
           <a:xfrm>
-            <a:off x="6231960" y="1604520"/>
-            <a:ext cx="5354280" cy="1896840"/>
+            <a:off x="2419560" y="1604520"/>
+            <a:ext cx="1723680" cy="904320"/>
           </a:xfrm>
           <a:prstGeom prst="rect">
             <a:avLst/>
@@ -629,8 +608,8 @@
         </p:nvSpPr>
         <p:spPr>
           <a:xfrm>
-            <a:off x="609480" y="3682080"/>
-            <a:ext cx="5354280" cy="1896840"/>
+            <a:off x="609480" y="2595240"/>
+            <a:ext cx="1723680" cy="904320"/>
           </a:xfrm>
           <a:prstGeom prst="rect">
             <a:avLst/>
@@ -659,8 +638,8 @@
         </p:nvSpPr>
         <p:spPr>
           <a:xfrm>
-            <a:off x="6231960" y="3682080"/>
-            <a:ext cx="5354280" cy="1896840"/>
+            <a:off x="2419560" y="2595240"/>
+            <a:ext cx="1723680" cy="904320"/>
           </a:xfrm>
           <a:prstGeom prst="rect">
             <a:avLst/>
@@ -712,7 +691,7 @@
         <p:spPr>
           <a:xfrm>
             <a:off x="609480" y="273600"/>
-            <a:ext cx="10972440" cy="1144800"/>
+            <a:ext cx="10972080" cy="1144440"/>
           </a:xfrm>
           <a:prstGeom prst="rect">
             <a:avLst/>
@@ -741,7 +720,7 @@
         <p:spPr>
           <a:xfrm>
             <a:off x="609480" y="1604520"/>
-            <a:ext cx="3533040" cy="1896840"/>
+            <a:ext cx="1137240" cy="904320"/>
           </a:xfrm>
           <a:prstGeom prst="rect">
             <a:avLst/>
@@ -770,8 +749,8 @@
         </p:nvSpPr>
         <p:spPr>
           <a:xfrm>
-            <a:off x="4319640" y="1604520"/>
-            <a:ext cx="3533040" cy="1896840"/>
+            <a:off x="1803960" y="1604520"/>
+            <a:ext cx="1137240" cy="904320"/>
           </a:xfrm>
           <a:prstGeom prst="rect">
             <a:avLst/>
@@ -800,8 +779,8 @@
         </p:nvSpPr>
         <p:spPr>
           <a:xfrm>
-            <a:off x="8029800" y="1604520"/>
-            <a:ext cx="3533040" cy="1896840"/>
+            <a:off x="2998440" y="1604520"/>
+            <a:ext cx="1137240" cy="904320"/>
           </a:xfrm>
           <a:prstGeom prst="rect">
             <a:avLst/>
@@ -830,8 +809,8 @@
         </p:nvSpPr>
         <p:spPr>
           <a:xfrm>
-            <a:off x="609480" y="3682080"/>
-            <a:ext cx="3533040" cy="1896840"/>
+            <a:off x="609480" y="2595240"/>
+            <a:ext cx="1137240" cy="904320"/>
           </a:xfrm>
           <a:prstGeom prst="rect">
             <a:avLst/>
@@ -860,8 +839,8 @@
         </p:nvSpPr>
         <p:spPr>
           <a:xfrm>
-            <a:off x="4319640" y="3682080"/>
-            <a:ext cx="3533040" cy="1896840"/>
+            <a:off x="1803960" y="2595240"/>
+            <a:ext cx="1137240" cy="904320"/>
           </a:xfrm>
           <a:prstGeom prst="rect">
             <a:avLst/>
@@ -890,8 +869,8 @@
         </p:nvSpPr>
         <p:spPr>
           <a:xfrm>
-            <a:off x="8029800" y="3682080"/>
-            <a:ext cx="3533040" cy="1896840"/>
+            <a:off x="2998440" y="2595240"/>
+            <a:ext cx="1137240" cy="904320"/>
           </a:xfrm>
           <a:prstGeom prst="rect">
             <a:avLst/>
@@ -965,7 +944,7 @@
         <p:spPr>
           <a:xfrm>
             <a:off x="609480" y="273600"/>
-            <a:ext cx="10972440" cy="1144800"/>
+            <a:ext cx="10972080" cy="1144440"/>
           </a:xfrm>
           <a:prstGeom prst="rect">
             <a:avLst/>
@@ -994,7 +973,7 @@
         <p:spPr>
           <a:xfrm>
             <a:off x="609480" y="1604520"/>
-            <a:ext cx="10972440" cy="3977280"/>
+            <a:ext cx="3532680" cy="1896480"/>
           </a:xfrm>
           <a:prstGeom prst="rect">
             <a:avLst/>
@@ -1045,7 +1024,7 @@
         <p:spPr>
           <a:xfrm>
             <a:off x="609480" y="273600"/>
-            <a:ext cx="10972440" cy="1144800"/>
+            <a:ext cx="10972080" cy="1144440"/>
           </a:xfrm>
           <a:prstGeom prst="rect">
             <a:avLst/>
@@ -1074,7 +1053,7 @@
         <p:spPr>
           <a:xfrm>
             <a:off x="609480" y="1604520"/>
-            <a:ext cx="10972440" cy="3977280"/>
+            <a:ext cx="3532680" cy="1896480"/>
           </a:xfrm>
           <a:prstGeom prst="rect">
             <a:avLst/>
@@ -1126,7 +1105,7 @@
         <p:spPr>
           <a:xfrm>
             <a:off x="609480" y="273600"/>
-            <a:ext cx="10972440" cy="1144800"/>
+            <a:ext cx="10972080" cy="1144440"/>
           </a:xfrm>
           <a:prstGeom prst="rect">
             <a:avLst/>
@@ -1155,7 +1134,7 @@
         <p:spPr>
           <a:xfrm>
             <a:off x="609480" y="1604520"/>
-            <a:ext cx="5354280" cy="3977280"/>
+            <a:ext cx="1723680" cy="1896480"/>
           </a:xfrm>
           <a:prstGeom prst="rect">
             <a:avLst/>
@@ -1184,8 +1163,8 @@
         </p:nvSpPr>
         <p:spPr>
           <a:xfrm>
-            <a:off x="6231960" y="1604520"/>
-            <a:ext cx="5354280" cy="3977280"/>
+            <a:off x="2419560" y="1604520"/>
+            <a:ext cx="1723680" cy="1896480"/>
           </a:xfrm>
           <a:prstGeom prst="rect">
             <a:avLst/>
@@ -1237,7 +1216,7 @@
         <p:spPr>
           <a:xfrm>
             <a:off x="609480" y="273600"/>
-            <a:ext cx="10972440" cy="1144800"/>
+            <a:ext cx="10972080" cy="1144440"/>
           </a:xfrm>
           <a:prstGeom prst="rect">
             <a:avLst/>
@@ -1288,7 +1267,7 @@
         <p:spPr>
           <a:xfrm>
             <a:off x="609480" y="273600"/>
-            <a:ext cx="10972440" cy="5307840"/>
+            <a:ext cx="10972080" cy="5306400"/>
           </a:xfrm>
           <a:prstGeom prst="rect">
             <a:avLst/>
@@ -1339,7 +1318,7 @@
         <p:spPr>
           <a:xfrm>
             <a:off x="609480" y="273600"/>
-            <a:ext cx="10972440" cy="1144800"/>
+            <a:ext cx="10972080" cy="1144440"/>
           </a:xfrm>
           <a:prstGeom prst="rect">
             <a:avLst/>
@@ -1368,7 +1347,7 @@
         <p:spPr>
           <a:xfrm>
             <a:off x="609480" y="1604520"/>
-            <a:ext cx="5354280" cy="1896840"/>
+            <a:ext cx="1723680" cy="904320"/>
           </a:xfrm>
           <a:prstGeom prst="rect">
             <a:avLst/>
@@ -1397,8 +1376,8 @@
         </p:nvSpPr>
         <p:spPr>
           <a:xfrm>
-            <a:off x="6231960" y="1604520"/>
-            <a:ext cx="5354280" cy="3977280"/>
+            <a:off x="2419560" y="1604520"/>
+            <a:ext cx="1723680" cy="1896480"/>
           </a:xfrm>
           <a:prstGeom prst="rect">
             <a:avLst/>
@@ -1427,8 +1406,8 @@
         </p:nvSpPr>
         <p:spPr>
           <a:xfrm>
-            <a:off x="609480" y="3682080"/>
-            <a:ext cx="5354280" cy="1896840"/>
+            <a:off x="609480" y="2595240"/>
+            <a:ext cx="1723680" cy="904320"/>
           </a:xfrm>
           <a:prstGeom prst="rect">
             <a:avLst/>
@@ -1480,7 +1459,7 @@
         <p:spPr>
           <a:xfrm>
             <a:off x="609480" y="273600"/>
-            <a:ext cx="10972440" cy="1144800"/>
+            <a:ext cx="10972080" cy="1144440"/>
           </a:xfrm>
           <a:prstGeom prst="rect">
             <a:avLst/>
@@ -1509,7 +1488,7 @@
         <p:spPr>
           <a:xfrm>
             <a:off x="609480" y="1604520"/>
-            <a:ext cx="10972440" cy="3977280"/>
+            <a:ext cx="3532680" cy="1896480"/>
           </a:xfrm>
           <a:prstGeom prst="rect">
             <a:avLst/>
@@ -1560,7 +1539,7 @@
         <p:spPr>
           <a:xfrm>
             <a:off x="609480" y="273600"/>
-            <a:ext cx="10972440" cy="1144800"/>
+            <a:ext cx="10972080" cy="1144440"/>
           </a:xfrm>
           <a:prstGeom prst="rect">
             <a:avLst/>
@@ -1589,7 +1568,7 @@
         <p:spPr>
           <a:xfrm>
             <a:off x="609480" y="1604520"/>
-            <a:ext cx="5354280" cy="3977280"/>
+            <a:ext cx="1723680" cy="1896480"/>
           </a:xfrm>
           <a:prstGeom prst="rect">
             <a:avLst/>
@@ -1618,8 +1597,8 @@
         </p:nvSpPr>
         <p:spPr>
           <a:xfrm>
-            <a:off x="6231960" y="1604520"/>
-            <a:ext cx="5354280" cy="1896840"/>
+            <a:off x="2419560" y="1604520"/>
+            <a:ext cx="1723680" cy="904320"/>
           </a:xfrm>
           <a:prstGeom prst="rect">
             <a:avLst/>
@@ -1648,8 +1627,8 @@
         </p:nvSpPr>
         <p:spPr>
           <a:xfrm>
-            <a:off x="6231960" y="3682080"/>
-            <a:ext cx="5354280" cy="1896840"/>
+            <a:off x="2419560" y="2595240"/>
+            <a:ext cx="1723680" cy="904320"/>
           </a:xfrm>
           <a:prstGeom prst="rect">
             <a:avLst/>
@@ -1701,7 +1680,7 @@
         <p:spPr>
           <a:xfrm>
             <a:off x="609480" y="273600"/>
-            <a:ext cx="10972440" cy="1144800"/>
+            <a:ext cx="10972080" cy="1144440"/>
           </a:xfrm>
           <a:prstGeom prst="rect">
             <a:avLst/>
@@ -1730,7 +1709,7 @@
         <p:spPr>
           <a:xfrm>
             <a:off x="609480" y="1604520"/>
-            <a:ext cx="5354280" cy="1896840"/>
+            <a:ext cx="1723680" cy="904320"/>
           </a:xfrm>
           <a:prstGeom prst="rect">
             <a:avLst/>
@@ -1759,8 +1738,8 @@
         </p:nvSpPr>
         <p:spPr>
           <a:xfrm>
-            <a:off x="6231960" y="1604520"/>
-            <a:ext cx="5354280" cy="1896840"/>
+            <a:off x="2419560" y="1604520"/>
+            <a:ext cx="1723680" cy="904320"/>
           </a:xfrm>
           <a:prstGeom prst="rect">
             <a:avLst/>
@@ -1789,8 +1768,8 @@
         </p:nvSpPr>
         <p:spPr>
           <a:xfrm>
-            <a:off x="609480" y="3682080"/>
-            <a:ext cx="10972440" cy="1896840"/>
+            <a:off x="609480" y="2595240"/>
+            <a:ext cx="3532680" cy="904320"/>
           </a:xfrm>
           <a:prstGeom prst="rect">
             <a:avLst/>
@@ -1842,7 +1821,7 @@
         <p:spPr>
           <a:xfrm>
             <a:off x="609480" y="273600"/>
-            <a:ext cx="10972440" cy="1144800"/>
+            <a:ext cx="10972080" cy="1144440"/>
           </a:xfrm>
           <a:prstGeom prst="rect">
             <a:avLst/>
@@ -1871,7 +1850,7 @@
         <p:spPr>
           <a:xfrm>
             <a:off x="609480" y="1604520"/>
-            <a:ext cx="10972440" cy="1896840"/>
+            <a:ext cx="3532680" cy="904320"/>
           </a:xfrm>
           <a:prstGeom prst="rect">
             <a:avLst/>
@@ -1900,8 +1879,8 @@
         </p:nvSpPr>
         <p:spPr>
           <a:xfrm>
-            <a:off x="609480" y="3682080"/>
-            <a:ext cx="10972440" cy="1896840"/>
+            <a:off x="609480" y="2595240"/>
+            <a:ext cx="3532680" cy="904320"/>
           </a:xfrm>
           <a:prstGeom prst="rect">
             <a:avLst/>
@@ -1953,7 +1932,7 @@
         <p:spPr>
           <a:xfrm>
             <a:off x="609480" y="273600"/>
-            <a:ext cx="10972440" cy="1144800"/>
+            <a:ext cx="10972080" cy="1144440"/>
           </a:xfrm>
           <a:prstGeom prst="rect">
             <a:avLst/>
@@ -1982,7 +1961,7 @@
         <p:spPr>
           <a:xfrm>
             <a:off x="609480" y="1604520"/>
-            <a:ext cx="5354280" cy="1896840"/>
+            <a:ext cx="1723680" cy="904320"/>
           </a:xfrm>
           <a:prstGeom prst="rect">
             <a:avLst/>
@@ -2011,8 +1990,8 @@
         </p:nvSpPr>
         <p:spPr>
           <a:xfrm>
-            <a:off x="6231960" y="1604520"/>
-            <a:ext cx="5354280" cy="1896840"/>
+            <a:off x="2419560" y="1604520"/>
+            <a:ext cx="1723680" cy="904320"/>
           </a:xfrm>
           <a:prstGeom prst="rect">
             <a:avLst/>
@@ -2041,8 +2020,8 @@
         </p:nvSpPr>
         <p:spPr>
           <a:xfrm>
-            <a:off x="609480" y="3682080"/>
-            <a:ext cx="5354280" cy="1896840"/>
+            <a:off x="609480" y="2595240"/>
+            <a:ext cx="1723680" cy="904320"/>
           </a:xfrm>
           <a:prstGeom prst="rect">
             <a:avLst/>
@@ -2071,8 +2050,8 @@
         </p:nvSpPr>
         <p:spPr>
           <a:xfrm>
-            <a:off x="6231960" y="3682080"/>
-            <a:ext cx="5354280" cy="1896840"/>
+            <a:off x="2419560" y="2595240"/>
+            <a:ext cx="1723680" cy="904320"/>
           </a:xfrm>
           <a:prstGeom prst="rect">
             <a:avLst/>
@@ -2124,7 +2103,7 @@
         <p:spPr>
           <a:xfrm>
             <a:off x="609480" y="273600"/>
-            <a:ext cx="10972440" cy="1144800"/>
+            <a:ext cx="10972080" cy="1144440"/>
           </a:xfrm>
           <a:prstGeom prst="rect">
             <a:avLst/>
@@ -2153,7 +2132,7 @@
         <p:spPr>
           <a:xfrm>
             <a:off x="609480" y="1604520"/>
-            <a:ext cx="3533040" cy="1896840"/>
+            <a:ext cx="1137240" cy="904320"/>
           </a:xfrm>
           <a:prstGeom prst="rect">
             <a:avLst/>
@@ -2182,8 +2161,8 @@
         </p:nvSpPr>
         <p:spPr>
           <a:xfrm>
-            <a:off x="4319640" y="1604520"/>
-            <a:ext cx="3533040" cy="1896840"/>
+            <a:off x="1803960" y="1604520"/>
+            <a:ext cx="1137240" cy="904320"/>
           </a:xfrm>
           <a:prstGeom prst="rect">
             <a:avLst/>
@@ -2212,8 +2191,8 @@
         </p:nvSpPr>
         <p:spPr>
           <a:xfrm>
-            <a:off x="8029800" y="1604520"/>
-            <a:ext cx="3533040" cy="1896840"/>
+            <a:off x="2998440" y="1604520"/>
+            <a:ext cx="1137240" cy="904320"/>
           </a:xfrm>
           <a:prstGeom prst="rect">
             <a:avLst/>
@@ -2242,8 +2221,8 @@
         </p:nvSpPr>
         <p:spPr>
           <a:xfrm>
-            <a:off x="609480" y="3682080"/>
-            <a:ext cx="3533040" cy="1896840"/>
+            <a:off x="609480" y="2595240"/>
+            <a:ext cx="1137240" cy="904320"/>
           </a:xfrm>
           <a:prstGeom prst="rect">
             <a:avLst/>
@@ -2272,8 +2251,8 @@
         </p:nvSpPr>
         <p:spPr>
           <a:xfrm>
-            <a:off x="4319640" y="3682080"/>
-            <a:ext cx="3533040" cy="1896840"/>
+            <a:off x="1803960" y="2595240"/>
+            <a:ext cx="1137240" cy="904320"/>
           </a:xfrm>
           <a:prstGeom prst="rect">
             <a:avLst/>
@@ -2302,8 +2281,8 @@
         </p:nvSpPr>
         <p:spPr>
           <a:xfrm>
-            <a:off x="8029800" y="3682080"/>
-            <a:ext cx="3533040" cy="1896840"/>
+            <a:off x="2998440" y="2595240"/>
+            <a:ext cx="1137240" cy="904320"/>
           </a:xfrm>
           <a:prstGeom prst="rect">
             <a:avLst/>
@@ -2377,7 +2356,7 @@
         <p:spPr>
           <a:xfrm>
             <a:off x="609480" y="273600"/>
-            <a:ext cx="10972440" cy="1144800"/>
+            <a:ext cx="10972080" cy="1144440"/>
           </a:xfrm>
           <a:prstGeom prst="rect">
             <a:avLst/>
@@ -2406,7 +2385,7 @@
         <p:spPr>
           <a:xfrm>
             <a:off x="609480" y="1604520"/>
-            <a:ext cx="10972440" cy="3977280"/>
+            <a:ext cx="3532680" cy="1896480"/>
           </a:xfrm>
           <a:prstGeom prst="rect">
             <a:avLst/>
@@ -2457,7 +2436,7 @@
         <p:spPr>
           <a:xfrm>
             <a:off x="609480" y="273600"/>
-            <a:ext cx="10972440" cy="1144800"/>
+            <a:ext cx="10972080" cy="1144440"/>
           </a:xfrm>
           <a:prstGeom prst="rect">
             <a:avLst/>
@@ -2486,7 +2465,7 @@
         <p:spPr>
           <a:xfrm>
             <a:off x="609480" y="1604520"/>
-            <a:ext cx="10972440" cy="3977280"/>
+            <a:ext cx="3532680" cy="1896480"/>
           </a:xfrm>
           <a:prstGeom prst="rect">
             <a:avLst/>
@@ -2538,7 +2517,7 @@
         <p:spPr>
           <a:xfrm>
             <a:off x="609480" y="273600"/>
-            <a:ext cx="10972440" cy="1144800"/>
+            <a:ext cx="10972080" cy="1144440"/>
           </a:xfrm>
           <a:prstGeom prst="rect">
             <a:avLst/>
@@ -2567,7 +2546,7 @@
         <p:spPr>
           <a:xfrm>
             <a:off x="609480" y="1604520"/>
-            <a:ext cx="5354280" cy="3977280"/>
+            <a:ext cx="1723680" cy="1896480"/>
           </a:xfrm>
           <a:prstGeom prst="rect">
             <a:avLst/>
@@ -2596,8 +2575,8 @@
         </p:nvSpPr>
         <p:spPr>
           <a:xfrm>
-            <a:off x="6231960" y="1604520"/>
-            <a:ext cx="5354280" cy="3977280"/>
+            <a:off x="2419560" y="1604520"/>
+            <a:ext cx="1723680" cy="1896480"/>
           </a:xfrm>
           <a:prstGeom prst="rect">
             <a:avLst/>
@@ -2649,7 +2628,7 @@
         <p:spPr>
           <a:xfrm>
             <a:off x="609480" y="273600"/>
-            <a:ext cx="10972440" cy="1144800"/>
+            <a:ext cx="10972080" cy="1144440"/>
           </a:xfrm>
           <a:prstGeom prst="rect">
             <a:avLst/>
@@ -2700,7 +2679,7 @@
         <p:spPr>
           <a:xfrm>
             <a:off x="609480" y="273600"/>
-            <a:ext cx="10972440" cy="1144800"/>
+            <a:ext cx="10972080" cy="1144440"/>
           </a:xfrm>
           <a:prstGeom prst="rect">
             <a:avLst/>
@@ -2729,7 +2708,7 @@
         <p:spPr>
           <a:xfrm>
             <a:off x="609480" y="1604520"/>
-            <a:ext cx="10972440" cy="3977280"/>
+            <a:ext cx="3532680" cy="1896480"/>
           </a:xfrm>
           <a:prstGeom prst="rect">
             <a:avLst/>
@@ -2781,7 +2760,7 @@
         <p:spPr>
           <a:xfrm>
             <a:off x="609480" y="273600"/>
-            <a:ext cx="10972440" cy="5307840"/>
+            <a:ext cx="10972080" cy="5306400"/>
           </a:xfrm>
           <a:prstGeom prst="rect">
             <a:avLst/>
@@ -2832,7 +2811,7 @@
         <p:spPr>
           <a:xfrm>
             <a:off x="609480" y="273600"/>
-            <a:ext cx="10972440" cy="1144800"/>
+            <a:ext cx="10972080" cy="1144440"/>
           </a:xfrm>
           <a:prstGeom prst="rect">
             <a:avLst/>
@@ -2861,7 +2840,7 @@
         <p:spPr>
           <a:xfrm>
             <a:off x="609480" y="1604520"/>
-            <a:ext cx="5354280" cy="1896840"/>
+            <a:ext cx="1723680" cy="904320"/>
           </a:xfrm>
           <a:prstGeom prst="rect">
             <a:avLst/>
@@ -2890,8 +2869,8 @@
         </p:nvSpPr>
         <p:spPr>
           <a:xfrm>
-            <a:off x="6231960" y="1604520"/>
-            <a:ext cx="5354280" cy="3977280"/>
+            <a:off x="2419560" y="1604520"/>
+            <a:ext cx="1723680" cy="1896480"/>
           </a:xfrm>
           <a:prstGeom prst="rect">
             <a:avLst/>
@@ -2920,8 +2899,8 @@
         </p:nvSpPr>
         <p:spPr>
           <a:xfrm>
-            <a:off x="609480" y="3682080"/>
-            <a:ext cx="5354280" cy="1896840"/>
+            <a:off x="609480" y="2595240"/>
+            <a:ext cx="1723680" cy="904320"/>
           </a:xfrm>
           <a:prstGeom prst="rect">
             <a:avLst/>
@@ -2973,7 +2952,7 @@
         <p:spPr>
           <a:xfrm>
             <a:off x="609480" y="273600"/>
-            <a:ext cx="10972440" cy="1144800"/>
+            <a:ext cx="10972080" cy="1144440"/>
           </a:xfrm>
           <a:prstGeom prst="rect">
             <a:avLst/>
@@ -3002,7 +2981,7 @@
         <p:spPr>
           <a:xfrm>
             <a:off x="609480" y="1604520"/>
-            <a:ext cx="5354280" cy="3977280"/>
+            <a:ext cx="1723680" cy="1896480"/>
           </a:xfrm>
           <a:prstGeom prst="rect">
             <a:avLst/>
@@ -3031,8 +3010,8 @@
         </p:nvSpPr>
         <p:spPr>
           <a:xfrm>
-            <a:off x="6231960" y="1604520"/>
-            <a:ext cx="5354280" cy="1896840"/>
+            <a:off x="2419560" y="1604520"/>
+            <a:ext cx="1723680" cy="904320"/>
           </a:xfrm>
           <a:prstGeom prst="rect">
             <a:avLst/>
@@ -3061,8 +3040,8 @@
         </p:nvSpPr>
         <p:spPr>
           <a:xfrm>
-            <a:off x="6231960" y="3682080"/>
-            <a:ext cx="5354280" cy="1896840"/>
+            <a:off x="2419560" y="2595240"/>
+            <a:ext cx="1723680" cy="904320"/>
           </a:xfrm>
           <a:prstGeom prst="rect">
             <a:avLst/>
@@ -3114,7 +3093,7 @@
         <p:spPr>
           <a:xfrm>
             <a:off x="609480" y="273600"/>
-            <a:ext cx="10972440" cy="1144800"/>
+            <a:ext cx="10972080" cy="1144440"/>
           </a:xfrm>
           <a:prstGeom prst="rect">
             <a:avLst/>
@@ -3143,7 +3122,7 @@
         <p:spPr>
           <a:xfrm>
             <a:off x="609480" y="1604520"/>
-            <a:ext cx="5354280" cy="1896840"/>
+            <a:ext cx="1723680" cy="904320"/>
           </a:xfrm>
           <a:prstGeom prst="rect">
             <a:avLst/>
@@ -3172,8 +3151,8 @@
         </p:nvSpPr>
         <p:spPr>
           <a:xfrm>
-            <a:off x="6231960" y="1604520"/>
-            <a:ext cx="5354280" cy="1896840"/>
+            <a:off x="2419560" y="1604520"/>
+            <a:ext cx="1723680" cy="904320"/>
           </a:xfrm>
           <a:prstGeom prst="rect">
             <a:avLst/>
@@ -3202,8 +3181,8 @@
         </p:nvSpPr>
         <p:spPr>
           <a:xfrm>
-            <a:off x="609480" y="3682080"/>
-            <a:ext cx="10972440" cy="1896840"/>
+            <a:off x="609480" y="2595240"/>
+            <a:ext cx="3532680" cy="904320"/>
           </a:xfrm>
           <a:prstGeom prst="rect">
             <a:avLst/>
@@ -3255,7 +3234,7 @@
         <p:spPr>
           <a:xfrm>
             <a:off x="609480" y="273600"/>
-            <a:ext cx="10972440" cy="1144800"/>
+            <a:ext cx="10972080" cy="1144440"/>
           </a:xfrm>
           <a:prstGeom prst="rect">
             <a:avLst/>
@@ -3284,7 +3263,7 @@
         <p:spPr>
           <a:xfrm>
             <a:off x="609480" y="1604520"/>
-            <a:ext cx="10972440" cy="1896840"/>
+            <a:ext cx="3532680" cy="904320"/>
           </a:xfrm>
           <a:prstGeom prst="rect">
             <a:avLst/>
@@ -3313,8 +3292,8 @@
         </p:nvSpPr>
         <p:spPr>
           <a:xfrm>
-            <a:off x="609480" y="3682080"/>
-            <a:ext cx="10972440" cy="1896840"/>
+            <a:off x="609480" y="2595240"/>
+            <a:ext cx="3532680" cy="904320"/>
           </a:xfrm>
           <a:prstGeom prst="rect">
             <a:avLst/>
@@ -3366,7 +3345,7 @@
         <p:spPr>
           <a:xfrm>
             <a:off x="609480" y="273600"/>
-            <a:ext cx="10972440" cy="1144800"/>
+            <a:ext cx="10972080" cy="1144440"/>
           </a:xfrm>
           <a:prstGeom prst="rect">
             <a:avLst/>
@@ -3395,7 +3374,7 @@
         <p:spPr>
           <a:xfrm>
             <a:off x="609480" y="1604520"/>
-            <a:ext cx="5354280" cy="1896840"/>
+            <a:ext cx="1723680" cy="904320"/>
           </a:xfrm>
           <a:prstGeom prst="rect">
             <a:avLst/>
@@ -3424,8 +3403,8 @@
         </p:nvSpPr>
         <p:spPr>
           <a:xfrm>
-            <a:off x="6231960" y="1604520"/>
-            <a:ext cx="5354280" cy="1896840"/>
+            <a:off x="2419560" y="1604520"/>
+            <a:ext cx="1723680" cy="904320"/>
           </a:xfrm>
           <a:prstGeom prst="rect">
             <a:avLst/>
@@ -3454,8 +3433,8 @@
         </p:nvSpPr>
         <p:spPr>
           <a:xfrm>
-            <a:off x="609480" y="3682080"/>
-            <a:ext cx="5354280" cy="1896840"/>
+            <a:off x="609480" y="2595240"/>
+            <a:ext cx="1723680" cy="904320"/>
           </a:xfrm>
           <a:prstGeom prst="rect">
             <a:avLst/>
@@ -3484,8 +3463,8 @@
         </p:nvSpPr>
         <p:spPr>
           <a:xfrm>
-            <a:off x="6231960" y="3682080"/>
-            <a:ext cx="5354280" cy="1896840"/>
+            <a:off x="2419560" y="2595240"/>
+            <a:ext cx="1723680" cy="904320"/>
           </a:xfrm>
           <a:prstGeom prst="rect">
             <a:avLst/>
@@ -3537,7 +3516,7 @@
         <p:spPr>
           <a:xfrm>
             <a:off x="609480" y="273600"/>
-            <a:ext cx="10972440" cy="1144800"/>
+            <a:ext cx="10972080" cy="1144440"/>
           </a:xfrm>
           <a:prstGeom prst="rect">
             <a:avLst/>
@@ -3566,7 +3545,7 @@
         <p:spPr>
           <a:xfrm>
             <a:off x="609480" y="1604520"/>
-            <a:ext cx="3533040" cy="1896840"/>
+            <a:ext cx="1137240" cy="904320"/>
           </a:xfrm>
           <a:prstGeom prst="rect">
             <a:avLst/>
@@ -3595,8 +3574,8 @@
         </p:nvSpPr>
         <p:spPr>
           <a:xfrm>
-            <a:off x="4319640" y="1604520"/>
-            <a:ext cx="3533040" cy="1896840"/>
+            <a:off x="1803960" y="1604520"/>
+            <a:ext cx="1137240" cy="904320"/>
           </a:xfrm>
           <a:prstGeom prst="rect">
             <a:avLst/>
@@ -3625,8 +3604,8 @@
         </p:nvSpPr>
         <p:spPr>
           <a:xfrm>
-            <a:off x="8029800" y="1604520"/>
-            <a:ext cx="3533040" cy="1896840"/>
+            <a:off x="2998440" y="1604520"/>
+            <a:ext cx="1137240" cy="904320"/>
           </a:xfrm>
           <a:prstGeom prst="rect">
             <a:avLst/>
@@ -3655,8 +3634,8 @@
         </p:nvSpPr>
         <p:spPr>
           <a:xfrm>
-            <a:off x="609480" y="3682080"/>
-            <a:ext cx="3533040" cy="1896840"/>
+            <a:off x="609480" y="2595240"/>
+            <a:ext cx="1137240" cy="904320"/>
           </a:xfrm>
           <a:prstGeom prst="rect">
             <a:avLst/>
@@ -3685,8 +3664,8 @@
         </p:nvSpPr>
         <p:spPr>
           <a:xfrm>
-            <a:off x="4319640" y="3682080"/>
-            <a:ext cx="3533040" cy="1896840"/>
+            <a:off x="1803960" y="2595240"/>
+            <a:ext cx="1137240" cy="904320"/>
           </a:xfrm>
           <a:prstGeom prst="rect">
             <a:avLst/>
@@ -3715,8 +3694,191 @@
         </p:nvSpPr>
         <p:spPr>
           <a:xfrm>
-            <a:off x="8029800" y="3682080"/>
-            <a:ext cx="3533040" cy="1896840"/>
+            <a:off x="2998440" y="2595240"/>
+            <a:ext cx="1137240" cy="904320"/>
+          </a:xfrm>
+          <a:prstGeom prst="rect">
+            <a:avLst/>
+          </a:prstGeom>
+        </p:spPr>
+        <p:txBody>
+          <a:bodyPr lIns="0" rIns="0" tIns="0" bIns="0">
+            <a:normAutofit/>
+          </a:bodyPr>
+          <a:p>
+            <a:endParaRPr b="0" lang="en-US" sz="3200" spc="-1" strike="noStrike">
+              <a:latin typeface="Arial"/>
+            </a:endParaRPr>
+          </a:p>
+        </p:txBody>
+      </p:sp>
+    </p:spTree>
+  </p:cSld>
+</p:sldLayout>
+</file>
+
+<file path=ppt/slideLayouts/slideLayout37.xml><?xml version="1.0" encoding="utf-8"?>
+<p:sldLayout xmlns:a="http://schemas.openxmlformats.org/drawingml/2006/main" xmlns:p="http://schemas.openxmlformats.org/presentationml/2006/main" xmlns:r="http://schemas.openxmlformats.org/officeDocument/2006/relationships" xmlns:p14="http://schemas.microsoft.com/office/powerpoint/2010/main" xmlns:p15="http://schemas.microsoft.com/office/powerpoint/2012/main" xmlns:mc="http://schemas.openxmlformats.org/markup-compatibility/2006" type="blank" preserve="1">
+  <p:cSld name="Blank Slide">
+    <p:spTree>
+      <p:nvGrpSpPr>
+        <p:cNvPr id="1" name=""/>
+        <p:cNvGrpSpPr/>
+        <p:nvPr/>
+      </p:nvGrpSpPr>
+      <p:grpSpPr>
+        <a:xfrm>
+          <a:off x="0" y="0"/>
+          <a:ext cx="0" cy="0"/>
+          <a:chOff x="0" y="0"/>
+          <a:chExt cx="0" cy="0"/>
+        </a:xfrm>
+      </p:grpSpPr>
+    </p:spTree>
+  </p:cSld>
+</p:sldLayout>
+</file>
+
+<file path=ppt/slideLayouts/slideLayout38.xml><?xml version="1.0" encoding="utf-8"?>
+<p:sldLayout xmlns:a="http://schemas.openxmlformats.org/drawingml/2006/main" xmlns:p="http://schemas.openxmlformats.org/presentationml/2006/main" xmlns:r="http://schemas.openxmlformats.org/officeDocument/2006/relationships" xmlns:p14="http://schemas.microsoft.com/office/powerpoint/2010/main" xmlns:p15="http://schemas.microsoft.com/office/powerpoint/2012/main" xmlns:mc="http://schemas.openxmlformats.org/markup-compatibility/2006" type="tx" preserve="1">
+  <p:cSld name="Title Slide">
+    <p:spTree>
+      <p:nvGrpSpPr>
+        <p:cNvPr id="1" name=""/>
+        <p:cNvGrpSpPr/>
+        <p:nvPr/>
+      </p:nvGrpSpPr>
+      <p:grpSpPr>
+        <a:xfrm>
+          <a:off x="0" y="0"/>
+          <a:ext cx="0" cy="0"/>
+          <a:chOff x="0" y="0"/>
+          <a:chExt cx="0" cy="0"/>
+        </a:xfrm>
+      </p:grpSpPr>
+      <p:sp>
+        <p:nvSpPr>
+          <p:cNvPr id="135" name="PlaceHolder 1"/>
+          <p:cNvSpPr>
+            <a:spLocks noGrp="1"/>
+          </p:cNvSpPr>
+          <p:nvPr>
+            <p:ph type="title"/>
+          </p:nvPr>
+        </p:nvSpPr>
+        <p:spPr>
+          <a:xfrm>
+            <a:off x="609480" y="273600"/>
+            <a:ext cx="10972080" cy="1144440"/>
+          </a:xfrm>
+          <a:prstGeom prst="rect">
+            <a:avLst/>
+          </a:prstGeom>
+        </p:spPr>
+        <p:txBody>
+          <a:bodyPr lIns="0" rIns="0" tIns="0" bIns="0" anchor="ctr"/>
+          <a:p>
+            <a:pPr algn="ctr"/>
+            <a:endParaRPr b="0" lang="en-US" sz="4400" spc="-1" strike="noStrike">
+              <a:latin typeface="Arial"/>
+            </a:endParaRPr>
+          </a:p>
+        </p:txBody>
+      </p:sp>
+      <p:sp>
+        <p:nvSpPr>
+          <p:cNvPr id="136" name="PlaceHolder 2"/>
+          <p:cNvSpPr>
+            <a:spLocks noGrp="1"/>
+          </p:cNvSpPr>
+          <p:nvPr>
+            <p:ph type="subTitle"/>
+          </p:nvPr>
+        </p:nvSpPr>
+        <p:spPr>
+          <a:xfrm>
+            <a:off x="609480" y="1604520"/>
+            <a:ext cx="3532680" cy="1896480"/>
+          </a:xfrm>
+          <a:prstGeom prst="rect">
+            <a:avLst/>
+          </a:prstGeom>
+        </p:spPr>
+        <p:txBody>
+          <a:bodyPr lIns="0" rIns="0" tIns="0" bIns="0" anchor="ctr"/>
+          <a:p>
+            <a:pPr algn="ctr"/>
+            <a:endParaRPr b="0" lang="en-US" sz="3200" spc="-1" strike="noStrike">
+              <a:latin typeface="Arial"/>
+            </a:endParaRPr>
+          </a:p>
+        </p:txBody>
+      </p:sp>
+    </p:spTree>
+  </p:cSld>
+</p:sldLayout>
+</file>
+
+<file path=ppt/slideLayouts/slideLayout39.xml><?xml version="1.0" encoding="utf-8"?>
+<p:sldLayout xmlns:a="http://schemas.openxmlformats.org/drawingml/2006/main" xmlns:p="http://schemas.openxmlformats.org/presentationml/2006/main" xmlns:r="http://schemas.openxmlformats.org/officeDocument/2006/relationships" xmlns:p14="http://schemas.microsoft.com/office/powerpoint/2010/main" xmlns:p15="http://schemas.microsoft.com/office/powerpoint/2012/main" xmlns:mc="http://schemas.openxmlformats.org/markup-compatibility/2006" type="obj" preserve="1">
+  <p:cSld name="Title, Content">
+    <p:spTree>
+      <p:nvGrpSpPr>
+        <p:cNvPr id="1" name=""/>
+        <p:cNvGrpSpPr/>
+        <p:nvPr/>
+      </p:nvGrpSpPr>
+      <p:grpSpPr>
+        <a:xfrm>
+          <a:off x="0" y="0"/>
+          <a:ext cx="0" cy="0"/>
+          <a:chOff x="0" y="0"/>
+          <a:chExt cx="0" cy="0"/>
+        </a:xfrm>
+      </p:grpSpPr>
+      <p:sp>
+        <p:nvSpPr>
+          <p:cNvPr id="137" name="PlaceHolder 1"/>
+          <p:cNvSpPr>
+            <a:spLocks noGrp="1"/>
+          </p:cNvSpPr>
+          <p:nvPr>
+            <p:ph type="title"/>
+          </p:nvPr>
+        </p:nvSpPr>
+        <p:spPr>
+          <a:xfrm>
+            <a:off x="609480" y="273600"/>
+            <a:ext cx="10972080" cy="1144440"/>
+          </a:xfrm>
+          <a:prstGeom prst="rect">
+            <a:avLst/>
+          </a:prstGeom>
+        </p:spPr>
+        <p:txBody>
+          <a:bodyPr lIns="0" rIns="0" tIns="0" bIns="0" anchor="ctr"/>
+          <a:p>
+            <a:pPr algn="ctr"/>
+            <a:endParaRPr b="0" lang="en-US" sz="4400" spc="-1" strike="noStrike">
+              <a:latin typeface="Arial"/>
+            </a:endParaRPr>
+          </a:p>
+        </p:txBody>
+      </p:sp>
+      <p:sp>
+        <p:nvSpPr>
+          <p:cNvPr id="138" name="PlaceHolder 2"/>
+          <p:cNvSpPr>
+            <a:spLocks noGrp="1"/>
+          </p:cNvSpPr>
+          <p:nvPr>
+            <p:ph type="body"/>
+          </p:nvPr>
+        </p:nvSpPr>
+        <p:spPr>
+          <a:xfrm>
+            <a:off x="609480" y="1604520"/>
+            <a:ext cx="3532680" cy="1896480"/>
           </a:xfrm>
           <a:prstGeom prst="rect">
             <a:avLst/>
@@ -3768,7 +3930,7 @@
         <p:spPr>
           <a:xfrm>
             <a:off x="609480" y="273600"/>
-            <a:ext cx="10972440" cy="1144800"/>
+            <a:ext cx="10972080" cy="1144440"/>
           </a:xfrm>
           <a:prstGeom prst="rect">
             <a:avLst/>
@@ -3797,7 +3959,7 @@
         <p:spPr>
           <a:xfrm>
             <a:off x="609480" y="1604520"/>
-            <a:ext cx="5354280" cy="3977280"/>
+            <a:ext cx="1723680" cy="1896480"/>
           </a:xfrm>
           <a:prstGeom prst="rect">
             <a:avLst/>
@@ -3826,8 +3988,1157 @@
         </p:nvSpPr>
         <p:spPr>
           <a:xfrm>
-            <a:off x="6231960" y="1604520"/>
-            <a:ext cx="5354280" cy="3977280"/>
+            <a:off x="2419560" y="1604520"/>
+            <a:ext cx="1723680" cy="1896480"/>
+          </a:xfrm>
+          <a:prstGeom prst="rect">
+            <a:avLst/>
+          </a:prstGeom>
+        </p:spPr>
+        <p:txBody>
+          <a:bodyPr lIns="0" rIns="0" tIns="0" bIns="0">
+            <a:normAutofit/>
+          </a:bodyPr>
+          <a:p>
+            <a:endParaRPr b="0" lang="en-US" sz="3200" spc="-1" strike="noStrike">
+              <a:latin typeface="Arial"/>
+            </a:endParaRPr>
+          </a:p>
+        </p:txBody>
+      </p:sp>
+    </p:spTree>
+  </p:cSld>
+</p:sldLayout>
+</file>
+
+<file path=ppt/slideLayouts/slideLayout40.xml><?xml version="1.0" encoding="utf-8"?>
+<p:sldLayout xmlns:a="http://schemas.openxmlformats.org/drawingml/2006/main" xmlns:p="http://schemas.openxmlformats.org/presentationml/2006/main" xmlns:r="http://schemas.openxmlformats.org/officeDocument/2006/relationships" xmlns:p14="http://schemas.microsoft.com/office/powerpoint/2010/main" xmlns:p15="http://schemas.microsoft.com/office/powerpoint/2012/main" xmlns:mc="http://schemas.openxmlformats.org/markup-compatibility/2006" type="twoObj" preserve="1">
+  <p:cSld name="Title, 2 Content">
+    <p:spTree>
+      <p:nvGrpSpPr>
+        <p:cNvPr id="1" name=""/>
+        <p:cNvGrpSpPr/>
+        <p:nvPr/>
+      </p:nvGrpSpPr>
+      <p:grpSpPr>
+        <a:xfrm>
+          <a:off x="0" y="0"/>
+          <a:ext cx="0" cy="0"/>
+          <a:chOff x="0" y="0"/>
+          <a:chExt cx="0" cy="0"/>
+        </a:xfrm>
+      </p:grpSpPr>
+      <p:sp>
+        <p:nvSpPr>
+          <p:cNvPr id="139" name="PlaceHolder 1"/>
+          <p:cNvSpPr>
+            <a:spLocks noGrp="1"/>
+          </p:cNvSpPr>
+          <p:nvPr>
+            <p:ph type="title"/>
+          </p:nvPr>
+        </p:nvSpPr>
+        <p:spPr>
+          <a:xfrm>
+            <a:off x="609480" y="273600"/>
+            <a:ext cx="10972080" cy="1144440"/>
+          </a:xfrm>
+          <a:prstGeom prst="rect">
+            <a:avLst/>
+          </a:prstGeom>
+        </p:spPr>
+        <p:txBody>
+          <a:bodyPr lIns="0" rIns="0" tIns="0" bIns="0" anchor="ctr"/>
+          <a:p>
+            <a:pPr algn="ctr"/>
+            <a:endParaRPr b="0" lang="en-US" sz="4400" spc="-1" strike="noStrike">
+              <a:latin typeface="Arial"/>
+            </a:endParaRPr>
+          </a:p>
+        </p:txBody>
+      </p:sp>
+      <p:sp>
+        <p:nvSpPr>
+          <p:cNvPr id="140" name="PlaceHolder 2"/>
+          <p:cNvSpPr>
+            <a:spLocks noGrp="1"/>
+          </p:cNvSpPr>
+          <p:nvPr>
+            <p:ph type="body"/>
+          </p:nvPr>
+        </p:nvSpPr>
+        <p:spPr>
+          <a:xfrm>
+            <a:off x="609480" y="1604520"/>
+            <a:ext cx="1723680" cy="1896480"/>
+          </a:xfrm>
+          <a:prstGeom prst="rect">
+            <a:avLst/>
+          </a:prstGeom>
+        </p:spPr>
+        <p:txBody>
+          <a:bodyPr lIns="0" rIns="0" tIns="0" bIns="0">
+            <a:normAutofit/>
+          </a:bodyPr>
+          <a:p>
+            <a:endParaRPr b="0" lang="en-US" sz="3200" spc="-1" strike="noStrike">
+              <a:latin typeface="Arial"/>
+            </a:endParaRPr>
+          </a:p>
+        </p:txBody>
+      </p:sp>
+      <p:sp>
+        <p:nvSpPr>
+          <p:cNvPr id="141" name="PlaceHolder 3"/>
+          <p:cNvSpPr>
+            <a:spLocks noGrp="1"/>
+          </p:cNvSpPr>
+          <p:nvPr>
+            <p:ph type="body"/>
+          </p:nvPr>
+        </p:nvSpPr>
+        <p:spPr>
+          <a:xfrm>
+            <a:off x="2419560" y="1604520"/>
+            <a:ext cx="1723680" cy="1896480"/>
+          </a:xfrm>
+          <a:prstGeom prst="rect">
+            <a:avLst/>
+          </a:prstGeom>
+        </p:spPr>
+        <p:txBody>
+          <a:bodyPr lIns="0" rIns="0" tIns="0" bIns="0">
+            <a:normAutofit/>
+          </a:bodyPr>
+          <a:p>
+            <a:endParaRPr b="0" lang="en-US" sz="3200" spc="-1" strike="noStrike">
+              <a:latin typeface="Arial"/>
+            </a:endParaRPr>
+          </a:p>
+        </p:txBody>
+      </p:sp>
+    </p:spTree>
+  </p:cSld>
+</p:sldLayout>
+</file>
+
+<file path=ppt/slideLayouts/slideLayout41.xml><?xml version="1.0" encoding="utf-8"?>
+<p:sldLayout xmlns:a="http://schemas.openxmlformats.org/drawingml/2006/main" xmlns:p="http://schemas.openxmlformats.org/presentationml/2006/main" xmlns:r="http://schemas.openxmlformats.org/officeDocument/2006/relationships" xmlns:p14="http://schemas.microsoft.com/office/powerpoint/2010/main" xmlns:p15="http://schemas.microsoft.com/office/powerpoint/2012/main" xmlns:mc="http://schemas.openxmlformats.org/markup-compatibility/2006" type="titleOnly" preserve="1">
+  <p:cSld name="Title Only">
+    <p:spTree>
+      <p:nvGrpSpPr>
+        <p:cNvPr id="1" name=""/>
+        <p:cNvGrpSpPr/>
+        <p:nvPr/>
+      </p:nvGrpSpPr>
+      <p:grpSpPr>
+        <a:xfrm>
+          <a:off x="0" y="0"/>
+          <a:ext cx="0" cy="0"/>
+          <a:chOff x="0" y="0"/>
+          <a:chExt cx="0" cy="0"/>
+        </a:xfrm>
+      </p:grpSpPr>
+      <p:sp>
+        <p:nvSpPr>
+          <p:cNvPr id="142" name="PlaceHolder 1"/>
+          <p:cNvSpPr>
+            <a:spLocks noGrp="1"/>
+          </p:cNvSpPr>
+          <p:nvPr>
+            <p:ph type="title"/>
+          </p:nvPr>
+        </p:nvSpPr>
+        <p:spPr>
+          <a:xfrm>
+            <a:off x="609480" y="273600"/>
+            <a:ext cx="10972080" cy="1144440"/>
+          </a:xfrm>
+          <a:prstGeom prst="rect">
+            <a:avLst/>
+          </a:prstGeom>
+        </p:spPr>
+        <p:txBody>
+          <a:bodyPr lIns="0" rIns="0" tIns="0" bIns="0" anchor="ctr"/>
+          <a:p>
+            <a:pPr algn="ctr"/>
+            <a:endParaRPr b="0" lang="en-US" sz="4400" spc="-1" strike="noStrike">
+              <a:latin typeface="Arial"/>
+            </a:endParaRPr>
+          </a:p>
+        </p:txBody>
+      </p:sp>
+    </p:spTree>
+  </p:cSld>
+</p:sldLayout>
+</file>
+
+<file path=ppt/slideLayouts/slideLayout42.xml><?xml version="1.0" encoding="utf-8"?>
+<p:sldLayout xmlns:a="http://schemas.openxmlformats.org/drawingml/2006/main" xmlns:p="http://schemas.openxmlformats.org/presentationml/2006/main" xmlns:r="http://schemas.openxmlformats.org/officeDocument/2006/relationships" xmlns:p14="http://schemas.microsoft.com/office/powerpoint/2010/main" xmlns:p15="http://schemas.microsoft.com/office/powerpoint/2012/main" xmlns:mc="http://schemas.openxmlformats.org/markup-compatibility/2006" type="objOnly" preserve="1">
+  <p:cSld name="Centered Text">
+    <p:spTree>
+      <p:nvGrpSpPr>
+        <p:cNvPr id="1" name=""/>
+        <p:cNvGrpSpPr/>
+        <p:nvPr/>
+      </p:nvGrpSpPr>
+      <p:grpSpPr>
+        <a:xfrm>
+          <a:off x="0" y="0"/>
+          <a:ext cx="0" cy="0"/>
+          <a:chOff x="0" y="0"/>
+          <a:chExt cx="0" cy="0"/>
+        </a:xfrm>
+      </p:grpSpPr>
+      <p:sp>
+        <p:nvSpPr>
+          <p:cNvPr id="143" name="PlaceHolder 1"/>
+          <p:cNvSpPr>
+            <a:spLocks noGrp="1"/>
+          </p:cNvSpPr>
+          <p:nvPr>
+            <p:ph type="subTitle"/>
+          </p:nvPr>
+        </p:nvSpPr>
+        <p:spPr>
+          <a:xfrm>
+            <a:off x="609480" y="273600"/>
+            <a:ext cx="10972080" cy="5306400"/>
+          </a:xfrm>
+          <a:prstGeom prst="rect">
+            <a:avLst/>
+          </a:prstGeom>
+        </p:spPr>
+        <p:txBody>
+          <a:bodyPr lIns="0" rIns="0" tIns="0" bIns="0" anchor="ctr"/>
+          <a:p>
+            <a:pPr algn="ctr"/>
+            <a:endParaRPr b="0" lang="en-US" sz="3200" spc="-1" strike="noStrike">
+              <a:latin typeface="Arial"/>
+            </a:endParaRPr>
+          </a:p>
+        </p:txBody>
+      </p:sp>
+    </p:spTree>
+  </p:cSld>
+</p:sldLayout>
+</file>
+
+<file path=ppt/slideLayouts/slideLayout43.xml><?xml version="1.0" encoding="utf-8"?>
+<p:sldLayout xmlns:a="http://schemas.openxmlformats.org/drawingml/2006/main" xmlns:p="http://schemas.openxmlformats.org/presentationml/2006/main" xmlns:r="http://schemas.openxmlformats.org/officeDocument/2006/relationships" xmlns:p14="http://schemas.microsoft.com/office/powerpoint/2010/main" xmlns:p15="http://schemas.microsoft.com/office/powerpoint/2012/main" xmlns:mc="http://schemas.openxmlformats.org/markup-compatibility/2006" type="twoObjAndObj" preserve="1">
+  <p:cSld name="Title, 2 Content and Content">
+    <p:spTree>
+      <p:nvGrpSpPr>
+        <p:cNvPr id="1" name=""/>
+        <p:cNvGrpSpPr/>
+        <p:nvPr/>
+      </p:nvGrpSpPr>
+      <p:grpSpPr>
+        <a:xfrm>
+          <a:off x="0" y="0"/>
+          <a:ext cx="0" cy="0"/>
+          <a:chOff x="0" y="0"/>
+          <a:chExt cx="0" cy="0"/>
+        </a:xfrm>
+      </p:grpSpPr>
+      <p:sp>
+        <p:nvSpPr>
+          <p:cNvPr id="144" name="PlaceHolder 1"/>
+          <p:cNvSpPr>
+            <a:spLocks noGrp="1"/>
+          </p:cNvSpPr>
+          <p:nvPr>
+            <p:ph type="title"/>
+          </p:nvPr>
+        </p:nvSpPr>
+        <p:spPr>
+          <a:xfrm>
+            <a:off x="609480" y="273600"/>
+            <a:ext cx="10972080" cy="1144440"/>
+          </a:xfrm>
+          <a:prstGeom prst="rect">
+            <a:avLst/>
+          </a:prstGeom>
+        </p:spPr>
+        <p:txBody>
+          <a:bodyPr lIns="0" rIns="0" tIns="0" bIns="0" anchor="ctr"/>
+          <a:p>
+            <a:pPr algn="ctr"/>
+            <a:endParaRPr b="0" lang="en-US" sz="4400" spc="-1" strike="noStrike">
+              <a:latin typeface="Arial"/>
+            </a:endParaRPr>
+          </a:p>
+        </p:txBody>
+      </p:sp>
+      <p:sp>
+        <p:nvSpPr>
+          <p:cNvPr id="145" name="PlaceHolder 2"/>
+          <p:cNvSpPr>
+            <a:spLocks noGrp="1"/>
+          </p:cNvSpPr>
+          <p:nvPr>
+            <p:ph type="body"/>
+          </p:nvPr>
+        </p:nvSpPr>
+        <p:spPr>
+          <a:xfrm>
+            <a:off x="609480" y="1604520"/>
+            <a:ext cx="1723680" cy="904320"/>
+          </a:xfrm>
+          <a:prstGeom prst="rect">
+            <a:avLst/>
+          </a:prstGeom>
+        </p:spPr>
+        <p:txBody>
+          <a:bodyPr lIns="0" rIns="0" tIns="0" bIns="0">
+            <a:normAutofit/>
+          </a:bodyPr>
+          <a:p>
+            <a:endParaRPr b="0" lang="en-US" sz="3200" spc="-1" strike="noStrike">
+              <a:latin typeface="Arial"/>
+            </a:endParaRPr>
+          </a:p>
+        </p:txBody>
+      </p:sp>
+      <p:sp>
+        <p:nvSpPr>
+          <p:cNvPr id="146" name="PlaceHolder 3"/>
+          <p:cNvSpPr>
+            <a:spLocks noGrp="1"/>
+          </p:cNvSpPr>
+          <p:nvPr>
+            <p:ph type="body"/>
+          </p:nvPr>
+        </p:nvSpPr>
+        <p:spPr>
+          <a:xfrm>
+            <a:off x="2419560" y="1604520"/>
+            <a:ext cx="1723680" cy="1896480"/>
+          </a:xfrm>
+          <a:prstGeom prst="rect">
+            <a:avLst/>
+          </a:prstGeom>
+        </p:spPr>
+        <p:txBody>
+          <a:bodyPr lIns="0" rIns="0" tIns="0" bIns="0">
+            <a:normAutofit/>
+          </a:bodyPr>
+          <a:p>
+            <a:endParaRPr b="0" lang="en-US" sz="3200" spc="-1" strike="noStrike">
+              <a:latin typeface="Arial"/>
+            </a:endParaRPr>
+          </a:p>
+        </p:txBody>
+      </p:sp>
+      <p:sp>
+        <p:nvSpPr>
+          <p:cNvPr id="147" name="PlaceHolder 4"/>
+          <p:cNvSpPr>
+            <a:spLocks noGrp="1"/>
+          </p:cNvSpPr>
+          <p:nvPr>
+            <p:ph type="body"/>
+          </p:nvPr>
+        </p:nvSpPr>
+        <p:spPr>
+          <a:xfrm>
+            <a:off x="609480" y="2595240"/>
+            <a:ext cx="1723680" cy="904320"/>
+          </a:xfrm>
+          <a:prstGeom prst="rect">
+            <a:avLst/>
+          </a:prstGeom>
+        </p:spPr>
+        <p:txBody>
+          <a:bodyPr lIns="0" rIns="0" tIns="0" bIns="0">
+            <a:normAutofit/>
+          </a:bodyPr>
+          <a:p>
+            <a:endParaRPr b="0" lang="en-US" sz="3200" spc="-1" strike="noStrike">
+              <a:latin typeface="Arial"/>
+            </a:endParaRPr>
+          </a:p>
+        </p:txBody>
+      </p:sp>
+    </p:spTree>
+  </p:cSld>
+</p:sldLayout>
+</file>
+
+<file path=ppt/slideLayouts/slideLayout44.xml><?xml version="1.0" encoding="utf-8"?>
+<p:sldLayout xmlns:a="http://schemas.openxmlformats.org/drawingml/2006/main" xmlns:p="http://schemas.openxmlformats.org/presentationml/2006/main" xmlns:r="http://schemas.openxmlformats.org/officeDocument/2006/relationships" xmlns:p14="http://schemas.microsoft.com/office/powerpoint/2010/main" xmlns:p15="http://schemas.microsoft.com/office/powerpoint/2012/main" xmlns:mc="http://schemas.openxmlformats.org/markup-compatibility/2006" type="objAndTwoObj" preserve="1">
+  <p:cSld name="Title Content and 2 Content">
+    <p:spTree>
+      <p:nvGrpSpPr>
+        <p:cNvPr id="1" name=""/>
+        <p:cNvGrpSpPr/>
+        <p:nvPr/>
+      </p:nvGrpSpPr>
+      <p:grpSpPr>
+        <a:xfrm>
+          <a:off x="0" y="0"/>
+          <a:ext cx="0" cy="0"/>
+          <a:chOff x="0" y="0"/>
+          <a:chExt cx="0" cy="0"/>
+        </a:xfrm>
+      </p:grpSpPr>
+      <p:sp>
+        <p:nvSpPr>
+          <p:cNvPr id="148" name="PlaceHolder 1"/>
+          <p:cNvSpPr>
+            <a:spLocks noGrp="1"/>
+          </p:cNvSpPr>
+          <p:nvPr>
+            <p:ph type="title"/>
+          </p:nvPr>
+        </p:nvSpPr>
+        <p:spPr>
+          <a:xfrm>
+            <a:off x="609480" y="273600"/>
+            <a:ext cx="10972080" cy="1144440"/>
+          </a:xfrm>
+          <a:prstGeom prst="rect">
+            <a:avLst/>
+          </a:prstGeom>
+        </p:spPr>
+        <p:txBody>
+          <a:bodyPr lIns="0" rIns="0" tIns="0" bIns="0" anchor="ctr"/>
+          <a:p>
+            <a:pPr algn="ctr"/>
+            <a:endParaRPr b="0" lang="en-US" sz="4400" spc="-1" strike="noStrike">
+              <a:latin typeface="Arial"/>
+            </a:endParaRPr>
+          </a:p>
+        </p:txBody>
+      </p:sp>
+      <p:sp>
+        <p:nvSpPr>
+          <p:cNvPr id="149" name="PlaceHolder 2"/>
+          <p:cNvSpPr>
+            <a:spLocks noGrp="1"/>
+          </p:cNvSpPr>
+          <p:nvPr>
+            <p:ph type="body"/>
+          </p:nvPr>
+        </p:nvSpPr>
+        <p:spPr>
+          <a:xfrm>
+            <a:off x="609480" y="1604520"/>
+            <a:ext cx="1723680" cy="1896480"/>
+          </a:xfrm>
+          <a:prstGeom prst="rect">
+            <a:avLst/>
+          </a:prstGeom>
+        </p:spPr>
+        <p:txBody>
+          <a:bodyPr lIns="0" rIns="0" tIns="0" bIns="0">
+            <a:normAutofit/>
+          </a:bodyPr>
+          <a:p>
+            <a:endParaRPr b="0" lang="en-US" sz="3200" spc="-1" strike="noStrike">
+              <a:latin typeface="Arial"/>
+            </a:endParaRPr>
+          </a:p>
+        </p:txBody>
+      </p:sp>
+      <p:sp>
+        <p:nvSpPr>
+          <p:cNvPr id="150" name="PlaceHolder 3"/>
+          <p:cNvSpPr>
+            <a:spLocks noGrp="1"/>
+          </p:cNvSpPr>
+          <p:nvPr>
+            <p:ph type="body"/>
+          </p:nvPr>
+        </p:nvSpPr>
+        <p:spPr>
+          <a:xfrm>
+            <a:off x="2419560" y="1604520"/>
+            <a:ext cx="1723680" cy="904320"/>
+          </a:xfrm>
+          <a:prstGeom prst="rect">
+            <a:avLst/>
+          </a:prstGeom>
+        </p:spPr>
+        <p:txBody>
+          <a:bodyPr lIns="0" rIns="0" tIns="0" bIns="0">
+            <a:normAutofit/>
+          </a:bodyPr>
+          <a:p>
+            <a:endParaRPr b="0" lang="en-US" sz="3200" spc="-1" strike="noStrike">
+              <a:latin typeface="Arial"/>
+            </a:endParaRPr>
+          </a:p>
+        </p:txBody>
+      </p:sp>
+      <p:sp>
+        <p:nvSpPr>
+          <p:cNvPr id="151" name="PlaceHolder 4"/>
+          <p:cNvSpPr>
+            <a:spLocks noGrp="1"/>
+          </p:cNvSpPr>
+          <p:nvPr>
+            <p:ph type="body"/>
+          </p:nvPr>
+        </p:nvSpPr>
+        <p:spPr>
+          <a:xfrm>
+            <a:off x="2419560" y="2595240"/>
+            <a:ext cx="1723680" cy="904320"/>
+          </a:xfrm>
+          <a:prstGeom prst="rect">
+            <a:avLst/>
+          </a:prstGeom>
+        </p:spPr>
+        <p:txBody>
+          <a:bodyPr lIns="0" rIns="0" tIns="0" bIns="0">
+            <a:normAutofit/>
+          </a:bodyPr>
+          <a:p>
+            <a:endParaRPr b="0" lang="en-US" sz="3200" spc="-1" strike="noStrike">
+              <a:latin typeface="Arial"/>
+            </a:endParaRPr>
+          </a:p>
+        </p:txBody>
+      </p:sp>
+    </p:spTree>
+  </p:cSld>
+</p:sldLayout>
+</file>
+
+<file path=ppt/slideLayouts/slideLayout45.xml><?xml version="1.0" encoding="utf-8"?>
+<p:sldLayout xmlns:a="http://schemas.openxmlformats.org/drawingml/2006/main" xmlns:p="http://schemas.openxmlformats.org/presentationml/2006/main" xmlns:r="http://schemas.openxmlformats.org/officeDocument/2006/relationships" xmlns:p14="http://schemas.microsoft.com/office/powerpoint/2010/main" xmlns:p15="http://schemas.microsoft.com/office/powerpoint/2012/main" xmlns:mc="http://schemas.openxmlformats.org/markup-compatibility/2006" type="twoObjOverTx" preserve="1">
+  <p:cSld name="Title, 2 Content over Content">
+    <p:spTree>
+      <p:nvGrpSpPr>
+        <p:cNvPr id="1" name=""/>
+        <p:cNvGrpSpPr/>
+        <p:nvPr/>
+      </p:nvGrpSpPr>
+      <p:grpSpPr>
+        <a:xfrm>
+          <a:off x="0" y="0"/>
+          <a:ext cx="0" cy="0"/>
+          <a:chOff x="0" y="0"/>
+          <a:chExt cx="0" cy="0"/>
+        </a:xfrm>
+      </p:grpSpPr>
+      <p:sp>
+        <p:nvSpPr>
+          <p:cNvPr id="152" name="PlaceHolder 1"/>
+          <p:cNvSpPr>
+            <a:spLocks noGrp="1"/>
+          </p:cNvSpPr>
+          <p:nvPr>
+            <p:ph type="title"/>
+          </p:nvPr>
+        </p:nvSpPr>
+        <p:spPr>
+          <a:xfrm>
+            <a:off x="609480" y="273600"/>
+            <a:ext cx="10972080" cy="1144440"/>
+          </a:xfrm>
+          <a:prstGeom prst="rect">
+            <a:avLst/>
+          </a:prstGeom>
+        </p:spPr>
+        <p:txBody>
+          <a:bodyPr lIns="0" rIns="0" tIns="0" bIns="0" anchor="ctr"/>
+          <a:p>
+            <a:pPr algn="ctr"/>
+            <a:endParaRPr b="0" lang="en-US" sz="4400" spc="-1" strike="noStrike">
+              <a:latin typeface="Arial"/>
+            </a:endParaRPr>
+          </a:p>
+        </p:txBody>
+      </p:sp>
+      <p:sp>
+        <p:nvSpPr>
+          <p:cNvPr id="153" name="PlaceHolder 2"/>
+          <p:cNvSpPr>
+            <a:spLocks noGrp="1"/>
+          </p:cNvSpPr>
+          <p:nvPr>
+            <p:ph type="body"/>
+          </p:nvPr>
+        </p:nvSpPr>
+        <p:spPr>
+          <a:xfrm>
+            <a:off x="609480" y="1604520"/>
+            <a:ext cx="1723680" cy="904320"/>
+          </a:xfrm>
+          <a:prstGeom prst="rect">
+            <a:avLst/>
+          </a:prstGeom>
+        </p:spPr>
+        <p:txBody>
+          <a:bodyPr lIns="0" rIns="0" tIns="0" bIns="0">
+            <a:normAutofit/>
+          </a:bodyPr>
+          <a:p>
+            <a:endParaRPr b="0" lang="en-US" sz="3200" spc="-1" strike="noStrike">
+              <a:latin typeface="Arial"/>
+            </a:endParaRPr>
+          </a:p>
+        </p:txBody>
+      </p:sp>
+      <p:sp>
+        <p:nvSpPr>
+          <p:cNvPr id="154" name="PlaceHolder 3"/>
+          <p:cNvSpPr>
+            <a:spLocks noGrp="1"/>
+          </p:cNvSpPr>
+          <p:nvPr>
+            <p:ph type="body"/>
+          </p:nvPr>
+        </p:nvSpPr>
+        <p:spPr>
+          <a:xfrm>
+            <a:off x="2419560" y="1604520"/>
+            <a:ext cx="1723680" cy="904320"/>
+          </a:xfrm>
+          <a:prstGeom prst="rect">
+            <a:avLst/>
+          </a:prstGeom>
+        </p:spPr>
+        <p:txBody>
+          <a:bodyPr lIns="0" rIns="0" tIns="0" bIns="0">
+            <a:normAutofit/>
+          </a:bodyPr>
+          <a:p>
+            <a:endParaRPr b="0" lang="en-US" sz="3200" spc="-1" strike="noStrike">
+              <a:latin typeface="Arial"/>
+            </a:endParaRPr>
+          </a:p>
+        </p:txBody>
+      </p:sp>
+      <p:sp>
+        <p:nvSpPr>
+          <p:cNvPr id="155" name="PlaceHolder 4"/>
+          <p:cNvSpPr>
+            <a:spLocks noGrp="1"/>
+          </p:cNvSpPr>
+          <p:nvPr>
+            <p:ph type="body"/>
+          </p:nvPr>
+        </p:nvSpPr>
+        <p:spPr>
+          <a:xfrm>
+            <a:off x="609480" y="2595240"/>
+            <a:ext cx="3532680" cy="904320"/>
+          </a:xfrm>
+          <a:prstGeom prst="rect">
+            <a:avLst/>
+          </a:prstGeom>
+        </p:spPr>
+        <p:txBody>
+          <a:bodyPr lIns="0" rIns="0" tIns="0" bIns="0">
+            <a:normAutofit/>
+          </a:bodyPr>
+          <a:p>
+            <a:endParaRPr b="0" lang="en-US" sz="3200" spc="-1" strike="noStrike">
+              <a:latin typeface="Arial"/>
+            </a:endParaRPr>
+          </a:p>
+        </p:txBody>
+      </p:sp>
+    </p:spTree>
+  </p:cSld>
+</p:sldLayout>
+</file>
+
+<file path=ppt/slideLayouts/slideLayout46.xml><?xml version="1.0" encoding="utf-8"?>
+<p:sldLayout xmlns:a="http://schemas.openxmlformats.org/drawingml/2006/main" xmlns:p="http://schemas.openxmlformats.org/presentationml/2006/main" xmlns:r="http://schemas.openxmlformats.org/officeDocument/2006/relationships" xmlns:p14="http://schemas.microsoft.com/office/powerpoint/2010/main" xmlns:p15="http://schemas.microsoft.com/office/powerpoint/2012/main" xmlns:mc="http://schemas.openxmlformats.org/markup-compatibility/2006" type="objOverTx" preserve="1">
+  <p:cSld name="Title, Content over Content">
+    <p:spTree>
+      <p:nvGrpSpPr>
+        <p:cNvPr id="1" name=""/>
+        <p:cNvGrpSpPr/>
+        <p:nvPr/>
+      </p:nvGrpSpPr>
+      <p:grpSpPr>
+        <a:xfrm>
+          <a:off x="0" y="0"/>
+          <a:ext cx="0" cy="0"/>
+          <a:chOff x="0" y="0"/>
+          <a:chExt cx="0" cy="0"/>
+        </a:xfrm>
+      </p:grpSpPr>
+      <p:sp>
+        <p:nvSpPr>
+          <p:cNvPr id="156" name="PlaceHolder 1"/>
+          <p:cNvSpPr>
+            <a:spLocks noGrp="1"/>
+          </p:cNvSpPr>
+          <p:nvPr>
+            <p:ph type="title"/>
+          </p:nvPr>
+        </p:nvSpPr>
+        <p:spPr>
+          <a:xfrm>
+            <a:off x="609480" y="273600"/>
+            <a:ext cx="10972080" cy="1144440"/>
+          </a:xfrm>
+          <a:prstGeom prst="rect">
+            <a:avLst/>
+          </a:prstGeom>
+        </p:spPr>
+        <p:txBody>
+          <a:bodyPr lIns="0" rIns="0" tIns="0" bIns="0" anchor="ctr"/>
+          <a:p>
+            <a:pPr algn="ctr"/>
+            <a:endParaRPr b="0" lang="en-US" sz="4400" spc="-1" strike="noStrike">
+              <a:latin typeface="Arial"/>
+            </a:endParaRPr>
+          </a:p>
+        </p:txBody>
+      </p:sp>
+      <p:sp>
+        <p:nvSpPr>
+          <p:cNvPr id="157" name="PlaceHolder 2"/>
+          <p:cNvSpPr>
+            <a:spLocks noGrp="1"/>
+          </p:cNvSpPr>
+          <p:nvPr>
+            <p:ph type="body"/>
+          </p:nvPr>
+        </p:nvSpPr>
+        <p:spPr>
+          <a:xfrm>
+            <a:off x="609480" y="1604520"/>
+            <a:ext cx="3532680" cy="904320"/>
+          </a:xfrm>
+          <a:prstGeom prst="rect">
+            <a:avLst/>
+          </a:prstGeom>
+        </p:spPr>
+        <p:txBody>
+          <a:bodyPr lIns="0" rIns="0" tIns="0" bIns="0">
+            <a:normAutofit/>
+          </a:bodyPr>
+          <a:p>
+            <a:endParaRPr b="0" lang="en-US" sz="3200" spc="-1" strike="noStrike">
+              <a:latin typeface="Arial"/>
+            </a:endParaRPr>
+          </a:p>
+        </p:txBody>
+      </p:sp>
+      <p:sp>
+        <p:nvSpPr>
+          <p:cNvPr id="158" name="PlaceHolder 3"/>
+          <p:cNvSpPr>
+            <a:spLocks noGrp="1"/>
+          </p:cNvSpPr>
+          <p:nvPr>
+            <p:ph type="body"/>
+          </p:nvPr>
+        </p:nvSpPr>
+        <p:spPr>
+          <a:xfrm>
+            <a:off x="609480" y="2595240"/>
+            <a:ext cx="3532680" cy="904320"/>
+          </a:xfrm>
+          <a:prstGeom prst="rect">
+            <a:avLst/>
+          </a:prstGeom>
+        </p:spPr>
+        <p:txBody>
+          <a:bodyPr lIns="0" rIns="0" tIns="0" bIns="0">
+            <a:normAutofit/>
+          </a:bodyPr>
+          <a:p>
+            <a:endParaRPr b="0" lang="en-US" sz="3200" spc="-1" strike="noStrike">
+              <a:latin typeface="Arial"/>
+            </a:endParaRPr>
+          </a:p>
+        </p:txBody>
+      </p:sp>
+    </p:spTree>
+  </p:cSld>
+</p:sldLayout>
+</file>
+
+<file path=ppt/slideLayouts/slideLayout47.xml><?xml version="1.0" encoding="utf-8"?>
+<p:sldLayout xmlns:a="http://schemas.openxmlformats.org/drawingml/2006/main" xmlns:p="http://schemas.openxmlformats.org/presentationml/2006/main" xmlns:r="http://schemas.openxmlformats.org/officeDocument/2006/relationships" xmlns:p14="http://schemas.microsoft.com/office/powerpoint/2010/main" xmlns:p15="http://schemas.microsoft.com/office/powerpoint/2012/main" xmlns:mc="http://schemas.openxmlformats.org/markup-compatibility/2006" type="fourObj" preserve="1">
+  <p:cSld name="Title, 4 Content">
+    <p:spTree>
+      <p:nvGrpSpPr>
+        <p:cNvPr id="1" name=""/>
+        <p:cNvGrpSpPr/>
+        <p:nvPr/>
+      </p:nvGrpSpPr>
+      <p:grpSpPr>
+        <a:xfrm>
+          <a:off x="0" y="0"/>
+          <a:ext cx="0" cy="0"/>
+          <a:chOff x="0" y="0"/>
+          <a:chExt cx="0" cy="0"/>
+        </a:xfrm>
+      </p:grpSpPr>
+      <p:sp>
+        <p:nvSpPr>
+          <p:cNvPr id="159" name="PlaceHolder 1"/>
+          <p:cNvSpPr>
+            <a:spLocks noGrp="1"/>
+          </p:cNvSpPr>
+          <p:nvPr>
+            <p:ph type="title"/>
+          </p:nvPr>
+        </p:nvSpPr>
+        <p:spPr>
+          <a:xfrm>
+            <a:off x="609480" y="273600"/>
+            <a:ext cx="10972080" cy="1144440"/>
+          </a:xfrm>
+          <a:prstGeom prst="rect">
+            <a:avLst/>
+          </a:prstGeom>
+        </p:spPr>
+        <p:txBody>
+          <a:bodyPr lIns="0" rIns="0" tIns="0" bIns="0" anchor="ctr"/>
+          <a:p>
+            <a:pPr algn="ctr"/>
+            <a:endParaRPr b="0" lang="en-US" sz="4400" spc="-1" strike="noStrike">
+              <a:latin typeface="Arial"/>
+            </a:endParaRPr>
+          </a:p>
+        </p:txBody>
+      </p:sp>
+      <p:sp>
+        <p:nvSpPr>
+          <p:cNvPr id="160" name="PlaceHolder 2"/>
+          <p:cNvSpPr>
+            <a:spLocks noGrp="1"/>
+          </p:cNvSpPr>
+          <p:nvPr>
+            <p:ph type="body"/>
+          </p:nvPr>
+        </p:nvSpPr>
+        <p:spPr>
+          <a:xfrm>
+            <a:off x="609480" y="1604520"/>
+            <a:ext cx="1723680" cy="904320"/>
+          </a:xfrm>
+          <a:prstGeom prst="rect">
+            <a:avLst/>
+          </a:prstGeom>
+        </p:spPr>
+        <p:txBody>
+          <a:bodyPr lIns="0" rIns="0" tIns="0" bIns="0">
+            <a:normAutofit/>
+          </a:bodyPr>
+          <a:p>
+            <a:endParaRPr b="0" lang="en-US" sz="3200" spc="-1" strike="noStrike">
+              <a:latin typeface="Arial"/>
+            </a:endParaRPr>
+          </a:p>
+        </p:txBody>
+      </p:sp>
+      <p:sp>
+        <p:nvSpPr>
+          <p:cNvPr id="161" name="PlaceHolder 3"/>
+          <p:cNvSpPr>
+            <a:spLocks noGrp="1"/>
+          </p:cNvSpPr>
+          <p:nvPr>
+            <p:ph type="body"/>
+          </p:nvPr>
+        </p:nvSpPr>
+        <p:spPr>
+          <a:xfrm>
+            <a:off x="2419560" y="1604520"/>
+            <a:ext cx="1723680" cy="904320"/>
+          </a:xfrm>
+          <a:prstGeom prst="rect">
+            <a:avLst/>
+          </a:prstGeom>
+        </p:spPr>
+        <p:txBody>
+          <a:bodyPr lIns="0" rIns="0" tIns="0" bIns="0">
+            <a:normAutofit/>
+          </a:bodyPr>
+          <a:p>
+            <a:endParaRPr b="0" lang="en-US" sz="3200" spc="-1" strike="noStrike">
+              <a:latin typeface="Arial"/>
+            </a:endParaRPr>
+          </a:p>
+        </p:txBody>
+      </p:sp>
+      <p:sp>
+        <p:nvSpPr>
+          <p:cNvPr id="162" name="PlaceHolder 4"/>
+          <p:cNvSpPr>
+            <a:spLocks noGrp="1"/>
+          </p:cNvSpPr>
+          <p:nvPr>
+            <p:ph type="body"/>
+          </p:nvPr>
+        </p:nvSpPr>
+        <p:spPr>
+          <a:xfrm>
+            <a:off x="609480" y="2595240"/>
+            <a:ext cx="1723680" cy="904320"/>
+          </a:xfrm>
+          <a:prstGeom prst="rect">
+            <a:avLst/>
+          </a:prstGeom>
+        </p:spPr>
+        <p:txBody>
+          <a:bodyPr lIns="0" rIns="0" tIns="0" bIns="0">
+            <a:normAutofit/>
+          </a:bodyPr>
+          <a:p>
+            <a:endParaRPr b="0" lang="en-US" sz="3200" spc="-1" strike="noStrike">
+              <a:latin typeface="Arial"/>
+            </a:endParaRPr>
+          </a:p>
+        </p:txBody>
+      </p:sp>
+      <p:sp>
+        <p:nvSpPr>
+          <p:cNvPr id="163" name="PlaceHolder 5"/>
+          <p:cNvSpPr>
+            <a:spLocks noGrp="1"/>
+          </p:cNvSpPr>
+          <p:nvPr>
+            <p:ph type="body"/>
+          </p:nvPr>
+        </p:nvSpPr>
+        <p:spPr>
+          <a:xfrm>
+            <a:off x="2419560" y="2595240"/>
+            <a:ext cx="1723680" cy="904320"/>
+          </a:xfrm>
+          <a:prstGeom prst="rect">
+            <a:avLst/>
+          </a:prstGeom>
+        </p:spPr>
+        <p:txBody>
+          <a:bodyPr lIns="0" rIns="0" tIns="0" bIns="0">
+            <a:normAutofit/>
+          </a:bodyPr>
+          <a:p>
+            <a:endParaRPr b="0" lang="en-US" sz="3200" spc="-1" strike="noStrike">
+              <a:latin typeface="Arial"/>
+            </a:endParaRPr>
+          </a:p>
+        </p:txBody>
+      </p:sp>
+    </p:spTree>
+  </p:cSld>
+</p:sldLayout>
+</file>
+
+<file path=ppt/slideLayouts/slideLayout48.xml><?xml version="1.0" encoding="utf-8"?>
+<p:sldLayout xmlns:a="http://schemas.openxmlformats.org/drawingml/2006/main" xmlns:p="http://schemas.openxmlformats.org/presentationml/2006/main" xmlns:r="http://schemas.openxmlformats.org/officeDocument/2006/relationships" xmlns:p14="http://schemas.microsoft.com/office/powerpoint/2010/main" xmlns:p15="http://schemas.microsoft.com/office/powerpoint/2012/main" xmlns:mc="http://schemas.openxmlformats.org/markup-compatibility/2006" type="blank" preserve="1">
+  <p:cSld name="Title, 6 Content">
+    <p:spTree>
+      <p:nvGrpSpPr>
+        <p:cNvPr id="1" name=""/>
+        <p:cNvGrpSpPr/>
+        <p:nvPr/>
+      </p:nvGrpSpPr>
+      <p:grpSpPr>
+        <a:xfrm>
+          <a:off x="0" y="0"/>
+          <a:ext cx="0" cy="0"/>
+          <a:chOff x="0" y="0"/>
+          <a:chExt cx="0" cy="0"/>
+        </a:xfrm>
+      </p:grpSpPr>
+      <p:sp>
+        <p:nvSpPr>
+          <p:cNvPr id="164" name="PlaceHolder 1"/>
+          <p:cNvSpPr>
+            <a:spLocks noGrp="1"/>
+          </p:cNvSpPr>
+          <p:nvPr>
+            <p:ph type="title"/>
+          </p:nvPr>
+        </p:nvSpPr>
+        <p:spPr>
+          <a:xfrm>
+            <a:off x="609480" y="273600"/>
+            <a:ext cx="10972080" cy="1144440"/>
+          </a:xfrm>
+          <a:prstGeom prst="rect">
+            <a:avLst/>
+          </a:prstGeom>
+        </p:spPr>
+        <p:txBody>
+          <a:bodyPr lIns="0" rIns="0" tIns="0" bIns="0" anchor="ctr"/>
+          <a:p>
+            <a:pPr algn="ctr"/>
+            <a:endParaRPr b="0" lang="en-US" sz="4400" spc="-1" strike="noStrike">
+              <a:latin typeface="Arial"/>
+            </a:endParaRPr>
+          </a:p>
+        </p:txBody>
+      </p:sp>
+      <p:sp>
+        <p:nvSpPr>
+          <p:cNvPr id="165" name="PlaceHolder 2"/>
+          <p:cNvSpPr>
+            <a:spLocks noGrp="1"/>
+          </p:cNvSpPr>
+          <p:nvPr>
+            <p:ph type="body"/>
+          </p:nvPr>
+        </p:nvSpPr>
+        <p:spPr>
+          <a:xfrm>
+            <a:off x="609480" y="1604520"/>
+            <a:ext cx="1137240" cy="904320"/>
+          </a:xfrm>
+          <a:prstGeom prst="rect">
+            <a:avLst/>
+          </a:prstGeom>
+        </p:spPr>
+        <p:txBody>
+          <a:bodyPr lIns="0" rIns="0" tIns="0" bIns="0">
+            <a:normAutofit/>
+          </a:bodyPr>
+          <a:p>
+            <a:endParaRPr b="0" lang="en-US" sz="3200" spc="-1" strike="noStrike">
+              <a:latin typeface="Arial"/>
+            </a:endParaRPr>
+          </a:p>
+        </p:txBody>
+      </p:sp>
+      <p:sp>
+        <p:nvSpPr>
+          <p:cNvPr id="166" name="PlaceHolder 3"/>
+          <p:cNvSpPr>
+            <a:spLocks noGrp="1"/>
+          </p:cNvSpPr>
+          <p:nvPr>
+            <p:ph type="body"/>
+          </p:nvPr>
+        </p:nvSpPr>
+        <p:spPr>
+          <a:xfrm>
+            <a:off x="1803960" y="1604520"/>
+            <a:ext cx="1137240" cy="904320"/>
+          </a:xfrm>
+          <a:prstGeom prst="rect">
+            <a:avLst/>
+          </a:prstGeom>
+        </p:spPr>
+        <p:txBody>
+          <a:bodyPr lIns="0" rIns="0" tIns="0" bIns="0">
+            <a:normAutofit/>
+          </a:bodyPr>
+          <a:p>
+            <a:endParaRPr b="0" lang="en-US" sz="3200" spc="-1" strike="noStrike">
+              <a:latin typeface="Arial"/>
+            </a:endParaRPr>
+          </a:p>
+        </p:txBody>
+      </p:sp>
+      <p:sp>
+        <p:nvSpPr>
+          <p:cNvPr id="167" name="PlaceHolder 4"/>
+          <p:cNvSpPr>
+            <a:spLocks noGrp="1"/>
+          </p:cNvSpPr>
+          <p:nvPr>
+            <p:ph type="body"/>
+          </p:nvPr>
+        </p:nvSpPr>
+        <p:spPr>
+          <a:xfrm>
+            <a:off x="2998440" y="1604520"/>
+            <a:ext cx="1137240" cy="904320"/>
+          </a:xfrm>
+          <a:prstGeom prst="rect">
+            <a:avLst/>
+          </a:prstGeom>
+        </p:spPr>
+        <p:txBody>
+          <a:bodyPr lIns="0" rIns="0" tIns="0" bIns="0">
+            <a:normAutofit/>
+          </a:bodyPr>
+          <a:p>
+            <a:endParaRPr b="0" lang="en-US" sz="3200" spc="-1" strike="noStrike">
+              <a:latin typeface="Arial"/>
+            </a:endParaRPr>
+          </a:p>
+        </p:txBody>
+      </p:sp>
+      <p:sp>
+        <p:nvSpPr>
+          <p:cNvPr id="168" name="PlaceHolder 5"/>
+          <p:cNvSpPr>
+            <a:spLocks noGrp="1"/>
+          </p:cNvSpPr>
+          <p:nvPr>
+            <p:ph type="body"/>
+          </p:nvPr>
+        </p:nvSpPr>
+        <p:spPr>
+          <a:xfrm>
+            <a:off x="609480" y="2595240"/>
+            <a:ext cx="1137240" cy="904320"/>
+          </a:xfrm>
+          <a:prstGeom prst="rect">
+            <a:avLst/>
+          </a:prstGeom>
+        </p:spPr>
+        <p:txBody>
+          <a:bodyPr lIns="0" rIns="0" tIns="0" bIns="0">
+            <a:normAutofit/>
+          </a:bodyPr>
+          <a:p>
+            <a:endParaRPr b="0" lang="en-US" sz="3200" spc="-1" strike="noStrike">
+              <a:latin typeface="Arial"/>
+            </a:endParaRPr>
+          </a:p>
+        </p:txBody>
+      </p:sp>
+      <p:sp>
+        <p:nvSpPr>
+          <p:cNvPr id="169" name="PlaceHolder 6"/>
+          <p:cNvSpPr>
+            <a:spLocks noGrp="1"/>
+          </p:cNvSpPr>
+          <p:nvPr>
+            <p:ph type="body"/>
+          </p:nvPr>
+        </p:nvSpPr>
+        <p:spPr>
+          <a:xfrm>
+            <a:off x="1803960" y="2595240"/>
+            <a:ext cx="1137240" cy="904320"/>
+          </a:xfrm>
+          <a:prstGeom prst="rect">
+            <a:avLst/>
+          </a:prstGeom>
+        </p:spPr>
+        <p:txBody>
+          <a:bodyPr lIns="0" rIns="0" tIns="0" bIns="0">
+            <a:normAutofit/>
+          </a:bodyPr>
+          <a:p>
+            <a:endParaRPr b="0" lang="en-US" sz="3200" spc="-1" strike="noStrike">
+              <a:latin typeface="Arial"/>
+            </a:endParaRPr>
+          </a:p>
+        </p:txBody>
+      </p:sp>
+      <p:sp>
+        <p:nvSpPr>
+          <p:cNvPr id="170" name="PlaceHolder 7"/>
+          <p:cNvSpPr>
+            <a:spLocks noGrp="1"/>
+          </p:cNvSpPr>
+          <p:nvPr>
+            <p:ph type="body"/>
+          </p:nvPr>
+        </p:nvSpPr>
+        <p:spPr>
+          <a:xfrm>
+            <a:off x="2998440" y="2595240"/>
+            <a:ext cx="1137240" cy="904320"/>
           </a:xfrm>
           <a:prstGeom prst="rect">
             <a:avLst/>
@@ -3879,7 +5190,7 @@
         <p:spPr>
           <a:xfrm>
             <a:off x="609480" y="273600"/>
-            <a:ext cx="10972440" cy="1144800"/>
+            <a:ext cx="10972080" cy="1144440"/>
           </a:xfrm>
           <a:prstGeom prst="rect">
             <a:avLst/>
@@ -3930,7 +5241,7 @@
         <p:spPr>
           <a:xfrm>
             <a:off x="609480" y="273600"/>
-            <a:ext cx="10972440" cy="5307840"/>
+            <a:ext cx="10972080" cy="5306400"/>
           </a:xfrm>
           <a:prstGeom prst="rect">
             <a:avLst/>
@@ -3981,7 +5292,7 @@
         <p:spPr>
           <a:xfrm>
             <a:off x="609480" y="273600"/>
-            <a:ext cx="10972440" cy="1144800"/>
+            <a:ext cx="10972080" cy="1144440"/>
           </a:xfrm>
           <a:prstGeom prst="rect">
             <a:avLst/>
@@ -4010,7 +5321,7 @@
         <p:spPr>
           <a:xfrm>
             <a:off x="609480" y="1604520"/>
-            <a:ext cx="5354280" cy="1896840"/>
+            <a:ext cx="1723680" cy="904320"/>
           </a:xfrm>
           <a:prstGeom prst="rect">
             <a:avLst/>
@@ -4039,8 +5350,8 @@
         </p:nvSpPr>
         <p:spPr>
           <a:xfrm>
-            <a:off x="6231960" y="1604520"/>
-            <a:ext cx="5354280" cy="3977280"/>
+            <a:off x="2419560" y="1604520"/>
+            <a:ext cx="1723680" cy="1896480"/>
           </a:xfrm>
           <a:prstGeom prst="rect">
             <a:avLst/>
@@ -4069,8 +5380,8 @@
         </p:nvSpPr>
         <p:spPr>
           <a:xfrm>
-            <a:off x="609480" y="3682080"/>
-            <a:ext cx="5354280" cy="1896840"/>
+            <a:off x="609480" y="2595240"/>
+            <a:ext cx="1723680" cy="904320"/>
           </a:xfrm>
           <a:prstGeom prst="rect">
             <a:avLst/>
@@ -4122,7 +5433,7 @@
         <p:spPr>
           <a:xfrm>
             <a:off x="609480" y="273600"/>
-            <a:ext cx="10972440" cy="1144800"/>
+            <a:ext cx="10972080" cy="1144440"/>
           </a:xfrm>
           <a:prstGeom prst="rect">
             <a:avLst/>
@@ -4151,7 +5462,7 @@
         <p:spPr>
           <a:xfrm>
             <a:off x="609480" y="1604520"/>
-            <a:ext cx="5354280" cy="3977280"/>
+            <a:ext cx="1723680" cy="1896480"/>
           </a:xfrm>
           <a:prstGeom prst="rect">
             <a:avLst/>
@@ -4180,8 +5491,8 @@
         </p:nvSpPr>
         <p:spPr>
           <a:xfrm>
-            <a:off x="6231960" y="1604520"/>
-            <a:ext cx="5354280" cy="1896840"/>
+            <a:off x="2419560" y="1604520"/>
+            <a:ext cx="1723680" cy="904320"/>
           </a:xfrm>
           <a:prstGeom prst="rect">
             <a:avLst/>
@@ -4210,8 +5521,8 @@
         </p:nvSpPr>
         <p:spPr>
           <a:xfrm>
-            <a:off x="6231960" y="3682080"/>
-            <a:ext cx="5354280" cy="1896840"/>
+            <a:off x="2419560" y="2595240"/>
+            <a:ext cx="1723680" cy="904320"/>
           </a:xfrm>
           <a:prstGeom prst="rect">
             <a:avLst/>
@@ -4263,7 +5574,7 @@
         <p:spPr>
           <a:xfrm>
             <a:off x="609480" y="273600"/>
-            <a:ext cx="10972440" cy="1144800"/>
+            <a:ext cx="10972080" cy="1144440"/>
           </a:xfrm>
           <a:prstGeom prst="rect">
             <a:avLst/>
@@ -4292,7 +5603,7 @@
         <p:spPr>
           <a:xfrm>
             <a:off x="609480" y="1604520"/>
-            <a:ext cx="5354280" cy="1896840"/>
+            <a:ext cx="1723680" cy="904320"/>
           </a:xfrm>
           <a:prstGeom prst="rect">
             <a:avLst/>
@@ -4321,8 +5632,8 @@
         </p:nvSpPr>
         <p:spPr>
           <a:xfrm>
-            <a:off x="6231960" y="1604520"/>
-            <a:ext cx="5354280" cy="1896840"/>
+            <a:off x="2419560" y="1604520"/>
+            <a:ext cx="1723680" cy="904320"/>
           </a:xfrm>
           <a:prstGeom prst="rect">
             <a:avLst/>
@@ -4351,8 +5662,8 @@
         </p:nvSpPr>
         <p:spPr>
           <a:xfrm>
-            <a:off x="609480" y="3682080"/>
-            <a:ext cx="10972440" cy="1896840"/>
+            <a:off x="609480" y="2595240"/>
+            <a:ext cx="3532680" cy="904320"/>
           </a:xfrm>
           <a:prstGeom prst="rect">
             <a:avLst/>
@@ -4407,7 +5718,7 @@
         <p:spPr>
           <a:xfrm>
             <a:off x="255960" y="265320"/>
-            <a:ext cx="11682000" cy="6331320"/>
+            <a:ext cx="11681280" cy="6330600"/>
           </a:xfrm>
           <a:prstGeom prst="rect">
             <a:avLst/>
@@ -4435,7 +5746,7 @@
         <p:spPr>
           <a:xfrm>
             <a:off x="604440" y="1196280"/>
-            <a:ext cx="10982160" cy="360"/>
+            <a:ext cx="10981440" cy="360"/>
           </a:xfrm>
           <a:custGeom>
             <a:avLst/>
@@ -4477,7 +5788,7 @@
         <p:spPr>
           <a:xfrm>
             <a:off x="254880" y="262800"/>
-            <a:ext cx="11680920" cy="6331320"/>
+            <a:ext cx="11680200" cy="6330600"/>
           </a:xfrm>
           <a:prstGeom prst="rect">
             <a:avLst/>
@@ -4523,25 +5834,7 @@
               <a:rPr b="0" lang="en-US" sz="4400" spc="-1" strike="noStrike">
                 <a:latin typeface="Arial"/>
               </a:rPr>
-              <a:t>Click to </a:t>
-            </a:r>
-            <a:r>
-              <a:rPr b="0" lang="en-US" sz="4400" spc="-1" strike="noStrike">
-                <a:latin typeface="Arial"/>
-              </a:rPr>
-              <a:t>edit the </a:t>
-            </a:r>
-            <a:r>
-              <a:rPr b="0" lang="en-US" sz="4400" spc="-1" strike="noStrike">
-                <a:latin typeface="Arial"/>
-              </a:rPr>
-              <a:t>title text </a:t>
-            </a:r>
-            <a:r>
-              <a:rPr b="0" lang="en-US" sz="4400" spc="-1" strike="noStrike">
-                <a:latin typeface="Arial"/>
-              </a:rPr>
-              <a:t>format</a:t>
+              <a:t>Click to edit the title text format</a:t>
             </a:r>
             <a:endParaRPr b="0" lang="en-US" sz="4400" spc="-1" strike="noStrike">
               <a:latin typeface="Arial"/>
@@ -4781,7 +6074,7 @@
         <p:spPr>
           <a:xfrm>
             <a:off x="255960" y="265320"/>
-            <a:ext cx="11682000" cy="6331320"/>
+            <a:ext cx="11681280" cy="6330600"/>
           </a:xfrm>
           <a:prstGeom prst="rect">
             <a:avLst/>
@@ -4809,7 +6102,7 @@
         <p:spPr>
           <a:xfrm>
             <a:off x="604440" y="1196280"/>
-            <a:ext cx="10982160" cy="360"/>
+            <a:ext cx="10981440" cy="360"/>
           </a:xfrm>
           <a:custGeom>
             <a:avLst/>
@@ -4851,7 +6144,7 @@
         <p:spPr>
           <a:xfrm>
             <a:off x="255960" y="265320"/>
-            <a:ext cx="11682000" cy="6331320"/>
+            <a:ext cx="11681280" cy="6330600"/>
           </a:xfrm>
           <a:prstGeom prst="rect">
             <a:avLst/>
@@ -4879,7 +6172,7 @@
         <p:spPr>
           <a:xfrm>
             <a:off x="604440" y="1196280"/>
-            <a:ext cx="10982160" cy="360"/>
+            <a:ext cx="10981440" cy="360"/>
           </a:xfrm>
           <a:custGeom>
             <a:avLst/>
@@ -5179,7 +6472,7 @@
         <p:spPr>
           <a:xfrm>
             <a:off x="255960" y="265320"/>
-            <a:ext cx="11682000" cy="6331320"/>
+            <a:ext cx="11681280" cy="6330600"/>
           </a:xfrm>
           <a:prstGeom prst="rect">
             <a:avLst/>
@@ -5207,7 +6500,7 @@
         <p:spPr>
           <a:xfrm>
             <a:off x="604440" y="1196280"/>
-            <a:ext cx="10982160" cy="360"/>
+            <a:ext cx="10981440" cy="360"/>
           </a:xfrm>
           <a:custGeom>
             <a:avLst/>
@@ -5249,7 +6542,7 @@
         <p:spPr>
           <a:xfrm>
             <a:off x="254880" y="262800"/>
-            <a:ext cx="11682000" cy="6331320"/>
+            <a:ext cx="11681280" cy="6330600"/>
           </a:xfrm>
           <a:prstGeom prst="rect">
             <a:avLst/>
@@ -5277,7 +6570,7 @@
         <p:spPr>
           <a:xfrm>
             <a:off x="254880" y="262800"/>
-            <a:ext cx="11680920" cy="2071440"/>
+            <a:ext cx="11680200" cy="2070720"/>
           </a:xfrm>
           <a:prstGeom prst="rect">
             <a:avLst/>
@@ -5526,6 +6819,1256 @@
     <p:sldLayoutId id="2147483684" r:id="rId11"/>
     <p:sldLayoutId id="2147483685" r:id="rId12"/>
     <p:sldLayoutId id="2147483686" r:id="rId13"/>
+  </p:sldLayoutIdLst>
+</p:sldMaster>
+</file>
+
+<file path=ppt/slideMasters/slideMaster4.xml><?xml version="1.0" encoding="utf-8"?>
+<p:sldMaster xmlns:a="http://schemas.openxmlformats.org/drawingml/2006/main" xmlns:p="http://schemas.openxmlformats.org/presentationml/2006/main" xmlns:r="http://schemas.openxmlformats.org/officeDocument/2006/relationships" xmlns:p14="http://schemas.microsoft.com/office/powerpoint/2010/main" xmlns:p15="http://schemas.microsoft.com/office/powerpoint/2012/main" xmlns:mc="http://schemas.openxmlformats.org/markup-compatibility/2006">
+  <p:cSld>
+    <p:bg>
+      <p:bgPr>
+        <a:solidFill>
+          <a:srgbClr val="ffffff"/>
+        </a:solidFill>
+      </p:bgPr>
+    </p:bg>
+    <p:spTree>
+      <p:nvGrpSpPr>
+        <p:cNvPr id="1" name=""/>
+        <p:cNvGrpSpPr/>
+        <p:nvPr/>
+      </p:nvGrpSpPr>
+      <p:grpSpPr>
+        <a:xfrm>
+          <a:off x="0" y="0"/>
+          <a:ext cx="0" cy="0"/>
+          <a:chOff x="0" y="0"/>
+          <a:chExt cx="0" cy="0"/>
+        </a:xfrm>
+      </p:grpSpPr>
+      <p:sp>
+        <p:nvSpPr>
+          <p:cNvPr id="125" name="CustomShape 1"/>
+          <p:cNvSpPr/>
+          <p:nvPr/>
+        </p:nvSpPr>
+        <p:spPr>
+          <a:xfrm>
+            <a:off x="255960" y="265320"/>
+            <a:ext cx="11681280" cy="6330600"/>
+          </a:xfrm>
+          <a:prstGeom prst="rect">
+            <a:avLst/>
+          </a:prstGeom>
+          <a:solidFill>
+            <a:srgbClr val="f5f5f5"/>
+          </a:solidFill>
+          <a:ln>
+            <a:noFill/>
+          </a:ln>
+        </p:spPr>
+        <p:style>
+          <a:lnRef idx="0"/>
+          <a:fillRef idx="0"/>
+          <a:effectRef idx="0"/>
+          <a:fontRef idx="minor"/>
+        </p:style>
+      </p:sp>
+      <p:sp>
+        <p:nvSpPr>
+          <p:cNvPr id="126" name="CustomShape 2"/>
+          <p:cNvSpPr/>
+          <p:nvPr/>
+        </p:nvSpPr>
+        <p:spPr>
+          <a:xfrm>
+            <a:off x="604440" y="1196280"/>
+            <a:ext cx="10981440" cy="360"/>
+          </a:xfrm>
+          <a:custGeom>
+            <a:avLst/>
+            <a:gdLst/>
+            <a:ahLst/>
+            <a:rect l="l" t="t" r="r" b="b"/>
+            <a:pathLst>
+              <a:path w="21600" h="21600">
+                <a:moveTo>
+                  <a:pt x="0" y="0"/>
+                </a:moveTo>
+                <a:lnTo>
+                  <a:pt x="21600" y="21600"/>
+                </a:lnTo>
+              </a:path>
+            </a:pathLst>
+          </a:custGeom>
+          <a:noFill/>
+          <a:ln w="25560">
+            <a:solidFill>
+              <a:srgbClr val="d24726"/>
+            </a:solidFill>
+            <a:miter/>
+          </a:ln>
+        </p:spPr>
+        <p:style>
+          <a:lnRef idx="0"/>
+          <a:fillRef idx="0"/>
+          <a:effectRef idx="0"/>
+          <a:fontRef idx="minor"/>
+        </p:style>
+      </p:sp>
+      <p:sp>
+        <p:nvSpPr>
+          <p:cNvPr id="127" name="CustomShape 3"/>
+          <p:cNvSpPr/>
+          <p:nvPr/>
+        </p:nvSpPr>
+        <p:spPr>
+          <a:xfrm>
+            <a:off x="254880" y="262800"/>
+            <a:ext cx="11680200" cy="6330600"/>
+          </a:xfrm>
+          <a:prstGeom prst="rect">
+            <a:avLst/>
+          </a:prstGeom>
+          <a:solidFill>
+            <a:srgbClr val="d24726"/>
+          </a:solidFill>
+          <a:ln>
+            <a:noFill/>
+          </a:ln>
+        </p:spPr>
+        <p:style>
+          <a:lnRef idx="0"/>
+          <a:fillRef idx="0"/>
+          <a:effectRef idx="0"/>
+          <a:fontRef idx="minor"/>
+        </p:style>
+      </p:sp>
+      <p:sp>
+        <p:nvSpPr>
+          <p:cNvPr id="128" name="PlaceHolder 4"/>
+          <p:cNvSpPr>
+            <a:spLocks noGrp="1"/>
+          </p:cNvSpPr>
+          <p:nvPr>
+            <p:ph type="title"/>
+          </p:nvPr>
+        </p:nvSpPr>
+        <p:spPr>
+          <a:xfrm>
+            <a:off x="609480" y="273600"/>
+            <a:ext cx="10972080" cy="1144440"/>
+          </a:xfrm>
+          <a:prstGeom prst="rect">
+            <a:avLst/>
+          </a:prstGeom>
+        </p:spPr>
+        <p:txBody>
+          <a:bodyPr lIns="0" rIns="0" tIns="0" bIns="0" anchor="ctr"/>
+          <a:p>
+            <a:r>
+              <a:rPr b="0" lang="en-US" sz="1800" spc="-1" strike="noStrike">
+                <a:latin typeface="Arial"/>
+              </a:rPr>
+              <a:t>Click to edit the title text format</a:t>
+            </a:r>
+            <a:endParaRPr b="0" lang="en-US" sz="1800" spc="-1" strike="noStrike">
+              <a:latin typeface="Arial"/>
+            </a:endParaRPr>
+          </a:p>
+        </p:txBody>
+      </p:sp>
+      <p:sp>
+        <p:nvSpPr>
+          <p:cNvPr id="129" name="PlaceHolder 5"/>
+          <p:cNvSpPr>
+            <a:spLocks noGrp="1"/>
+          </p:cNvSpPr>
+          <p:nvPr>
+            <p:ph type="body"/>
+          </p:nvPr>
+        </p:nvSpPr>
+        <p:spPr>
+          <a:xfrm>
+            <a:off x="609480" y="1604520"/>
+            <a:ext cx="3532680" cy="1896480"/>
+          </a:xfrm>
+          <a:prstGeom prst="rect">
+            <a:avLst/>
+          </a:prstGeom>
+        </p:spPr>
+        <p:txBody>
+          <a:bodyPr lIns="0" rIns="0" tIns="0" bIns="0">
+            <a:normAutofit/>
+          </a:bodyPr>
+          <a:p>
+            <a:pPr marL="432000" indent="-324000">
+              <a:spcBef>
+                <a:spcPts val="1417"/>
+              </a:spcBef>
+              <a:buClr>
+                <a:srgbClr val="000000"/>
+              </a:buClr>
+              <a:buSzPct val="45000"/>
+              <a:buFont typeface="Wingdings" charset="2"/>
+              <a:buChar char=""/>
+            </a:pPr>
+            <a:r>
+              <a:rPr b="0" lang="en-US" sz="1800" spc="-1" strike="noStrike">
+                <a:latin typeface="Arial"/>
+              </a:rPr>
+              <a:t>Click to edit the outline text format</a:t>
+            </a:r>
+            <a:endParaRPr b="0" lang="en-US" sz="1800" spc="-1" strike="noStrike">
+              <a:latin typeface="Arial"/>
+            </a:endParaRPr>
+          </a:p>
+          <a:p>
+            <a:pPr lvl="1" marL="864000" indent="-324000">
+              <a:spcBef>
+                <a:spcPts val="1134"/>
+              </a:spcBef>
+              <a:buClr>
+                <a:srgbClr val="000000"/>
+              </a:buClr>
+              <a:buSzPct val="75000"/>
+              <a:buFont typeface="Symbol" charset="2"/>
+              <a:buChar char=""/>
+            </a:pPr>
+            <a:r>
+              <a:rPr b="0" lang="en-US" sz="1800" spc="-1" strike="noStrike">
+                <a:latin typeface="Arial"/>
+              </a:rPr>
+              <a:t>Second Outline Level</a:t>
+            </a:r>
+            <a:endParaRPr b="0" lang="en-US" sz="1800" spc="-1" strike="noStrike">
+              <a:latin typeface="Arial"/>
+            </a:endParaRPr>
+          </a:p>
+          <a:p>
+            <a:pPr lvl="2" marL="1296000" indent="-288000">
+              <a:spcBef>
+                <a:spcPts val="850"/>
+              </a:spcBef>
+              <a:buClr>
+                <a:srgbClr val="000000"/>
+              </a:buClr>
+              <a:buSzPct val="45000"/>
+              <a:buFont typeface="Wingdings" charset="2"/>
+              <a:buChar char=""/>
+            </a:pPr>
+            <a:r>
+              <a:rPr b="0" lang="en-US" sz="1800" spc="-1" strike="noStrike">
+                <a:latin typeface="Arial"/>
+              </a:rPr>
+              <a:t>Third Outline Level</a:t>
+            </a:r>
+            <a:endParaRPr b="0" lang="en-US" sz="1800" spc="-1" strike="noStrike">
+              <a:latin typeface="Arial"/>
+            </a:endParaRPr>
+          </a:p>
+          <a:p>
+            <a:pPr lvl="3" marL="1728000" indent="-216000">
+              <a:spcBef>
+                <a:spcPts val="567"/>
+              </a:spcBef>
+              <a:buClr>
+                <a:srgbClr val="000000"/>
+              </a:buClr>
+              <a:buSzPct val="75000"/>
+              <a:buFont typeface="Symbol" charset="2"/>
+              <a:buChar char=""/>
+            </a:pPr>
+            <a:r>
+              <a:rPr b="0" lang="en-US" sz="1800" spc="-1" strike="noStrike">
+                <a:latin typeface="Arial"/>
+              </a:rPr>
+              <a:t>Fourth Outline Level</a:t>
+            </a:r>
+            <a:endParaRPr b="0" lang="en-US" sz="1800" spc="-1" strike="noStrike">
+              <a:latin typeface="Arial"/>
+            </a:endParaRPr>
+          </a:p>
+          <a:p>
+            <a:pPr lvl="4" marL="2160000" indent="-216000">
+              <a:spcBef>
+                <a:spcPts val="283"/>
+              </a:spcBef>
+              <a:buClr>
+                <a:srgbClr val="000000"/>
+              </a:buClr>
+              <a:buSzPct val="45000"/>
+              <a:buFont typeface="Wingdings" charset="2"/>
+              <a:buChar char=""/>
+            </a:pPr>
+            <a:r>
+              <a:rPr b="0" lang="en-US" sz="1800" spc="-1" strike="noStrike">
+                <a:latin typeface="Arial"/>
+              </a:rPr>
+              <a:t>Fifth Outline Level</a:t>
+            </a:r>
+            <a:endParaRPr b="0" lang="en-US" sz="1800" spc="-1" strike="noStrike">
+              <a:latin typeface="Arial"/>
+            </a:endParaRPr>
+          </a:p>
+          <a:p>
+            <a:pPr lvl="5" marL="2592000" indent="-216000">
+              <a:spcBef>
+                <a:spcPts val="283"/>
+              </a:spcBef>
+              <a:buClr>
+                <a:srgbClr val="000000"/>
+              </a:buClr>
+              <a:buSzPct val="45000"/>
+              <a:buFont typeface="Wingdings" charset="2"/>
+              <a:buChar char=""/>
+            </a:pPr>
+            <a:r>
+              <a:rPr b="0" lang="en-US" sz="1800" spc="-1" strike="noStrike">
+                <a:latin typeface="Arial"/>
+              </a:rPr>
+              <a:t>Sixth Outline Level</a:t>
+            </a:r>
+            <a:endParaRPr b="0" lang="en-US" sz="1800" spc="-1" strike="noStrike">
+              <a:latin typeface="Arial"/>
+            </a:endParaRPr>
+          </a:p>
+          <a:p>
+            <a:pPr lvl="6" marL="3024000" indent="-216000">
+              <a:spcBef>
+                <a:spcPts val="283"/>
+              </a:spcBef>
+              <a:buClr>
+                <a:srgbClr val="000000"/>
+              </a:buClr>
+              <a:buSzPct val="45000"/>
+              <a:buFont typeface="Wingdings" charset="2"/>
+              <a:buChar char=""/>
+            </a:pPr>
+            <a:r>
+              <a:rPr b="0" lang="en-US" sz="1800" spc="-1" strike="noStrike">
+                <a:latin typeface="Arial"/>
+              </a:rPr>
+              <a:t>Seventh Outline Level</a:t>
+            </a:r>
+            <a:endParaRPr b="0" lang="en-US" sz="1800" spc="-1" strike="noStrike">
+              <a:latin typeface="Arial"/>
+            </a:endParaRPr>
+          </a:p>
+        </p:txBody>
+      </p:sp>
+      <p:sp>
+        <p:nvSpPr>
+          <p:cNvPr id="130" name="PlaceHolder 6"/>
+          <p:cNvSpPr>
+            <a:spLocks noGrp="1"/>
+          </p:cNvSpPr>
+          <p:nvPr>
+            <p:ph type="body"/>
+          </p:nvPr>
+        </p:nvSpPr>
+        <p:spPr>
+          <a:xfrm>
+            <a:off x="4319640" y="1604520"/>
+            <a:ext cx="3532680" cy="1896480"/>
+          </a:xfrm>
+          <a:prstGeom prst="rect">
+            <a:avLst/>
+          </a:prstGeom>
+        </p:spPr>
+        <p:txBody>
+          <a:bodyPr lIns="0" rIns="0" tIns="0" bIns="0">
+            <a:normAutofit/>
+          </a:bodyPr>
+          <a:p>
+            <a:pPr marL="432000" indent="-324000">
+              <a:spcBef>
+                <a:spcPts val="1417"/>
+              </a:spcBef>
+              <a:buClr>
+                <a:srgbClr val="000000"/>
+              </a:buClr>
+              <a:buSzPct val="45000"/>
+              <a:buFont typeface="Wingdings" charset="2"/>
+              <a:buChar char=""/>
+            </a:pPr>
+            <a:r>
+              <a:rPr b="0" lang="en-US" sz="1800" spc="-1" strike="noStrike">
+                <a:latin typeface="Arial"/>
+              </a:rPr>
+              <a:t>Click to edit the outline text format</a:t>
+            </a:r>
+            <a:endParaRPr b="0" lang="en-US" sz="1800" spc="-1" strike="noStrike">
+              <a:latin typeface="Arial"/>
+            </a:endParaRPr>
+          </a:p>
+          <a:p>
+            <a:pPr lvl="1" marL="864000" indent="-324000">
+              <a:spcBef>
+                <a:spcPts val="1134"/>
+              </a:spcBef>
+              <a:buClr>
+                <a:srgbClr val="000000"/>
+              </a:buClr>
+              <a:buSzPct val="75000"/>
+              <a:buFont typeface="Symbol" charset="2"/>
+              <a:buChar char=""/>
+            </a:pPr>
+            <a:r>
+              <a:rPr b="0" lang="en-US" sz="1800" spc="-1" strike="noStrike">
+                <a:latin typeface="Arial"/>
+              </a:rPr>
+              <a:t>Second Outline Level</a:t>
+            </a:r>
+            <a:endParaRPr b="0" lang="en-US" sz="1800" spc="-1" strike="noStrike">
+              <a:latin typeface="Arial"/>
+            </a:endParaRPr>
+          </a:p>
+          <a:p>
+            <a:pPr lvl="2" marL="1296000" indent="-288000">
+              <a:spcBef>
+                <a:spcPts val="850"/>
+              </a:spcBef>
+              <a:buClr>
+                <a:srgbClr val="000000"/>
+              </a:buClr>
+              <a:buSzPct val="45000"/>
+              <a:buFont typeface="Wingdings" charset="2"/>
+              <a:buChar char=""/>
+            </a:pPr>
+            <a:r>
+              <a:rPr b="0" lang="en-US" sz="1800" spc="-1" strike="noStrike">
+                <a:latin typeface="Arial"/>
+              </a:rPr>
+              <a:t>Third Outline Level</a:t>
+            </a:r>
+            <a:endParaRPr b="0" lang="en-US" sz="1800" spc="-1" strike="noStrike">
+              <a:latin typeface="Arial"/>
+            </a:endParaRPr>
+          </a:p>
+          <a:p>
+            <a:pPr lvl="3" marL="1728000" indent="-216000">
+              <a:spcBef>
+                <a:spcPts val="567"/>
+              </a:spcBef>
+              <a:buClr>
+                <a:srgbClr val="000000"/>
+              </a:buClr>
+              <a:buSzPct val="75000"/>
+              <a:buFont typeface="Symbol" charset="2"/>
+              <a:buChar char=""/>
+            </a:pPr>
+            <a:r>
+              <a:rPr b="0" lang="en-US" sz="1800" spc="-1" strike="noStrike">
+                <a:latin typeface="Arial"/>
+              </a:rPr>
+              <a:t>Fourth Outline Level</a:t>
+            </a:r>
+            <a:endParaRPr b="0" lang="en-US" sz="1800" spc="-1" strike="noStrike">
+              <a:latin typeface="Arial"/>
+            </a:endParaRPr>
+          </a:p>
+          <a:p>
+            <a:pPr lvl="4" marL="2160000" indent="-216000">
+              <a:spcBef>
+                <a:spcPts val="283"/>
+              </a:spcBef>
+              <a:buClr>
+                <a:srgbClr val="000000"/>
+              </a:buClr>
+              <a:buSzPct val="45000"/>
+              <a:buFont typeface="Wingdings" charset="2"/>
+              <a:buChar char=""/>
+            </a:pPr>
+            <a:r>
+              <a:rPr b="0" lang="en-US" sz="1800" spc="-1" strike="noStrike">
+                <a:latin typeface="Arial"/>
+              </a:rPr>
+              <a:t>Fifth Outline Level</a:t>
+            </a:r>
+            <a:endParaRPr b="0" lang="en-US" sz="1800" spc="-1" strike="noStrike">
+              <a:latin typeface="Arial"/>
+            </a:endParaRPr>
+          </a:p>
+          <a:p>
+            <a:pPr lvl="5" marL="2592000" indent="-216000">
+              <a:spcBef>
+                <a:spcPts val="283"/>
+              </a:spcBef>
+              <a:buClr>
+                <a:srgbClr val="000000"/>
+              </a:buClr>
+              <a:buSzPct val="45000"/>
+              <a:buFont typeface="Wingdings" charset="2"/>
+              <a:buChar char=""/>
+            </a:pPr>
+            <a:r>
+              <a:rPr b="0" lang="en-US" sz="1800" spc="-1" strike="noStrike">
+                <a:latin typeface="Arial"/>
+              </a:rPr>
+              <a:t>Sixth Outline Level</a:t>
+            </a:r>
+            <a:endParaRPr b="0" lang="en-US" sz="1800" spc="-1" strike="noStrike">
+              <a:latin typeface="Arial"/>
+            </a:endParaRPr>
+          </a:p>
+          <a:p>
+            <a:pPr lvl="6" marL="3024000" indent="-216000">
+              <a:spcBef>
+                <a:spcPts val="283"/>
+              </a:spcBef>
+              <a:buClr>
+                <a:srgbClr val="000000"/>
+              </a:buClr>
+              <a:buSzPct val="45000"/>
+              <a:buFont typeface="Wingdings" charset="2"/>
+              <a:buChar char=""/>
+            </a:pPr>
+            <a:r>
+              <a:rPr b="0" lang="en-US" sz="1800" spc="-1" strike="noStrike">
+                <a:latin typeface="Arial"/>
+              </a:rPr>
+              <a:t>Seventh Outline Level</a:t>
+            </a:r>
+            <a:endParaRPr b="0" lang="en-US" sz="1800" spc="-1" strike="noStrike">
+              <a:latin typeface="Arial"/>
+            </a:endParaRPr>
+          </a:p>
+        </p:txBody>
+      </p:sp>
+      <p:sp>
+        <p:nvSpPr>
+          <p:cNvPr id="131" name="PlaceHolder 7"/>
+          <p:cNvSpPr>
+            <a:spLocks noGrp="1"/>
+          </p:cNvSpPr>
+          <p:nvPr>
+            <p:ph type="body"/>
+          </p:nvPr>
+        </p:nvSpPr>
+        <p:spPr>
+          <a:xfrm>
+            <a:off x="8029800" y="1604520"/>
+            <a:ext cx="3532680" cy="1896480"/>
+          </a:xfrm>
+          <a:prstGeom prst="rect">
+            <a:avLst/>
+          </a:prstGeom>
+        </p:spPr>
+        <p:txBody>
+          <a:bodyPr lIns="0" rIns="0" tIns="0" bIns="0">
+            <a:normAutofit/>
+          </a:bodyPr>
+          <a:p>
+            <a:pPr marL="432000" indent="-324000">
+              <a:spcBef>
+                <a:spcPts val="1417"/>
+              </a:spcBef>
+              <a:buClr>
+                <a:srgbClr val="000000"/>
+              </a:buClr>
+              <a:buSzPct val="45000"/>
+              <a:buFont typeface="Wingdings" charset="2"/>
+              <a:buChar char=""/>
+            </a:pPr>
+            <a:r>
+              <a:rPr b="0" lang="en-US" sz="1800" spc="-1" strike="noStrike">
+                <a:latin typeface="Arial"/>
+              </a:rPr>
+              <a:t>Click to edit the outline text format</a:t>
+            </a:r>
+            <a:endParaRPr b="0" lang="en-US" sz="1800" spc="-1" strike="noStrike">
+              <a:latin typeface="Arial"/>
+            </a:endParaRPr>
+          </a:p>
+          <a:p>
+            <a:pPr lvl="1" marL="864000" indent="-324000">
+              <a:spcBef>
+                <a:spcPts val="1134"/>
+              </a:spcBef>
+              <a:buClr>
+                <a:srgbClr val="000000"/>
+              </a:buClr>
+              <a:buSzPct val="75000"/>
+              <a:buFont typeface="Symbol" charset="2"/>
+              <a:buChar char=""/>
+            </a:pPr>
+            <a:r>
+              <a:rPr b="0" lang="en-US" sz="1800" spc="-1" strike="noStrike">
+                <a:latin typeface="Arial"/>
+              </a:rPr>
+              <a:t>Second Outline Level</a:t>
+            </a:r>
+            <a:endParaRPr b="0" lang="en-US" sz="1800" spc="-1" strike="noStrike">
+              <a:latin typeface="Arial"/>
+            </a:endParaRPr>
+          </a:p>
+          <a:p>
+            <a:pPr lvl="2" marL="1296000" indent="-288000">
+              <a:spcBef>
+                <a:spcPts val="850"/>
+              </a:spcBef>
+              <a:buClr>
+                <a:srgbClr val="000000"/>
+              </a:buClr>
+              <a:buSzPct val="45000"/>
+              <a:buFont typeface="Wingdings" charset="2"/>
+              <a:buChar char=""/>
+            </a:pPr>
+            <a:r>
+              <a:rPr b="0" lang="en-US" sz="1800" spc="-1" strike="noStrike">
+                <a:latin typeface="Arial"/>
+              </a:rPr>
+              <a:t>Third Outline Level</a:t>
+            </a:r>
+            <a:endParaRPr b="0" lang="en-US" sz="1800" spc="-1" strike="noStrike">
+              <a:latin typeface="Arial"/>
+            </a:endParaRPr>
+          </a:p>
+          <a:p>
+            <a:pPr lvl="3" marL="1728000" indent="-216000">
+              <a:spcBef>
+                <a:spcPts val="567"/>
+              </a:spcBef>
+              <a:buClr>
+                <a:srgbClr val="000000"/>
+              </a:buClr>
+              <a:buSzPct val="75000"/>
+              <a:buFont typeface="Symbol" charset="2"/>
+              <a:buChar char=""/>
+            </a:pPr>
+            <a:r>
+              <a:rPr b="0" lang="en-US" sz="1800" spc="-1" strike="noStrike">
+                <a:latin typeface="Arial"/>
+              </a:rPr>
+              <a:t>Fourth Outline Level</a:t>
+            </a:r>
+            <a:endParaRPr b="0" lang="en-US" sz="1800" spc="-1" strike="noStrike">
+              <a:latin typeface="Arial"/>
+            </a:endParaRPr>
+          </a:p>
+          <a:p>
+            <a:pPr lvl="4" marL="2160000" indent="-216000">
+              <a:spcBef>
+                <a:spcPts val="283"/>
+              </a:spcBef>
+              <a:buClr>
+                <a:srgbClr val="000000"/>
+              </a:buClr>
+              <a:buSzPct val="45000"/>
+              <a:buFont typeface="Wingdings" charset="2"/>
+              <a:buChar char=""/>
+            </a:pPr>
+            <a:r>
+              <a:rPr b="0" lang="en-US" sz="1800" spc="-1" strike="noStrike">
+                <a:latin typeface="Arial"/>
+              </a:rPr>
+              <a:t>Fifth Outline Level</a:t>
+            </a:r>
+            <a:endParaRPr b="0" lang="en-US" sz="1800" spc="-1" strike="noStrike">
+              <a:latin typeface="Arial"/>
+            </a:endParaRPr>
+          </a:p>
+          <a:p>
+            <a:pPr lvl="5" marL="2592000" indent="-216000">
+              <a:spcBef>
+                <a:spcPts val="283"/>
+              </a:spcBef>
+              <a:buClr>
+                <a:srgbClr val="000000"/>
+              </a:buClr>
+              <a:buSzPct val="45000"/>
+              <a:buFont typeface="Wingdings" charset="2"/>
+              <a:buChar char=""/>
+            </a:pPr>
+            <a:r>
+              <a:rPr b="0" lang="en-US" sz="1800" spc="-1" strike="noStrike">
+                <a:latin typeface="Arial"/>
+              </a:rPr>
+              <a:t>Sixth Outline Level</a:t>
+            </a:r>
+            <a:endParaRPr b="0" lang="en-US" sz="1800" spc="-1" strike="noStrike">
+              <a:latin typeface="Arial"/>
+            </a:endParaRPr>
+          </a:p>
+          <a:p>
+            <a:pPr lvl="6" marL="3024000" indent="-216000">
+              <a:spcBef>
+                <a:spcPts val="283"/>
+              </a:spcBef>
+              <a:buClr>
+                <a:srgbClr val="000000"/>
+              </a:buClr>
+              <a:buSzPct val="45000"/>
+              <a:buFont typeface="Wingdings" charset="2"/>
+              <a:buChar char=""/>
+            </a:pPr>
+            <a:r>
+              <a:rPr b="0" lang="en-US" sz="1800" spc="-1" strike="noStrike">
+                <a:latin typeface="Arial"/>
+              </a:rPr>
+              <a:t>Seventh Outline Level</a:t>
+            </a:r>
+            <a:endParaRPr b="0" lang="en-US" sz="1800" spc="-1" strike="noStrike">
+              <a:latin typeface="Arial"/>
+            </a:endParaRPr>
+          </a:p>
+        </p:txBody>
+      </p:sp>
+      <p:sp>
+        <p:nvSpPr>
+          <p:cNvPr id="132" name="PlaceHolder 8"/>
+          <p:cNvSpPr>
+            <a:spLocks noGrp="1"/>
+          </p:cNvSpPr>
+          <p:nvPr>
+            <p:ph type="body"/>
+          </p:nvPr>
+        </p:nvSpPr>
+        <p:spPr>
+          <a:xfrm>
+            <a:off x="609480" y="3682080"/>
+            <a:ext cx="3532680" cy="1896480"/>
+          </a:xfrm>
+          <a:prstGeom prst="rect">
+            <a:avLst/>
+          </a:prstGeom>
+        </p:spPr>
+        <p:txBody>
+          <a:bodyPr lIns="0" rIns="0" tIns="0" bIns="0">
+            <a:normAutofit/>
+          </a:bodyPr>
+          <a:p>
+            <a:pPr marL="432000" indent="-324000">
+              <a:spcBef>
+                <a:spcPts val="1417"/>
+              </a:spcBef>
+              <a:buClr>
+                <a:srgbClr val="000000"/>
+              </a:buClr>
+              <a:buSzPct val="45000"/>
+              <a:buFont typeface="Wingdings" charset="2"/>
+              <a:buChar char=""/>
+            </a:pPr>
+            <a:r>
+              <a:rPr b="0" lang="en-US" sz="1800" spc="-1" strike="noStrike">
+                <a:latin typeface="Arial"/>
+              </a:rPr>
+              <a:t>Click to edit the outline text format</a:t>
+            </a:r>
+            <a:endParaRPr b="0" lang="en-US" sz="1800" spc="-1" strike="noStrike">
+              <a:latin typeface="Arial"/>
+            </a:endParaRPr>
+          </a:p>
+          <a:p>
+            <a:pPr lvl="1" marL="864000" indent="-324000">
+              <a:spcBef>
+                <a:spcPts val="1134"/>
+              </a:spcBef>
+              <a:buClr>
+                <a:srgbClr val="000000"/>
+              </a:buClr>
+              <a:buSzPct val="75000"/>
+              <a:buFont typeface="Symbol" charset="2"/>
+              <a:buChar char=""/>
+            </a:pPr>
+            <a:r>
+              <a:rPr b="0" lang="en-US" sz="1800" spc="-1" strike="noStrike">
+                <a:latin typeface="Arial"/>
+              </a:rPr>
+              <a:t>Second Outline Level</a:t>
+            </a:r>
+            <a:endParaRPr b="0" lang="en-US" sz="1800" spc="-1" strike="noStrike">
+              <a:latin typeface="Arial"/>
+            </a:endParaRPr>
+          </a:p>
+          <a:p>
+            <a:pPr lvl="2" marL="1296000" indent="-288000">
+              <a:spcBef>
+                <a:spcPts val="850"/>
+              </a:spcBef>
+              <a:buClr>
+                <a:srgbClr val="000000"/>
+              </a:buClr>
+              <a:buSzPct val="45000"/>
+              <a:buFont typeface="Wingdings" charset="2"/>
+              <a:buChar char=""/>
+            </a:pPr>
+            <a:r>
+              <a:rPr b="0" lang="en-US" sz="1800" spc="-1" strike="noStrike">
+                <a:latin typeface="Arial"/>
+              </a:rPr>
+              <a:t>Third Outline Level</a:t>
+            </a:r>
+            <a:endParaRPr b="0" lang="en-US" sz="1800" spc="-1" strike="noStrike">
+              <a:latin typeface="Arial"/>
+            </a:endParaRPr>
+          </a:p>
+          <a:p>
+            <a:pPr lvl="3" marL="1728000" indent="-216000">
+              <a:spcBef>
+                <a:spcPts val="567"/>
+              </a:spcBef>
+              <a:buClr>
+                <a:srgbClr val="000000"/>
+              </a:buClr>
+              <a:buSzPct val="75000"/>
+              <a:buFont typeface="Symbol" charset="2"/>
+              <a:buChar char=""/>
+            </a:pPr>
+            <a:r>
+              <a:rPr b="0" lang="en-US" sz="1800" spc="-1" strike="noStrike">
+                <a:latin typeface="Arial"/>
+              </a:rPr>
+              <a:t>Fourth Outline Level</a:t>
+            </a:r>
+            <a:endParaRPr b="0" lang="en-US" sz="1800" spc="-1" strike="noStrike">
+              <a:latin typeface="Arial"/>
+            </a:endParaRPr>
+          </a:p>
+          <a:p>
+            <a:pPr lvl="4" marL="2160000" indent="-216000">
+              <a:spcBef>
+                <a:spcPts val="283"/>
+              </a:spcBef>
+              <a:buClr>
+                <a:srgbClr val="000000"/>
+              </a:buClr>
+              <a:buSzPct val="45000"/>
+              <a:buFont typeface="Wingdings" charset="2"/>
+              <a:buChar char=""/>
+            </a:pPr>
+            <a:r>
+              <a:rPr b="0" lang="en-US" sz="1800" spc="-1" strike="noStrike">
+                <a:latin typeface="Arial"/>
+              </a:rPr>
+              <a:t>Fifth Outline Level</a:t>
+            </a:r>
+            <a:endParaRPr b="0" lang="en-US" sz="1800" spc="-1" strike="noStrike">
+              <a:latin typeface="Arial"/>
+            </a:endParaRPr>
+          </a:p>
+          <a:p>
+            <a:pPr lvl="5" marL="2592000" indent="-216000">
+              <a:spcBef>
+                <a:spcPts val="283"/>
+              </a:spcBef>
+              <a:buClr>
+                <a:srgbClr val="000000"/>
+              </a:buClr>
+              <a:buSzPct val="45000"/>
+              <a:buFont typeface="Wingdings" charset="2"/>
+              <a:buChar char=""/>
+            </a:pPr>
+            <a:r>
+              <a:rPr b="0" lang="en-US" sz="1800" spc="-1" strike="noStrike">
+                <a:latin typeface="Arial"/>
+              </a:rPr>
+              <a:t>Sixth Outline Level</a:t>
+            </a:r>
+            <a:endParaRPr b="0" lang="en-US" sz="1800" spc="-1" strike="noStrike">
+              <a:latin typeface="Arial"/>
+            </a:endParaRPr>
+          </a:p>
+          <a:p>
+            <a:pPr lvl="6" marL="3024000" indent="-216000">
+              <a:spcBef>
+                <a:spcPts val="283"/>
+              </a:spcBef>
+              <a:buClr>
+                <a:srgbClr val="000000"/>
+              </a:buClr>
+              <a:buSzPct val="45000"/>
+              <a:buFont typeface="Wingdings" charset="2"/>
+              <a:buChar char=""/>
+            </a:pPr>
+            <a:r>
+              <a:rPr b="0" lang="en-US" sz="1800" spc="-1" strike="noStrike">
+                <a:latin typeface="Arial"/>
+              </a:rPr>
+              <a:t>Seventh Outline Level</a:t>
+            </a:r>
+            <a:endParaRPr b="0" lang="en-US" sz="1800" spc="-1" strike="noStrike">
+              <a:latin typeface="Arial"/>
+            </a:endParaRPr>
+          </a:p>
+        </p:txBody>
+      </p:sp>
+      <p:sp>
+        <p:nvSpPr>
+          <p:cNvPr id="133" name="PlaceHolder 9"/>
+          <p:cNvSpPr>
+            <a:spLocks noGrp="1"/>
+          </p:cNvSpPr>
+          <p:nvPr>
+            <p:ph type="body"/>
+          </p:nvPr>
+        </p:nvSpPr>
+        <p:spPr>
+          <a:xfrm>
+            <a:off x="4319640" y="3682080"/>
+            <a:ext cx="3532680" cy="1896480"/>
+          </a:xfrm>
+          <a:prstGeom prst="rect">
+            <a:avLst/>
+          </a:prstGeom>
+        </p:spPr>
+        <p:txBody>
+          <a:bodyPr lIns="0" rIns="0" tIns="0" bIns="0">
+            <a:normAutofit/>
+          </a:bodyPr>
+          <a:p>
+            <a:pPr marL="432000" indent="-324000">
+              <a:spcBef>
+                <a:spcPts val="1417"/>
+              </a:spcBef>
+              <a:buClr>
+                <a:srgbClr val="000000"/>
+              </a:buClr>
+              <a:buSzPct val="45000"/>
+              <a:buFont typeface="Wingdings" charset="2"/>
+              <a:buChar char=""/>
+            </a:pPr>
+            <a:r>
+              <a:rPr b="0" lang="en-US" sz="1800" spc="-1" strike="noStrike">
+                <a:latin typeface="Arial"/>
+              </a:rPr>
+              <a:t>Click to edit the outline text format</a:t>
+            </a:r>
+            <a:endParaRPr b="0" lang="en-US" sz="1800" spc="-1" strike="noStrike">
+              <a:latin typeface="Arial"/>
+            </a:endParaRPr>
+          </a:p>
+          <a:p>
+            <a:pPr lvl="1" marL="864000" indent="-324000">
+              <a:spcBef>
+                <a:spcPts val="1134"/>
+              </a:spcBef>
+              <a:buClr>
+                <a:srgbClr val="000000"/>
+              </a:buClr>
+              <a:buSzPct val="75000"/>
+              <a:buFont typeface="Symbol" charset="2"/>
+              <a:buChar char=""/>
+            </a:pPr>
+            <a:r>
+              <a:rPr b="0" lang="en-US" sz="1800" spc="-1" strike="noStrike">
+                <a:latin typeface="Arial"/>
+              </a:rPr>
+              <a:t>Second Outline Level</a:t>
+            </a:r>
+            <a:endParaRPr b="0" lang="en-US" sz="1800" spc="-1" strike="noStrike">
+              <a:latin typeface="Arial"/>
+            </a:endParaRPr>
+          </a:p>
+          <a:p>
+            <a:pPr lvl="2" marL="1296000" indent="-288000">
+              <a:spcBef>
+                <a:spcPts val="850"/>
+              </a:spcBef>
+              <a:buClr>
+                <a:srgbClr val="000000"/>
+              </a:buClr>
+              <a:buSzPct val="45000"/>
+              <a:buFont typeface="Wingdings" charset="2"/>
+              <a:buChar char=""/>
+            </a:pPr>
+            <a:r>
+              <a:rPr b="0" lang="en-US" sz="1800" spc="-1" strike="noStrike">
+                <a:latin typeface="Arial"/>
+              </a:rPr>
+              <a:t>Third Outline Level</a:t>
+            </a:r>
+            <a:endParaRPr b="0" lang="en-US" sz="1800" spc="-1" strike="noStrike">
+              <a:latin typeface="Arial"/>
+            </a:endParaRPr>
+          </a:p>
+          <a:p>
+            <a:pPr lvl="3" marL="1728000" indent="-216000">
+              <a:spcBef>
+                <a:spcPts val="567"/>
+              </a:spcBef>
+              <a:buClr>
+                <a:srgbClr val="000000"/>
+              </a:buClr>
+              <a:buSzPct val="75000"/>
+              <a:buFont typeface="Symbol" charset="2"/>
+              <a:buChar char=""/>
+            </a:pPr>
+            <a:r>
+              <a:rPr b="0" lang="en-US" sz="1800" spc="-1" strike="noStrike">
+                <a:latin typeface="Arial"/>
+              </a:rPr>
+              <a:t>Fourth Outline Level</a:t>
+            </a:r>
+            <a:endParaRPr b="0" lang="en-US" sz="1800" spc="-1" strike="noStrike">
+              <a:latin typeface="Arial"/>
+            </a:endParaRPr>
+          </a:p>
+          <a:p>
+            <a:pPr lvl="4" marL="2160000" indent="-216000">
+              <a:spcBef>
+                <a:spcPts val="283"/>
+              </a:spcBef>
+              <a:buClr>
+                <a:srgbClr val="000000"/>
+              </a:buClr>
+              <a:buSzPct val="45000"/>
+              <a:buFont typeface="Wingdings" charset="2"/>
+              <a:buChar char=""/>
+            </a:pPr>
+            <a:r>
+              <a:rPr b="0" lang="en-US" sz="1800" spc="-1" strike="noStrike">
+                <a:latin typeface="Arial"/>
+              </a:rPr>
+              <a:t>Fifth Outline Level</a:t>
+            </a:r>
+            <a:endParaRPr b="0" lang="en-US" sz="1800" spc="-1" strike="noStrike">
+              <a:latin typeface="Arial"/>
+            </a:endParaRPr>
+          </a:p>
+          <a:p>
+            <a:pPr lvl="5" marL="2592000" indent="-216000">
+              <a:spcBef>
+                <a:spcPts val="283"/>
+              </a:spcBef>
+              <a:buClr>
+                <a:srgbClr val="000000"/>
+              </a:buClr>
+              <a:buSzPct val="45000"/>
+              <a:buFont typeface="Wingdings" charset="2"/>
+              <a:buChar char=""/>
+            </a:pPr>
+            <a:r>
+              <a:rPr b="0" lang="en-US" sz="1800" spc="-1" strike="noStrike">
+                <a:latin typeface="Arial"/>
+              </a:rPr>
+              <a:t>Sixth Outline Level</a:t>
+            </a:r>
+            <a:endParaRPr b="0" lang="en-US" sz="1800" spc="-1" strike="noStrike">
+              <a:latin typeface="Arial"/>
+            </a:endParaRPr>
+          </a:p>
+          <a:p>
+            <a:pPr lvl="6" marL="3024000" indent="-216000">
+              <a:spcBef>
+                <a:spcPts val="283"/>
+              </a:spcBef>
+              <a:buClr>
+                <a:srgbClr val="000000"/>
+              </a:buClr>
+              <a:buSzPct val="45000"/>
+              <a:buFont typeface="Wingdings" charset="2"/>
+              <a:buChar char=""/>
+            </a:pPr>
+            <a:r>
+              <a:rPr b="0" lang="en-US" sz="1800" spc="-1" strike="noStrike">
+                <a:latin typeface="Arial"/>
+              </a:rPr>
+              <a:t>Seventh Outline Level</a:t>
+            </a:r>
+            <a:endParaRPr b="0" lang="en-US" sz="1800" spc="-1" strike="noStrike">
+              <a:latin typeface="Arial"/>
+            </a:endParaRPr>
+          </a:p>
+        </p:txBody>
+      </p:sp>
+      <p:sp>
+        <p:nvSpPr>
+          <p:cNvPr id="134" name="PlaceHolder 10"/>
+          <p:cNvSpPr>
+            <a:spLocks noGrp="1"/>
+          </p:cNvSpPr>
+          <p:nvPr>
+            <p:ph type="body"/>
+          </p:nvPr>
+        </p:nvSpPr>
+        <p:spPr>
+          <a:xfrm>
+            <a:off x="8029800" y="3682080"/>
+            <a:ext cx="3532680" cy="1896480"/>
+          </a:xfrm>
+          <a:prstGeom prst="rect">
+            <a:avLst/>
+          </a:prstGeom>
+        </p:spPr>
+        <p:txBody>
+          <a:bodyPr lIns="0" rIns="0" tIns="0" bIns="0">
+            <a:normAutofit/>
+          </a:bodyPr>
+          <a:p>
+            <a:pPr marL="432000" indent="-324000">
+              <a:spcBef>
+                <a:spcPts val="1417"/>
+              </a:spcBef>
+              <a:buClr>
+                <a:srgbClr val="000000"/>
+              </a:buClr>
+              <a:buSzPct val="45000"/>
+              <a:buFont typeface="Wingdings" charset="2"/>
+              <a:buChar char=""/>
+            </a:pPr>
+            <a:r>
+              <a:rPr b="0" lang="en-US" sz="1800" spc="-1" strike="noStrike">
+                <a:latin typeface="Arial"/>
+              </a:rPr>
+              <a:t>Click to edit the outline text format</a:t>
+            </a:r>
+            <a:endParaRPr b="0" lang="en-US" sz="1800" spc="-1" strike="noStrike">
+              <a:latin typeface="Arial"/>
+            </a:endParaRPr>
+          </a:p>
+          <a:p>
+            <a:pPr lvl="1" marL="864000" indent="-324000">
+              <a:spcBef>
+                <a:spcPts val="1134"/>
+              </a:spcBef>
+              <a:buClr>
+                <a:srgbClr val="000000"/>
+              </a:buClr>
+              <a:buSzPct val="75000"/>
+              <a:buFont typeface="Symbol" charset="2"/>
+              <a:buChar char=""/>
+            </a:pPr>
+            <a:r>
+              <a:rPr b="0" lang="en-US" sz="1800" spc="-1" strike="noStrike">
+                <a:latin typeface="Arial"/>
+              </a:rPr>
+              <a:t>Second Outline Level</a:t>
+            </a:r>
+            <a:endParaRPr b="0" lang="en-US" sz="1800" spc="-1" strike="noStrike">
+              <a:latin typeface="Arial"/>
+            </a:endParaRPr>
+          </a:p>
+          <a:p>
+            <a:pPr lvl="2" marL="1296000" indent="-288000">
+              <a:spcBef>
+                <a:spcPts val="850"/>
+              </a:spcBef>
+              <a:buClr>
+                <a:srgbClr val="000000"/>
+              </a:buClr>
+              <a:buSzPct val="45000"/>
+              <a:buFont typeface="Wingdings" charset="2"/>
+              <a:buChar char=""/>
+            </a:pPr>
+            <a:r>
+              <a:rPr b="0" lang="en-US" sz="1800" spc="-1" strike="noStrike">
+                <a:latin typeface="Arial"/>
+              </a:rPr>
+              <a:t>Third Outline Level</a:t>
+            </a:r>
+            <a:endParaRPr b="0" lang="en-US" sz="1800" spc="-1" strike="noStrike">
+              <a:latin typeface="Arial"/>
+            </a:endParaRPr>
+          </a:p>
+          <a:p>
+            <a:pPr lvl="3" marL="1728000" indent="-216000">
+              <a:spcBef>
+                <a:spcPts val="567"/>
+              </a:spcBef>
+              <a:buClr>
+                <a:srgbClr val="000000"/>
+              </a:buClr>
+              <a:buSzPct val="75000"/>
+              <a:buFont typeface="Symbol" charset="2"/>
+              <a:buChar char=""/>
+            </a:pPr>
+            <a:r>
+              <a:rPr b="0" lang="en-US" sz="1800" spc="-1" strike="noStrike">
+                <a:latin typeface="Arial"/>
+              </a:rPr>
+              <a:t>Fourth Outline Level</a:t>
+            </a:r>
+            <a:endParaRPr b="0" lang="en-US" sz="1800" spc="-1" strike="noStrike">
+              <a:latin typeface="Arial"/>
+            </a:endParaRPr>
+          </a:p>
+          <a:p>
+            <a:pPr lvl="4" marL="2160000" indent="-216000">
+              <a:spcBef>
+                <a:spcPts val="283"/>
+              </a:spcBef>
+              <a:buClr>
+                <a:srgbClr val="000000"/>
+              </a:buClr>
+              <a:buSzPct val="45000"/>
+              <a:buFont typeface="Wingdings" charset="2"/>
+              <a:buChar char=""/>
+            </a:pPr>
+            <a:r>
+              <a:rPr b="0" lang="en-US" sz="1800" spc="-1" strike="noStrike">
+                <a:latin typeface="Arial"/>
+              </a:rPr>
+              <a:t>Fifth Outline Level</a:t>
+            </a:r>
+            <a:endParaRPr b="0" lang="en-US" sz="1800" spc="-1" strike="noStrike">
+              <a:latin typeface="Arial"/>
+            </a:endParaRPr>
+          </a:p>
+          <a:p>
+            <a:pPr lvl="5" marL="2592000" indent="-216000">
+              <a:spcBef>
+                <a:spcPts val="283"/>
+              </a:spcBef>
+              <a:buClr>
+                <a:srgbClr val="000000"/>
+              </a:buClr>
+              <a:buSzPct val="45000"/>
+              <a:buFont typeface="Wingdings" charset="2"/>
+              <a:buChar char=""/>
+            </a:pPr>
+            <a:r>
+              <a:rPr b="0" lang="en-US" sz="1800" spc="-1" strike="noStrike">
+                <a:latin typeface="Arial"/>
+              </a:rPr>
+              <a:t>Sixth Outline Level</a:t>
+            </a:r>
+            <a:endParaRPr b="0" lang="en-US" sz="1800" spc="-1" strike="noStrike">
+              <a:latin typeface="Arial"/>
+            </a:endParaRPr>
+          </a:p>
+          <a:p>
+            <a:pPr lvl="6" marL="3024000" indent="-216000">
+              <a:spcBef>
+                <a:spcPts val="283"/>
+              </a:spcBef>
+              <a:buClr>
+                <a:srgbClr val="000000"/>
+              </a:buClr>
+              <a:buSzPct val="45000"/>
+              <a:buFont typeface="Wingdings" charset="2"/>
+              <a:buChar char=""/>
+            </a:pPr>
+            <a:r>
+              <a:rPr b="0" lang="en-US" sz="1800" spc="-1" strike="noStrike">
+                <a:latin typeface="Arial"/>
+              </a:rPr>
+              <a:t>Seventh Outline Level</a:t>
+            </a:r>
+            <a:endParaRPr b="0" lang="en-US" sz="1800" spc="-1" strike="noStrike">
+              <a:latin typeface="Arial"/>
+            </a:endParaRPr>
+          </a:p>
+        </p:txBody>
+      </p:sp>
+    </p:spTree>
+  </p:cSld>
+  <p:clrMap bg1="lt1" bg2="lt2" tx1="dk1" tx2="dk2" accent1="accent1" accent2="accent2" accent3="accent3" accent4="accent4" accent5="accent5" accent6="accent6" hlink="hlink" folHlink="folHlink"/>
+  <p:sldLayoutIdLst>
+    <p:sldLayoutId id="2147483688" r:id="rId2"/>
+    <p:sldLayoutId id="2147483689" r:id="rId3"/>
+    <p:sldLayoutId id="2147483690" r:id="rId4"/>
+    <p:sldLayoutId id="2147483691" r:id="rId5"/>
+    <p:sldLayoutId id="2147483692" r:id="rId6"/>
+    <p:sldLayoutId id="2147483693" r:id="rId7"/>
+    <p:sldLayoutId id="2147483694" r:id="rId8"/>
+    <p:sldLayoutId id="2147483695" r:id="rId9"/>
+    <p:sldLayoutId id="2147483696" r:id="rId10"/>
+    <p:sldLayoutId id="2147483697" r:id="rId11"/>
+    <p:sldLayoutId id="2147483698" r:id="rId12"/>
+    <p:sldLayoutId id="2147483699" r:id="rId13"/>
   </p:sldLayoutIdLst>
 </p:sldMaster>
 </file>
@@ -5549,14 +8092,14 @@
       </p:grpSpPr>
       <p:sp>
         <p:nvSpPr>
-          <p:cNvPr id="131" name="CustomShape 1"/>
+          <p:cNvPr id="177" name="CustomShape 1"/>
           <p:cNvSpPr/>
           <p:nvPr/>
         </p:nvSpPr>
         <p:spPr>
           <a:xfrm>
             <a:off x="2016000" y="720360"/>
-            <a:ext cx="10514520" cy="2386440"/>
+            <a:ext cx="10513800" cy="2385720"/>
           </a:xfrm>
           <a:prstGeom prst="rect">
             <a:avLst/>
@@ -5598,14 +8141,14 @@
       </p:sp>
       <p:sp>
         <p:nvSpPr>
-          <p:cNvPr id="132" name="CustomShape 2"/>
+          <p:cNvPr id="178" name="CustomShape 2"/>
           <p:cNvSpPr/>
           <p:nvPr/>
         </p:nvSpPr>
         <p:spPr>
           <a:xfrm>
             <a:off x="8477640" y="4075560"/>
-            <a:ext cx="3460680" cy="1701720"/>
+            <a:ext cx="3459960" cy="1701000"/>
           </a:xfrm>
           <a:prstGeom prst="rect">
             <a:avLst/>
@@ -5776,14 +8319,14 @@
       </p:grpSpPr>
       <p:sp>
         <p:nvSpPr>
-          <p:cNvPr id="161" name="CustomShape 1"/>
+          <p:cNvPr id="207" name="CustomShape 1"/>
           <p:cNvSpPr/>
           <p:nvPr/>
         </p:nvSpPr>
         <p:spPr>
           <a:xfrm>
             <a:off x="521280" y="1536120"/>
-            <a:ext cx="6875280" cy="639000"/>
+            <a:ext cx="6874560" cy="638280"/>
           </a:xfrm>
           <a:prstGeom prst="rect">
             <a:avLst/>
@@ -5825,14 +8368,14 @@
       </p:sp>
       <p:sp>
         <p:nvSpPr>
-          <p:cNvPr id="162" name="CustomShape 2"/>
+          <p:cNvPr id="208" name="CustomShape 2"/>
           <p:cNvSpPr/>
           <p:nvPr/>
         </p:nvSpPr>
         <p:spPr>
           <a:xfrm>
-            <a:off x="539640" y="2560320"/>
-            <a:ext cx="10762920" cy="3976560"/>
+            <a:off x="457200" y="2698560"/>
+            <a:ext cx="10762200" cy="3975840"/>
           </a:xfrm>
           <a:prstGeom prst="rect">
             <a:avLst/>
@@ -5848,6 +8391,134 @@
           <a:effectRef idx="0"/>
           <a:fontRef idx="minor"/>
         </p:style>
+      </p:sp>
+      <p:sp>
+        <p:nvSpPr>
+          <p:cNvPr id="209" name="CustomShape 3"/>
+          <p:cNvSpPr/>
+          <p:nvPr/>
+        </p:nvSpPr>
+        <p:spPr>
+          <a:xfrm>
+            <a:off x="539640" y="2560320"/>
+            <a:ext cx="11072880" cy="3975840"/>
+          </a:xfrm>
+          <a:prstGeom prst="rect">
+            <a:avLst/>
+          </a:prstGeom>
+          <a:noFill/>
+          <a:ln>
+            <a:noFill/>
+          </a:ln>
+        </p:spPr>
+        <p:style>
+          <a:lnRef idx="0"/>
+          <a:fillRef idx="0"/>
+          <a:effectRef idx="0"/>
+          <a:fontRef idx="minor"/>
+        </p:style>
+        <p:txBody>
+          <a:bodyPr lIns="90000" rIns="90000" tIns="45000" bIns="45000"/>
+          <a:p>
+            <a:pPr marL="432000" indent="-322200" algn="just">
+              <a:lnSpc>
+                <a:spcPct val="100000"/>
+              </a:lnSpc>
+              <a:buBlip>
+                <a:blip r:embed="rId1"/>
+              </a:buBlip>
+            </a:pPr>
+            <a:r>
+              <a:rPr b="0" lang="en-US" sz="2000" spc="-1" strike="noStrike">
+                <a:solidFill>
+                  <a:srgbClr val="3d3d3d"/>
+                </a:solidFill>
+                <a:latin typeface="Times New Roman"/>
+                <a:ea typeface="Times New Roman"/>
+              </a:rPr>
+              <a:t>Motion detection failure due to </a:t>
+            </a:r>
+            <a:r>
+              <a:rPr b="1" lang="en-US" sz="2000" spc="-1" strike="noStrike">
+                <a:solidFill>
+                  <a:srgbClr val="3d3d3d"/>
+                </a:solidFill>
+                <a:latin typeface="Times New Roman"/>
+                <a:ea typeface="Times New Roman"/>
+              </a:rPr>
+              <a:t>low frame rate</a:t>
+            </a:r>
+            <a:endParaRPr b="0" lang="en-US" sz="2000" spc="-1" strike="noStrike">
+              <a:latin typeface="Arial"/>
+            </a:endParaRPr>
+          </a:p>
+          <a:p>
+            <a:pPr marL="432000" indent="-322200" algn="just">
+              <a:lnSpc>
+                <a:spcPct val="100000"/>
+              </a:lnSpc>
+              <a:buBlip>
+                <a:blip r:embed="rId2"/>
+              </a:buBlip>
+            </a:pPr>
+            <a:r>
+              <a:rPr b="0" lang="en-US" sz="2000" spc="-1" strike="noStrike">
+                <a:solidFill>
+                  <a:srgbClr val="3d3d3d"/>
+                </a:solidFill>
+                <a:latin typeface="Times New Roman"/>
+                <a:ea typeface="Times New Roman"/>
+              </a:rPr>
+              <a:t>Frame rate and quality depends on </a:t>
+            </a:r>
+            <a:r>
+              <a:rPr b="1" lang="en-US" sz="2000" spc="-1" strike="noStrike">
+                <a:solidFill>
+                  <a:srgbClr val="3d3d3d"/>
+                </a:solidFill>
+                <a:latin typeface="Times New Roman"/>
+                <a:ea typeface="Times New Roman"/>
+              </a:rPr>
+              <a:t>internet speed</a:t>
+            </a:r>
+            <a:endParaRPr b="0" lang="en-US" sz="2000" spc="-1" strike="noStrike">
+              <a:latin typeface="Arial"/>
+            </a:endParaRPr>
+          </a:p>
+          <a:p>
+            <a:pPr marL="432000" indent="-322200" algn="just">
+              <a:lnSpc>
+                <a:spcPct val="100000"/>
+              </a:lnSpc>
+              <a:buBlip>
+                <a:blip r:embed="rId3"/>
+              </a:buBlip>
+            </a:pPr>
+            <a:r>
+              <a:rPr b="0" lang="en-US" sz="2000" spc="-1" strike="noStrike">
+                <a:solidFill>
+                  <a:srgbClr val="3d3d3d"/>
+                </a:solidFill>
+                <a:latin typeface="Times New Roman"/>
+                <a:ea typeface="Times New Roman"/>
+              </a:rPr>
+              <a:t>Time delay in actual image and resulting image may cause significant failure in security</a:t>
+            </a:r>
+            <a:endParaRPr b="0" lang="en-US" sz="2000" spc="-1" strike="noStrike">
+              <a:latin typeface="Arial"/>
+            </a:endParaRPr>
+          </a:p>
+          <a:p>
+            <a:pPr algn="just">
+              <a:lnSpc>
+                <a:spcPct val="100000"/>
+              </a:lnSpc>
+            </a:pPr>
+            <a:endParaRPr b="0" lang="en-US" sz="2000" spc="-1" strike="noStrike">
+              <a:latin typeface="Arial"/>
+            </a:endParaRPr>
+          </a:p>
+        </p:txBody>
       </p:sp>
     </p:spTree>
   </p:cSld>
@@ -5900,14 +8571,14 @@
       </p:grpSpPr>
       <p:sp>
         <p:nvSpPr>
-          <p:cNvPr id="163" name="CustomShape 1"/>
+          <p:cNvPr id="210" name="CustomShape 1"/>
           <p:cNvSpPr/>
           <p:nvPr/>
         </p:nvSpPr>
         <p:spPr>
           <a:xfrm>
             <a:off x="521280" y="1536120"/>
-            <a:ext cx="6875280" cy="639000"/>
+            <a:ext cx="6874560" cy="638280"/>
           </a:xfrm>
           <a:prstGeom prst="rect">
             <a:avLst/>
@@ -5949,14 +8620,14 @@
       </p:sp>
       <p:sp>
         <p:nvSpPr>
-          <p:cNvPr id="164" name="CustomShape 2"/>
+          <p:cNvPr id="211" name="CustomShape 2"/>
           <p:cNvSpPr/>
           <p:nvPr/>
         </p:nvSpPr>
         <p:spPr>
           <a:xfrm>
             <a:off x="539640" y="2560320"/>
-            <a:ext cx="9444600" cy="3976560"/>
+            <a:ext cx="9443880" cy="3975840"/>
           </a:xfrm>
           <a:prstGeom prst="rect">
             <a:avLst/>
@@ -5972,6 +8643,150 @@
           <a:effectRef idx="0"/>
           <a:fontRef idx="minor"/>
         </p:style>
+      </p:sp>
+      <p:sp>
+        <p:nvSpPr>
+          <p:cNvPr id="212" name="CustomShape 3"/>
+          <p:cNvSpPr/>
+          <p:nvPr/>
+        </p:nvSpPr>
+        <p:spPr>
+          <a:xfrm>
+            <a:off x="607320" y="2560320"/>
+            <a:ext cx="9816480" cy="3793320"/>
+          </a:xfrm>
+          <a:prstGeom prst="rect">
+            <a:avLst/>
+          </a:prstGeom>
+          <a:noFill/>
+          <a:ln>
+            <a:noFill/>
+          </a:ln>
+        </p:spPr>
+        <p:style>
+          <a:lnRef idx="0"/>
+          <a:fillRef idx="0"/>
+          <a:effectRef idx="0"/>
+          <a:fontRef idx="minor"/>
+        </p:style>
+        <p:txBody>
+          <a:bodyPr lIns="90000" rIns="90000" tIns="45000" bIns="45000"/>
+          <a:p>
+            <a:pPr marL="216000" indent="-215640">
+              <a:lnSpc>
+                <a:spcPct val="100000"/>
+              </a:lnSpc>
+              <a:buBlip>
+                <a:blip r:embed="rId1"/>
+              </a:buBlip>
+            </a:pPr>
+            <a:r>
+              <a:rPr b="0" lang="en-US" sz="2000" spc="-1" strike="noStrike">
+                <a:solidFill>
+                  <a:srgbClr val="3d3d3d"/>
+                </a:solidFill>
+                <a:latin typeface="Times New Roman"/>
+                <a:ea typeface="Times New Roman"/>
+              </a:rPr>
+              <a:t>Easier for user to set-up (automatic)</a:t>
+            </a:r>
+            <a:endParaRPr b="0" lang="en-US" sz="2000" spc="-1" strike="noStrike">
+              <a:latin typeface="Arial"/>
+            </a:endParaRPr>
+          </a:p>
+          <a:p>
+            <a:pPr marL="216000" indent="-215640">
+              <a:lnSpc>
+                <a:spcPct val="100000"/>
+              </a:lnSpc>
+              <a:buBlip>
+                <a:blip r:embed="rId2"/>
+              </a:buBlip>
+            </a:pPr>
+            <a:r>
+              <a:rPr b="0" lang="en-US" sz="2000" spc="-1" strike="noStrike">
+                <a:solidFill>
+                  <a:srgbClr val="3d3d3d"/>
+                </a:solidFill>
+                <a:latin typeface="Times New Roman"/>
+                <a:ea typeface="Times New Roman"/>
+              </a:rPr>
+              <a:t>Increased resolution of camera</a:t>
+            </a:r>
+            <a:endParaRPr b="0" lang="en-US" sz="2000" spc="-1" strike="noStrike">
+              <a:latin typeface="Arial"/>
+            </a:endParaRPr>
+          </a:p>
+          <a:p>
+            <a:pPr marL="216000" indent="-215640">
+              <a:lnSpc>
+                <a:spcPct val="100000"/>
+              </a:lnSpc>
+              <a:buBlip>
+                <a:blip r:embed="rId3"/>
+              </a:buBlip>
+            </a:pPr>
+            <a:r>
+              <a:rPr b="0" lang="en-US" sz="2000" spc="-1" strike="noStrike">
+                <a:solidFill>
+                  <a:srgbClr val="3d3d3d"/>
+                </a:solidFill>
+                <a:latin typeface="Times New Roman"/>
+                <a:ea typeface="Times New Roman"/>
+              </a:rPr>
+              <a:t>High audio quality</a:t>
+            </a:r>
+            <a:endParaRPr b="0" lang="en-US" sz="2000" spc="-1" strike="noStrike">
+              <a:latin typeface="Arial"/>
+            </a:endParaRPr>
+          </a:p>
+          <a:p>
+            <a:pPr marL="216000" indent="-215640">
+              <a:lnSpc>
+                <a:spcPct val="100000"/>
+              </a:lnSpc>
+              <a:buBlip>
+                <a:blip r:embed="rId4"/>
+              </a:buBlip>
+            </a:pPr>
+            <a:r>
+              <a:rPr b="0" lang="en-US" sz="2000" spc="-1" strike="noStrike">
+                <a:solidFill>
+                  <a:srgbClr val="3d3d3d"/>
+                </a:solidFill>
+                <a:latin typeface="Times New Roman"/>
+                <a:ea typeface="Times New Roman"/>
+              </a:rPr>
+              <a:t>Sharper motion detection algorithm</a:t>
+            </a:r>
+            <a:endParaRPr b="0" lang="en-US" sz="2000" spc="-1" strike="noStrike">
+              <a:latin typeface="Arial"/>
+            </a:endParaRPr>
+          </a:p>
+          <a:p>
+            <a:pPr marL="216000" indent="-215640">
+              <a:lnSpc>
+                <a:spcPct val="100000"/>
+              </a:lnSpc>
+              <a:buBlip>
+                <a:blip r:embed="rId5"/>
+              </a:buBlip>
+            </a:pPr>
+            <a:r>
+              <a:rPr b="0" lang="en-US" sz="2000" spc="-1" strike="noStrike">
+                <a:solidFill>
+                  <a:srgbClr val="3d3d3d"/>
+                </a:solidFill>
+                <a:latin typeface="Times New Roman"/>
+                <a:ea typeface="Times New Roman"/>
+              </a:rPr>
+              <a:t>Additional mode of communication except internet  </a:t>
+            </a:r>
+            <a:endParaRPr b="0" lang="en-US" sz="2000" spc="-1" strike="noStrike">
+              <a:latin typeface="Arial"/>
+            </a:endParaRPr>
+          </a:p>
+        </p:txBody>
       </p:sp>
     </p:spTree>
   </p:cSld>
@@ -6024,14 +8839,14 @@
       </p:grpSpPr>
       <p:sp>
         <p:nvSpPr>
-          <p:cNvPr id="165" name="CustomShape 1"/>
+          <p:cNvPr id="213" name="CustomShape 1"/>
           <p:cNvSpPr/>
           <p:nvPr/>
         </p:nvSpPr>
         <p:spPr>
           <a:xfrm>
             <a:off x="521280" y="1536120"/>
-            <a:ext cx="6875280" cy="639000"/>
+            <a:ext cx="6874560" cy="638280"/>
           </a:xfrm>
           <a:prstGeom prst="rect">
             <a:avLst/>
@@ -6073,14 +8888,14 @@
       </p:sp>
       <p:sp>
         <p:nvSpPr>
-          <p:cNvPr id="166" name="CustomShape 2"/>
+          <p:cNvPr id="214" name="CustomShape 2"/>
           <p:cNvSpPr/>
           <p:nvPr/>
         </p:nvSpPr>
         <p:spPr>
           <a:xfrm>
             <a:off x="539640" y="2560320"/>
-            <a:ext cx="9444600" cy="3976560"/>
+            <a:ext cx="9443880" cy="3975840"/>
           </a:xfrm>
           <a:prstGeom prst="rect">
             <a:avLst/>
@@ -6174,14 +8989,14 @@
       </p:grpSpPr>
       <p:sp>
         <p:nvSpPr>
-          <p:cNvPr id="167" name="CustomShape 1"/>
+          <p:cNvPr id="215" name="CustomShape 1"/>
           <p:cNvSpPr/>
           <p:nvPr/>
         </p:nvSpPr>
         <p:spPr>
           <a:xfrm>
             <a:off x="2467440" y="2655720"/>
-            <a:ext cx="6875280" cy="639000"/>
+            <a:ext cx="6874560" cy="638280"/>
           </a:xfrm>
           <a:prstGeom prst="rect">
             <a:avLst/>
@@ -6223,6 +9038,264 @@
       </p:sp>
     </p:spTree>
   </p:cSld>
+  <p:timing>
+    <p:tnLst>
+      <p:par>
+        <p:cTn id="25" dur="indefinite" restart="never" nodeType="tmRoot">
+          <p:childTnLst>
+            <p:seq>
+              <p:cTn id="26" dur="indefinite" nodeType="mainSeq"/>
+              <p:prevCondLst>
+                <p:cond delay="0" evt="onPrev">
+                  <p:tgtEl>
+                    <p:sldTgt/>
+                  </p:tgtEl>
+                </p:cond>
+              </p:prevCondLst>
+              <p:nextCondLst>
+                <p:cond delay="0" evt="onNext">
+                  <p:tgtEl>
+                    <p:sldTgt/>
+                  </p:tgtEl>
+                </p:cond>
+              </p:nextCondLst>
+            </p:seq>
+          </p:childTnLst>
+        </p:cTn>
+      </p:par>
+    </p:tnLst>
+  </p:timing>
+</p:sld>
+</file>
+
+<file path=ppt/slides/slide14.xml><?xml version="1.0" encoding="utf-8"?>
+<p:sld xmlns:a="http://schemas.openxmlformats.org/drawingml/2006/main" xmlns:p="http://schemas.openxmlformats.org/presentationml/2006/main" xmlns:r="http://schemas.openxmlformats.org/officeDocument/2006/relationships" xmlns:p14="http://schemas.microsoft.com/office/powerpoint/2010/main" xmlns:p15="http://schemas.microsoft.com/office/powerpoint/2012/main" xmlns:mc="http://schemas.openxmlformats.org/markup-compatibility/2006">
+  <p:cSld>
+    <p:spTree>
+      <p:nvGrpSpPr>
+        <p:cNvPr id="1" name=""/>
+        <p:cNvGrpSpPr/>
+        <p:nvPr/>
+      </p:nvGrpSpPr>
+      <p:grpSpPr>
+        <a:xfrm>
+          <a:off x="0" y="0"/>
+          <a:ext cx="0" cy="0"/>
+          <a:chOff x="0" y="0"/>
+          <a:chExt cx="0" cy="0"/>
+        </a:xfrm>
+      </p:grpSpPr>
+      <p:sp>
+        <p:nvSpPr>
+          <p:cNvPr id="216" name="CustomShape 1"/>
+          <p:cNvSpPr/>
+          <p:nvPr/>
+        </p:nvSpPr>
+        <p:spPr>
+          <a:xfrm>
+            <a:off x="609480" y="273600"/>
+            <a:ext cx="10972080" cy="1144440"/>
+          </a:xfrm>
+          <a:prstGeom prst="rect">
+            <a:avLst/>
+          </a:prstGeom>
+          <a:noFill/>
+          <a:ln>
+            <a:noFill/>
+          </a:ln>
+        </p:spPr>
+        <p:style>
+          <a:lnRef idx="0"/>
+          <a:fillRef idx="0"/>
+          <a:effectRef idx="0"/>
+          <a:fontRef idx="minor"/>
+        </p:style>
+      </p:sp>
+      <p:sp>
+        <p:nvSpPr>
+          <p:cNvPr id="217" name="CustomShape 2"/>
+          <p:cNvSpPr/>
+          <p:nvPr/>
+        </p:nvSpPr>
+        <p:spPr>
+          <a:xfrm>
+            <a:off x="609480" y="1604520"/>
+            <a:ext cx="3532680" cy="1896480"/>
+          </a:xfrm>
+          <a:prstGeom prst="rect">
+            <a:avLst/>
+          </a:prstGeom>
+          <a:noFill/>
+          <a:ln>
+            <a:noFill/>
+          </a:ln>
+        </p:spPr>
+        <p:style>
+          <a:lnRef idx="0"/>
+          <a:fillRef idx="0"/>
+          <a:effectRef idx="0"/>
+          <a:fontRef idx="minor"/>
+        </p:style>
+      </p:sp>
+      <p:sp>
+        <p:nvSpPr>
+          <p:cNvPr id="218" name="CustomShape 3"/>
+          <p:cNvSpPr/>
+          <p:nvPr/>
+        </p:nvSpPr>
+        <p:spPr>
+          <a:xfrm>
+            <a:off x="4319640" y="1604520"/>
+            <a:ext cx="3532680" cy="1896480"/>
+          </a:xfrm>
+          <a:prstGeom prst="rect">
+            <a:avLst/>
+          </a:prstGeom>
+          <a:noFill/>
+          <a:ln>
+            <a:noFill/>
+          </a:ln>
+        </p:spPr>
+        <p:style>
+          <a:lnRef idx="0"/>
+          <a:fillRef idx="0"/>
+          <a:effectRef idx="0"/>
+          <a:fontRef idx="minor"/>
+        </p:style>
+      </p:sp>
+      <p:sp>
+        <p:nvSpPr>
+          <p:cNvPr id="219" name="CustomShape 4"/>
+          <p:cNvSpPr/>
+          <p:nvPr/>
+        </p:nvSpPr>
+        <p:spPr>
+          <a:xfrm>
+            <a:off x="8029800" y="1604520"/>
+            <a:ext cx="3532680" cy="1896480"/>
+          </a:xfrm>
+          <a:prstGeom prst="rect">
+            <a:avLst/>
+          </a:prstGeom>
+          <a:noFill/>
+          <a:ln>
+            <a:noFill/>
+          </a:ln>
+        </p:spPr>
+        <p:style>
+          <a:lnRef idx="0"/>
+          <a:fillRef idx="0"/>
+          <a:effectRef idx="0"/>
+          <a:fontRef idx="minor"/>
+        </p:style>
+      </p:sp>
+      <p:sp>
+        <p:nvSpPr>
+          <p:cNvPr id="220" name="CustomShape 5"/>
+          <p:cNvSpPr/>
+          <p:nvPr/>
+        </p:nvSpPr>
+        <p:spPr>
+          <a:xfrm>
+            <a:off x="609480" y="3682080"/>
+            <a:ext cx="3532680" cy="1896480"/>
+          </a:xfrm>
+          <a:prstGeom prst="rect">
+            <a:avLst/>
+          </a:prstGeom>
+          <a:noFill/>
+          <a:ln>
+            <a:noFill/>
+          </a:ln>
+        </p:spPr>
+        <p:style>
+          <a:lnRef idx="0"/>
+          <a:fillRef idx="0"/>
+          <a:effectRef idx="0"/>
+          <a:fontRef idx="minor"/>
+        </p:style>
+      </p:sp>
+      <p:sp>
+        <p:nvSpPr>
+          <p:cNvPr id="221" name="CustomShape 6"/>
+          <p:cNvSpPr/>
+          <p:nvPr/>
+        </p:nvSpPr>
+        <p:spPr>
+          <a:xfrm>
+            <a:off x="4319640" y="3682080"/>
+            <a:ext cx="3532680" cy="1896480"/>
+          </a:xfrm>
+          <a:prstGeom prst="rect">
+            <a:avLst/>
+          </a:prstGeom>
+          <a:noFill/>
+          <a:ln>
+            <a:noFill/>
+          </a:ln>
+        </p:spPr>
+        <p:style>
+          <a:lnRef idx="0"/>
+          <a:fillRef idx="0"/>
+          <a:effectRef idx="0"/>
+          <a:fontRef idx="minor"/>
+        </p:style>
+      </p:sp>
+      <p:sp>
+        <p:nvSpPr>
+          <p:cNvPr id="222" name="CustomShape 7"/>
+          <p:cNvSpPr/>
+          <p:nvPr/>
+        </p:nvSpPr>
+        <p:spPr>
+          <a:xfrm>
+            <a:off x="8029800" y="3682080"/>
+            <a:ext cx="3532680" cy="1896480"/>
+          </a:xfrm>
+          <a:prstGeom prst="rect">
+            <a:avLst/>
+          </a:prstGeom>
+          <a:noFill/>
+          <a:ln>
+            <a:noFill/>
+          </a:ln>
+        </p:spPr>
+        <p:style>
+          <a:lnRef idx="0"/>
+          <a:fillRef idx="0"/>
+          <a:effectRef idx="0"/>
+          <a:fontRef idx="minor"/>
+        </p:style>
+      </p:sp>
+    </p:spTree>
+  </p:cSld>
+  <p:timing>
+    <p:tnLst>
+      <p:par>
+        <p:cTn id="27" dur="indefinite" restart="never" nodeType="tmRoot">
+          <p:childTnLst>
+            <p:seq>
+              <p:cTn id="28" dur="indefinite" nodeType="mainSeq"/>
+              <p:prevCondLst>
+                <p:cond delay="0" evt="onPrev">
+                  <p:tgtEl>
+                    <p:sldTgt/>
+                  </p:tgtEl>
+                </p:cond>
+              </p:prevCondLst>
+              <p:nextCondLst>
+                <p:cond delay="0" evt="onNext">
+                  <p:tgtEl>
+                    <p:sldTgt/>
+                  </p:tgtEl>
+                </p:cond>
+              </p:nextCondLst>
+            </p:seq>
+          </p:childTnLst>
+        </p:cTn>
+      </p:par>
+    </p:tnLst>
+  </p:timing>
 </p:sld>
 </file>
 
@@ -6245,14 +9318,14 @@
       </p:grpSpPr>
       <p:sp>
         <p:nvSpPr>
-          <p:cNvPr id="133" name="CustomShape 1"/>
+          <p:cNvPr id="179" name="CustomShape 1"/>
           <p:cNvSpPr/>
           <p:nvPr/>
         </p:nvSpPr>
         <p:spPr>
           <a:xfrm>
             <a:off x="521280" y="448200"/>
-            <a:ext cx="10725480" cy="639000"/>
+            <a:ext cx="10724760" cy="638280"/>
           </a:xfrm>
           <a:prstGeom prst="rect">
             <a:avLst/>
@@ -6294,14 +9367,14 @@
       </p:sp>
       <p:sp>
         <p:nvSpPr>
-          <p:cNvPr id="134" name="CustomShape 2"/>
+          <p:cNvPr id="180" name="CustomShape 2"/>
           <p:cNvSpPr/>
           <p:nvPr/>
         </p:nvSpPr>
         <p:spPr>
           <a:xfrm>
             <a:off x="541440" y="1524600"/>
-            <a:ext cx="4320720" cy="3870360"/>
+            <a:ext cx="4320000" cy="3869640"/>
           </a:xfrm>
           <a:prstGeom prst="rect">
             <a:avLst/>
@@ -6320,7 +9393,7 @@
         <p:txBody>
           <a:bodyPr lIns="90000" rIns="90000" tIns="45000" bIns="45000"/>
           <a:p>
-            <a:pPr marL="432000" indent="-322920" algn="just">
+            <a:pPr marL="432000" indent="-322200" algn="just">
               <a:lnSpc>
                 <a:spcPct val="100000"/>
               </a:lnSpc>
@@ -6350,7 +9423,7 @@
             </a:endParaRPr>
           </a:p>
           <a:p>
-            <a:pPr marL="432000" indent="-322920" algn="just">
+            <a:pPr marL="432000" indent="-322200" algn="just">
               <a:lnSpc>
                 <a:spcPct val="100000"/>
               </a:lnSpc>
@@ -6363,7 +9436,7 @@
             </a:endParaRPr>
           </a:p>
           <a:p>
-            <a:pPr marL="432000" indent="-322920" algn="just">
+            <a:pPr marL="432000" indent="-322200" algn="just">
               <a:lnSpc>
                 <a:spcPct val="100000"/>
               </a:lnSpc>
@@ -6389,14 +9462,14 @@
       </p:sp>
       <p:sp>
         <p:nvSpPr>
-          <p:cNvPr id="135" name="CustomShape 3"/>
+          <p:cNvPr id="181" name="CustomShape 3"/>
           <p:cNvSpPr/>
           <p:nvPr/>
         </p:nvSpPr>
         <p:spPr>
           <a:xfrm>
             <a:off x="5866920" y="1638000"/>
-            <a:ext cx="4320720" cy="3870360"/>
+            <a:ext cx="4320000" cy="3869640"/>
           </a:xfrm>
           <a:prstGeom prst="rect">
             <a:avLst/>
@@ -6415,7 +9488,7 @@
         <p:txBody>
           <a:bodyPr lIns="90000" rIns="90000" tIns="45000" bIns="45000"/>
           <a:p>
-            <a:pPr marL="228600" indent="-227520">
+            <a:pPr marL="228600" indent="-226800">
               <a:lnSpc>
                 <a:spcPct val="90000"/>
               </a:lnSpc>
@@ -6507,14 +9580,14 @@
       </p:grpSpPr>
       <p:sp>
         <p:nvSpPr>
-          <p:cNvPr id="136" name="CustomShape 1"/>
+          <p:cNvPr id="182" name="CustomShape 1"/>
           <p:cNvSpPr/>
           <p:nvPr/>
         </p:nvSpPr>
         <p:spPr>
           <a:xfrm>
             <a:off x="521280" y="448200"/>
-            <a:ext cx="6876000" cy="639000"/>
+            <a:ext cx="6875280" cy="638280"/>
           </a:xfrm>
           <a:prstGeom prst="rect">
             <a:avLst/>
@@ -6556,14 +9629,14 @@
       </p:sp>
       <p:sp>
         <p:nvSpPr>
-          <p:cNvPr id="137" name="CustomShape 2"/>
+          <p:cNvPr id="183" name="CustomShape 2"/>
           <p:cNvSpPr/>
           <p:nvPr/>
         </p:nvSpPr>
         <p:spPr>
           <a:xfrm>
             <a:off x="539640" y="1435680"/>
-            <a:ext cx="10261080" cy="4601520"/>
+            <a:ext cx="10260360" cy="4600800"/>
           </a:xfrm>
           <a:prstGeom prst="rect">
             <a:avLst/>
@@ -6582,7 +9655,7 @@
         <p:txBody>
           <a:bodyPr lIns="90000" rIns="90000" tIns="45000" bIns="45000"/>
           <a:p>
-            <a:pPr marL="216000" indent="-126000">
+            <a:pPr marL="216000" indent="-125280">
               <a:lnSpc>
                 <a:spcPct val="150000"/>
               </a:lnSpc>
@@ -6650,7 +9723,7 @@
             </a:endParaRPr>
           </a:p>
           <a:p>
-            <a:pPr marL="216000" indent="-126000">
+            <a:pPr marL="216000" indent="-125280">
               <a:lnSpc>
                 <a:spcPct val="150000"/>
               </a:lnSpc>
@@ -6722,7 +9795,7 @@
             </a:endParaRPr>
           </a:p>
           <a:p>
-            <a:pPr marL="216000" indent="-126000">
+            <a:pPr marL="216000" indent="-125280">
               <a:lnSpc>
                 <a:spcPct val="150000"/>
               </a:lnSpc>
@@ -6770,7 +9843,7 @@
             </a:endParaRPr>
           </a:p>
           <a:p>
-            <a:pPr marL="216000" indent="-126000">
+            <a:pPr marL="216000" indent="-125280">
               <a:lnSpc>
                 <a:spcPct val="150000"/>
               </a:lnSpc>
@@ -6871,14 +9944,14 @@
       </p:grpSpPr>
       <p:sp>
         <p:nvSpPr>
-          <p:cNvPr id="138" name="CustomShape 1"/>
+          <p:cNvPr id="184" name="CustomShape 1"/>
           <p:cNvSpPr/>
           <p:nvPr/>
         </p:nvSpPr>
         <p:spPr>
           <a:xfrm>
             <a:off x="521280" y="1536120"/>
-            <a:ext cx="6875280" cy="639000"/>
+            <a:ext cx="6874560" cy="638280"/>
           </a:xfrm>
           <a:prstGeom prst="rect">
             <a:avLst/>
@@ -6920,14 +9993,14 @@
       </p:sp>
       <p:sp>
         <p:nvSpPr>
-          <p:cNvPr id="139" name="CustomShape 2"/>
+          <p:cNvPr id="185" name="CustomShape 2"/>
           <p:cNvSpPr/>
           <p:nvPr/>
         </p:nvSpPr>
         <p:spPr>
           <a:xfrm>
             <a:off x="539640" y="2560320"/>
-            <a:ext cx="4475520" cy="3976560"/>
+            <a:ext cx="4474800" cy="3975840"/>
           </a:xfrm>
           <a:prstGeom prst="rect">
             <a:avLst/>
@@ -7018,7 +10091,7 @@
                 <a:latin typeface="Times New Roman"/>
                 <a:ea typeface="Times New Roman"/>
               </a:rPr>
-              <a:t>1. Easy Setup</a:t>
+              <a:t>1. Infrared (Night vision)</a:t>
             </a:r>
             <a:endParaRPr b="0" lang="en-US" sz="1670" spc="-1" strike="noStrike">
               <a:latin typeface="Arial"/>
@@ -7064,7 +10137,7 @@
                 <a:latin typeface="Times New Roman"/>
                 <a:ea typeface="Times New Roman"/>
               </a:rPr>
-              <a:t>3. Scheduling</a:t>
+              <a:t>3. Low resolution (640*480)</a:t>
             </a:r>
             <a:endParaRPr b="0" lang="en-US" sz="1670" spc="-1" strike="noStrike">
               <a:latin typeface="Arial"/>
@@ -7087,7 +10160,7 @@
                 <a:latin typeface="Times New Roman"/>
                 <a:ea typeface="Times New Roman"/>
               </a:rPr>
-              <a:t>4. Remote Viewing</a:t>
+              <a:t>4. 150-300 Mbps</a:t>
             </a:r>
             <a:endParaRPr b="0" lang="en-US" sz="1670" spc="-1" strike="noStrike">
               <a:latin typeface="Arial"/>
@@ -7133,7 +10206,7 @@
       </p:sp>
       <p:pic>
         <p:nvPicPr>
-          <p:cNvPr id="140" name="" descr=""/>
+          <p:cNvPr id="186" name="Picture 139" descr=""/>
           <p:cNvPicPr/>
           <p:nvPr/>
         </p:nvPicPr>
@@ -7144,7 +10217,7 @@
         <p:spPr>
           <a:xfrm>
             <a:off x="6068520" y="2552400"/>
-            <a:ext cx="5635440" cy="3756600"/>
+            <a:ext cx="5634720" cy="3755880"/>
           </a:xfrm>
           <a:prstGeom prst="rect">
             <a:avLst/>
@@ -7205,14 +10278,14 @@
       </p:grpSpPr>
       <p:sp>
         <p:nvSpPr>
-          <p:cNvPr id="141" name="CustomShape 1"/>
+          <p:cNvPr id="187" name="CustomShape 1"/>
           <p:cNvSpPr/>
           <p:nvPr/>
         </p:nvSpPr>
         <p:spPr>
           <a:xfrm>
             <a:off x="521280" y="1536120"/>
-            <a:ext cx="6875280" cy="639000"/>
+            <a:ext cx="6874560" cy="638280"/>
           </a:xfrm>
           <a:prstGeom prst="rect">
             <a:avLst/>
@@ -7254,14 +10327,14 @@
       </p:sp>
       <p:sp>
         <p:nvSpPr>
-          <p:cNvPr id="142" name="CustomShape 2"/>
+          <p:cNvPr id="188" name="CustomShape 2"/>
           <p:cNvSpPr/>
           <p:nvPr/>
         </p:nvSpPr>
         <p:spPr>
           <a:xfrm>
             <a:off x="539640" y="2560320"/>
-            <a:ext cx="4475520" cy="3976560"/>
+            <a:ext cx="4474800" cy="3975840"/>
           </a:xfrm>
           <a:prstGeom prst="rect">
             <a:avLst/>
@@ -7333,7 +10406,7 @@
                 <a:latin typeface="Times New Roman"/>
                 <a:ea typeface="Times New Roman"/>
               </a:rPr>
-              <a:t>1. Portable</a:t>
+              <a:t>1. 900 Mbps </a:t>
             </a:r>
             <a:endParaRPr b="0" lang="en-US" sz="1800" spc="-1" strike="noStrike">
               <a:latin typeface="Arial"/>
@@ -7413,7 +10486,7 @@
                 <a:latin typeface="Times New Roman"/>
                 <a:ea typeface="Times New Roman"/>
               </a:rPr>
-              <a:t>5. Night Vision</a:t>
+              <a:t>5. Night Vision(IR)</a:t>
             </a:r>
             <a:endParaRPr b="0" lang="en-US" sz="1800" spc="-1" strike="noStrike">
               <a:latin typeface="Arial"/>
@@ -7476,7 +10549,7 @@
       </p:sp>
       <p:pic>
         <p:nvPicPr>
-          <p:cNvPr id="143" name="" descr=""/>
+          <p:cNvPr id="189" name="Picture 142" descr=""/>
           <p:cNvPicPr/>
           <p:nvPr/>
         </p:nvPicPr>
@@ -7487,7 +10560,7 @@
         <p:spPr>
           <a:xfrm>
             <a:off x="6270120" y="2507400"/>
-            <a:ext cx="5433840" cy="3984480"/>
+            <a:ext cx="5433120" cy="3983760"/>
           </a:xfrm>
           <a:prstGeom prst="rect">
             <a:avLst/>
@@ -7548,14 +10621,14 @@
       </p:grpSpPr>
       <p:sp>
         <p:nvSpPr>
-          <p:cNvPr id="144" name="CustomShape 1"/>
+          <p:cNvPr id="190" name="CustomShape 1"/>
           <p:cNvSpPr/>
           <p:nvPr/>
         </p:nvSpPr>
         <p:spPr>
           <a:xfrm>
             <a:off x="521280" y="1536120"/>
-            <a:ext cx="6875280" cy="639000"/>
+            <a:ext cx="6874560" cy="638280"/>
           </a:xfrm>
           <a:prstGeom prst="rect">
             <a:avLst/>
@@ -7597,14 +10670,14 @@
       </p:sp>
       <p:sp>
         <p:nvSpPr>
-          <p:cNvPr id="145" name="CustomShape 2"/>
+          <p:cNvPr id="191" name="CustomShape 2"/>
           <p:cNvSpPr/>
           <p:nvPr/>
         </p:nvSpPr>
         <p:spPr>
           <a:xfrm>
             <a:off x="539640" y="2560320"/>
-            <a:ext cx="4475520" cy="3976560"/>
+            <a:ext cx="4474800" cy="3975840"/>
           </a:xfrm>
           <a:prstGeom prst="rect">
             <a:avLst/>
@@ -7705,7 +10778,7 @@
                 <a:latin typeface="Times New Roman"/>
                 <a:ea typeface="Times New Roman"/>
               </a:rPr>
-              <a:t>2. 60- second setup</a:t>
+              <a:t>2. 60 - second setup</a:t>
             </a:r>
             <a:endParaRPr b="0" lang="en-US" sz="1530" spc="-1" strike="noStrike">
               <a:latin typeface="Arial"/>
@@ -7728,7 +10801,7 @@
                 <a:latin typeface="Times New Roman"/>
                 <a:ea typeface="Times New Roman"/>
               </a:rPr>
-              <a:t>3. Fast and easy setup</a:t>
+              <a:t>3. 5 GHZ</a:t>
             </a:r>
             <a:endParaRPr b="0" lang="en-US" sz="1530" spc="-1" strike="noStrike">
               <a:latin typeface="Arial"/>
@@ -7751,7 +10824,7 @@
                 <a:latin typeface="Times New Roman"/>
                 <a:ea typeface="Times New Roman"/>
               </a:rPr>
-              <a:t>4. Wide Angle View</a:t>
+              <a:t>4. Wide Angle View(130 degree)</a:t>
             </a:r>
             <a:endParaRPr b="0" lang="en-US" sz="1530" spc="-1" strike="noStrike">
               <a:latin typeface="Arial"/>
@@ -7784,7 +10857,7 @@
       </p:sp>
       <p:pic>
         <p:nvPicPr>
-          <p:cNvPr id="146" name="" descr=""/>
+          <p:cNvPr id="192" name="Picture 145" descr=""/>
           <p:cNvPicPr/>
           <p:nvPr/>
         </p:nvPicPr>
@@ -7795,7 +10868,7 @@
         <p:spPr>
           <a:xfrm>
             <a:off x="5596200" y="2633040"/>
-            <a:ext cx="6199200" cy="3493080"/>
+            <a:ext cx="6198480" cy="3492360"/>
           </a:xfrm>
           <a:prstGeom prst="rect">
             <a:avLst/>
@@ -7856,14 +10929,14 @@
       </p:grpSpPr>
       <p:sp>
         <p:nvSpPr>
-          <p:cNvPr id="147" name="CustomShape 1"/>
+          <p:cNvPr id="193" name="CustomShape 1"/>
           <p:cNvSpPr/>
           <p:nvPr/>
         </p:nvSpPr>
         <p:spPr>
           <a:xfrm>
             <a:off x="325080" y="1389240"/>
-            <a:ext cx="6875280" cy="639000"/>
+            <a:ext cx="6874560" cy="638280"/>
           </a:xfrm>
           <a:prstGeom prst="rect">
             <a:avLst/>
@@ -7905,14 +10978,14 @@
       </p:sp>
       <p:sp>
         <p:nvSpPr>
-          <p:cNvPr id="148" name="CustomShape 2"/>
+          <p:cNvPr id="194" name="CustomShape 2"/>
           <p:cNvSpPr/>
           <p:nvPr/>
         </p:nvSpPr>
         <p:spPr>
           <a:xfrm>
             <a:off x="539640" y="2560320"/>
-            <a:ext cx="2935080" cy="3976560"/>
+            <a:ext cx="2934360" cy="3975840"/>
           </a:xfrm>
           <a:prstGeom prst="rect">
             <a:avLst/>
@@ -7931,7 +11004,7 @@
         <p:txBody>
           <a:bodyPr lIns="90000" rIns="90000" tIns="45000" bIns="45000"/>
           <a:p>
-            <a:pPr marL="432000" indent="-322920" algn="just">
+            <a:pPr marL="432000" indent="-322200" algn="just">
               <a:lnSpc>
                 <a:spcPct val="100000"/>
               </a:lnSpc>
@@ -7956,7 +11029,7 @@
             </a:endParaRPr>
           </a:p>
           <a:p>
-            <a:pPr marL="432000" indent="-322920" algn="just">
+            <a:pPr marL="432000" indent="-322200" algn="just">
               <a:lnSpc>
                 <a:spcPct val="100000"/>
               </a:lnSpc>
@@ -7984,7 +11057,7 @@
             </a:endParaRPr>
           </a:p>
           <a:p>
-            <a:pPr marL="432000" indent="-322920" algn="just">
+            <a:pPr marL="432000" indent="-322200" algn="just">
               <a:lnSpc>
                 <a:spcPct val="100000"/>
               </a:lnSpc>
@@ -8005,14 +11078,14 @@
                 <a:latin typeface="Times New Roman"/>
                 <a:ea typeface="Times New Roman"/>
               </a:rPr>
-              <a:t>Arduino Based Based</a:t>
+              <a:t>Arduino Based</a:t>
             </a:r>
             <a:endParaRPr b="0" lang="en-US" sz="2000" spc="-1" strike="noStrike">
               <a:latin typeface="Arial"/>
             </a:endParaRPr>
           </a:p>
           <a:p>
-            <a:pPr marL="432000" indent="-322920" algn="just">
+            <a:pPr marL="432000" indent="-322200" algn="just">
               <a:lnSpc>
                 <a:spcPct val="100000"/>
               </a:lnSpc>
@@ -8040,7 +11113,7 @@
             </a:endParaRPr>
           </a:p>
           <a:p>
-            <a:pPr marL="432000" indent="-322920" algn="just">
+            <a:pPr marL="432000" indent="-322200" algn="just">
               <a:lnSpc>
                 <a:spcPct val="100000"/>
               </a:lnSpc>
@@ -8068,7 +11141,7 @@
             </a:endParaRPr>
           </a:p>
           <a:p>
-            <a:pPr marL="432000" indent="-322920" algn="just">
+            <a:pPr marL="432000" indent="-322200" algn="just">
               <a:lnSpc>
                 <a:spcPct val="100000"/>
               </a:lnSpc>
@@ -8148,14 +11221,14 @@
       </p:grpSpPr>
       <p:sp>
         <p:nvSpPr>
-          <p:cNvPr id="149" name="CustomShape 1"/>
+          <p:cNvPr id="195" name="CustomShape 1"/>
           <p:cNvSpPr/>
           <p:nvPr/>
         </p:nvSpPr>
         <p:spPr>
           <a:xfrm>
             <a:off x="325080" y="1389240"/>
-            <a:ext cx="6875280" cy="639000"/>
+            <a:ext cx="6874560" cy="638280"/>
           </a:xfrm>
           <a:prstGeom prst="rect">
             <a:avLst/>
@@ -8197,14 +11270,14 @@
       </p:sp>
       <p:sp>
         <p:nvSpPr>
-          <p:cNvPr id="150" name="CustomShape 2"/>
+          <p:cNvPr id="196" name="CustomShape 2"/>
           <p:cNvSpPr/>
           <p:nvPr/>
         </p:nvSpPr>
         <p:spPr>
           <a:xfrm>
             <a:off x="539640" y="2560320"/>
-            <a:ext cx="9444600" cy="3976560"/>
+            <a:ext cx="9443880" cy="3975840"/>
           </a:xfrm>
           <a:prstGeom prst="rect">
             <a:avLst/>
@@ -8223,14 +11296,14 @@
       </p:sp>
       <p:sp>
         <p:nvSpPr>
-          <p:cNvPr id="151" name="CustomShape 3"/>
+          <p:cNvPr id="197" name="CustomShape 3"/>
           <p:cNvSpPr/>
           <p:nvPr/>
         </p:nvSpPr>
         <p:spPr>
           <a:xfrm>
             <a:off x="640080" y="5394960"/>
-            <a:ext cx="2935080" cy="3976560"/>
+            <a:ext cx="2934360" cy="3975840"/>
           </a:xfrm>
           <a:prstGeom prst="rect">
             <a:avLst/>
@@ -8249,7 +11322,7 @@
         <p:txBody>
           <a:bodyPr lIns="90000" rIns="90000" tIns="45000" bIns="45000"/>
           <a:p>
-            <a:pPr marL="432000" indent="-322920" algn="just">
+            <a:pPr marL="432000" indent="-322200" algn="just">
               <a:lnSpc>
                 <a:spcPct val="100000"/>
               </a:lnSpc>
@@ -8280,7 +11353,7 @@
       </p:sp>
       <p:pic>
         <p:nvPicPr>
-          <p:cNvPr id="152" name="" descr=""/>
+          <p:cNvPr id="198" name="" descr=""/>
           <p:cNvPicPr/>
           <p:nvPr/>
         </p:nvPicPr>
@@ -8291,7 +11364,7 @@
         <p:spPr>
           <a:xfrm>
             <a:off x="731520" y="2497680"/>
-            <a:ext cx="3375360" cy="2531520"/>
+            <a:ext cx="3374640" cy="2530800"/>
           </a:xfrm>
           <a:prstGeom prst="rect">
             <a:avLst/>
@@ -8303,7 +11376,7 @@
       </p:pic>
       <p:pic>
         <p:nvPicPr>
-          <p:cNvPr id="153" name="" descr=""/>
+          <p:cNvPr id="199" name="" descr=""/>
           <p:cNvPicPr/>
           <p:nvPr/>
         </p:nvPicPr>
@@ -8314,7 +11387,7 @@
         <p:spPr>
           <a:xfrm>
             <a:off x="4754880" y="2468880"/>
-            <a:ext cx="2508840" cy="2508840"/>
+            <a:ext cx="2508120" cy="2508120"/>
           </a:xfrm>
           <a:prstGeom prst="rect">
             <a:avLst/>
@@ -8326,7 +11399,7 @@
       </p:pic>
       <p:pic>
         <p:nvPicPr>
-          <p:cNvPr id="154" name="" descr=""/>
+          <p:cNvPr id="200" name="" descr=""/>
           <p:cNvPicPr/>
           <p:nvPr/>
         </p:nvPicPr>
@@ -8337,7 +11410,7 @@
         <p:spPr>
           <a:xfrm>
             <a:off x="7863840" y="2468880"/>
-            <a:ext cx="3535560" cy="2651760"/>
+            <a:ext cx="3534840" cy="2651040"/>
           </a:xfrm>
           <a:prstGeom prst="rect">
             <a:avLst/>
@@ -8349,14 +11422,14 @@
       </p:pic>
       <p:sp>
         <p:nvSpPr>
-          <p:cNvPr id="155" name="CustomShape 4"/>
+          <p:cNvPr id="201" name="CustomShape 4"/>
           <p:cNvSpPr/>
           <p:nvPr/>
         </p:nvSpPr>
         <p:spPr>
           <a:xfrm>
             <a:off x="8769240" y="5486400"/>
-            <a:ext cx="2935080" cy="3519360"/>
+            <a:ext cx="2934360" cy="3518640"/>
           </a:xfrm>
           <a:prstGeom prst="rect">
             <a:avLst/>
@@ -8375,7 +11448,7 @@
         <p:txBody>
           <a:bodyPr lIns="90000" rIns="90000" tIns="45000" bIns="45000"/>
           <a:p>
-            <a:pPr marL="432000" indent="-322920" algn="just">
+            <a:pPr marL="432000" indent="-322200" algn="just">
               <a:lnSpc>
                 <a:spcPct val="100000"/>
               </a:lnSpc>
@@ -8406,14 +11479,14 @@
       </p:sp>
       <p:sp>
         <p:nvSpPr>
-          <p:cNvPr id="156" name="CustomShape 5"/>
+          <p:cNvPr id="202" name="CustomShape 5"/>
           <p:cNvSpPr/>
           <p:nvPr/>
         </p:nvSpPr>
         <p:spPr>
           <a:xfrm>
             <a:off x="4471560" y="5441760"/>
-            <a:ext cx="2935080" cy="3976560"/>
+            <a:ext cx="2934360" cy="3975840"/>
           </a:xfrm>
           <a:prstGeom prst="rect">
             <a:avLst/>
@@ -8432,7 +11505,7 @@
         <p:txBody>
           <a:bodyPr lIns="90000" rIns="90000" tIns="45000" bIns="45000"/>
           <a:p>
-            <a:pPr marL="432000" indent="-322920" algn="just">
+            <a:pPr marL="432000" indent="-322200" algn="just">
               <a:lnSpc>
                 <a:spcPct val="100000"/>
               </a:lnSpc>
@@ -8460,18 +11533,13 @@
             </a:endParaRPr>
           </a:p>
           <a:p>
-            <a:pPr marL="432000" indent="-322920" algn="just">
+            <a:pPr algn="just">
               <a:lnSpc>
                 <a:spcPct val="100000"/>
               </a:lnSpc>
               <a:spcBef>
                 <a:spcPts val="1080"/>
               </a:spcBef>
-              <a:buClr>
-                <a:srgbClr val="8cb64a"/>
-              </a:buClr>
-              <a:buFont typeface="Times New Roman"/>
-              <a:buChar char="●"/>
             </a:pPr>
             <a:endParaRPr b="0" lang="en-US" sz="2000" spc="-1" strike="noStrike">
               <a:latin typeface="Arial"/>
@@ -8530,14 +11598,14 @@
       </p:grpSpPr>
       <p:sp>
         <p:nvSpPr>
-          <p:cNvPr id="157" name="CustomShape 1"/>
+          <p:cNvPr id="203" name="CustomShape 1"/>
           <p:cNvSpPr/>
           <p:nvPr/>
         </p:nvSpPr>
         <p:spPr>
           <a:xfrm>
             <a:off x="325080" y="1389240"/>
-            <a:ext cx="6875280" cy="639000"/>
+            <a:ext cx="6874560" cy="638280"/>
           </a:xfrm>
           <a:prstGeom prst="rect">
             <a:avLst/>
@@ -8579,14 +11647,14 @@
       </p:sp>
       <p:sp>
         <p:nvSpPr>
-          <p:cNvPr id="158" name="CustomShape 2"/>
+          <p:cNvPr id="204" name="CustomShape 2"/>
           <p:cNvSpPr/>
           <p:nvPr/>
         </p:nvSpPr>
         <p:spPr>
           <a:xfrm>
             <a:off x="539640" y="2560320"/>
-            <a:ext cx="9444600" cy="3976560"/>
+            <a:ext cx="9443880" cy="3975840"/>
           </a:xfrm>
           <a:prstGeom prst="rect">
             <a:avLst/>
@@ -8605,14 +11673,14 @@
       </p:sp>
       <p:sp>
         <p:nvSpPr>
-          <p:cNvPr id="159" name="CustomShape 3"/>
+          <p:cNvPr id="205" name="CustomShape 3"/>
           <p:cNvSpPr/>
           <p:nvPr/>
         </p:nvSpPr>
         <p:spPr>
           <a:xfrm>
             <a:off x="3474720" y="6126480"/>
-            <a:ext cx="4754880" cy="731520"/>
+            <a:ext cx="4754160" cy="730800"/>
           </a:xfrm>
           <a:prstGeom prst="rect">
             <a:avLst/>
@@ -8631,7 +11699,7 @@
         <p:txBody>
           <a:bodyPr lIns="90000" rIns="90000" tIns="45000" bIns="45000"/>
           <a:p>
-            <a:pPr marL="432000" indent="-322920" algn="just">
+            <a:pPr marL="432000" indent="-322200" algn="just">
               <a:lnSpc>
                 <a:spcPct val="100000"/>
               </a:lnSpc>
@@ -8662,7 +11730,7 @@
       </p:sp>
       <p:pic>
         <p:nvPicPr>
-          <p:cNvPr id="160" name="" descr=""/>
+          <p:cNvPr id="206" name="" descr=""/>
           <p:cNvPicPr/>
           <p:nvPr/>
         </p:nvPicPr>
@@ -8673,7 +11741,7 @@
         <p:spPr>
           <a:xfrm>
             <a:off x="3575160" y="2377440"/>
-            <a:ext cx="4663440" cy="3504600"/>
+            <a:ext cx="4662720" cy="3503880"/>
           </a:xfrm>
           <a:prstGeom prst="rect">
             <a:avLst/>
@@ -9605,4 +12673,227 @@
     </a:fmtScheme>
   </a:themeElements>
 </a:theme>
+</file>
+
+<file path=ppt/theme/theme5.xml><?xml version="1.0" encoding="utf-8"?>
+<a:theme xmlns:a="http://schemas.openxmlformats.org/drawingml/2006/main" name="Office Theme">
+  <a:themeElements>
+    <a:clrScheme name="Office">
+      <a:dk1>
+        <a:sysClr val="windowText" lastClr="000000"/>
+      </a:dk1>
+      <a:lt1>
+        <a:sysClr val="window" lastClr="FFFFFF"/>
+      </a:lt1>
+      <a:dk2>
+        <a:srgbClr val="1f497d"/>
+      </a:dk2>
+      <a:lt2>
+        <a:srgbClr val="eeece1"/>
+      </a:lt2>
+      <a:accent1>
+        <a:srgbClr val="4f81bd"/>
+      </a:accent1>
+      <a:accent2>
+        <a:srgbClr val="c0504d"/>
+      </a:accent2>
+      <a:accent3>
+        <a:srgbClr val="9bbb59"/>
+      </a:accent3>
+      <a:accent4>
+        <a:srgbClr val="8064a2"/>
+      </a:accent4>
+      <a:accent5>
+        <a:srgbClr val="4bacc6"/>
+      </a:accent5>
+      <a:accent6>
+        <a:srgbClr val="f79646"/>
+      </a:accent6>
+      <a:hlink>
+        <a:srgbClr val="0000ff"/>
+      </a:hlink>
+      <a:folHlink>
+        <a:srgbClr val="800080"/>
+      </a:folHlink>
+    </a:clrScheme>
+    <a:fontScheme name="Office">
+      <a:majorFont>
+        <a:latin typeface="Arial"/>
+        <a:ea typeface="DejaVu Sans"/>
+        <a:cs typeface="DejaVu Sans"/>
+      </a:majorFont>
+      <a:minorFont>
+        <a:latin typeface="Arial"/>
+        <a:ea typeface="DejaVu Sans"/>
+        <a:cs typeface="DejaVu Sans"/>
+      </a:minorFont>
+    </a:fontScheme>
+    <a:fmtScheme name="Office">
+      <a:fillStyleLst>
+        <a:solidFill>
+          <a:schemeClr val="phClr"/>
+        </a:solidFill>
+        <a:gradFill rotWithShape="1">
+          <a:gsLst>
+            <a:gs pos="0">
+              <a:schemeClr val="phClr">
+                <a:tint val="50000"/>
+                <a:satMod val="300000"/>
+              </a:schemeClr>
+            </a:gs>
+            <a:gs pos="35000">
+              <a:schemeClr val="phClr">
+                <a:tint val="37000"/>
+                <a:satMod val="300000"/>
+              </a:schemeClr>
+            </a:gs>
+            <a:gs pos="100000">
+              <a:schemeClr val="phClr">
+                <a:tint val="15000"/>
+                <a:satMod val="350000"/>
+              </a:schemeClr>
+            </a:gs>
+          </a:gsLst>
+          <a:lin ang="16200000" scaled="1"/>
+        </a:gradFill>
+        <a:gradFill rotWithShape="1">
+          <a:gsLst>
+            <a:gs pos="0">
+              <a:schemeClr val="phClr">
+                <a:shade val="51000"/>
+                <a:satMod val="130000"/>
+              </a:schemeClr>
+            </a:gs>
+            <a:gs pos="80000">
+              <a:schemeClr val="phClr">
+                <a:shade val="93000"/>
+                <a:satMod val="130000"/>
+              </a:schemeClr>
+            </a:gs>
+            <a:gs pos="100000">
+              <a:schemeClr val="phClr">
+                <a:shade val="94000"/>
+                <a:satMod val="135000"/>
+              </a:schemeClr>
+            </a:gs>
+          </a:gsLst>
+          <a:lin ang="16200000" scaled="0"/>
+        </a:gradFill>
+      </a:fillStyleLst>
+      <a:lnStyleLst>
+        <a:ln w="9525" cap="flat" cmpd="sng" algn="ctr">
+          <a:solidFill>
+            <a:schemeClr val="phClr">
+              <a:shade val="95000"/>
+              <a:satMod val="105000"/>
+            </a:schemeClr>
+          </a:solidFill>
+          <a:prstDash val="solid"/>
+        </a:ln>
+        <a:ln w="25400" cap="flat" cmpd="sng" algn="ctr">
+          <a:solidFill>
+            <a:schemeClr val="phClr"/>
+          </a:solidFill>
+          <a:prstDash val="solid"/>
+        </a:ln>
+        <a:ln w="38100" cap="flat" cmpd="sng" algn="ctr">
+          <a:solidFill>
+            <a:schemeClr val="phClr"/>
+          </a:solidFill>
+          <a:prstDash val="solid"/>
+        </a:ln>
+      </a:lnStyleLst>
+      <a:effectStyleLst>
+        <a:effectStyle>
+          <a:effectLst>
+            <a:outerShdw blurRad="40000" dist="20000" dir="5400000" rotWithShape="0">
+              <a:srgbClr val="000000">
+                <a:alpha val="38000"/>
+              </a:srgbClr>
+            </a:outerShdw>
+          </a:effectLst>
+        </a:effectStyle>
+        <a:effectStyle>
+          <a:effectLst>
+            <a:outerShdw blurRad="40000" dist="23000" dir="5400000" rotWithShape="0">
+              <a:srgbClr val="000000">
+                <a:alpha val="35000"/>
+              </a:srgbClr>
+            </a:outerShdw>
+          </a:effectLst>
+        </a:effectStyle>
+        <a:effectStyle>
+          <a:effectLst>
+            <a:outerShdw blurRad="40000" dist="23000" dir="5400000" rotWithShape="0">
+              <a:srgbClr val="000000">
+                <a:alpha val="35000"/>
+              </a:srgbClr>
+            </a:outerShdw>
+          </a:effectLst>
+          <a:scene3d>
+            <a:camera prst="orthographicFront">
+              <a:rot lat="0" lon="0" rev="0"/>
+            </a:camera>
+            <a:lightRig rig="threePt" dir="t">
+              <a:rot lat="0" lon="0" rev="1200000"/>
+            </a:lightRig>
+          </a:scene3d>
+          <a:sp3d>
+            <a:bevelT w="63500" h="25400"/>
+          </a:sp3d>
+        </a:effectStyle>
+      </a:effectStyleLst>
+      <a:bgFillStyleLst>
+        <a:solidFill>
+          <a:schemeClr val="phClr"/>
+        </a:solidFill>
+        <a:gradFill rotWithShape="1">
+          <a:gsLst>
+            <a:gs pos="0">
+              <a:schemeClr val="phClr">
+                <a:tint val="40000"/>
+                <a:satMod val="350000"/>
+              </a:schemeClr>
+            </a:gs>
+            <a:gs pos="40000">
+              <a:schemeClr val="phClr">
+                <a:tint val="45000"/>
+                <a:shade val="99000"/>
+                <a:satMod val="350000"/>
+              </a:schemeClr>
+            </a:gs>
+            <a:gs pos="100000">
+              <a:schemeClr val="phClr">
+                <a:shade val="20000"/>
+                <a:satMod val="255000"/>
+              </a:schemeClr>
+            </a:gs>
+          </a:gsLst>
+          <a:path path="circle">
+            <a:fillToRect l="50000" t="-80000" r="50000" b="180000"/>
+          </a:path>
+        </a:gradFill>
+        <a:gradFill rotWithShape="1">
+          <a:gsLst>
+            <a:gs pos="0">
+              <a:schemeClr val="phClr">
+                <a:tint val="80000"/>
+                <a:satMod val="300000"/>
+              </a:schemeClr>
+            </a:gs>
+            <a:gs pos="100000">
+              <a:schemeClr val="phClr">
+                <a:shade val="30000"/>
+                <a:satMod val="200000"/>
+              </a:schemeClr>
+            </a:gs>
+          </a:gsLst>
+          <a:path path="circle">
+            <a:fillToRect l="50000" t="50000" r="50000" b="50000"/>
+          </a:path>
+        </a:gradFill>
+      </a:bgFillStyleLst>
+    </a:fmtScheme>
+  </a:themeElements>
+</a:theme>
 </file>
--- a/Embedded System Presentation.pptx
+++ b/Embedded System Presentation.pptx
@@ -5,26 +5,24 @@
     <p:sldMasterId id="2147483648" r:id="rId2"/>
     <p:sldMasterId id="2147483661" r:id="rId3"/>
     <p:sldMasterId id="2147483674" r:id="rId4"/>
-    <p:sldMasterId id="2147483687" r:id="rId5"/>
   </p:sldMasterIdLst>
   <p:notesMasterIdLst>
-    <p:notesMasterId r:id="rId6"/>
+    <p:notesMasterId r:id="rId5"/>
   </p:notesMasterIdLst>
   <p:sldIdLst>
-    <p:sldId id="256" r:id="rId7"/>
-    <p:sldId id="257" r:id="rId8"/>
-    <p:sldId id="258" r:id="rId9"/>
-    <p:sldId id="259" r:id="rId10"/>
-    <p:sldId id="260" r:id="rId11"/>
-    <p:sldId id="261" r:id="rId12"/>
-    <p:sldId id="262" r:id="rId13"/>
-    <p:sldId id="263" r:id="rId14"/>
-    <p:sldId id="264" r:id="rId15"/>
-    <p:sldId id="265" r:id="rId16"/>
-    <p:sldId id="266" r:id="rId17"/>
-    <p:sldId id="267" r:id="rId18"/>
-    <p:sldId id="268" r:id="rId19"/>
-    <p:sldId id="269" r:id="rId20"/>
+    <p:sldId id="256" r:id="rId6"/>
+    <p:sldId id="257" r:id="rId7"/>
+    <p:sldId id="258" r:id="rId8"/>
+    <p:sldId id="259" r:id="rId9"/>
+    <p:sldId id="260" r:id="rId10"/>
+    <p:sldId id="261" r:id="rId11"/>
+    <p:sldId id="262" r:id="rId12"/>
+    <p:sldId id="263" r:id="rId13"/>
+    <p:sldId id="264" r:id="rId14"/>
+    <p:sldId id="265" r:id="rId15"/>
+    <p:sldId id="266" r:id="rId16"/>
+    <p:sldId id="267" r:id="rId17"/>
+    <p:sldId id="268" r:id="rId18"/>
   </p:sldIdLst>
   <p:sldSz cx="12192000" cy="6858000"/>
   <p:notesSz cx="6858000" cy="9144000"/>
@@ -50,7 +48,7 @@
       </p:grpSpPr>
       <p:sp>
         <p:nvSpPr>
-          <p:cNvPr id="171" name="PlaceHolder 1"/>
+          <p:cNvPr id="125" name="PlaceHolder 1"/>
           <p:cNvSpPr>
             <a:spLocks noGrp="1"/>
           </p:cNvSpPr>
@@ -70,22 +68,27 @@
         <p:txBody>
           <a:bodyPr lIns="0" rIns="0" tIns="0" bIns="0" anchor="ctr"/>
           <a:p>
-            <a:pPr algn="ctr"/>
-            <a:r>
-              <a:rPr b="0" lang="en-US" sz="4400" spc="-1" strike="noStrike">
+            <a:r>
+              <a:rPr b="0" lang="en-US" sz="1800" spc="-1" strike="noStrike">
+                <a:solidFill>
+                  <a:srgbClr val="000000"/>
+                </a:solidFill>
                 <a:latin typeface="Arial"/>
               </a:rPr>
               <a:t>Click to move the slide</a:t>
             </a:r>
-            <a:endParaRPr b="0" lang="en-US" sz="4400" spc="-1" strike="noStrike">
-              <a:latin typeface="Arial"/>
-            </a:endParaRPr>
-          </a:p>
-        </p:txBody>
-      </p:sp>
-      <p:sp>
-        <p:nvSpPr>
-          <p:cNvPr id="172" name="PlaceHolder 2"/>
+            <a:endParaRPr b="0" lang="en-US" sz="1800" spc="-1" strike="noStrike">
+              <a:solidFill>
+                <a:srgbClr val="000000"/>
+              </a:solidFill>
+              <a:latin typeface="Arial"/>
+            </a:endParaRPr>
+          </a:p>
+        </p:txBody>
+      </p:sp>
+      <p:sp>
+        <p:nvSpPr>
+          <p:cNvPr id="126" name="PlaceHolder 2"/>
           <p:cNvSpPr>
             <a:spLocks noGrp="1"/>
           </p:cNvSpPr>
@@ -119,7 +122,7 @@
       </p:sp>
       <p:sp>
         <p:nvSpPr>
-          <p:cNvPr id="173" name="PlaceHolder 3"/>
+          <p:cNvPr id="127" name="PlaceHolder 3"/>
           <p:cNvSpPr>
             <a:spLocks noGrp="1"/>
           </p:cNvSpPr>
@@ -153,7 +156,7 @@
       </p:sp>
       <p:sp>
         <p:nvSpPr>
-          <p:cNvPr id="174" name="PlaceHolder 4"/>
+          <p:cNvPr id="128" name="PlaceHolder 4"/>
           <p:cNvSpPr>
             <a:spLocks noGrp="1"/>
           </p:cNvSpPr>
@@ -188,7 +191,7 @@
       </p:sp>
       <p:sp>
         <p:nvSpPr>
-          <p:cNvPr id="175" name="PlaceHolder 5"/>
+          <p:cNvPr id="129" name="PlaceHolder 5"/>
           <p:cNvSpPr>
             <a:spLocks noGrp="1"/>
           </p:cNvSpPr>
@@ -222,7 +225,7 @@
       </p:sp>
       <p:sp>
         <p:nvSpPr>
-          <p:cNvPr id="176" name="PlaceHolder 6"/>
+          <p:cNvPr id="130" name="PlaceHolder 6"/>
           <p:cNvSpPr>
             <a:spLocks noGrp="1"/>
           </p:cNvSpPr>
@@ -243,7 +246,7 @@
           <a:bodyPr lIns="0" rIns="0" tIns="0" bIns="0" anchor="b"/>
           <a:p>
             <a:pPr algn="r"/>
-            <a:fld id="{F744ADE1-365E-476B-A617-AA9A52B47856}" type="slidenum">
+            <a:fld id="{CC187CEA-8A42-4782-8147-3EF5F58FB7BE}" type="slidenum">
               <a:rPr b="0" lang="en-US" sz="1400" spc="-1" strike="noStrike">
                 <a:latin typeface="Times New Roman"/>
               </a:rPr>
@@ -280,7 +283,7 @@
       </p:grpSpPr>
       <p:sp>
         <p:nvSpPr>
-          <p:cNvPr id="223" name="PlaceHolder 1"/>
+          <p:cNvPr id="171" name="PlaceHolder 1"/>
           <p:cNvSpPr>
             <a:spLocks noGrp="1"/>
           </p:cNvSpPr>
@@ -291,16 +294,16 @@
         <p:spPr>
           <a:xfrm>
             <a:off x="685800" y="1143000"/>
-            <a:ext cx="5484600" cy="3084480"/>
-          </a:xfrm>
-          <a:prstGeom prst="rect">
-            <a:avLst/>
-          </a:prstGeom>
-        </p:spPr>
-      </p:sp>
-      <p:sp>
-        <p:nvSpPr>
-          <p:cNvPr id="224" name="PlaceHolder 2"/>
+            <a:ext cx="5483880" cy="3083760"/>
+          </a:xfrm>
+          <a:prstGeom prst="rect">
+            <a:avLst/>
+          </a:prstGeom>
+        </p:spPr>
+      </p:sp>
+      <p:sp>
+        <p:nvSpPr>
+          <p:cNvPr id="172" name="PlaceHolder 2"/>
           <p:cNvSpPr>
             <a:spLocks noGrp="1"/>
           </p:cNvSpPr>
@@ -311,7 +314,7 @@
         <p:spPr>
           <a:xfrm>
             <a:off x="685800" y="4400640"/>
-            <a:ext cx="5484600" cy="3598560"/>
+            <a:ext cx="5483880" cy="3597840"/>
           </a:xfrm>
           <a:prstGeom prst="rect">
             <a:avLst/>
@@ -328,14 +331,14 @@
       </p:sp>
       <p:sp>
         <p:nvSpPr>
-          <p:cNvPr id="225" name="CustomShape 3"/>
+          <p:cNvPr id="173" name="CustomShape 3"/>
           <p:cNvSpPr/>
           <p:nvPr/>
         </p:nvSpPr>
         <p:spPr>
           <a:xfrm>
             <a:off x="3884760" y="8685360"/>
-            <a:ext cx="2970000" cy="456840"/>
+            <a:ext cx="2969280" cy="456120"/>
           </a:xfrm>
           <a:prstGeom prst="rect">
             <a:avLst/>
@@ -351,6 +354,29 @@
           <a:effectRef idx="0"/>
           <a:fontRef idx="minor"/>
         </p:style>
+        <p:txBody>
+          <a:bodyPr lIns="90000" rIns="90000" tIns="45000" bIns="45000" anchor="b"/>
+          <a:p>
+            <a:pPr algn="r">
+              <a:lnSpc>
+                <a:spcPct val="100000"/>
+              </a:lnSpc>
+            </a:pPr>
+            <a:fld id="{F8B532FF-10D9-4A41-9FDD-CE7933757381}" type="slidenum">
+              <a:rPr b="0" lang="en-US" sz="1200" spc="-1" strike="noStrike">
+                <a:solidFill>
+                  <a:srgbClr val="000000"/>
+                </a:solidFill>
+                <a:latin typeface="Arial"/>
+                <a:ea typeface="Calibri"/>
+              </a:rPr>
+              <a:t>&lt;number&gt;</a:t>
+            </a:fld>
+            <a:endParaRPr b="0" lang="en-US" sz="1200" spc="-1" strike="noStrike">
+              <a:latin typeface="Arial"/>
+            </a:endParaRPr>
+          </a:p>
+        </p:txBody>
       </p:sp>
     </p:spTree>
   </p:cSld>
@@ -409,7 +435,7 @@
         <p:spPr>
           <a:xfrm>
             <a:off x="609480" y="273600"/>
-            <a:ext cx="10972080" cy="1144440"/>
+            <a:ext cx="10972440" cy="1144800"/>
           </a:xfrm>
           <a:prstGeom prst="rect">
             <a:avLst/>
@@ -418,8 +444,10 @@
         <p:txBody>
           <a:bodyPr lIns="0" rIns="0" tIns="0" bIns="0" anchor="ctr"/>
           <a:p>
-            <a:pPr algn="ctr"/>
-            <a:endParaRPr b="0" lang="en-US" sz="4400" spc="-1" strike="noStrike">
+            <a:endParaRPr b="0" lang="en-US" sz="1800" spc="-1" strike="noStrike">
+              <a:solidFill>
+                <a:srgbClr val="000000"/>
+              </a:solidFill>
               <a:latin typeface="Arial"/>
             </a:endParaRPr>
           </a:p>
@@ -438,7 +466,7 @@
         <p:spPr>
           <a:xfrm>
             <a:off x="609480" y="1604520"/>
-            <a:ext cx="3532680" cy="904320"/>
+            <a:ext cx="10972440" cy="1896840"/>
           </a:xfrm>
           <a:prstGeom prst="rect">
             <a:avLst/>
@@ -449,7 +477,10 @@
             <a:normAutofit/>
           </a:bodyPr>
           <a:p>
-            <a:endParaRPr b="0" lang="en-US" sz="3200" spc="-1" strike="noStrike">
+            <a:endParaRPr b="0" lang="en-US" sz="1800" spc="-1" strike="noStrike">
+              <a:solidFill>
+                <a:srgbClr val="000000"/>
+              </a:solidFill>
               <a:latin typeface="Arial"/>
             </a:endParaRPr>
           </a:p>
@@ -467,8 +498,8 @@
         </p:nvSpPr>
         <p:spPr>
           <a:xfrm>
-            <a:off x="609480" y="2595240"/>
-            <a:ext cx="3532680" cy="904320"/>
+            <a:off x="609480" y="3682080"/>
+            <a:ext cx="10972440" cy="1896840"/>
           </a:xfrm>
           <a:prstGeom prst="rect">
             <a:avLst/>
@@ -479,7 +510,10 @@
             <a:normAutofit/>
           </a:bodyPr>
           <a:p>
-            <a:endParaRPr b="0" lang="en-US" sz="3200" spc="-1" strike="noStrike">
+            <a:endParaRPr b="0" lang="en-US" sz="1800" spc="-1" strike="noStrike">
+              <a:solidFill>
+                <a:srgbClr val="000000"/>
+              </a:solidFill>
               <a:latin typeface="Arial"/>
             </a:endParaRPr>
           </a:p>
@@ -520,7 +554,7 @@
         <p:spPr>
           <a:xfrm>
             <a:off x="609480" y="273600"/>
-            <a:ext cx="10972080" cy="1144440"/>
+            <a:ext cx="10972440" cy="1144800"/>
           </a:xfrm>
           <a:prstGeom prst="rect">
             <a:avLst/>
@@ -529,8 +563,10 @@
         <p:txBody>
           <a:bodyPr lIns="0" rIns="0" tIns="0" bIns="0" anchor="ctr"/>
           <a:p>
-            <a:pPr algn="ctr"/>
-            <a:endParaRPr b="0" lang="en-US" sz="4400" spc="-1" strike="noStrike">
+            <a:endParaRPr b="0" lang="en-US" sz="1800" spc="-1" strike="noStrike">
+              <a:solidFill>
+                <a:srgbClr val="000000"/>
+              </a:solidFill>
               <a:latin typeface="Arial"/>
             </a:endParaRPr>
           </a:p>
@@ -549,7 +585,7 @@
         <p:spPr>
           <a:xfrm>
             <a:off x="609480" y="1604520"/>
-            <a:ext cx="1723680" cy="904320"/>
+            <a:ext cx="5354280" cy="1896840"/>
           </a:xfrm>
           <a:prstGeom prst="rect">
             <a:avLst/>
@@ -560,7 +596,10 @@
             <a:normAutofit/>
           </a:bodyPr>
           <a:p>
-            <a:endParaRPr b="0" lang="en-US" sz="3200" spc="-1" strike="noStrike">
+            <a:endParaRPr b="0" lang="en-US" sz="1800" spc="-1" strike="noStrike">
+              <a:solidFill>
+                <a:srgbClr val="000000"/>
+              </a:solidFill>
               <a:latin typeface="Arial"/>
             </a:endParaRPr>
           </a:p>
@@ -578,8 +617,8 @@
         </p:nvSpPr>
         <p:spPr>
           <a:xfrm>
-            <a:off x="2419560" y="1604520"/>
-            <a:ext cx="1723680" cy="904320"/>
+            <a:off x="6231960" y="1604520"/>
+            <a:ext cx="5354280" cy="1896840"/>
           </a:xfrm>
           <a:prstGeom prst="rect">
             <a:avLst/>
@@ -590,7 +629,10 @@
             <a:normAutofit/>
           </a:bodyPr>
           <a:p>
-            <a:endParaRPr b="0" lang="en-US" sz="3200" spc="-1" strike="noStrike">
+            <a:endParaRPr b="0" lang="en-US" sz="1800" spc="-1" strike="noStrike">
+              <a:solidFill>
+                <a:srgbClr val="000000"/>
+              </a:solidFill>
               <a:latin typeface="Arial"/>
             </a:endParaRPr>
           </a:p>
@@ -608,8 +650,8 @@
         </p:nvSpPr>
         <p:spPr>
           <a:xfrm>
-            <a:off x="609480" y="2595240"/>
-            <a:ext cx="1723680" cy="904320"/>
+            <a:off x="609480" y="3682080"/>
+            <a:ext cx="5354280" cy="1896840"/>
           </a:xfrm>
           <a:prstGeom prst="rect">
             <a:avLst/>
@@ -620,7 +662,10 @@
             <a:normAutofit/>
           </a:bodyPr>
           <a:p>
-            <a:endParaRPr b="0" lang="en-US" sz="3200" spc="-1" strike="noStrike">
+            <a:endParaRPr b="0" lang="en-US" sz="1800" spc="-1" strike="noStrike">
+              <a:solidFill>
+                <a:srgbClr val="000000"/>
+              </a:solidFill>
               <a:latin typeface="Arial"/>
             </a:endParaRPr>
           </a:p>
@@ -638,8 +683,8 @@
         </p:nvSpPr>
         <p:spPr>
           <a:xfrm>
-            <a:off x="2419560" y="2595240"/>
-            <a:ext cx="1723680" cy="904320"/>
+            <a:off x="6231960" y="3682080"/>
+            <a:ext cx="5354280" cy="1896840"/>
           </a:xfrm>
           <a:prstGeom prst="rect">
             <a:avLst/>
@@ -650,7 +695,10 @@
             <a:normAutofit/>
           </a:bodyPr>
           <a:p>
-            <a:endParaRPr b="0" lang="en-US" sz="3200" spc="-1" strike="noStrike">
+            <a:endParaRPr b="0" lang="en-US" sz="1800" spc="-1" strike="noStrike">
+              <a:solidFill>
+                <a:srgbClr val="000000"/>
+              </a:solidFill>
               <a:latin typeface="Arial"/>
             </a:endParaRPr>
           </a:p>
@@ -691,7 +739,7 @@
         <p:spPr>
           <a:xfrm>
             <a:off x="609480" y="273600"/>
-            <a:ext cx="10972080" cy="1144440"/>
+            <a:ext cx="10972440" cy="1144800"/>
           </a:xfrm>
           <a:prstGeom prst="rect">
             <a:avLst/>
@@ -700,8 +748,10 @@
         <p:txBody>
           <a:bodyPr lIns="0" rIns="0" tIns="0" bIns="0" anchor="ctr"/>
           <a:p>
-            <a:pPr algn="ctr"/>
-            <a:endParaRPr b="0" lang="en-US" sz="4400" spc="-1" strike="noStrike">
+            <a:endParaRPr b="0" lang="en-US" sz="1800" spc="-1" strike="noStrike">
+              <a:solidFill>
+                <a:srgbClr val="000000"/>
+              </a:solidFill>
               <a:latin typeface="Arial"/>
             </a:endParaRPr>
           </a:p>
@@ -720,7 +770,7 @@
         <p:spPr>
           <a:xfrm>
             <a:off x="609480" y="1604520"/>
-            <a:ext cx="1137240" cy="904320"/>
+            <a:ext cx="3533040" cy="1896840"/>
           </a:xfrm>
           <a:prstGeom prst="rect">
             <a:avLst/>
@@ -731,7 +781,10 @@
             <a:normAutofit/>
           </a:bodyPr>
           <a:p>
-            <a:endParaRPr b="0" lang="en-US" sz="3200" spc="-1" strike="noStrike">
+            <a:endParaRPr b="0" lang="en-US" sz="1800" spc="-1" strike="noStrike">
+              <a:solidFill>
+                <a:srgbClr val="000000"/>
+              </a:solidFill>
               <a:latin typeface="Arial"/>
             </a:endParaRPr>
           </a:p>
@@ -749,8 +802,8 @@
         </p:nvSpPr>
         <p:spPr>
           <a:xfrm>
-            <a:off x="1803960" y="1604520"/>
-            <a:ext cx="1137240" cy="904320"/>
+            <a:off x="4319640" y="1604520"/>
+            <a:ext cx="3533040" cy="1896840"/>
           </a:xfrm>
           <a:prstGeom prst="rect">
             <a:avLst/>
@@ -761,7 +814,10 @@
             <a:normAutofit/>
           </a:bodyPr>
           <a:p>
-            <a:endParaRPr b="0" lang="en-US" sz="3200" spc="-1" strike="noStrike">
+            <a:endParaRPr b="0" lang="en-US" sz="1800" spc="-1" strike="noStrike">
+              <a:solidFill>
+                <a:srgbClr val="000000"/>
+              </a:solidFill>
               <a:latin typeface="Arial"/>
             </a:endParaRPr>
           </a:p>
@@ -779,8 +835,8 @@
         </p:nvSpPr>
         <p:spPr>
           <a:xfrm>
-            <a:off x="2998440" y="1604520"/>
-            <a:ext cx="1137240" cy="904320"/>
+            <a:off x="8029800" y="1604520"/>
+            <a:ext cx="3533040" cy="1896840"/>
           </a:xfrm>
           <a:prstGeom prst="rect">
             <a:avLst/>
@@ -791,7 +847,10 @@
             <a:normAutofit/>
           </a:bodyPr>
           <a:p>
-            <a:endParaRPr b="0" lang="en-US" sz="3200" spc="-1" strike="noStrike">
+            <a:endParaRPr b="0" lang="en-US" sz="1800" spc="-1" strike="noStrike">
+              <a:solidFill>
+                <a:srgbClr val="000000"/>
+              </a:solidFill>
               <a:latin typeface="Arial"/>
             </a:endParaRPr>
           </a:p>
@@ -809,8 +868,8 @@
         </p:nvSpPr>
         <p:spPr>
           <a:xfrm>
-            <a:off x="609480" y="2595240"/>
-            <a:ext cx="1137240" cy="904320"/>
+            <a:off x="609480" y="3682080"/>
+            <a:ext cx="3533040" cy="1896840"/>
           </a:xfrm>
           <a:prstGeom prst="rect">
             <a:avLst/>
@@ -821,7 +880,10 @@
             <a:normAutofit/>
           </a:bodyPr>
           <a:p>
-            <a:endParaRPr b="0" lang="en-US" sz="3200" spc="-1" strike="noStrike">
+            <a:endParaRPr b="0" lang="en-US" sz="1800" spc="-1" strike="noStrike">
+              <a:solidFill>
+                <a:srgbClr val="000000"/>
+              </a:solidFill>
               <a:latin typeface="Arial"/>
             </a:endParaRPr>
           </a:p>
@@ -839,8 +901,8 @@
         </p:nvSpPr>
         <p:spPr>
           <a:xfrm>
-            <a:off x="1803960" y="2595240"/>
-            <a:ext cx="1137240" cy="904320"/>
+            <a:off x="4319640" y="3682080"/>
+            <a:ext cx="3533040" cy="1896840"/>
           </a:xfrm>
           <a:prstGeom prst="rect">
             <a:avLst/>
@@ -851,7 +913,10 @@
             <a:normAutofit/>
           </a:bodyPr>
           <a:p>
-            <a:endParaRPr b="0" lang="en-US" sz="3200" spc="-1" strike="noStrike">
+            <a:endParaRPr b="0" lang="en-US" sz="1800" spc="-1" strike="noStrike">
+              <a:solidFill>
+                <a:srgbClr val="000000"/>
+              </a:solidFill>
               <a:latin typeface="Arial"/>
             </a:endParaRPr>
           </a:p>
@@ -869,8 +934,8 @@
         </p:nvSpPr>
         <p:spPr>
           <a:xfrm>
-            <a:off x="2998440" y="2595240"/>
-            <a:ext cx="1137240" cy="904320"/>
+            <a:off x="8029800" y="3682080"/>
+            <a:ext cx="3533040" cy="1896840"/>
           </a:xfrm>
           <a:prstGeom prst="rect">
             <a:avLst/>
@@ -881,7 +946,10 @@
             <a:normAutofit/>
           </a:bodyPr>
           <a:p>
-            <a:endParaRPr b="0" lang="en-US" sz="3200" spc="-1" strike="noStrike">
+            <a:endParaRPr b="0" lang="en-US" sz="1800" spc="-1" strike="noStrike">
+              <a:solidFill>
+                <a:srgbClr val="000000"/>
+              </a:solidFill>
               <a:latin typeface="Arial"/>
             </a:endParaRPr>
           </a:p>
@@ -944,7 +1012,7 @@
         <p:spPr>
           <a:xfrm>
             <a:off x="609480" y="273600"/>
-            <a:ext cx="10972080" cy="1144440"/>
+            <a:ext cx="10972440" cy="1144800"/>
           </a:xfrm>
           <a:prstGeom prst="rect">
             <a:avLst/>
@@ -953,8 +1021,10 @@
         <p:txBody>
           <a:bodyPr lIns="0" rIns="0" tIns="0" bIns="0" anchor="ctr"/>
           <a:p>
-            <a:pPr algn="ctr"/>
-            <a:endParaRPr b="0" lang="en-US" sz="4400" spc="-1" strike="noStrike">
+            <a:endParaRPr b="0" lang="en-US" sz="1800" spc="-1" strike="noStrike">
+              <a:solidFill>
+                <a:srgbClr val="000000"/>
+              </a:solidFill>
               <a:latin typeface="Arial"/>
             </a:endParaRPr>
           </a:p>
@@ -973,7 +1043,7 @@
         <p:spPr>
           <a:xfrm>
             <a:off x="609480" y="1604520"/>
-            <a:ext cx="3532680" cy="1896480"/>
+            <a:ext cx="10972440" cy="3977280"/>
           </a:xfrm>
           <a:prstGeom prst="rect">
             <a:avLst/>
@@ -1024,7 +1094,7 @@
         <p:spPr>
           <a:xfrm>
             <a:off x="609480" y="273600"/>
-            <a:ext cx="10972080" cy="1144440"/>
+            <a:ext cx="10972440" cy="1144800"/>
           </a:xfrm>
           <a:prstGeom prst="rect">
             <a:avLst/>
@@ -1033,8 +1103,10 @@
         <p:txBody>
           <a:bodyPr lIns="0" rIns="0" tIns="0" bIns="0" anchor="ctr"/>
           <a:p>
-            <a:pPr algn="ctr"/>
-            <a:endParaRPr b="0" lang="en-US" sz="4400" spc="-1" strike="noStrike">
+            <a:endParaRPr b="0" lang="en-US" sz="1800" spc="-1" strike="noStrike">
+              <a:solidFill>
+                <a:srgbClr val="000000"/>
+              </a:solidFill>
               <a:latin typeface="Arial"/>
             </a:endParaRPr>
           </a:p>
@@ -1053,7 +1125,7 @@
         <p:spPr>
           <a:xfrm>
             <a:off x="609480" y="1604520"/>
-            <a:ext cx="3532680" cy="1896480"/>
+            <a:ext cx="10972440" cy="3977280"/>
           </a:xfrm>
           <a:prstGeom prst="rect">
             <a:avLst/>
@@ -1064,7 +1136,10 @@
             <a:normAutofit/>
           </a:bodyPr>
           <a:p>
-            <a:endParaRPr b="0" lang="en-US" sz="3200" spc="-1" strike="noStrike">
+            <a:endParaRPr b="0" lang="en-US" sz="1800" spc="-1" strike="noStrike">
+              <a:solidFill>
+                <a:srgbClr val="000000"/>
+              </a:solidFill>
               <a:latin typeface="Arial"/>
             </a:endParaRPr>
           </a:p>
@@ -1105,7 +1180,7 @@
         <p:spPr>
           <a:xfrm>
             <a:off x="609480" y="273600"/>
-            <a:ext cx="10972080" cy="1144440"/>
+            <a:ext cx="10972440" cy="1144800"/>
           </a:xfrm>
           <a:prstGeom prst="rect">
             <a:avLst/>
@@ -1114,8 +1189,10 @@
         <p:txBody>
           <a:bodyPr lIns="0" rIns="0" tIns="0" bIns="0" anchor="ctr"/>
           <a:p>
-            <a:pPr algn="ctr"/>
-            <a:endParaRPr b="0" lang="en-US" sz="4400" spc="-1" strike="noStrike">
+            <a:endParaRPr b="0" lang="en-US" sz="1800" spc="-1" strike="noStrike">
+              <a:solidFill>
+                <a:srgbClr val="000000"/>
+              </a:solidFill>
               <a:latin typeface="Arial"/>
             </a:endParaRPr>
           </a:p>
@@ -1134,7 +1211,7 @@
         <p:spPr>
           <a:xfrm>
             <a:off x="609480" y="1604520"/>
-            <a:ext cx="1723680" cy="1896480"/>
+            <a:ext cx="5354280" cy="3977280"/>
           </a:xfrm>
           <a:prstGeom prst="rect">
             <a:avLst/>
@@ -1145,7 +1222,10 @@
             <a:normAutofit/>
           </a:bodyPr>
           <a:p>
-            <a:endParaRPr b="0" lang="en-US" sz="3200" spc="-1" strike="noStrike">
+            <a:endParaRPr b="0" lang="en-US" sz="1800" spc="-1" strike="noStrike">
+              <a:solidFill>
+                <a:srgbClr val="000000"/>
+              </a:solidFill>
               <a:latin typeface="Arial"/>
             </a:endParaRPr>
           </a:p>
@@ -1163,8 +1243,8 @@
         </p:nvSpPr>
         <p:spPr>
           <a:xfrm>
-            <a:off x="2419560" y="1604520"/>
-            <a:ext cx="1723680" cy="1896480"/>
+            <a:off x="6231960" y="1604520"/>
+            <a:ext cx="5354280" cy="3977280"/>
           </a:xfrm>
           <a:prstGeom prst="rect">
             <a:avLst/>
@@ -1175,7 +1255,10 @@
             <a:normAutofit/>
           </a:bodyPr>
           <a:p>
-            <a:endParaRPr b="0" lang="en-US" sz="3200" spc="-1" strike="noStrike">
+            <a:endParaRPr b="0" lang="en-US" sz="1800" spc="-1" strike="noStrike">
+              <a:solidFill>
+                <a:srgbClr val="000000"/>
+              </a:solidFill>
               <a:latin typeface="Arial"/>
             </a:endParaRPr>
           </a:p>
@@ -1216,7 +1299,7 @@
         <p:spPr>
           <a:xfrm>
             <a:off x="609480" y="273600"/>
-            <a:ext cx="10972080" cy="1144440"/>
+            <a:ext cx="10972440" cy="1144800"/>
           </a:xfrm>
           <a:prstGeom prst="rect">
             <a:avLst/>
@@ -1225,8 +1308,10 @@
         <p:txBody>
           <a:bodyPr lIns="0" rIns="0" tIns="0" bIns="0" anchor="ctr"/>
           <a:p>
-            <a:pPr algn="ctr"/>
-            <a:endParaRPr b="0" lang="en-US" sz="4400" spc="-1" strike="noStrike">
+            <a:endParaRPr b="0" lang="en-US" sz="1800" spc="-1" strike="noStrike">
+              <a:solidFill>
+                <a:srgbClr val="000000"/>
+              </a:solidFill>
               <a:latin typeface="Arial"/>
             </a:endParaRPr>
           </a:p>
@@ -1267,7 +1352,7 @@
         <p:spPr>
           <a:xfrm>
             <a:off x="609480" y="273600"/>
-            <a:ext cx="10972080" cy="5306400"/>
+            <a:ext cx="10972440" cy="5307840"/>
           </a:xfrm>
           <a:prstGeom prst="rect">
             <a:avLst/>
@@ -1318,7 +1403,7 @@
         <p:spPr>
           <a:xfrm>
             <a:off x="609480" y="273600"/>
-            <a:ext cx="10972080" cy="1144440"/>
+            <a:ext cx="10972440" cy="1144800"/>
           </a:xfrm>
           <a:prstGeom prst="rect">
             <a:avLst/>
@@ -1327,8 +1412,10 @@
         <p:txBody>
           <a:bodyPr lIns="0" rIns="0" tIns="0" bIns="0" anchor="ctr"/>
           <a:p>
-            <a:pPr algn="ctr"/>
-            <a:endParaRPr b="0" lang="en-US" sz="4400" spc="-1" strike="noStrike">
+            <a:endParaRPr b="0" lang="en-US" sz="1800" spc="-1" strike="noStrike">
+              <a:solidFill>
+                <a:srgbClr val="000000"/>
+              </a:solidFill>
               <a:latin typeface="Arial"/>
             </a:endParaRPr>
           </a:p>
@@ -1347,7 +1434,7 @@
         <p:spPr>
           <a:xfrm>
             <a:off x="609480" y="1604520"/>
-            <a:ext cx="1723680" cy="904320"/>
+            <a:ext cx="5354280" cy="1896840"/>
           </a:xfrm>
           <a:prstGeom prst="rect">
             <a:avLst/>
@@ -1358,7 +1445,10 @@
             <a:normAutofit/>
           </a:bodyPr>
           <a:p>
-            <a:endParaRPr b="0" lang="en-US" sz="3200" spc="-1" strike="noStrike">
+            <a:endParaRPr b="0" lang="en-US" sz="1800" spc="-1" strike="noStrike">
+              <a:solidFill>
+                <a:srgbClr val="000000"/>
+              </a:solidFill>
               <a:latin typeface="Arial"/>
             </a:endParaRPr>
           </a:p>
@@ -1376,8 +1466,8 @@
         </p:nvSpPr>
         <p:spPr>
           <a:xfrm>
-            <a:off x="2419560" y="1604520"/>
-            <a:ext cx="1723680" cy="1896480"/>
+            <a:off x="6231960" y="1604520"/>
+            <a:ext cx="5354280" cy="3977280"/>
           </a:xfrm>
           <a:prstGeom prst="rect">
             <a:avLst/>
@@ -1388,7 +1478,10 @@
             <a:normAutofit/>
           </a:bodyPr>
           <a:p>
-            <a:endParaRPr b="0" lang="en-US" sz="3200" spc="-1" strike="noStrike">
+            <a:endParaRPr b="0" lang="en-US" sz="1800" spc="-1" strike="noStrike">
+              <a:solidFill>
+                <a:srgbClr val="000000"/>
+              </a:solidFill>
               <a:latin typeface="Arial"/>
             </a:endParaRPr>
           </a:p>
@@ -1406,8 +1499,8 @@
         </p:nvSpPr>
         <p:spPr>
           <a:xfrm>
-            <a:off x="609480" y="2595240"/>
-            <a:ext cx="1723680" cy="904320"/>
+            <a:off x="609480" y="3682080"/>
+            <a:ext cx="5354280" cy="1896840"/>
           </a:xfrm>
           <a:prstGeom prst="rect">
             <a:avLst/>
@@ -1418,7 +1511,10 @@
             <a:normAutofit/>
           </a:bodyPr>
           <a:p>
-            <a:endParaRPr b="0" lang="en-US" sz="3200" spc="-1" strike="noStrike">
+            <a:endParaRPr b="0" lang="en-US" sz="1800" spc="-1" strike="noStrike">
+              <a:solidFill>
+                <a:srgbClr val="000000"/>
+              </a:solidFill>
               <a:latin typeface="Arial"/>
             </a:endParaRPr>
           </a:p>
@@ -1459,7 +1555,7 @@
         <p:spPr>
           <a:xfrm>
             <a:off x="609480" y="273600"/>
-            <a:ext cx="10972080" cy="1144440"/>
+            <a:ext cx="10972440" cy="1144800"/>
           </a:xfrm>
           <a:prstGeom prst="rect">
             <a:avLst/>
@@ -1468,8 +1564,10 @@
         <p:txBody>
           <a:bodyPr lIns="0" rIns="0" tIns="0" bIns="0" anchor="ctr"/>
           <a:p>
-            <a:pPr algn="ctr"/>
-            <a:endParaRPr b="0" lang="en-US" sz="4400" spc="-1" strike="noStrike">
+            <a:endParaRPr b="0" lang="en-US" sz="1800" spc="-1" strike="noStrike">
+              <a:solidFill>
+                <a:srgbClr val="000000"/>
+              </a:solidFill>
               <a:latin typeface="Arial"/>
             </a:endParaRPr>
           </a:p>
@@ -1488,7 +1586,7 @@
         <p:spPr>
           <a:xfrm>
             <a:off x="609480" y="1604520"/>
-            <a:ext cx="3532680" cy="1896480"/>
+            <a:ext cx="10972440" cy="3977280"/>
           </a:xfrm>
           <a:prstGeom prst="rect">
             <a:avLst/>
@@ -1539,7 +1637,7 @@
         <p:spPr>
           <a:xfrm>
             <a:off x="609480" y="273600"/>
-            <a:ext cx="10972080" cy="1144440"/>
+            <a:ext cx="10972440" cy="1144800"/>
           </a:xfrm>
           <a:prstGeom prst="rect">
             <a:avLst/>
@@ -1548,8 +1646,10 @@
         <p:txBody>
           <a:bodyPr lIns="0" rIns="0" tIns="0" bIns="0" anchor="ctr"/>
           <a:p>
-            <a:pPr algn="ctr"/>
-            <a:endParaRPr b="0" lang="en-US" sz="4400" spc="-1" strike="noStrike">
+            <a:endParaRPr b="0" lang="en-US" sz="1800" spc="-1" strike="noStrike">
+              <a:solidFill>
+                <a:srgbClr val="000000"/>
+              </a:solidFill>
               <a:latin typeface="Arial"/>
             </a:endParaRPr>
           </a:p>
@@ -1568,7 +1668,7 @@
         <p:spPr>
           <a:xfrm>
             <a:off x="609480" y="1604520"/>
-            <a:ext cx="1723680" cy="1896480"/>
+            <a:ext cx="5354280" cy="3977280"/>
           </a:xfrm>
           <a:prstGeom prst="rect">
             <a:avLst/>
@@ -1579,7 +1679,10 @@
             <a:normAutofit/>
           </a:bodyPr>
           <a:p>
-            <a:endParaRPr b="0" lang="en-US" sz="3200" spc="-1" strike="noStrike">
+            <a:endParaRPr b="0" lang="en-US" sz="1800" spc="-1" strike="noStrike">
+              <a:solidFill>
+                <a:srgbClr val="000000"/>
+              </a:solidFill>
               <a:latin typeface="Arial"/>
             </a:endParaRPr>
           </a:p>
@@ -1597,8 +1700,8 @@
         </p:nvSpPr>
         <p:spPr>
           <a:xfrm>
-            <a:off x="2419560" y="1604520"/>
-            <a:ext cx="1723680" cy="904320"/>
+            <a:off x="6231960" y="1604520"/>
+            <a:ext cx="5354280" cy="1896840"/>
           </a:xfrm>
           <a:prstGeom prst="rect">
             <a:avLst/>
@@ -1609,7 +1712,10 @@
             <a:normAutofit/>
           </a:bodyPr>
           <a:p>
-            <a:endParaRPr b="0" lang="en-US" sz="3200" spc="-1" strike="noStrike">
+            <a:endParaRPr b="0" lang="en-US" sz="1800" spc="-1" strike="noStrike">
+              <a:solidFill>
+                <a:srgbClr val="000000"/>
+              </a:solidFill>
               <a:latin typeface="Arial"/>
             </a:endParaRPr>
           </a:p>
@@ -1627,8 +1733,8 @@
         </p:nvSpPr>
         <p:spPr>
           <a:xfrm>
-            <a:off x="2419560" y="2595240"/>
-            <a:ext cx="1723680" cy="904320"/>
+            <a:off x="6231960" y="3682080"/>
+            <a:ext cx="5354280" cy="1896840"/>
           </a:xfrm>
           <a:prstGeom prst="rect">
             <a:avLst/>
@@ -1639,7 +1745,10 @@
             <a:normAutofit/>
           </a:bodyPr>
           <a:p>
-            <a:endParaRPr b="0" lang="en-US" sz="3200" spc="-1" strike="noStrike">
+            <a:endParaRPr b="0" lang="en-US" sz="1800" spc="-1" strike="noStrike">
+              <a:solidFill>
+                <a:srgbClr val="000000"/>
+              </a:solidFill>
               <a:latin typeface="Arial"/>
             </a:endParaRPr>
           </a:p>
@@ -1680,7 +1789,7 @@
         <p:spPr>
           <a:xfrm>
             <a:off x="609480" y="273600"/>
-            <a:ext cx="10972080" cy="1144440"/>
+            <a:ext cx="10972440" cy="1144800"/>
           </a:xfrm>
           <a:prstGeom prst="rect">
             <a:avLst/>
@@ -1689,8 +1798,10 @@
         <p:txBody>
           <a:bodyPr lIns="0" rIns="0" tIns="0" bIns="0" anchor="ctr"/>
           <a:p>
-            <a:pPr algn="ctr"/>
-            <a:endParaRPr b="0" lang="en-US" sz="4400" spc="-1" strike="noStrike">
+            <a:endParaRPr b="0" lang="en-US" sz="1800" spc="-1" strike="noStrike">
+              <a:solidFill>
+                <a:srgbClr val="000000"/>
+              </a:solidFill>
               <a:latin typeface="Arial"/>
             </a:endParaRPr>
           </a:p>
@@ -1709,7 +1820,7 @@
         <p:spPr>
           <a:xfrm>
             <a:off x="609480" y="1604520"/>
-            <a:ext cx="1723680" cy="904320"/>
+            <a:ext cx="5354280" cy="1896840"/>
           </a:xfrm>
           <a:prstGeom prst="rect">
             <a:avLst/>
@@ -1720,7 +1831,10 @@
             <a:normAutofit/>
           </a:bodyPr>
           <a:p>
-            <a:endParaRPr b="0" lang="en-US" sz="3200" spc="-1" strike="noStrike">
+            <a:endParaRPr b="0" lang="en-US" sz="1800" spc="-1" strike="noStrike">
+              <a:solidFill>
+                <a:srgbClr val="000000"/>
+              </a:solidFill>
               <a:latin typeface="Arial"/>
             </a:endParaRPr>
           </a:p>
@@ -1738,8 +1852,8 @@
         </p:nvSpPr>
         <p:spPr>
           <a:xfrm>
-            <a:off x="2419560" y="1604520"/>
-            <a:ext cx="1723680" cy="904320"/>
+            <a:off x="6231960" y="1604520"/>
+            <a:ext cx="5354280" cy="1896840"/>
           </a:xfrm>
           <a:prstGeom prst="rect">
             <a:avLst/>
@@ -1750,7 +1864,10 @@
             <a:normAutofit/>
           </a:bodyPr>
           <a:p>
-            <a:endParaRPr b="0" lang="en-US" sz="3200" spc="-1" strike="noStrike">
+            <a:endParaRPr b="0" lang="en-US" sz="1800" spc="-1" strike="noStrike">
+              <a:solidFill>
+                <a:srgbClr val="000000"/>
+              </a:solidFill>
               <a:latin typeface="Arial"/>
             </a:endParaRPr>
           </a:p>
@@ -1768,8 +1885,8 @@
         </p:nvSpPr>
         <p:spPr>
           <a:xfrm>
-            <a:off x="609480" y="2595240"/>
-            <a:ext cx="3532680" cy="904320"/>
+            <a:off x="609480" y="3682080"/>
+            <a:ext cx="10972440" cy="1896840"/>
           </a:xfrm>
           <a:prstGeom prst="rect">
             <a:avLst/>
@@ -1780,7 +1897,10 @@
             <a:normAutofit/>
           </a:bodyPr>
           <a:p>
-            <a:endParaRPr b="0" lang="en-US" sz="3200" spc="-1" strike="noStrike">
+            <a:endParaRPr b="0" lang="en-US" sz="1800" spc="-1" strike="noStrike">
+              <a:solidFill>
+                <a:srgbClr val="000000"/>
+              </a:solidFill>
               <a:latin typeface="Arial"/>
             </a:endParaRPr>
           </a:p>
@@ -1821,7 +1941,7 @@
         <p:spPr>
           <a:xfrm>
             <a:off x="609480" y="273600"/>
-            <a:ext cx="10972080" cy="1144440"/>
+            <a:ext cx="10972440" cy="1144800"/>
           </a:xfrm>
           <a:prstGeom prst="rect">
             <a:avLst/>
@@ -1830,8 +1950,10 @@
         <p:txBody>
           <a:bodyPr lIns="0" rIns="0" tIns="0" bIns="0" anchor="ctr"/>
           <a:p>
-            <a:pPr algn="ctr"/>
-            <a:endParaRPr b="0" lang="en-US" sz="4400" spc="-1" strike="noStrike">
+            <a:endParaRPr b="0" lang="en-US" sz="1800" spc="-1" strike="noStrike">
+              <a:solidFill>
+                <a:srgbClr val="000000"/>
+              </a:solidFill>
               <a:latin typeface="Arial"/>
             </a:endParaRPr>
           </a:p>
@@ -1850,7 +1972,7 @@
         <p:spPr>
           <a:xfrm>
             <a:off x="609480" y="1604520"/>
-            <a:ext cx="3532680" cy="904320"/>
+            <a:ext cx="10972440" cy="1896840"/>
           </a:xfrm>
           <a:prstGeom prst="rect">
             <a:avLst/>
@@ -1861,7 +1983,10 @@
             <a:normAutofit/>
           </a:bodyPr>
           <a:p>
-            <a:endParaRPr b="0" lang="en-US" sz="3200" spc="-1" strike="noStrike">
+            <a:endParaRPr b="0" lang="en-US" sz="1800" spc="-1" strike="noStrike">
+              <a:solidFill>
+                <a:srgbClr val="000000"/>
+              </a:solidFill>
               <a:latin typeface="Arial"/>
             </a:endParaRPr>
           </a:p>
@@ -1879,8 +2004,8 @@
         </p:nvSpPr>
         <p:spPr>
           <a:xfrm>
-            <a:off x="609480" y="2595240"/>
-            <a:ext cx="3532680" cy="904320"/>
+            <a:off x="609480" y="3682080"/>
+            <a:ext cx="10972440" cy="1896840"/>
           </a:xfrm>
           <a:prstGeom prst="rect">
             <a:avLst/>
@@ -1891,7 +2016,10 @@
             <a:normAutofit/>
           </a:bodyPr>
           <a:p>
-            <a:endParaRPr b="0" lang="en-US" sz="3200" spc="-1" strike="noStrike">
+            <a:endParaRPr b="0" lang="en-US" sz="1800" spc="-1" strike="noStrike">
+              <a:solidFill>
+                <a:srgbClr val="000000"/>
+              </a:solidFill>
               <a:latin typeface="Arial"/>
             </a:endParaRPr>
           </a:p>
@@ -1932,7 +2060,7 @@
         <p:spPr>
           <a:xfrm>
             <a:off x="609480" y="273600"/>
-            <a:ext cx="10972080" cy="1144440"/>
+            <a:ext cx="10972440" cy="1144800"/>
           </a:xfrm>
           <a:prstGeom prst="rect">
             <a:avLst/>
@@ -1941,8 +2069,10 @@
         <p:txBody>
           <a:bodyPr lIns="0" rIns="0" tIns="0" bIns="0" anchor="ctr"/>
           <a:p>
-            <a:pPr algn="ctr"/>
-            <a:endParaRPr b="0" lang="en-US" sz="4400" spc="-1" strike="noStrike">
+            <a:endParaRPr b="0" lang="en-US" sz="1800" spc="-1" strike="noStrike">
+              <a:solidFill>
+                <a:srgbClr val="000000"/>
+              </a:solidFill>
               <a:latin typeface="Arial"/>
             </a:endParaRPr>
           </a:p>
@@ -1961,7 +2091,7 @@
         <p:spPr>
           <a:xfrm>
             <a:off x="609480" y="1604520"/>
-            <a:ext cx="1723680" cy="904320"/>
+            <a:ext cx="5354280" cy="1896840"/>
           </a:xfrm>
           <a:prstGeom prst="rect">
             <a:avLst/>
@@ -1972,7 +2102,10 @@
             <a:normAutofit/>
           </a:bodyPr>
           <a:p>
-            <a:endParaRPr b="0" lang="en-US" sz="3200" spc="-1" strike="noStrike">
+            <a:endParaRPr b="0" lang="en-US" sz="1800" spc="-1" strike="noStrike">
+              <a:solidFill>
+                <a:srgbClr val="000000"/>
+              </a:solidFill>
               <a:latin typeface="Arial"/>
             </a:endParaRPr>
           </a:p>
@@ -1990,8 +2123,8 @@
         </p:nvSpPr>
         <p:spPr>
           <a:xfrm>
-            <a:off x="2419560" y="1604520"/>
-            <a:ext cx="1723680" cy="904320"/>
+            <a:off x="6231960" y="1604520"/>
+            <a:ext cx="5354280" cy="1896840"/>
           </a:xfrm>
           <a:prstGeom prst="rect">
             <a:avLst/>
@@ -2002,7 +2135,10 @@
             <a:normAutofit/>
           </a:bodyPr>
           <a:p>
-            <a:endParaRPr b="0" lang="en-US" sz="3200" spc="-1" strike="noStrike">
+            <a:endParaRPr b="0" lang="en-US" sz="1800" spc="-1" strike="noStrike">
+              <a:solidFill>
+                <a:srgbClr val="000000"/>
+              </a:solidFill>
               <a:latin typeface="Arial"/>
             </a:endParaRPr>
           </a:p>
@@ -2020,8 +2156,8 @@
         </p:nvSpPr>
         <p:spPr>
           <a:xfrm>
-            <a:off x="609480" y="2595240"/>
-            <a:ext cx="1723680" cy="904320"/>
+            <a:off x="609480" y="3682080"/>
+            <a:ext cx="5354280" cy="1896840"/>
           </a:xfrm>
           <a:prstGeom prst="rect">
             <a:avLst/>
@@ -2032,7 +2168,10 @@
             <a:normAutofit/>
           </a:bodyPr>
           <a:p>
-            <a:endParaRPr b="0" lang="en-US" sz="3200" spc="-1" strike="noStrike">
+            <a:endParaRPr b="0" lang="en-US" sz="1800" spc="-1" strike="noStrike">
+              <a:solidFill>
+                <a:srgbClr val="000000"/>
+              </a:solidFill>
               <a:latin typeface="Arial"/>
             </a:endParaRPr>
           </a:p>
@@ -2050,8 +2189,8 @@
         </p:nvSpPr>
         <p:spPr>
           <a:xfrm>
-            <a:off x="2419560" y="2595240"/>
-            <a:ext cx="1723680" cy="904320"/>
+            <a:off x="6231960" y="3682080"/>
+            <a:ext cx="5354280" cy="1896840"/>
           </a:xfrm>
           <a:prstGeom prst="rect">
             <a:avLst/>
@@ -2062,7 +2201,10 @@
             <a:normAutofit/>
           </a:bodyPr>
           <a:p>
-            <a:endParaRPr b="0" lang="en-US" sz="3200" spc="-1" strike="noStrike">
+            <a:endParaRPr b="0" lang="en-US" sz="1800" spc="-1" strike="noStrike">
+              <a:solidFill>
+                <a:srgbClr val="000000"/>
+              </a:solidFill>
               <a:latin typeface="Arial"/>
             </a:endParaRPr>
           </a:p>
@@ -2103,7 +2245,7 @@
         <p:spPr>
           <a:xfrm>
             <a:off x="609480" y="273600"/>
-            <a:ext cx="10972080" cy="1144440"/>
+            <a:ext cx="10972440" cy="1144800"/>
           </a:xfrm>
           <a:prstGeom prst="rect">
             <a:avLst/>
@@ -2112,8 +2254,10 @@
         <p:txBody>
           <a:bodyPr lIns="0" rIns="0" tIns="0" bIns="0" anchor="ctr"/>
           <a:p>
-            <a:pPr algn="ctr"/>
-            <a:endParaRPr b="0" lang="en-US" sz="4400" spc="-1" strike="noStrike">
+            <a:endParaRPr b="0" lang="en-US" sz="1800" spc="-1" strike="noStrike">
+              <a:solidFill>
+                <a:srgbClr val="000000"/>
+              </a:solidFill>
               <a:latin typeface="Arial"/>
             </a:endParaRPr>
           </a:p>
@@ -2132,7 +2276,7 @@
         <p:spPr>
           <a:xfrm>
             <a:off x="609480" y="1604520"/>
-            <a:ext cx="1137240" cy="904320"/>
+            <a:ext cx="3533040" cy="1896840"/>
           </a:xfrm>
           <a:prstGeom prst="rect">
             <a:avLst/>
@@ -2143,7 +2287,10 @@
             <a:normAutofit/>
           </a:bodyPr>
           <a:p>
-            <a:endParaRPr b="0" lang="en-US" sz="3200" spc="-1" strike="noStrike">
+            <a:endParaRPr b="0" lang="en-US" sz="1800" spc="-1" strike="noStrike">
+              <a:solidFill>
+                <a:srgbClr val="000000"/>
+              </a:solidFill>
               <a:latin typeface="Arial"/>
             </a:endParaRPr>
           </a:p>
@@ -2161,8 +2308,8 @@
         </p:nvSpPr>
         <p:spPr>
           <a:xfrm>
-            <a:off x="1803960" y="1604520"/>
-            <a:ext cx="1137240" cy="904320"/>
+            <a:off x="4319640" y="1604520"/>
+            <a:ext cx="3533040" cy="1896840"/>
           </a:xfrm>
           <a:prstGeom prst="rect">
             <a:avLst/>
@@ -2173,7 +2320,10 @@
             <a:normAutofit/>
           </a:bodyPr>
           <a:p>
-            <a:endParaRPr b="0" lang="en-US" sz="3200" spc="-1" strike="noStrike">
+            <a:endParaRPr b="0" lang="en-US" sz="1800" spc="-1" strike="noStrike">
+              <a:solidFill>
+                <a:srgbClr val="000000"/>
+              </a:solidFill>
               <a:latin typeface="Arial"/>
             </a:endParaRPr>
           </a:p>
@@ -2191,8 +2341,8 @@
         </p:nvSpPr>
         <p:spPr>
           <a:xfrm>
-            <a:off x="2998440" y="1604520"/>
-            <a:ext cx="1137240" cy="904320"/>
+            <a:off x="8029800" y="1604520"/>
+            <a:ext cx="3533040" cy="1896840"/>
           </a:xfrm>
           <a:prstGeom prst="rect">
             <a:avLst/>
@@ -2203,7 +2353,10 @@
             <a:normAutofit/>
           </a:bodyPr>
           <a:p>
-            <a:endParaRPr b="0" lang="en-US" sz="3200" spc="-1" strike="noStrike">
+            <a:endParaRPr b="0" lang="en-US" sz="1800" spc="-1" strike="noStrike">
+              <a:solidFill>
+                <a:srgbClr val="000000"/>
+              </a:solidFill>
               <a:latin typeface="Arial"/>
             </a:endParaRPr>
           </a:p>
@@ -2221,8 +2374,8 @@
         </p:nvSpPr>
         <p:spPr>
           <a:xfrm>
-            <a:off x="609480" y="2595240"/>
-            <a:ext cx="1137240" cy="904320"/>
+            <a:off x="609480" y="3682080"/>
+            <a:ext cx="3533040" cy="1896840"/>
           </a:xfrm>
           <a:prstGeom prst="rect">
             <a:avLst/>
@@ -2233,7 +2386,10 @@
             <a:normAutofit/>
           </a:bodyPr>
           <a:p>
-            <a:endParaRPr b="0" lang="en-US" sz="3200" spc="-1" strike="noStrike">
+            <a:endParaRPr b="0" lang="en-US" sz="1800" spc="-1" strike="noStrike">
+              <a:solidFill>
+                <a:srgbClr val="000000"/>
+              </a:solidFill>
               <a:latin typeface="Arial"/>
             </a:endParaRPr>
           </a:p>
@@ -2251,8 +2407,8 @@
         </p:nvSpPr>
         <p:spPr>
           <a:xfrm>
-            <a:off x="1803960" y="2595240"/>
-            <a:ext cx="1137240" cy="904320"/>
+            <a:off x="4319640" y="3682080"/>
+            <a:ext cx="3533040" cy="1896840"/>
           </a:xfrm>
           <a:prstGeom prst="rect">
             <a:avLst/>
@@ -2263,7 +2419,10 @@
             <a:normAutofit/>
           </a:bodyPr>
           <a:p>
-            <a:endParaRPr b="0" lang="en-US" sz="3200" spc="-1" strike="noStrike">
+            <a:endParaRPr b="0" lang="en-US" sz="1800" spc="-1" strike="noStrike">
+              <a:solidFill>
+                <a:srgbClr val="000000"/>
+              </a:solidFill>
               <a:latin typeface="Arial"/>
             </a:endParaRPr>
           </a:p>
@@ -2281,8 +2440,8 @@
         </p:nvSpPr>
         <p:spPr>
           <a:xfrm>
-            <a:off x="2998440" y="2595240"/>
-            <a:ext cx="1137240" cy="904320"/>
+            <a:off x="8029800" y="3682080"/>
+            <a:ext cx="3533040" cy="1896840"/>
           </a:xfrm>
           <a:prstGeom prst="rect">
             <a:avLst/>
@@ -2293,7 +2452,10 @@
             <a:normAutofit/>
           </a:bodyPr>
           <a:p>
-            <a:endParaRPr b="0" lang="en-US" sz="3200" spc="-1" strike="noStrike">
+            <a:endParaRPr b="0" lang="en-US" sz="1800" spc="-1" strike="noStrike">
+              <a:solidFill>
+                <a:srgbClr val="000000"/>
+              </a:solidFill>
               <a:latin typeface="Arial"/>
             </a:endParaRPr>
           </a:p>
@@ -2356,7 +2518,7 @@
         <p:spPr>
           <a:xfrm>
             <a:off x="609480" y="273600"/>
-            <a:ext cx="10972080" cy="1144440"/>
+            <a:ext cx="10972440" cy="1144800"/>
           </a:xfrm>
           <a:prstGeom prst="rect">
             <a:avLst/>
@@ -2365,8 +2527,10 @@
         <p:txBody>
           <a:bodyPr lIns="0" rIns="0" tIns="0" bIns="0" anchor="ctr"/>
           <a:p>
-            <a:pPr algn="ctr"/>
-            <a:endParaRPr b="0" lang="en-US" sz="4400" spc="-1" strike="noStrike">
+            <a:endParaRPr b="0" lang="en-US" sz="1800" spc="-1" strike="noStrike">
+              <a:solidFill>
+                <a:srgbClr val="000000"/>
+              </a:solidFill>
               <a:latin typeface="Arial"/>
             </a:endParaRPr>
           </a:p>
@@ -2385,7 +2549,7 @@
         <p:spPr>
           <a:xfrm>
             <a:off x="609480" y="1604520"/>
-            <a:ext cx="3532680" cy="1896480"/>
+            <a:ext cx="10972440" cy="3977280"/>
           </a:xfrm>
           <a:prstGeom prst="rect">
             <a:avLst/>
@@ -2436,7 +2600,7 @@
         <p:spPr>
           <a:xfrm>
             <a:off x="609480" y="273600"/>
-            <a:ext cx="10972080" cy="1144440"/>
+            <a:ext cx="10972440" cy="1144800"/>
           </a:xfrm>
           <a:prstGeom prst="rect">
             <a:avLst/>
@@ -2445,8 +2609,10 @@
         <p:txBody>
           <a:bodyPr lIns="0" rIns="0" tIns="0" bIns="0" anchor="ctr"/>
           <a:p>
-            <a:pPr algn="ctr"/>
-            <a:endParaRPr b="0" lang="en-US" sz="4400" spc="-1" strike="noStrike">
+            <a:endParaRPr b="0" lang="en-US" sz="1800" spc="-1" strike="noStrike">
+              <a:solidFill>
+                <a:srgbClr val="000000"/>
+              </a:solidFill>
               <a:latin typeface="Arial"/>
             </a:endParaRPr>
           </a:p>
@@ -2465,7 +2631,7 @@
         <p:spPr>
           <a:xfrm>
             <a:off x="609480" y="1604520"/>
-            <a:ext cx="3532680" cy="1896480"/>
+            <a:ext cx="10972440" cy="3977280"/>
           </a:xfrm>
           <a:prstGeom prst="rect">
             <a:avLst/>
@@ -2476,7 +2642,10 @@
             <a:normAutofit/>
           </a:bodyPr>
           <a:p>
-            <a:endParaRPr b="0" lang="en-US" sz="3200" spc="-1" strike="noStrike">
+            <a:endParaRPr b="0" lang="en-US" sz="1800" spc="-1" strike="noStrike">
+              <a:solidFill>
+                <a:srgbClr val="000000"/>
+              </a:solidFill>
               <a:latin typeface="Arial"/>
             </a:endParaRPr>
           </a:p>
@@ -2517,7 +2686,7 @@
         <p:spPr>
           <a:xfrm>
             <a:off x="609480" y="273600"/>
-            <a:ext cx="10972080" cy="1144440"/>
+            <a:ext cx="10972440" cy="1144800"/>
           </a:xfrm>
           <a:prstGeom prst="rect">
             <a:avLst/>
@@ -2526,8 +2695,10 @@
         <p:txBody>
           <a:bodyPr lIns="0" rIns="0" tIns="0" bIns="0" anchor="ctr"/>
           <a:p>
-            <a:pPr algn="ctr"/>
-            <a:endParaRPr b="0" lang="en-US" sz="4400" spc="-1" strike="noStrike">
+            <a:endParaRPr b="0" lang="en-US" sz="1800" spc="-1" strike="noStrike">
+              <a:solidFill>
+                <a:srgbClr val="000000"/>
+              </a:solidFill>
               <a:latin typeface="Arial"/>
             </a:endParaRPr>
           </a:p>
@@ -2546,7 +2717,7 @@
         <p:spPr>
           <a:xfrm>
             <a:off x="609480" y="1604520"/>
-            <a:ext cx="1723680" cy="1896480"/>
+            <a:ext cx="5354280" cy="3977280"/>
           </a:xfrm>
           <a:prstGeom prst="rect">
             <a:avLst/>
@@ -2557,7 +2728,10 @@
             <a:normAutofit/>
           </a:bodyPr>
           <a:p>
-            <a:endParaRPr b="0" lang="en-US" sz="3200" spc="-1" strike="noStrike">
+            <a:endParaRPr b="0" lang="en-US" sz="1800" spc="-1" strike="noStrike">
+              <a:solidFill>
+                <a:srgbClr val="000000"/>
+              </a:solidFill>
               <a:latin typeface="Arial"/>
             </a:endParaRPr>
           </a:p>
@@ -2575,8 +2749,8 @@
         </p:nvSpPr>
         <p:spPr>
           <a:xfrm>
-            <a:off x="2419560" y="1604520"/>
-            <a:ext cx="1723680" cy="1896480"/>
+            <a:off x="6231960" y="1604520"/>
+            <a:ext cx="5354280" cy="3977280"/>
           </a:xfrm>
           <a:prstGeom prst="rect">
             <a:avLst/>
@@ -2587,7 +2761,10 @@
             <a:normAutofit/>
           </a:bodyPr>
           <a:p>
-            <a:endParaRPr b="0" lang="en-US" sz="3200" spc="-1" strike="noStrike">
+            <a:endParaRPr b="0" lang="en-US" sz="1800" spc="-1" strike="noStrike">
+              <a:solidFill>
+                <a:srgbClr val="000000"/>
+              </a:solidFill>
               <a:latin typeface="Arial"/>
             </a:endParaRPr>
           </a:p>
@@ -2628,7 +2805,7 @@
         <p:spPr>
           <a:xfrm>
             <a:off x="609480" y="273600"/>
-            <a:ext cx="10972080" cy="1144440"/>
+            <a:ext cx="10972440" cy="1144800"/>
           </a:xfrm>
           <a:prstGeom prst="rect">
             <a:avLst/>
@@ -2637,8 +2814,10 @@
         <p:txBody>
           <a:bodyPr lIns="0" rIns="0" tIns="0" bIns="0" anchor="ctr"/>
           <a:p>
-            <a:pPr algn="ctr"/>
-            <a:endParaRPr b="0" lang="en-US" sz="4400" spc="-1" strike="noStrike">
+            <a:endParaRPr b="0" lang="en-US" sz="1800" spc="-1" strike="noStrike">
+              <a:solidFill>
+                <a:srgbClr val="000000"/>
+              </a:solidFill>
               <a:latin typeface="Arial"/>
             </a:endParaRPr>
           </a:p>
@@ -2679,7 +2858,7 @@
         <p:spPr>
           <a:xfrm>
             <a:off x="609480" y="273600"/>
-            <a:ext cx="10972080" cy="1144440"/>
+            <a:ext cx="10972440" cy="1144800"/>
           </a:xfrm>
           <a:prstGeom prst="rect">
             <a:avLst/>
@@ -2688,8 +2867,10 @@
         <p:txBody>
           <a:bodyPr lIns="0" rIns="0" tIns="0" bIns="0" anchor="ctr"/>
           <a:p>
-            <a:pPr algn="ctr"/>
-            <a:endParaRPr b="0" lang="en-US" sz="4400" spc="-1" strike="noStrike">
+            <a:endParaRPr b="0" lang="en-US" sz="1800" spc="-1" strike="noStrike">
+              <a:solidFill>
+                <a:srgbClr val="000000"/>
+              </a:solidFill>
               <a:latin typeface="Arial"/>
             </a:endParaRPr>
           </a:p>
@@ -2708,7 +2889,7 @@
         <p:spPr>
           <a:xfrm>
             <a:off x="609480" y="1604520"/>
-            <a:ext cx="3532680" cy="1896480"/>
+            <a:ext cx="10972440" cy="3977280"/>
           </a:xfrm>
           <a:prstGeom prst="rect">
             <a:avLst/>
@@ -2719,7 +2900,10 @@
             <a:normAutofit/>
           </a:bodyPr>
           <a:p>
-            <a:endParaRPr b="0" lang="en-US" sz="3200" spc="-1" strike="noStrike">
+            <a:endParaRPr b="0" lang="en-US" sz="1800" spc="-1" strike="noStrike">
+              <a:solidFill>
+                <a:srgbClr val="000000"/>
+              </a:solidFill>
               <a:latin typeface="Arial"/>
             </a:endParaRPr>
           </a:p>
@@ -2760,7 +2944,7 @@
         <p:spPr>
           <a:xfrm>
             <a:off x="609480" y="273600"/>
-            <a:ext cx="10972080" cy="5306400"/>
+            <a:ext cx="10972440" cy="5307840"/>
           </a:xfrm>
           <a:prstGeom prst="rect">
             <a:avLst/>
@@ -2811,7 +2995,7 @@
         <p:spPr>
           <a:xfrm>
             <a:off x="609480" y="273600"/>
-            <a:ext cx="10972080" cy="1144440"/>
+            <a:ext cx="10972440" cy="1144800"/>
           </a:xfrm>
           <a:prstGeom prst="rect">
             <a:avLst/>
@@ -2820,8 +3004,10 @@
         <p:txBody>
           <a:bodyPr lIns="0" rIns="0" tIns="0" bIns="0" anchor="ctr"/>
           <a:p>
-            <a:pPr algn="ctr"/>
-            <a:endParaRPr b="0" lang="en-US" sz="4400" spc="-1" strike="noStrike">
+            <a:endParaRPr b="0" lang="en-US" sz="1800" spc="-1" strike="noStrike">
+              <a:solidFill>
+                <a:srgbClr val="000000"/>
+              </a:solidFill>
               <a:latin typeface="Arial"/>
             </a:endParaRPr>
           </a:p>
@@ -2840,7 +3026,7 @@
         <p:spPr>
           <a:xfrm>
             <a:off x="609480" y="1604520"/>
-            <a:ext cx="1723680" cy="904320"/>
+            <a:ext cx="5354280" cy="1896840"/>
           </a:xfrm>
           <a:prstGeom prst="rect">
             <a:avLst/>
@@ -2851,7 +3037,10 @@
             <a:normAutofit/>
           </a:bodyPr>
           <a:p>
-            <a:endParaRPr b="0" lang="en-US" sz="3200" spc="-1" strike="noStrike">
+            <a:endParaRPr b="0" lang="en-US" sz="1800" spc="-1" strike="noStrike">
+              <a:solidFill>
+                <a:srgbClr val="000000"/>
+              </a:solidFill>
               <a:latin typeface="Arial"/>
             </a:endParaRPr>
           </a:p>
@@ -2869,8 +3058,8 @@
         </p:nvSpPr>
         <p:spPr>
           <a:xfrm>
-            <a:off x="2419560" y="1604520"/>
-            <a:ext cx="1723680" cy="1896480"/>
+            <a:off x="6231960" y="1604520"/>
+            <a:ext cx="5354280" cy="3977280"/>
           </a:xfrm>
           <a:prstGeom prst="rect">
             <a:avLst/>
@@ -2881,7 +3070,10 @@
             <a:normAutofit/>
           </a:bodyPr>
           <a:p>
-            <a:endParaRPr b="0" lang="en-US" sz="3200" spc="-1" strike="noStrike">
+            <a:endParaRPr b="0" lang="en-US" sz="1800" spc="-1" strike="noStrike">
+              <a:solidFill>
+                <a:srgbClr val="000000"/>
+              </a:solidFill>
               <a:latin typeface="Arial"/>
             </a:endParaRPr>
           </a:p>
@@ -2899,8 +3091,8 @@
         </p:nvSpPr>
         <p:spPr>
           <a:xfrm>
-            <a:off x="609480" y="2595240"/>
-            <a:ext cx="1723680" cy="904320"/>
+            <a:off x="609480" y="3682080"/>
+            <a:ext cx="5354280" cy="1896840"/>
           </a:xfrm>
           <a:prstGeom prst="rect">
             <a:avLst/>
@@ -2911,7 +3103,10 @@
             <a:normAutofit/>
           </a:bodyPr>
           <a:p>
-            <a:endParaRPr b="0" lang="en-US" sz="3200" spc="-1" strike="noStrike">
+            <a:endParaRPr b="0" lang="en-US" sz="1800" spc="-1" strike="noStrike">
+              <a:solidFill>
+                <a:srgbClr val="000000"/>
+              </a:solidFill>
               <a:latin typeface="Arial"/>
             </a:endParaRPr>
           </a:p>
@@ -2952,7 +3147,7 @@
         <p:spPr>
           <a:xfrm>
             <a:off x="609480" y="273600"/>
-            <a:ext cx="10972080" cy="1144440"/>
+            <a:ext cx="10972440" cy="1144800"/>
           </a:xfrm>
           <a:prstGeom prst="rect">
             <a:avLst/>
@@ -2961,8 +3156,10 @@
         <p:txBody>
           <a:bodyPr lIns="0" rIns="0" tIns="0" bIns="0" anchor="ctr"/>
           <a:p>
-            <a:pPr algn="ctr"/>
-            <a:endParaRPr b="0" lang="en-US" sz="4400" spc="-1" strike="noStrike">
+            <a:endParaRPr b="0" lang="en-US" sz="1800" spc="-1" strike="noStrike">
+              <a:solidFill>
+                <a:srgbClr val="000000"/>
+              </a:solidFill>
               <a:latin typeface="Arial"/>
             </a:endParaRPr>
           </a:p>
@@ -2981,7 +3178,7 @@
         <p:spPr>
           <a:xfrm>
             <a:off x="609480" y="1604520"/>
-            <a:ext cx="1723680" cy="1896480"/>
+            <a:ext cx="5354280" cy="3977280"/>
           </a:xfrm>
           <a:prstGeom prst="rect">
             <a:avLst/>
@@ -2992,7 +3189,10 @@
             <a:normAutofit/>
           </a:bodyPr>
           <a:p>
-            <a:endParaRPr b="0" lang="en-US" sz="3200" spc="-1" strike="noStrike">
+            <a:endParaRPr b="0" lang="en-US" sz="1800" spc="-1" strike="noStrike">
+              <a:solidFill>
+                <a:srgbClr val="000000"/>
+              </a:solidFill>
               <a:latin typeface="Arial"/>
             </a:endParaRPr>
           </a:p>
@@ -3010,8 +3210,8 @@
         </p:nvSpPr>
         <p:spPr>
           <a:xfrm>
-            <a:off x="2419560" y="1604520"/>
-            <a:ext cx="1723680" cy="904320"/>
+            <a:off x="6231960" y="1604520"/>
+            <a:ext cx="5354280" cy="1896840"/>
           </a:xfrm>
           <a:prstGeom prst="rect">
             <a:avLst/>
@@ -3022,7 +3222,10 @@
             <a:normAutofit/>
           </a:bodyPr>
           <a:p>
-            <a:endParaRPr b="0" lang="en-US" sz="3200" spc="-1" strike="noStrike">
+            <a:endParaRPr b="0" lang="en-US" sz="1800" spc="-1" strike="noStrike">
+              <a:solidFill>
+                <a:srgbClr val="000000"/>
+              </a:solidFill>
               <a:latin typeface="Arial"/>
             </a:endParaRPr>
           </a:p>
@@ -3040,8 +3243,8 @@
         </p:nvSpPr>
         <p:spPr>
           <a:xfrm>
-            <a:off x="2419560" y="2595240"/>
-            <a:ext cx="1723680" cy="904320"/>
+            <a:off x="6231960" y="3682080"/>
+            <a:ext cx="5354280" cy="1896840"/>
           </a:xfrm>
           <a:prstGeom prst="rect">
             <a:avLst/>
@@ -3052,7 +3255,10 @@
             <a:normAutofit/>
           </a:bodyPr>
           <a:p>
-            <a:endParaRPr b="0" lang="en-US" sz="3200" spc="-1" strike="noStrike">
+            <a:endParaRPr b="0" lang="en-US" sz="1800" spc="-1" strike="noStrike">
+              <a:solidFill>
+                <a:srgbClr val="000000"/>
+              </a:solidFill>
               <a:latin typeface="Arial"/>
             </a:endParaRPr>
           </a:p>
@@ -3093,7 +3299,7 @@
         <p:spPr>
           <a:xfrm>
             <a:off x="609480" y="273600"/>
-            <a:ext cx="10972080" cy="1144440"/>
+            <a:ext cx="10972440" cy="1144800"/>
           </a:xfrm>
           <a:prstGeom prst="rect">
             <a:avLst/>
@@ -3102,8 +3308,10 @@
         <p:txBody>
           <a:bodyPr lIns="0" rIns="0" tIns="0" bIns="0" anchor="ctr"/>
           <a:p>
-            <a:pPr algn="ctr"/>
-            <a:endParaRPr b="0" lang="en-US" sz="4400" spc="-1" strike="noStrike">
+            <a:endParaRPr b="0" lang="en-US" sz="1800" spc="-1" strike="noStrike">
+              <a:solidFill>
+                <a:srgbClr val="000000"/>
+              </a:solidFill>
               <a:latin typeface="Arial"/>
             </a:endParaRPr>
           </a:p>
@@ -3122,7 +3330,7 @@
         <p:spPr>
           <a:xfrm>
             <a:off x="609480" y="1604520"/>
-            <a:ext cx="1723680" cy="904320"/>
+            <a:ext cx="5354280" cy="1896840"/>
           </a:xfrm>
           <a:prstGeom prst="rect">
             <a:avLst/>
@@ -3133,7 +3341,10 @@
             <a:normAutofit/>
           </a:bodyPr>
           <a:p>
-            <a:endParaRPr b="0" lang="en-US" sz="3200" spc="-1" strike="noStrike">
+            <a:endParaRPr b="0" lang="en-US" sz="1800" spc="-1" strike="noStrike">
+              <a:solidFill>
+                <a:srgbClr val="000000"/>
+              </a:solidFill>
               <a:latin typeface="Arial"/>
             </a:endParaRPr>
           </a:p>
@@ -3151,8 +3362,8 @@
         </p:nvSpPr>
         <p:spPr>
           <a:xfrm>
-            <a:off x="2419560" y="1604520"/>
-            <a:ext cx="1723680" cy="904320"/>
+            <a:off x="6231960" y="1604520"/>
+            <a:ext cx="5354280" cy="1896840"/>
           </a:xfrm>
           <a:prstGeom prst="rect">
             <a:avLst/>
@@ -3163,7 +3374,10 @@
             <a:normAutofit/>
           </a:bodyPr>
           <a:p>
-            <a:endParaRPr b="0" lang="en-US" sz="3200" spc="-1" strike="noStrike">
+            <a:endParaRPr b="0" lang="en-US" sz="1800" spc="-1" strike="noStrike">
+              <a:solidFill>
+                <a:srgbClr val="000000"/>
+              </a:solidFill>
               <a:latin typeface="Arial"/>
             </a:endParaRPr>
           </a:p>
@@ -3181,8 +3395,8 @@
         </p:nvSpPr>
         <p:spPr>
           <a:xfrm>
-            <a:off x="609480" y="2595240"/>
-            <a:ext cx="3532680" cy="904320"/>
+            <a:off x="609480" y="3682080"/>
+            <a:ext cx="10972440" cy="1896840"/>
           </a:xfrm>
           <a:prstGeom prst="rect">
             <a:avLst/>
@@ -3193,7 +3407,10 @@
             <a:normAutofit/>
           </a:bodyPr>
           <a:p>
-            <a:endParaRPr b="0" lang="en-US" sz="3200" spc="-1" strike="noStrike">
+            <a:endParaRPr b="0" lang="en-US" sz="1800" spc="-1" strike="noStrike">
+              <a:solidFill>
+                <a:srgbClr val="000000"/>
+              </a:solidFill>
               <a:latin typeface="Arial"/>
             </a:endParaRPr>
           </a:p>
@@ -3234,7 +3451,7 @@
         <p:spPr>
           <a:xfrm>
             <a:off x="609480" y="273600"/>
-            <a:ext cx="10972080" cy="1144440"/>
+            <a:ext cx="10972440" cy="1144800"/>
           </a:xfrm>
           <a:prstGeom prst="rect">
             <a:avLst/>
@@ -3243,8 +3460,10 @@
         <p:txBody>
           <a:bodyPr lIns="0" rIns="0" tIns="0" bIns="0" anchor="ctr"/>
           <a:p>
-            <a:pPr algn="ctr"/>
-            <a:endParaRPr b="0" lang="en-US" sz="4400" spc="-1" strike="noStrike">
+            <a:endParaRPr b="0" lang="en-US" sz="1800" spc="-1" strike="noStrike">
+              <a:solidFill>
+                <a:srgbClr val="000000"/>
+              </a:solidFill>
               <a:latin typeface="Arial"/>
             </a:endParaRPr>
           </a:p>
@@ -3263,7 +3482,7 @@
         <p:spPr>
           <a:xfrm>
             <a:off x="609480" y="1604520"/>
-            <a:ext cx="3532680" cy="904320"/>
+            <a:ext cx="10972440" cy="1896840"/>
           </a:xfrm>
           <a:prstGeom prst="rect">
             <a:avLst/>
@@ -3274,7 +3493,10 @@
             <a:normAutofit/>
           </a:bodyPr>
           <a:p>
-            <a:endParaRPr b="0" lang="en-US" sz="3200" spc="-1" strike="noStrike">
+            <a:endParaRPr b="0" lang="en-US" sz="1800" spc="-1" strike="noStrike">
+              <a:solidFill>
+                <a:srgbClr val="000000"/>
+              </a:solidFill>
               <a:latin typeface="Arial"/>
             </a:endParaRPr>
           </a:p>
@@ -3292,8 +3514,8 @@
         </p:nvSpPr>
         <p:spPr>
           <a:xfrm>
-            <a:off x="609480" y="2595240"/>
-            <a:ext cx="3532680" cy="904320"/>
+            <a:off x="609480" y="3682080"/>
+            <a:ext cx="10972440" cy="1896840"/>
           </a:xfrm>
           <a:prstGeom prst="rect">
             <a:avLst/>
@@ -3304,7 +3526,10 @@
             <a:normAutofit/>
           </a:bodyPr>
           <a:p>
-            <a:endParaRPr b="0" lang="en-US" sz="3200" spc="-1" strike="noStrike">
+            <a:endParaRPr b="0" lang="en-US" sz="1800" spc="-1" strike="noStrike">
+              <a:solidFill>
+                <a:srgbClr val="000000"/>
+              </a:solidFill>
               <a:latin typeface="Arial"/>
             </a:endParaRPr>
           </a:p>
@@ -3345,7 +3570,7 @@
         <p:spPr>
           <a:xfrm>
             <a:off x="609480" y="273600"/>
-            <a:ext cx="10972080" cy="1144440"/>
+            <a:ext cx="10972440" cy="1144800"/>
           </a:xfrm>
           <a:prstGeom prst="rect">
             <a:avLst/>
@@ -3354,8 +3579,10 @@
         <p:txBody>
           <a:bodyPr lIns="0" rIns="0" tIns="0" bIns="0" anchor="ctr"/>
           <a:p>
-            <a:pPr algn="ctr"/>
-            <a:endParaRPr b="0" lang="en-US" sz="4400" spc="-1" strike="noStrike">
+            <a:endParaRPr b="0" lang="en-US" sz="1800" spc="-1" strike="noStrike">
+              <a:solidFill>
+                <a:srgbClr val="000000"/>
+              </a:solidFill>
               <a:latin typeface="Arial"/>
             </a:endParaRPr>
           </a:p>
@@ -3374,7 +3601,7 @@
         <p:spPr>
           <a:xfrm>
             <a:off x="609480" y="1604520"/>
-            <a:ext cx="1723680" cy="904320"/>
+            <a:ext cx="5354280" cy="1896840"/>
           </a:xfrm>
           <a:prstGeom prst="rect">
             <a:avLst/>
@@ -3385,7 +3612,10 @@
             <a:normAutofit/>
           </a:bodyPr>
           <a:p>
-            <a:endParaRPr b="0" lang="en-US" sz="3200" spc="-1" strike="noStrike">
+            <a:endParaRPr b="0" lang="en-US" sz="1800" spc="-1" strike="noStrike">
+              <a:solidFill>
+                <a:srgbClr val="000000"/>
+              </a:solidFill>
               <a:latin typeface="Arial"/>
             </a:endParaRPr>
           </a:p>
@@ -3403,8 +3633,8 @@
         </p:nvSpPr>
         <p:spPr>
           <a:xfrm>
-            <a:off x="2419560" y="1604520"/>
-            <a:ext cx="1723680" cy="904320"/>
+            <a:off x="6231960" y="1604520"/>
+            <a:ext cx="5354280" cy="1896840"/>
           </a:xfrm>
           <a:prstGeom prst="rect">
             <a:avLst/>
@@ -3415,7 +3645,10 @@
             <a:normAutofit/>
           </a:bodyPr>
           <a:p>
-            <a:endParaRPr b="0" lang="en-US" sz="3200" spc="-1" strike="noStrike">
+            <a:endParaRPr b="0" lang="en-US" sz="1800" spc="-1" strike="noStrike">
+              <a:solidFill>
+                <a:srgbClr val="000000"/>
+              </a:solidFill>
               <a:latin typeface="Arial"/>
             </a:endParaRPr>
           </a:p>
@@ -3433,8 +3666,8 @@
         </p:nvSpPr>
         <p:spPr>
           <a:xfrm>
-            <a:off x="609480" y="2595240"/>
-            <a:ext cx="1723680" cy="904320"/>
+            <a:off x="609480" y="3682080"/>
+            <a:ext cx="5354280" cy="1896840"/>
           </a:xfrm>
           <a:prstGeom prst="rect">
             <a:avLst/>
@@ -3445,7 +3678,10 @@
             <a:normAutofit/>
           </a:bodyPr>
           <a:p>
-            <a:endParaRPr b="0" lang="en-US" sz="3200" spc="-1" strike="noStrike">
+            <a:endParaRPr b="0" lang="en-US" sz="1800" spc="-1" strike="noStrike">
+              <a:solidFill>
+                <a:srgbClr val="000000"/>
+              </a:solidFill>
               <a:latin typeface="Arial"/>
             </a:endParaRPr>
           </a:p>
@@ -3463,8 +3699,8 @@
         </p:nvSpPr>
         <p:spPr>
           <a:xfrm>
-            <a:off x="2419560" y="2595240"/>
-            <a:ext cx="1723680" cy="904320"/>
+            <a:off x="6231960" y="3682080"/>
+            <a:ext cx="5354280" cy="1896840"/>
           </a:xfrm>
           <a:prstGeom prst="rect">
             <a:avLst/>
@@ -3475,7 +3711,10 @@
             <a:normAutofit/>
           </a:bodyPr>
           <a:p>
-            <a:endParaRPr b="0" lang="en-US" sz="3200" spc="-1" strike="noStrike">
+            <a:endParaRPr b="0" lang="en-US" sz="1800" spc="-1" strike="noStrike">
+              <a:solidFill>
+                <a:srgbClr val="000000"/>
+              </a:solidFill>
               <a:latin typeface="Arial"/>
             </a:endParaRPr>
           </a:p>
@@ -3516,7 +3755,7 @@
         <p:spPr>
           <a:xfrm>
             <a:off x="609480" y="273600"/>
-            <a:ext cx="10972080" cy="1144440"/>
+            <a:ext cx="10972440" cy="1144800"/>
           </a:xfrm>
           <a:prstGeom prst="rect">
             <a:avLst/>
@@ -3525,8 +3764,10 @@
         <p:txBody>
           <a:bodyPr lIns="0" rIns="0" tIns="0" bIns="0" anchor="ctr"/>
           <a:p>
-            <a:pPr algn="ctr"/>
-            <a:endParaRPr b="0" lang="en-US" sz="4400" spc="-1" strike="noStrike">
+            <a:endParaRPr b="0" lang="en-US" sz="1800" spc="-1" strike="noStrike">
+              <a:solidFill>
+                <a:srgbClr val="000000"/>
+              </a:solidFill>
               <a:latin typeface="Arial"/>
             </a:endParaRPr>
           </a:p>
@@ -3545,7 +3786,7 @@
         <p:spPr>
           <a:xfrm>
             <a:off x="609480" y="1604520"/>
-            <a:ext cx="1137240" cy="904320"/>
+            <a:ext cx="3533040" cy="1896840"/>
           </a:xfrm>
           <a:prstGeom prst="rect">
             <a:avLst/>
@@ -3556,7 +3797,10 @@
             <a:normAutofit/>
           </a:bodyPr>
           <a:p>
-            <a:endParaRPr b="0" lang="en-US" sz="3200" spc="-1" strike="noStrike">
+            <a:endParaRPr b="0" lang="en-US" sz="1800" spc="-1" strike="noStrike">
+              <a:solidFill>
+                <a:srgbClr val="000000"/>
+              </a:solidFill>
               <a:latin typeface="Arial"/>
             </a:endParaRPr>
           </a:p>
@@ -3574,8 +3818,8 @@
         </p:nvSpPr>
         <p:spPr>
           <a:xfrm>
-            <a:off x="1803960" y="1604520"/>
-            <a:ext cx="1137240" cy="904320"/>
+            <a:off x="4319640" y="1604520"/>
+            <a:ext cx="3533040" cy="1896840"/>
           </a:xfrm>
           <a:prstGeom prst="rect">
             <a:avLst/>
@@ -3586,7 +3830,10 @@
             <a:normAutofit/>
           </a:bodyPr>
           <a:p>
-            <a:endParaRPr b="0" lang="en-US" sz="3200" spc="-1" strike="noStrike">
+            <a:endParaRPr b="0" lang="en-US" sz="1800" spc="-1" strike="noStrike">
+              <a:solidFill>
+                <a:srgbClr val="000000"/>
+              </a:solidFill>
               <a:latin typeface="Arial"/>
             </a:endParaRPr>
           </a:p>
@@ -3604,8 +3851,8 @@
         </p:nvSpPr>
         <p:spPr>
           <a:xfrm>
-            <a:off x="2998440" y="1604520"/>
-            <a:ext cx="1137240" cy="904320"/>
+            <a:off x="8029800" y="1604520"/>
+            <a:ext cx="3533040" cy="1896840"/>
           </a:xfrm>
           <a:prstGeom prst="rect">
             <a:avLst/>
@@ -3616,7 +3863,10 @@
             <a:normAutofit/>
           </a:bodyPr>
           <a:p>
-            <a:endParaRPr b="0" lang="en-US" sz="3200" spc="-1" strike="noStrike">
+            <a:endParaRPr b="0" lang="en-US" sz="1800" spc="-1" strike="noStrike">
+              <a:solidFill>
+                <a:srgbClr val="000000"/>
+              </a:solidFill>
               <a:latin typeface="Arial"/>
             </a:endParaRPr>
           </a:p>
@@ -3634,8 +3884,8 @@
         </p:nvSpPr>
         <p:spPr>
           <a:xfrm>
-            <a:off x="609480" y="2595240"/>
-            <a:ext cx="1137240" cy="904320"/>
+            <a:off x="609480" y="3682080"/>
+            <a:ext cx="3533040" cy="1896840"/>
           </a:xfrm>
           <a:prstGeom prst="rect">
             <a:avLst/>
@@ -3646,7 +3896,10 @@
             <a:normAutofit/>
           </a:bodyPr>
           <a:p>
-            <a:endParaRPr b="0" lang="en-US" sz="3200" spc="-1" strike="noStrike">
+            <a:endParaRPr b="0" lang="en-US" sz="1800" spc="-1" strike="noStrike">
+              <a:solidFill>
+                <a:srgbClr val="000000"/>
+              </a:solidFill>
               <a:latin typeface="Arial"/>
             </a:endParaRPr>
           </a:p>
@@ -3664,8 +3917,8 @@
         </p:nvSpPr>
         <p:spPr>
           <a:xfrm>
-            <a:off x="1803960" y="2595240"/>
-            <a:ext cx="1137240" cy="904320"/>
+            <a:off x="4319640" y="3682080"/>
+            <a:ext cx="3533040" cy="1896840"/>
           </a:xfrm>
           <a:prstGeom prst="rect">
             <a:avLst/>
@@ -3676,7 +3929,10 @@
             <a:normAutofit/>
           </a:bodyPr>
           <a:p>
-            <a:endParaRPr b="0" lang="en-US" sz="3200" spc="-1" strike="noStrike">
+            <a:endParaRPr b="0" lang="en-US" sz="1800" spc="-1" strike="noStrike">
+              <a:solidFill>
+                <a:srgbClr val="000000"/>
+              </a:solidFill>
               <a:latin typeface="Arial"/>
             </a:endParaRPr>
           </a:p>
@@ -3694,8 +3950,8 @@
         </p:nvSpPr>
         <p:spPr>
           <a:xfrm>
-            <a:off x="2998440" y="2595240"/>
-            <a:ext cx="1137240" cy="904320"/>
+            <a:off x="8029800" y="3682080"/>
+            <a:ext cx="3533040" cy="1896840"/>
           </a:xfrm>
           <a:prstGeom prst="rect">
             <a:avLst/>
@@ -3706,190 +3962,10 @@
             <a:normAutofit/>
           </a:bodyPr>
           <a:p>
-            <a:endParaRPr b="0" lang="en-US" sz="3200" spc="-1" strike="noStrike">
-              <a:latin typeface="Arial"/>
-            </a:endParaRPr>
-          </a:p>
-        </p:txBody>
-      </p:sp>
-    </p:spTree>
-  </p:cSld>
-</p:sldLayout>
-</file>
-
-<file path=ppt/slideLayouts/slideLayout37.xml><?xml version="1.0" encoding="utf-8"?>
-<p:sldLayout xmlns:a="http://schemas.openxmlformats.org/drawingml/2006/main" xmlns:p="http://schemas.openxmlformats.org/presentationml/2006/main" xmlns:r="http://schemas.openxmlformats.org/officeDocument/2006/relationships" xmlns:p14="http://schemas.microsoft.com/office/powerpoint/2010/main" xmlns:p15="http://schemas.microsoft.com/office/powerpoint/2012/main" xmlns:mc="http://schemas.openxmlformats.org/markup-compatibility/2006" type="blank" preserve="1">
-  <p:cSld name="Blank Slide">
-    <p:spTree>
-      <p:nvGrpSpPr>
-        <p:cNvPr id="1" name=""/>
-        <p:cNvGrpSpPr/>
-        <p:nvPr/>
-      </p:nvGrpSpPr>
-      <p:grpSpPr>
-        <a:xfrm>
-          <a:off x="0" y="0"/>
-          <a:ext cx="0" cy="0"/>
-          <a:chOff x="0" y="0"/>
-          <a:chExt cx="0" cy="0"/>
-        </a:xfrm>
-      </p:grpSpPr>
-    </p:spTree>
-  </p:cSld>
-</p:sldLayout>
-</file>
-
-<file path=ppt/slideLayouts/slideLayout38.xml><?xml version="1.0" encoding="utf-8"?>
-<p:sldLayout xmlns:a="http://schemas.openxmlformats.org/drawingml/2006/main" xmlns:p="http://schemas.openxmlformats.org/presentationml/2006/main" xmlns:r="http://schemas.openxmlformats.org/officeDocument/2006/relationships" xmlns:p14="http://schemas.microsoft.com/office/powerpoint/2010/main" xmlns:p15="http://schemas.microsoft.com/office/powerpoint/2012/main" xmlns:mc="http://schemas.openxmlformats.org/markup-compatibility/2006" type="tx" preserve="1">
-  <p:cSld name="Title Slide">
-    <p:spTree>
-      <p:nvGrpSpPr>
-        <p:cNvPr id="1" name=""/>
-        <p:cNvGrpSpPr/>
-        <p:nvPr/>
-      </p:nvGrpSpPr>
-      <p:grpSpPr>
-        <a:xfrm>
-          <a:off x="0" y="0"/>
-          <a:ext cx="0" cy="0"/>
-          <a:chOff x="0" y="0"/>
-          <a:chExt cx="0" cy="0"/>
-        </a:xfrm>
-      </p:grpSpPr>
-      <p:sp>
-        <p:nvSpPr>
-          <p:cNvPr id="135" name="PlaceHolder 1"/>
-          <p:cNvSpPr>
-            <a:spLocks noGrp="1"/>
-          </p:cNvSpPr>
-          <p:nvPr>
-            <p:ph type="title"/>
-          </p:nvPr>
-        </p:nvSpPr>
-        <p:spPr>
-          <a:xfrm>
-            <a:off x="609480" y="273600"/>
-            <a:ext cx="10972080" cy="1144440"/>
-          </a:xfrm>
-          <a:prstGeom prst="rect">
-            <a:avLst/>
-          </a:prstGeom>
-        </p:spPr>
-        <p:txBody>
-          <a:bodyPr lIns="0" rIns="0" tIns="0" bIns="0" anchor="ctr"/>
-          <a:p>
-            <a:pPr algn="ctr"/>
-            <a:endParaRPr b="0" lang="en-US" sz="4400" spc="-1" strike="noStrike">
-              <a:latin typeface="Arial"/>
-            </a:endParaRPr>
-          </a:p>
-        </p:txBody>
-      </p:sp>
-      <p:sp>
-        <p:nvSpPr>
-          <p:cNvPr id="136" name="PlaceHolder 2"/>
-          <p:cNvSpPr>
-            <a:spLocks noGrp="1"/>
-          </p:cNvSpPr>
-          <p:nvPr>
-            <p:ph type="subTitle"/>
-          </p:nvPr>
-        </p:nvSpPr>
-        <p:spPr>
-          <a:xfrm>
-            <a:off x="609480" y="1604520"/>
-            <a:ext cx="3532680" cy="1896480"/>
-          </a:xfrm>
-          <a:prstGeom prst="rect">
-            <a:avLst/>
-          </a:prstGeom>
-        </p:spPr>
-        <p:txBody>
-          <a:bodyPr lIns="0" rIns="0" tIns="0" bIns="0" anchor="ctr"/>
-          <a:p>
-            <a:pPr algn="ctr"/>
-            <a:endParaRPr b="0" lang="en-US" sz="3200" spc="-1" strike="noStrike">
-              <a:latin typeface="Arial"/>
-            </a:endParaRPr>
-          </a:p>
-        </p:txBody>
-      </p:sp>
-    </p:spTree>
-  </p:cSld>
-</p:sldLayout>
-</file>
-
-<file path=ppt/slideLayouts/slideLayout39.xml><?xml version="1.0" encoding="utf-8"?>
-<p:sldLayout xmlns:a="http://schemas.openxmlformats.org/drawingml/2006/main" xmlns:p="http://schemas.openxmlformats.org/presentationml/2006/main" xmlns:r="http://schemas.openxmlformats.org/officeDocument/2006/relationships" xmlns:p14="http://schemas.microsoft.com/office/powerpoint/2010/main" xmlns:p15="http://schemas.microsoft.com/office/powerpoint/2012/main" xmlns:mc="http://schemas.openxmlformats.org/markup-compatibility/2006" type="obj" preserve="1">
-  <p:cSld name="Title, Content">
-    <p:spTree>
-      <p:nvGrpSpPr>
-        <p:cNvPr id="1" name=""/>
-        <p:cNvGrpSpPr/>
-        <p:nvPr/>
-      </p:nvGrpSpPr>
-      <p:grpSpPr>
-        <a:xfrm>
-          <a:off x="0" y="0"/>
-          <a:ext cx="0" cy="0"/>
-          <a:chOff x="0" y="0"/>
-          <a:chExt cx="0" cy="0"/>
-        </a:xfrm>
-      </p:grpSpPr>
-      <p:sp>
-        <p:nvSpPr>
-          <p:cNvPr id="137" name="PlaceHolder 1"/>
-          <p:cNvSpPr>
-            <a:spLocks noGrp="1"/>
-          </p:cNvSpPr>
-          <p:nvPr>
-            <p:ph type="title"/>
-          </p:nvPr>
-        </p:nvSpPr>
-        <p:spPr>
-          <a:xfrm>
-            <a:off x="609480" y="273600"/>
-            <a:ext cx="10972080" cy="1144440"/>
-          </a:xfrm>
-          <a:prstGeom prst="rect">
-            <a:avLst/>
-          </a:prstGeom>
-        </p:spPr>
-        <p:txBody>
-          <a:bodyPr lIns="0" rIns="0" tIns="0" bIns="0" anchor="ctr"/>
-          <a:p>
-            <a:pPr algn="ctr"/>
-            <a:endParaRPr b="0" lang="en-US" sz="4400" spc="-1" strike="noStrike">
-              <a:latin typeface="Arial"/>
-            </a:endParaRPr>
-          </a:p>
-        </p:txBody>
-      </p:sp>
-      <p:sp>
-        <p:nvSpPr>
-          <p:cNvPr id="138" name="PlaceHolder 2"/>
-          <p:cNvSpPr>
-            <a:spLocks noGrp="1"/>
-          </p:cNvSpPr>
-          <p:nvPr>
-            <p:ph type="body"/>
-          </p:nvPr>
-        </p:nvSpPr>
-        <p:spPr>
-          <a:xfrm>
-            <a:off x="609480" y="1604520"/>
-            <a:ext cx="3532680" cy="1896480"/>
-          </a:xfrm>
-          <a:prstGeom prst="rect">
-            <a:avLst/>
-          </a:prstGeom>
-        </p:spPr>
-        <p:txBody>
-          <a:bodyPr lIns="0" rIns="0" tIns="0" bIns="0">
-            <a:normAutofit/>
-          </a:bodyPr>
-          <a:p>
-            <a:endParaRPr b="0" lang="en-US" sz="3200" spc="-1" strike="noStrike">
+            <a:endParaRPr b="0" lang="en-US" sz="1800" spc="-1" strike="noStrike">
+              <a:solidFill>
+                <a:srgbClr val="000000"/>
+              </a:solidFill>
               <a:latin typeface="Arial"/>
             </a:endParaRPr>
           </a:p>
@@ -3930,7 +4006,7 @@
         <p:spPr>
           <a:xfrm>
             <a:off x="609480" y="273600"/>
-            <a:ext cx="10972080" cy="1144440"/>
+            <a:ext cx="10972440" cy="1144800"/>
           </a:xfrm>
           <a:prstGeom prst="rect">
             <a:avLst/>
@@ -3939,8 +4015,10 @@
         <p:txBody>
           <a:bodyPr lIns="0" rIns="0" tIns="0" bIns="0" anchor="ctr"/>
           <a:p>
-            <a:pPr algn="ctr"/>
-            <a:endParaRPr b="0" lang="en-US" sz="4400" spc="-1" strike="noStrike">
+            <a:endParaRPr b="0" lang="en-US" sz="1800" spc="-1" strike="noStrike">
+              <a:solidFill>
+                <a:srgbClr val="000000"/>
+              </a:solidFill>
               <a:latin typeface="Arial"/>
             </a:endParaRPr>
           </a:p>
@@ -3959,7 +4037,7 @@
         <p:spPr>
           <a:xfrm>
             <a:off x="609480" y="1604520"/>
-            <a:ext cx="1723680" cy="1896480"/>
+            <a:ext cx="5354280" cy="3977280"/>
           </a:xfrm>
           <a:prstGeom prst="rect">
             <a:avLst/>
@@ -3970,7 +4048,10 @@
             <a:normAutofit/>
           </a:bodyPr>
           <a:p>
-            <a:endParaRPr b="0" lang="en-US" sz="3200" spc="-1" strike="noStrike">
+            <a:endParaRPr b="0" lang="en-US" sz="1800" spc="-1" strike="noStrike">
+              <a:solidFill>
+                <a:srgbClr val="000000"/>
+              </a:solidFill>
               <a:latin typeface="Arial"/>
             </a:endParaRPr>
           </a:p>
@@ -3988,8 +4069,8 @@
         </p:nvSpPr>
         <p:spPr>
           <a:xfrm>
-            <a:off x="2419560" y="1604520"/>
-            <a:ext cx="1723680" cy="1896480"/>
+            <a:off x="6231960" y="1604520"/>
+            <a:ext cx="5354280" cy="3977280"/>
           </a:xfrm>
           <a:prstGeom prst="rect">
             <a:avLst/>
@@ -4000,1156 +4081,10 @@
             <a:normAutofit/>
           </a:bodyPr>
           <a:p>
-            <a:endParaRPr b="0" lang="en-US" sz="3200" spc="-1" strike="noStrike">
-              <a:latin typeface="Arial"/>
-            </a:endParaRPr>
-          </a:p>
-        </p:txBody>
-      </p:sp>
-    </p:spTree>
-  </p:cSld>
-</p:sldLayout>
-</file>
-
-<file path=ppt/slideLayouts/slideLayout40.xml><?xml version="1.0" encoding="utf-8"?>
-<p:sldLayout xmlns:a="http://schemas.openxmlformats.org/drawingml/2006/main" xmlns:p="http://schemas.openxmlformats.org/presentationml/2006/main" xmlns:r="http://schemas.openxmlformats.org/officeDocument/2006/relationships" xmlns:p14="http://schemas.microsoft.com/office/powerpoint/2010/main" xmlns:p15="http://schemas.microsoft.com/office/powerpoint/2012/main" xmlns:mc="http://schemas.openxmlformats.org/markup-compatibility/2006" type="twoObj" preserve="1">
-  <p:cSld name="Title, 2 Content">
-    <p:spTree>
-      <p:nvGrpSpPr>
-        <p:cNvPr id="1" name=""/>
-        <p:cNvGrpSpPr/>
-        <p:nvPr/>
-      </p:nvGrpSpPr>
-      <p:grpSpPr>
-        <a:xfrm>
-          <a:off x="0" y="0"/>
-          <a:ext cx="0" cy="0"/>
-          <a:chOff x="0" y="0"/>
-          <a:chExt cx="0" cy="0"/>
-        </a:xfrm>
-      </p:grpSpPr>
-      <p:sp>
-        <p:nvSpPr>
-          <p:cNvPr id="139" name="PlaceHolder 1"/>
-          <p:cNvSpPr>
-            <a:spLocks noGrp="1"/>
-          </p:cNvSpPr>
-          <p:nvPr>
-            <p:ph type="title"/>
-          </p:nvPr>
-        </p:nvSpPr>
-        <p:spPr>
-          <a:xfrm>
-            <a:off x="609480" y="273600"/>
-            <a:ext cx="10972080" cy="1144440"/>
-          </a:xfrm>
-          <a:prstGeom prst="rect">
-            <a:avLst/>
-          </a:prstGeom>
-        </p:spPr>
-        <p:txBody>
-          <a:bodyPr lIns="0" rIns="0" tIns="0" bIns="0" anchor="ctr"/>
-          <a:p>
-            <a:pPr algn="ctr"/>
-            <a:endParaRPr b="0" lang="en-US" sz="4400" spc="-1" strike="noStrike">
-              <a:latin typeface="Arial"/>
-            </a:endParaRPr>
-          </a:p>
-        </p:txBody>
-      </p:sp>
-      <p:sp>
-        <p:nvSpPr>
-          <p:cNvPr id="140" name="PlaceHolder 2"/>
-          <p:cNvSpPr>
-            <a:spLocks noGrp="1"/>
-          </p:cNvSpPr>
-          <p:nvPr>
-            <p:ph type="body"/>
-          </p:nvPr>
-        </p:nvSpPr>
-        <p:spPr>
-          <a:xfrm>
-            <a:off x="609480" y="1604520"/>
-            <a:ext cx="1723680" cy="1896480"/>
-          </a:xfrm>
-          <a:prstGeom prst="rect">
-            <a:avLst/>
-          </a:prstGeom>
-        </p:spPr>
-        <p:txBody>
-          <a:bodyPr lIns="0" rIns="0" tIns="0" bIns="0">
-            <a:normAutofit/>
-          </a:bodyPr>
-          <a:p>
-            <a:endParaRPr b="0" lang="en-US" sz="3200" spc="-1" strike="noStrike">
-              <a:latin typeface="Arial"/>
-            </a:endParaRPr>
-          </a:p>
-        </p:txBody>
-      </p:sp>
-      <p:sp>
-        <p:nvSpPr>
-          <p:cNvPr id="141" name="PlaceHolder 3"/>
-          <p:cNvSpPr>
-            <a:spLocks noGrp="1"/>
-          </p:cNvSpPr>
-          <p:nvPr>
-            <p:ph type="body"/>
-          </p:nvPr>
-        </p:nvSpPr>
-        <p:spPr>
-          <a:xfrm>
-            <a:off x="2419560" y="1604520"/>
-            <a:ext cx="1723680" cy="1896480"/>
-          </a:xfrm>
-          <a:prstGeom prst="rect">
-            <a:avLst/>
-          </a:prstGeom>
-        </p:spPr>
-        <p:txBody>
-          <a:bodyPr lIns="0" rIns="0" tIns="0" bIns="0">
-            <a:normAutofit/>
-          </a:bodyPr>
-          <a:p>
-            <a:endParaRPr b="0" lang="en-US" sz="3200" spc="-1" strike="noStrike">
-              <a:latin typeface="Arial"/>
-            </a:endParaRPr>
-          </a:p>
-        </p:txBody>
-      </p:sp>
-    </p:spTree>
-  </p:cSld>
-</p:sldLayout>
-</file>
-
-<file path=ppt/slideLayouts/slideLayout41.xml><?xml version="1.0" encoding="utf-8"?>
-<p:sldLayout xmlns:a="http://schemas.openxmlformats.org/drawingml/2006/main" xmlns:p="http://schemas.openxmlformats.org/presentationml/2006/main" xmlns:r="http://schemas.openxmlformats.org/officeDocument/2006/relationships" xmlns:p14="http://schemas.microsoft.com/office/powerpoint/2010/main" xmlns:p15="http://schemas.microsoft.com/office/powerpoint/2012/main" xmlns:mc="http://schemas.openxmlformats.org/markup-compatibility/2006" type="titleOnly" preserve="1">
-  <p:cSld name="Title Only">
-    <p:spTree>
-      <p:nvGrpSpPr>
-        <p:cNvPr id="1" name=""/>
-        <p:cNvGrpSpPr/>
-        <p:nvPr/>
-      </p:nvGrpSpPr>
-      <p:grpSpPr>
-        <a:xfrm>
-          <a:off x="0" y="0"/>
-          <a:ext cx="0" cy="0"/>
-          <a:chOff x="0" y="0"/>
-          <a:chExt cx="0" cy="0"/>
-        </a:xfrm>
-      </p:grpSpPr>
-      <p:sp>
-        <p:nvSpPr>
-          <p:cNvPr id="142" name="PlaceHolder 1"/>
-          <p:cNvSpPr>
-            <a:spLocks noGrp="1"/>
-          </p:cNvSpPr>
-          <p:nvPr>
-            <p:ph type="title"/>
-          </p:nvPr>
-        </p:nvSpPr>
-        <p:spPr>
-          <a:xfrm>
-            <a:off x="609480" y="273600"/>
-            <a:ext cx="10972080" cy="1144440"/>
-          </a:xfrm>
-          <a:prstGeom prst="rect">
-            <a:avLst/>
-          </a:prstGeom>
-        </p:spPr>
-        <p:txBody>
-          <a:bodyPr lIns="0" rIns="0" tIns="0" bIns="0" anchor="ctr"/>
-          <a:p>
-            <a:pPr algn="ctr"/>
-            <a:endParaRPr b="0" lang="en-US" sz="4400" spc="-1" strike="noStrike">
-              <a:latin typeface="Arial"/>
-            </a:endParaRPr>
-          </a:p>
-        </p:txBody>
-      </p:sp>
-    </p:spTree>
-  </p:cSld>
-</p:sldLayout>
-</file>
-
-<file path=ppt/slideLayouts/slideLayout42.xml><?xml version="1.0" encoding="utf-8"?>
-<p:sldLayout xmlns:a="http://schemas.openxmlformats.org/drawingml/2006/main" xmlns:p="http://schemas.openxmlformats.org/presentationml/2006/main" xmlns:r="http://schemas.openxmlformats.org/officeDocument/2006/relationships" xmlns:p14="http://schemas.microsoft.com/office/powerpoint/2010/main" xmlns:p15="http://schemas.microsoft.com/office/powerpoint/2012/main" xmlns:mc="http://schemas.openxmlformats.org/markup-compatibility/2006" type="objOnly" preserve="1">
-  <p:cSld name="Centered Text">
-    <p:spTree>
-      <p:nvGrpSpPr>
-        <p:cNvPr id="1" name=""/>
-        <p:cNvGrpSpPr/>
-        <p:nvPr/>
-      </p:nvGrpSpPr>
-      <p:grpSpPr>
-        <a:xfrm>
-          <a:off x="0" y="0"/>
-          <a:ext cx="0" cy="0"/>
-          <a:chOff x="0" y="0"/>
-          <a:chExt cx="0" cy="0"/>
-        </a:xfrm>
-      </p:grpSpPr>
-      <p:sp>
-        <p:nvSpPr>
-          <p:cNvPr id="143" name="PlaceHolder 1"/>
-          <p:cNvSpPr>
-            <a:spLocks noGrp="1"/>
-          </p:cNvSpPr>
-          <p:nvPr>
-            <p:ph type="subTitle"/>
-          </p:nvPr>
-        </p:nvSpPr>
-        <p:spPr>
-          <a:xfrm>
-            <a:off x="609480" y="273600"/>
-            <a:ext cx="10972080" cy="5306400"/>
-          </a:xfrm>
-          <a:prstGeom prst="rect">
-            <a:avLst/>
-          </a:prstGeom>
-        </p:spPr>
-        <p:txBody>
-          <a:bodyPr lIns="0" rIns="0" tIns="0" bIns="0" anchor="ctr"/>
-          <a:p>
-            <a:pPr algn="ctr"/>
-            <a:endParaRPr b="0" lang="en-US" sz="3200" spc="-1" strike="noStrike">
-              <a:latin typeface="Arial"/>
-            </a:endParaRPr>
-          </a:p>
-        </p:txBody>
-      </p:sp>
-    </p:spTree>
-  </p:cSld>
-</p:sldLayout>
-</file>
-
-<file path=ppt/slideLayouts/slideLayout43.xml><?xml version="1.0" encoding="utf-8"?>
-<p:sldLayout xmlns:a="http://schemas.openxmlformats.org/drawingml/2006/main" xmlns:p="http://schemas.openxmlformats.org/presentationml/2006/main" xmlns:r="http://schemas.openxmlformats.org/officeDocument/2006/relationships" xmlns:p14="http://schemas.microsoft.com/office/powerpoint/2010/main" xmlns:p15="http://schemas.microsoft.com/office/powerpoint/2012/main" xmlns:mc="http://schemas.openxmlformats.org/markup-compatibility/2006" type="twoObjAndObj" preserve="1">
-  <p:cSld name="Title, 2 Content and Content">
-    <p:spTree>
-      <p:nvGrpSpPr>
-        <p:cNvPr id="1" name=""/>
-        <p:cNvGrpSpPr/>
-        <p:nvPr/>
-      </p:nvGrpSpPr>
-      <p:grpSpPr>
-        <a:xfrm>
-          <a:off x="0" y="0"/>
-          <a:ext cx="0" cy="0"/>
-          <a:chOff x="0" y="0"/>
-          <a:chExt cx="0" cy="0"/>
-        </a:xfrm>
-      </p:grpSpPr>
-      <p:sp>
-        <p:nvSpPr>
-          <p:cNvPr id="144" name="PlaceHolder 1"/>
-          <p:cNvSpPr>
-            <a:spLocks noGrp="1"/>
-          </p:cNvSpPr>
-          <p:nvPr>
-            <p:ph type="title"/>
-          </p:nvPr>
-        </p:nvSpPr>
-        <p:spPr>
-          <a:xfrm>
-            <a:off x="609480" y="273600"/>
-            <a:ext cx="10972080" cy="1144440"/>
-          </a:xfrm>
-          <a:prstGeom prst="rect">
-            <a:avLst/>
-          </a:prstGeom>
-        </p:spPr>
-        <p:txBody>
-          <a:bodyPr lIns="0" rIns="0" tIns="0" bIns="0" anchor="ctr"/>
-          <a:p>
-            <a:pPr algn="ctr"/>
-            <a:endParaRPr b="0" lang="en-US" sz="4400" spc="-1" strike="noStrike">
-              <a:latin typeface="Arial"/>
-            </a:endParaRPr>
-          </a:p>
-        </p:txBody>
-      </p:sp>
-      <p:sp>
-        <p:nvSpPr>
-          <p:cNvPr id="145" name="PlaceHolder 2"/>
-          <p:cNvSpPr>
-            <a:spLocks noGrp="1"/>
-          </p:cNvSpPr>
-          <p:nvPr>
-            <p:ph type="body"/>
-          </p:nvPr>
-        </p:nvSpPr>
-        <p:spPr>
-          <a:xfrm>
-            <a:off x="609480" y="1604520"/>
-            <a:ext cx="1723680" cy="904320"/>
-          </a:xfrm>
-          <a:prstGeom prst="rect">
-            <a:avLst/>
-          </a:prstGeom>
-        </p:spPr>
-        <p:txBody>
-          <a:bodyPr lIns="0" rIns="0" tIns="0" bIns="0">
-            <a:normAutofit/>
-          </a:bodyPr>
-          <a:p>
-            <a:endParaRPr b="0" lang="en-US" sz="3200" spc="-1" strike="noStrike">
-              <a:latin typeface="Arial"/>
-            </a:endParaRPr>
-          </a:p>
-        </p:txBody>
-      </p:sp>
-      <p:sp>
-        <p:nvSpPr>
-          <p:cNvPr id="146" name="PlaceHolder 3"/>
-          <p:cNvSpPr>
-            <a:spLocks noGrp="1"/>
-          </p:cNvSpPr>
-          <p:nvPr>
-            <p:ph type="body"/>
-          </p:nvPr>
-        </p:nvSpPr>
-        <p:spPr>
-          <a:xfrm>
-            <a:off x="2419560" y="1604520"/>
-            <a:ext cx="1723680" cy="1896480"/>
-          </a:xfrm>
-          <a:prstGeom prst="rect">
-            <a:avLst/>
-          </a:prstGeom>
-        </p:spPr>
-        <p:txBody>
-          <a:bodyPr lIns="0" rIns="0" tIns="0" bIns="0">
-            <a:normAutofit/>
-          </a:bodyPr>
-          <a:p>
-            <a:endParaRPr b="0" lang="en-US" sz="3200" spc="-1" strike="noStrike">
-              <a:latin typeface="Arial"/>
-            </a:endParaRPr>
-          </a:p>
-        </p:txBody>
-      </p:sp>
-      <p:sp>
-        <p:nvSpPr>
-          <p:cNvPr id="147" name="PlaceHolder 4"/>
-          <p:cNvSpPr>
-            <a:spLocks noGrp="1"/>
-          </p:cNvSpPr>
-          <p:nvPr>
-            <p:ph type="body"/>
-          </p:nvPr>
-        </p:nvSpPr>
-        <p:spPr>
-          <a:xfrm>
-            <a:off x="609480" y="2595240"/>
-            <a:ext cx="1723680" cy="904320"/>
-          </a:xfrm>
-          <a:prstGeom prst="rect">
-            <a:avLst/>
-          </a:prstGeom>
-        </p:spPr>
-        <p:txBody>
-          <a:bodyPr lIns="0" rIns="0" tIns="0" bIns="0">
-            <a:normAutofit/>
-          </a:bodyPr>
-          <a:p>
-            <a:endParaRPr b="0" lang="en-US" sz="3200" spc="-1" strike="noStrike">
-              <a:latin typeface="Arial"/>
-            </a:endParaRPr>
-          </a:p>
-        </p:txBody>
-      </p:sp>
-    </p:spTree>
-  </p:cSld>
-</p:sldLayout>
-</file>
-
-<file path=ppt/slideLayouts/slideLayout44.xml><?xml version="1.0" encoding="utf-8"?>
-<p:sldLayout xmlns:a="http://schemas.openxmlformats.org/drawingml/2006/main" xmlns:p="http://schemas.openxmlformats.org/presentationml/2006/main" xmlns:r="http://schemas.openxmlformats.org/officeDocument/2006/relationships" xmlns:p14="http://schemas.microsoft.com/office/powerpoint/2010/main" xmlns:p15="http://schemas.microsoft.com/office/powerpoint/2012/main" xmlns:mc="http://schemas.openxmlformats.org/markup-compatibility/2006" type="objAndTwoObj" preserve="1">
-  <p:cSld name="Title Content and 2 Content">
-    <p:spTree>
-      <p:nvGrpSpPr>
-        <p:cNvPr id="1" name=""/>
-        <p:cNvGrpSpPr/>
-        <p:nvPr/>
-      </p:nvGrpSpPr>
-      <p:grpSpPr>
-        <a:xfrm>
-          <a:off x="0" y="0"/>
-          <a:ext cx="0" cy="0"/>
-          <a:chOff x="0" y="0"/>
-          <a:chExt cx="0" cy="0"/>
-        </a:xfrm>
-      </p:grpSpPr>
-      <p:sp>
-        <p:nvSpPr>
-          <p:cNvPr id="148" name="PlaceHolder 1"/>
-          <p:cNvSpPr>
-            <a:spLocks noGrp="1"/>
-          </p:cNvSpPr>
-          <p:nvPr>
-            <p:ph type="title"/>
-          </p:nvPr>
-        </p:nvSpPr>
-        <p:spPr>
-          <a:xfrm>
-            <a:off x="609480" y="273600"/>
-            <a:ext cx="10972080" cy="1144440"/>
-          </a:xfrm>
-          <a:prstGeom prst="rect">
-            <a:avLst/>
-          </a:prstGeom>
-        </p:spPr>
-        <p:txBody>
-          <a:bodyPr lIns="0" rIns="0" tIns="0" bIns="0" anchor="ctr"/>
-          <a:p>
-            <a:pPr algn="ctr"/>
-            <a:endParaRPr b="0" lang="en-US" sz="4400" spc="-1" strike="noStrike">
-              <a:latin typeface="Arial"/>
-            </a:endParaRPr>
-          </a:p>
-        </p:txBody>
-      </p:sp>
-      <p:sp>
-        <p:nvSpPr>
-          <p:cNvPr id="149" name="PlaceHolder 2"/>
-          <p:cNvSpPr>
-            <a:spLocks noGrp="1"/>
-          </p:cNvSpPr>
-          <p:nvPr>
-            <p:ph type="body"/>
-          </p:nvPr>
-        </p:nvSpPr>
-        <p:spPr>
-          <a:xfrm>
-            <a:off x="609480" y="1604520"/>
-            <a:ext cx="1723680" cy="1896480"/>
-          </a:xfrm>
-          <a:prstGeom prst="rect">
-            <a:avLst/>
-          </a:prstGeom>
-        </p:spPr>
-        <p:txBody>
-          <a:bodyPr lIns="0" rIns="0" tIns="0" bIns="0">
-            <a:normAutofit/>
-          </a:bodyPr>
-          <a:p>
-            <a:endParaRPr b="0" lang="en-US" sz="3200" spc="-1" strike="noStrike">
-              <a:latin typeface="Arial"/>
-            </a:endParaRPr>
-          </a:p>
-        </p:txBody>
-      </p:sp>
-      <p:sp>
-        <p:nvSpPr>
-          <p:cNvPr id="150" name="PlaceHolder 3"/>
-          <p:cNvSpPr>
-            <a:spLocks noGrp="1"/>
-          </p:cNvSpPr>
-          <p:nvPr>
-            <p:ph type="body"/>
-          </p:nvPr>
-        </p:nvSpPr>
-        <p:spPr>
-          <a:xfrm>
-            <a:off x="2419560" y="1604520"/>
-            <a:ext cx="1723680" cy="904320"/>
-          </a:xfrm>
-          <a:prstGeom prst="rect">
-            <a:avLst/>
-          </a:prstGeom>
-        </p:spPr>
-        <p:txBody>
-          <a:bodyPr lIns="0" rIns="0" tIns="0" bIns="0">
-            <a:normAutofit/>
-          </a:bodyPr>
-          <a:p>
-            <a:endParaRPr b="0" lang="en-US" sz="3200" spc="-1" strike="noStrike">
-              <a:latin typeface="Arial"/>
-            </a:endParaRPr>
-          </a:p>
-        </p:txBody>
-      </p:sp>
-      <p:sp>
-        <p:nvSpPr>
-          <p:cNvPr id="151" name="PlaceHolder 4"/>
-          <p:cNvSpPr>
-            <a:spLocks noGrp="1"/>
-          </p:cNvSpPr>
-          <p:nvPr>
-            <p:ph type="body"/>
-          </p:nvPr>
-        </p:nvSpPr>
-        <p:spPr>
-          <a:xfrm>
-            <a:off x="2419560" y="2595240"/>
-            <a:ext cx="1723680" cy="904320"/>
-          </a:xfrm>
-          <a:prstGeom prst="rect">
-            <a:avLst/>
-          </a:prstGeom>
-        </p:spPr>
-        <p:txBody>
-          <a:bodyPr lIns="0" rIns="0" tIns="0" bIns="0">
-            <a:normAutofit/>
-          </a:bodyPr>
-          <a:p>
-            <a:endParaRPr b="0" lang="en-US" sz="3200" spc="-1" strike="noStrike">
-              <a:latin typeface="Arial"/>
-            </a:endParaRPr>
-          </a:p>
-        </p:txBody>
-      </p:sp>
-    </p:spTree>
-  </p:cSld>
-</p:sldLayout>
-</file>
-
-<file path=ppt/slideLayouts/slideLayout45.xml><?xml version="1.0" encoding="utf-8"?>
-<p:sldLayout xmlns:a="http://schemas.openxmlformats.org/drawingml/2006/main" xmlns:p="http://schemas.openxmlformats.org/presentationml/2006/main" xmlns:r="http://schemas.openxmlformats.org/officeDocument/2006/relationships" xmlns:p14="http://schemas.microsoft.com/office/powerpoint/2010/main" xmlns:p15="http://schemas.microsoft.com/office/powerpoint/2012/main" xmlns:mc="http://schemas.openxmlformats.org/markup-compatibility/2006" type="twoObjOverTx" preserve="1">
-  <p:cSld name="Title, 2 Content over Content">
-    <p:spTree>
-      <p:nvGrpSpPr>
-        <p:cNvPr id="1" name=""/>
-        <p:cNvGrpSpPr/>
-        <p:nvPr/>
-      </p:nvGrpSpPr>
-      <p:grpSpPr>
-        <a:xfrm>
-          <a:off x="0" y="0"/>
-          <a:ext cx="0" cy="0"/>
-          <a:chOff x="0" y="0"/>
-          <a:chExt cx="0" cy="0"/>
-        </a:xfrm>
-      </p:grpSpPr>
-      <p:sp>
-        <p:nvSpPr>
-          <p:cNvPr id="152" name="PlaceHolder 1"/>
-          <p:cNvSpPr>
-            <a:spLocks noGrp="1"/>
-          </p:cNvSpPr>
-          <p:nvPr>
-            <p:ph type="title"/>
-          </p:nvPr>
-        </p:nvSpPr>
-        <p:spPr>
-          <a:xfrm>
-            <a:off x="609480" y="273600"/>
-            <a:ext cx="10972080" cy="1144440"/>
-          </a:xfrm>
-          <a:prstGeom prst="rect">
-            <a:avLst/>
-          </a:prstGeom>
-        </p:spPr>
-        <p:txBody>
-          <a:bodyPr lIns="0" rIns="0" tIns="0" bIns="0" anchor="ctr"/>
-          <a:p>
-            <a:pPr algn="ctr"/>
-            <a:endParaRPr b="0" lang="en-US" sz="4400" spc="-1" strike="noStrike">
-              <a:latin typeface="Arial"/>
-            </a:endParaRPr>
-          </a:p>
-        </p:txBody>
-      </p:sp>
-      <p:sp>
-        <p:nvSpPr>
-          <p:cNvPr id="153" name="PlaceHolder 2"/>
-          <p:cNvSpPr>
-            <a:spLocks noGrp="1"/>
-          </p:cNvSpPr>
-          <p:nvPr>
-            <p:ph type="body"/>
-          </p:nvPr>
-        </p:nvSpPr>
-        <p:spPr>
-          <a:xfrm>
-            <a:off x="609480" y="1604520"/>
-            <a:ext cx="1723680" cy="904320"/>
-          </a:xfrm>
-          <a:prstGeom prst="rect">
-            <a:avLst/>
-          </a:prstGeom>
-        </p:spPr>
-        <p:txBody>
-          <a:bodyPr lIns="0" rIns="0" tIns="0" bIns="0">
-            <a:normAutofit/>
-          </a:bodyPr>
-          <a:p>
-            <a:endParaRPr b="0" lang="en-US" sz="3200" spc="-1" strike="noStrike">
-              <a:latin typeface="Arial"/>
-            </a:endParaRPr>
-          </a:p>
-        </p:txBody>
-      </p:sp>
-      <p:sp>
-        <p:nvSpPr>
-          <p:cNvPr id="154" name="PlaceHolder 3"/>
-          <p:cNvSpPr>
-            <a:spLocks noGrp="1"/>
-          </p:cNvSpPr>
-          <p:nvPr>
-            <p:ph type="body"/>
-          </p:nvPr>
-        </p:nvSpPr>
-        <p:spPr>
-          <a:xfrm>
-            <a:off x="2419560" y="1604520"/>
-            <a:ext cx="1723680" cy="904320"/>
-          </a:xfrm>
-          <a:prstGeom prst="rect">
-            <a:avLst/>
-          </a:prstGeom>
-        </p:spPr>
-        <p:txBody>
-          <a:bodyPr lIns="0" rIns="0" tIns="0" bIns="0">
-            <a:normAutofit/>
-          </a:bodyPr>
-          <a:p>
-            <a:endParaRPr b="0" lang="en-US" sz="3200" spc="-1" strike="noStrike">
-              <a:latin typeface="Arial"/>
-            </a:endParaRPr>
-          </a:p>
-        </p:txBody>
-      </p:sp>
-      <p:sp>
-        <p:nvSpPr>
-          <p:cNvPr id="155" name="PlaceHolder 4"/>
-          <p:cNvSpPr>
-            <a:spLocks noGrp="1"/>
-          </p:cNvSpPr>
-          <p:nvPr>
-            <p:ph type="body"/>
-          </p:nvPr>
-        </p:nvSpPr>
-        <p:spPr>
-          <a:xfrm>
-            <a:off x="609480" y="2595240"/>
-            <a:ext cx="3532680" cy="904320"/>
-          </a:xfrm>
-          <a:prstGeom prst="rect">
-            <a:avLst/>
-          </a:prstGeom>
-        </p:spPr>
-        <p:txBody>
-          <a:bodyPr lIns="0" rIns="0" tIns="0" bIns="0">
-            <a:normAutofit/>
-          </a:bodyPr>
-          <a:p>
-            <a:endParaRPr b="0" lang="en-US" sz="3200" spc="-1" strike="noStrike">
-              <a:latin typeface="Arial"/>
-            </a:endParaRPr>
-          </a:p>
-        </p:txBody>
-      </p:sp>
-    </p:spTree>
-  </p:cSld>
-</p:sldLayout>
-</file>
-
-<file path=ppt/slideLayouts/slideLayout46.xml><?xml version="1.0" encoding="utf-8"?>
-<p:sldLayout xmlns:a="http://schemas.openxmlformats.org/drawingml/2006/main" xmlns:p="http://schemas.openxmlformats.org/presentationml/2006/main" xmlns:r="http://schemas.openxmlformats.org/officeDocument/2006/relationships" xmlns:p14="http://schemas.microsoft.com/office/powerpoint/2010/main" xmlns:p15="http://schemas.microsoft.com/office/powerpoint/2012/main" xmlns:mc="http://schemas.openxmlformats.org/markup-compatibility/2006" type="objOverTx" preserve="1">
-  <p:cSld name="Title, Content over Content">
-    <p:spTree>
-      <p:nvGrpSpPr>
-        <p:cNvPr id="1" name=""/>
-        <p:cNvGrpSpPr/>
-        <p:nvPr/>
-      </p:nvGrpSpPr>
-      <p:grpSpPr>
-        <a:xfrm>
-          <a:off x="0" y="0"/>
-          <a:ext cx="0" cy="0"/>
-          <a:chOff x="0" y="0"/>
-          <a:chExt cx="0" cy="0"/>
-        </a:xfrm>
-      </p:grpSpPr>
-      <p:sp>
-        <p:nvSpPr>
-          <p:cNvPr id="156" name="PlaceHolder 1"/>
-          <p:cNvSpPr>
-            <a:spLocks noGrp="1"/>
-          </p:cNvSpPr>
-          <p:nvPr>
-            <p:ph type="title"/>
-          </p:nvPr>
-        </p:nvSpPr>
-        <p:spPr>
-          <a:xfrm>
-            <a:off x="609480" y="273600"/>
-            <a:ext cx="10972080" cy="1144440"/>
-          </a:xfrm>
-          <a:prstGeom prst="rect">
-            <a:avLst/>
-          </a:prstGeom>
-        </p:spPr>
-        <p:txBody>
-          <a:bodyPr lIns="0" rIns="0" tIns="0" bIns="0" anchor="ctr"/>
-          <a:p>
-            <a:pPr algn="ctr"/>
-            <a:endParaRPr b="0" lang="en-US" sz="4400" spc="-1" strike="noStrike">
-              <a:latin typeface="Arial"/>
-            </a:endParaRPr>
-          </a:p>
-        </p:txBody>
-      </p:sp>
-      <p:sp>
-        <p:nvSpPr>
-          <p:cNvPr id="157" name="PlaceHolder 2"/>
-          <p:cNvSpPr>
-            <a:spLocks noGrp="1"/>
-          </p:cNvSpPr>
-          <p:nvPr>
-            <p:ph type="body"/>
-          </p:nvPr>
-        </p:nvSpPr>
-        <p:spPr>
-          <a:xfrm>
-            <a:off x="609480" y="1604520"/>
-            <a:ext cx="3532680" cy="904320"/>
-          </a:xfrm>
-          <a:prstGeom prst="rect">
-            <a:avLst/>
-          </a:prstGeom>
-        </p:spPr>
-        <p:txBody>
-          <a:bodyPr lIns="0" rIns="0" tIns="0" bIns="0">
-            <a:normAutofit/>
-          </a:bodyPr>
-          <a:p>
-            <a:endParaRPr b="0" lang="en-US" sz="3200" spc="-1" strike="noStrike">
-              <a:latin typeface="Arial"/>
-            </a:endParaRPr>
-          </a:p>
-        </p:txBody>
-      </p:sp>
-      <p:sp>
-        <p:nvSpPr>
-          <p:cNvPr id="158" name="PlaceHolder 3"/>
-          <p:cNvSpPr>
-            <a:spLocks noGrp="1"/>
-          </p:cNvSpPr>
-          <p:nvPr>
-            <p:ph type="body"/>
-          </p:nvPr>
-        </p:nvSpPr>
-        <p:spPr>
-          <a:xfrm>
-            <a:off x="609480" y="2595240"/>
-            <a:ext cx="3532680" cy="904320"/>
-          </a:xfrm>
-          <a:prstGeom prst="rect">
-            <a:avLst/>
-          </a:prstGeom>
-        </p:spPr>
-        <p:txBody>
-          <a:bodyPr lIns="0" rIns="0" tIns="0" bIns="0">
-            <a:normAutofit/>
-          </a:bodyPr>
-          <a:p>
-            <a:endParaRPr b="0" lang="en-US" sz="3200" spc="-1" strike="noStrike">
-              <a:latin typeface="Arial"/>
-            </a:endParaRPr>
-          </a:p>
-        </p:txBody>
-      </p:sp>
-    </p:spTree>
-  </p:cSld>
-</p:sldLayout>
-</file>
-
-<file path=ppt/slideLayouts/slideLayout47.xml><?xml version="1.0" encoding="utf-8"?>
-<p:sldLayout xmlns:a="http://schemas.openxmlformats.org/drawingml/2006/main" xmlns:p="http://schemas.openxmlformats.org/presentationml/2006/main" xmlns:r="http://schemas.openxmlformats.org/officeDocument/2006/relationships" xmlns:p14="http://schemas.microsoft.com/office/powerpoint/2010/main" xmlns:p15="http://schemas.microsoft.com/office/powerpoint/2012/main" xmlns:mc="http://schemas.openxmlformats.org/markup-compatibility/2006" type="fourObj" preserve="1">
-  <p:cSld name="Title, 4 Content">
-    <p:spTree>
-      <p:nvGrpSpPr>
-        <p:cNvPr id="1" name=""/>
-        <p:cNvGrpSpPr/>
-        <p:nvPr/>
-      </p:nvGrpSpPr>
-      <p:grpSpPr>
-        <a:xfrm>
-          <a:off x="0" y="0"/>
-          <a:ext cx="0" cy="0"/>
-          <a:chOff x="0" y="0"/>
-          <a:chExt cx="0" cy="0"/>
-        </a:xfrm>
-      </p:grpSpPr>
-      <p:sp>
-        <p:nvSpPr>
-          <p:cNvPr id="159" name="PlaceHolder 1"/>
-          <p:cNvSpPr>
-            <a:spLocks noGrp="1"/>
-          </p:cNvSpPr>
-          <p:nvPr>
-            <p:ph type="title"/>
-          </p:nvPr>
-        </p:nvSpPr>
-        <p:spPr>
-          <a:xfrm>
-            <a:off x="609480" y="273600"/>
-            <a:ext cx="10972080" cy="1144440"/>
-          </a:xfrm>
-          <a:prstGeom prst="rect">
-            <a:avLst/>
-          </a:prstGeom>
-        </p:spPr>
-        <p:txBody>
-          <a:bodyPr lIns="0" rIns="0" tIns="0" bIns="0" anchor="ctr"/>
-          <a:p>
-            <a:pPr algn="ctr"/>
-            <a:endParaRPr b="0" lang="en-US" sz="4400" spc="-1" strike="noStrike">
-              <a:latin typeface="Arial"/>
-            </a:endParaRPr>
-          </a:p>
-        </p:txBody>
-      </p:sp>
-      <p:sp>
-        <p:nvSpPr>
-          <p:cNvPr id="160" name="PlaceHolder 2"/>
-          <p:cNvSpPr>
-            <a:spLocks noGrp="1"/>
-          </p:cNvSpPr>
-          <p:nvPr>
-            <p:ph type="body"/>
-          </p:nvPr>
-        </p:nvSpPr>
-        <p:spPr>
-          <a:xfrm>
-            <a:off x="609480" y="1604520"/>
-            <a:ext cx="1723680" cy="904320"/>
-          </a:xfrm>
-          <a:prstGeom prst="rect">
-            <a:avLst/>
-          </a:prstGeom>
-        </p:spPr>
-        <p:txBody>
-          <a:bodyPr lIns="0" rIns="0" tIns="0" bIns="0">
-            <a:normAutofit/>
-          </a:bodyPr>
-          <a:p>
-            <a:endParaRPr b="0" lang="en-US" sz="3200" spc="-1" strike="noStrike">
-              <a:latin typeface="Arial"/>
-            </a:endParaRPr>
-          </a:p>
-        </p:txBody>
-      </p:sp>
-      <p:sp>
-        <p:nvSpPr>
-          <p:cNvPr id="161" name="PlaceHolder 3"/>
-          <p:cNvSpPr>
-            <a:spLocks noGrp="1"/>
-          </p:cNvSpPr>
-          <p:nvPr>
-            <p:ph type="body"/>
-          </p:nvPr>
-        </p:nvSpPr>
-        <p:spPr>
-          <a:xfrm>
-            <a:off x="2419560" y="1604520"/>
-            <a:ext cx="1723680" cy="904320"/>
-          </a:xfrm>
-          <a:prstGeom prst="rect">
-            <a:avLst/>
-          </a:prstGeom>
-        </p:spPr>
-        <p:txBody>
-          <a:bodyPr lIns="0" rIns="0" tIns="0" bIns="0">
-            <a:normAutofit/>
-          </a:bodyPr>
-          <a:p>
-            <a:endParaRPr b="0" lang="en-US" sz="3200" spc="-1" strike="noStrike">
-              <a:latin typeface="Arial"/>
-            </a:endParaRPr>
-          </a:p>
-        </p:txBody>
-      </p:sp>
-      <p:sp>
-        <p:nvSpPr>
-          <p:cNvPr id="162" name="PlaceHolder 4"/>
-          <p:cNvSpPr>
-            <a:spLocks noGrp="1"/>
-          </p:cNvSpPr>
-          <p:nvPr>
-            <p:ph type="body"/>
-          </p:nvPr>
-        </p:nvSpPr>
-        <p:spPr>
-          <a:xfrm>
-            <a:off x="609480" y="2595240"/>
-            <a:ext cx="1723680" cy="904320"/>
-          </a:xfrm>
-          <a:prstGeom prst="rect">
-            <a:avLst/>
-          </a:prstGeom>
-        </p:spPr>
-        <p:txBody>
-          <a:bodyPr lIns="0" rIns="0" tIns="0" bIns="0">
-            <a:normAutofit/>
-          </a:bodyPr>
-          <a:p>
-            <a:endParaRPr b="0" lang="en-US" sz="3200" spc="-1" strike="noStrike">
-              <a:latin typeface="Arial"/>
-            </a:endParaRPr>
-          </a:p>
-        </p:txBody>
-      </p:sp>
-      <p:sp>
-        <p:nvSpPr>
-          <p:cNvPr id="163" name="PlaceHolder 5"/>
-          <p:cNvSpPr>
-            <a:spLocks noGrp="1"/>
-          </p:cNvSpPr>
-          <p:nvPr>
-            <p:ph type="body"/>
-          </p:nvPr>
-        </p:nvSpPr>
-        <p:spPr>
-          <a:xfrm>
-            <a:off x="2419560" y="2595240"/>
-            <a:ext cx="1723680" cy="904320"/>
-          </a:xfrm>
-          <a:prstGeom prst="rect">
-            <a:avLst/>
-          </a:prstGeom>
-        </p:spPr>
-        <p:txBody>
-          <a:bodyPr lIns="0" rIns="0" tIns="0" bIns="0">
-            <a:normAutofit/>
-          </a:bodyPr>
-          <a:p>
-            <a:endParaRPr b="0" lang="en-US" sz="3200" spc="-1" strike="noStrike">
-              <a:latin typeface="Arial"/>
-            </a:endParaRPr>
-          </a:p>
-        </p:txBody>
-      </p:sp>
-    </p:spTree>
-  </p:cSld>
-</p:sldLayout>
-</file>
-
-<file path=ppt/slideLayouts/slideLayout48.xml><?xml version="1.0" encoding="utf-8"?>
-<p:sldLayout xmlns:a="http://schemas.openxmlformats.org/drawingml/2006/main" xmlns:p="http://schemas.openxmlformats.org/presentationml/2006/main" xmlns:r="http://schemas.openxmlformats.org/officeDocument/2006/relationships" xmlns:p14="http://schemas.microsoft.com/office/powerpoint/2010/main" xmlns:p15="http://schemas.microsoft.com/office/powerpoint/2012/main" xmlns:mc="http://schemas.openxmlformats.org/markup-compatibility/2006" type="blank" preserve="1">
-  <p:cSld name="Title, 6 Content">
-    <p:spTree>
-      <p:nvGrpSpPr>
-        <p:cNvPr id="1" name=""/>
-        <p:cNvGrpSpPr/>
-        <p:nvPr/>
-      </p:nvGrpSpPr>
-      <p:grpSpPr>
-        <a:xfrm>
-          <a:off x="0" y="0"/>
-          <a:ext cx="0" cy="0"/>
-          <a:chOff x="0" y="0"/>
-          <a:chExt cx="0" cy="0"/>
-        </a:xfrm>
-      </p:grpSpPr>
-      <p:sp>
-        <p:nvSpPr>
-          <p:cNvPr id="164" name="PlaceHolder 1"/>
-          <p:cNvSpPr>
-            <a:spLocks noGrp="1"/>
-          </p:cNvSpPr>
-          <p:nvPr>
-            <p:ph type="title"/>
-          </p:nvPr>
-        </p:nvSpPr>
-        <p:spPr>
-          <a:xfrm>
-            <a:off x="609480" y="273600"/>
-            <a:ext cx="10972080" cy="1144440"/>
-          </a:xfrm>
-          <a:prstGeom prst="rect">
-            <a:avLst/>
-          </a:prstGeom>
-        </p:spPr>
-        <p:txBody>
-          <a:bodyPr lIns="0" rIns="0" tIns="0" bIns="0" anchor="ctr"/>
-          <a:p>
-            <a:pPr algn="ctr"/>
-            <a:endParaRPr b="0" lang="en-US" sz="4400" spc="-1" strike="noStrike">
-              <a:latin typeface="Arial"/>
-            </a:endParaRPr>
-          </a:p>
-        </p:txBody>
-      </p:sp>
-      <p:sp>
-        <p:nvSpPr>
-          <p:cNvPr id="165" name="PlaceHolder 2"/>
-          <p:cNvSpPr>
-            <a:spLocks noGrp="1"/>
-          </p:cNvSpPr>
-          <p:nvPr>
-            <p:ph type="body"/>
-          </p:nvPr>
-        </p:nvSpPr>
-        <p:spPr>
-          <a:xfrm>
-            <a:off x="609480" y="1604520"/>
-            <a:ext cx="1137240" cy="904320"/>
-          </a:xfrm>
-          <a:prstGeom prst="rect">
-            <a:avLst/>
-          </a:prstGeom>
-        </p:spPr>
-        <p:txBody>
-          <a:bodyPr lIns="0" rIns="0" tIns="0" bIns="0">
-            <a:normAutofit/>
-          </a:bodyPr>
-          <a:p>
-            <a:endParaRPr b="0" lang="en-US" sz="3200" spc="-1" strike="noStrike">
-              <a:latin typeface="Arial"/>
-            </a:endParaRPr>
-          </a:p>
-        </p:txBody>
-      </p:sp>
-      <p:sp>
-        <p:nvSpPr>
-          <p:cNvPr id="166" name="PlaceHolder 3"/>
-          <p:cNvSpPr>
-            <a:spLocks noGrp="1"/>
-          </p:cNvSpPr>
-          <p:nvPr>
-            <p:ph type="body"/>
-          </p:nvPr>
-        </p:nvSpPr>
-        <p:spPr>
-          <a:xfrm>
-            <a:off x="1803960" y="1604520"/>
-            <a:ext cx="1137240" cy="904320"/>
-          </a:xfrm>
-          <a:prstGeom prst="rect">
-            <a:avLst/>
-          </a:prstGeom>
-        </p:spPr>
-        <p:txBody>
-          <a:bodyPr lIns="0" rIns="0" tIns="0" bIns="0">
-            <a:normAutofit/>
-          </a:bodyPr>
-          <a:p>
-            <a:endParaRPr b="0" lang="en-US" sz="3200" spc="-1" strike="noStrike">
-              <a:latin typeface="Arial"/>
-            </a:endParaRPr>
-          </a:p>
-        </p:txBody>
-      </p:sp>
-      <p:sp>
-        <p:nvSpPr>
-          <p:cNvPr id="167" name="PlaceHolder 4"/>
-          <p:cNvSpPr>
-            <a:spLocks noGrp="1"/>
-          </p:cNvSpPr>
-          <p:nvPr>
-            <p:ph type="body"/>
-          </p:nvPr>
-        </p:nvSpPr>
-        <p:spPr>
-          <a:xfrm>
-            <a:off x="2998440" y="1604520"/>
-            <a:ext cx="1137240" cy="904320"/>
-          </a:xfrm>
-          <a:prstGeom prst="rect">
-            <a:avLst/>
-          </a:prstGeom>
-        </p:spPr>
-        <p:txBody>
-          <a:bodyPr lIns="0" rIns="0" tIns="0" bIns="0">
-            <a:normAutofit/>
-          </a:bodyPr>
-          <a:p>
-            <a:endParaRPr b="0" lang="en-US" sz="3200" spc="-1" strike="noStrike">
-              <a:latin typeface="Arial"/>
-            </a:endParaRPr>
-          </a:p>
-        </p:txBody>
-      </p:sp>
-      <p:sp>
-        <p:nvSpPr>
-          <p:cNvPr id="168" name="PlaceHolder 5"/>
-          <p:cNvSpPr>
-            <a:spLocks noGrp="1"/>
-          </p:cNvSpPr>
-          <p:nvPr>
-            <p:ph type="body"/>
-          </p:nvPr>
-        </p:nvSpPr>
-        <p:spPr>
-          <a:xfrm>
-            <a:off x="609480" y="2595240"/>
-            <a:ext cx="1137240" cy="904320"/>
-          </a:xfrm>
-          <a:prstGeom prst="rect">
-            <a:avLst/>
-          </a:prstGeom>
-        </p:spPr>
-        <p:txBody>
-          <a:bodyPr lIns="0" rIns="0" tIns="0" bIns="0">
-            <a:normAutofit/>
-          </a:bodyPr>
-          <a:p>
-            <a:endParaRPr b="0" lang="en-US" sz="3200" spc="-1" strike="noStrike">
-              <a:latin typeface="Arial"/>
-            </a:endParaRPr>
-          </a:p>
-        </p:txBody>
-      </p:sp>
-      <p:sp>
-        <p:nvSpPr>
-          <p:cNvPr id="169" name="PlaceHolder 6"/>
-          <p:cNvSpPr>
-            <a:spLocks noGrp="1"/>
-          </p:cNvSpPr>
-          <p:nvPr>
-            <p:ph type="body"/>
-          </p:nvPr>
-        </p:nvSpPr>
-        <p:spPr>
-          <a:xfrm>
-            <a:off x="1803960" y="2595240"/>
-            <a:ext cx="1137240" cy="904320"/>
-          </a:xfrm>
-          <a:prstGeom prst="rect">
-            <a:avLst/>
-          </a:prstGeom>
-        </p:spPr>
-        <p:txBody>
-          <a:bodyPr lIns="0" rIns="0" tIns="0" bIns="0">
-            <a:normAutofit/>
-          </a:bodyPr>
-          <a:p>
-            <a:endParaRPr b="0" lang="en-US" sz="3200" spc="-1" strike="noStrike">
-              <a:latin typeface="Arial"/>
-            </a:endParaRPr>
-          </a:p>
-        </p:txBody>
-      </p:sp>
-      <p:sp>
-        <p:nvSpPr>
-          <p:cNvPr id="170" name="PlaceHolder 7"/>
-          <p:cNvSpPr>
-            <a:spLocks noGrp="1"/>
-          </p:cNvSpPr>
-          <p:nvPr>
-            <p:ph type="body"/>
-          </p:nvPr>
-        </p:nvSpPr>
-        <p:spPr>
-          <a:xfrm>
-            <a:off x="2998440" y="2595240"/>
-            <a:ext cx="1137240" cy="904320"/>
-          </a:xfrm>
-          <a:prstGeom prst="rect">
-            <a:avLst/>
-          </a:prstGeom>
-        </p:spPr>
-        <p:txBody>
-          <a:bodyPr lIns="0" rIns="0" tIns="0" bIns="0">
-            <a:normAutofit/>
-          </a:bodyPr>
-          <a:p>
-            <a:endParaRPr b="0" lang="en-US" sz="3200" spc="-1" strike="noStrike">
+            <a:endParaRPr b="0" lang="en-US" sz="1800" spc="-1" strike="noStrike">
+              <a:solidFill>
+                <a:srgbClr val="000000"/>
+              </a:solidFill>
               <a:latin typeface="Arial"/>
             </a:endParaRPr>
           </a:p>
@@ -5190,7 +4125,7 @@
         <p:spPr>
           <a:xfrm>
             <a:off x="609480" y="273600"/>
-            <a:ext cx="10972080" cy="1144440"/>
+            <a:ext cx="10972440" cy="1144800"/>
           </a:xfrm>
           <a:prstGeom prst="rect">
             <a:avLst/>
@@ -5199,8 +4134,10 @@
         <p:txBody>
           <a:bodyPr lIns="0" rIns="0" tIns="0" bIns="0" anchor="ctr"/>
           <a:p>
-            <a:pPr algn="ctr"/>
-            <a:endParaRPr b="0" lang="en-US" sz="4400" spc="-1" strike="noStrike">
+            <a:endParaRPr b="0" lang="en-US" sz="1800" spc="-1" strike="noStrike">
+              <a:solidFill>
+                <a:srgbClr val="000000"/>
+              </a:solidFill>
               <a:latin typeface="Arial"/>
             </a:endParaRPr>
           </a:p>
@@ -5241,7 +4178,7 @@
         <p:spPr>
           <a:xfrm>
             <a:off x="609480" y="273600"/>
-            <a:ext cx="10972080" cy="5306400"/>
+            <a:ext cx="10972440" cy="5307840"/>
           </a:xfrm>
           <a:prstGeom prst="rect">
             <a:avLst/>
@@ -5292,7 +4229,7 @@
         <p:spPr>
           <a:xfrm>
             <a:off x="609480" y="273600"/>
-            <a:ext cx="10972080" cy="1144440"/>
+            <a:ext cx="10972440" cy="1144800"/>
           </a:xfrm>
           <a:prstGeom prst="rect">
             <a:avLst/>
@@ -5301,8 +4238,10 @@
         <p:txBody>
           <a:bodyPr lIns="0" rIns="0" tIns="0" bIns="0" anchor="ctr"/>
           <a:p>
-            <a:pPr algn="ctr"/>
-            <a:endParaRPr b="0" lang="en-US" sz="4400" spc="-1" strike="noStrike">
+            <a:endParaRPr b="0" lang="en-US" sz="1800" spc="-1" strike="noStrike">
+              <a:solidFill>
+                <a:srgbClr val="000000"/>
+              </a:solidFill>
               <a:latin typeface="Arial"/>
             </a:endParaRPr>
           </a:p>
@@ -5321,7 +4260,7 @@
         <p:spPr>
           <a:xfrm>
             <a:off x="609480" y="1604520"/>
-            <a:ext cx="1723680" cy="904320"/>
+            <a:ext cx="5354280" cy="1896840"/>
           </a:xfrm>
           <a:prstGeom prst="rect">
             <a:avLst/>
@@ -5332,7 +4271,10 @@
             <a:normAutofit/>
           </a:bodyPr>
           <a:p>
-            <a:endParaRPr b="0" lang="en-US" sz="3200" spc="-1" strike="noStrike">
+            <a:endParaRPr b="0" lang="en-US" sz="1800" spc="-1" strike="noStrike">
+              <a:solidFill>
+                <a:srgbClr val="000000"/>
+              </a:solidFill>
               <a:latin typeface="Arial"/>
             </a:endParaRPr>
           </a:p>
@@ -5350,8 +4292,8 @@
         </p:nvSpPr>
         <p:spPr>
           <a:xfrm>
-            <a:off x="2419560" y="1604520"/>
-            <a:ext cx="1723680" cy="1896480"/>
+            <a:off x="6231960" y="1604520"/>
+            <a:ext cx="5354280" cy="3977280"/>
           </a:xfrm>
           <a:prstGeom prst="rect">
             <a:avLst/>
@@ -5362,7 +4304,10 @@
             <a:normAutofit/>
           </a:bodyPr>
           <a:p>
-            <a:endParaRPr b="0" lang="en-US" sz="3200" spc="-1" strike="noStrike">
+            <a:endParaRPr b="0" lang="en-US" sz="1800" spc="-1" strike="noStrike">
+              <a:solidFill>
+                <a:srgbClr val="000000"/>
+              </a:solidFill>
               <a:latin typeface="Arial"/>
             </a:endParaRPr>
           </a:p>
@@ -5380,8 +4325,8 @@
         </p:nvSpPr>
         <p:spPr>
           <a:xfrm>
-            <a:off x="609480" y="2595240"/>
-            <a:ext cx="1723680" cy="904320"/>
+            <a:off x="609480" y="3682080"/>
+            <a:ext cx="5354280" cy="1896840"/>
           </a:xfrm>
           <a:prstGeom prst="rect">
             <a:avLst/>
@@ -5392,7 +4337,10 @@
             <a:normAutofit/>
           </a:bodyPr>
           <a:p>
-            <a:endParaRPr b="0" lang="en-US" sz="3200" spc="-1" strike="noStrike">
+            <a:endParaRPr b="0" lang="en-US" sz="1800" spc="-1" strike="noStrike">
+              <a:solidFill>
+                <a:srgbClr val="000000"/>
+              </a:solidFill>
               <a:latin typeface="Arial"/>
             </a:endParaRPr>
           </a:p>
@@ -5433,7 +4381,7 @@
         <p:spPr>
           <a:xfrm>
             <a:off x="609480" y="273600"/>
-            <a:ext cx="10972080" cy="1144440"/>
+            <a:ext cx="10972440" cy="1144800"/>
           </a:xfrm>
           <a:prstGeom prst="rect">
             <a:avLst/>
@@ -5442,8 +4390,10 @@
         <p:txBody>
           <a:bodyPr lIns="0" rIns="0" tIns="0" bIns="0" anchor="ctr"/>
           <a:p>
-            <a:pPr algn="ctr"/>
-            <a:endParaRPr b="0" lang="en-US" sz="4400" spc="-1" strike="noStrike">
+            <a:endParaRPr b="0" lang="en-US" sz="1800" spc="-1" strike="noStrike">
+              <a:solidFill>
+                <a:srgbClr val="000000"/>
+              </a:solidFill>
               <a:latin typeface="Arial"/>
             </a:endParaRPr>
           </a:p>
@@ -5462,7 +4412,7 @@
         <p:spPr>
           <a:xfrm>
             <a:off x="609480" y="1604520"/>
-            <a:ext cx="1723680" cy="1896480"/>
+            <a:ext cx="5354280" cy="3977280"/>
           </a:xfrm>
           <a:prstGeom prst="rect">
             <a:avLst/>
@@ -5473,7 +4423,10 @@
             <a:normAutofit/>
           </a:bodyPr>
           <a:p>
-            <a:endParaRPr b="0" lang="en-US" sz="3200" spc="-1" strike="noStrike">
+            <a:endParaRPr b="0" lang="en-US" sz="1800" spc="-1" strike="noStrike">
+              <a:solidFill>
+                <a:srgbClr val="000000"/>
+              </a:solidFill>
               <a:latin typeface="Arial"/>
             </a:endParaRPr>
           </a:p>
@@ -5491,8 +4444,8 @@
         </p:nvSpPr>
         <p:spPr>
           <a:xfrm>
-            <a:off x="2419560" y="1604520"/>
-            <a:ext cx="1723680" cy="904320"/>
+            <a:off x="6231960" y="1604520"/>
+            <a:ext cx="5354280" cy="1896840"/>
           </a:xfrm>
           <a:prstGeom prst="rect">
             <a:avLst/>
@@ -5503,7 +4456,10 @@
             <a:normAutofit/>
           </a:bodyPr>
           <a:p>
-            <a:endParaRPr b="0" lang="en-US" sz="3200" spc="-1" strike="noStrike">
+            <a:endParaRPr b="0" lang="en-US" sz="1800" spc="-1" strike="noStrike">
+              <a:solidFill>
+                <a:srgbClr val="000000"/>
+              </a:solidFill>
               <a:latin typeface="Arial"/>
             </a:endParaRPr>
           </a:p>
@@ -5521,8 +4477,8 @@
         </p:nvSpPr>
         <p:spPr>
           <a:xfrm>
-            <a:off x="2419560" y="2595240"/>
-            <a:ext cx="1723680" cy="904320"/>
+            <a:off x="6231960" y="3682080"/>
+            <a:ext cx="5354280" cy="1896840"/>
           </a:xfrm>
           <a:prstGeom prst="rect">
             <a:avLst/>
@@ -5533,7 +4489,10 @@
             <a:normAutofit/>
           </a:bodyPr>
           <a:p>
-            <a:endParaRPr b="0" lang="en-US" sz="3200" spc="-1" strike="noStrike">
+            <a:endParaRPr b="0" lang="en-US" sz="1800" spc="-1" strike="noStrike">
+              <a:solidFill>
+                <a:srgbClr val="000000"/>
+              </a:solidFill>
               <a:latin typeface="Arial"/>
             </a:endParaRPr>
           </a:p>
@@ -5574,7 +4533,7 @@
         <p:spPr>
           <a:xfrm>
             <a:off x="609480" y="273600"/>
-            <a:ext cx="10972080" cy="1144440"/>
+            <a:ext cx="10972440" cy="1144800"/>
           </a:xfrm>
           <a:prstGeom prst="rect">
             <a:avLst/>
@@ -5583,8 +4542,10 @@
         <p:txBody>
           <a:bodyPr lIns="0" rIns="0" tIns="0" bIns="0" anchor="ctr"/>
           <a:p>
-            <a:pPr algn="ctr"/>
-            <a:endParaRPr b="0" lang="en-US" sz="4400" spc="-1" strike="noStrike">
+            <a:endParaRPr b="0" lang="en-US" sz="1800" spc="-1" strike="noStrike">
+              <a:solidFill>
+                <a:srgbClr val="000000"/>
+              </a:solidFill>
               <a:latin typeface="Arial"/>
             </a:endParaRPr>
           </a:p>
@@ -5603,7 +4564,7 @@
         <p:spPr>
           <a:xfrm>
             <a:off x="609480" y="1604520"/>
-            <a:ext cx="1723680" cy="904320"/>
+            <a:ext cx="5354280" cy="1896840"/>
           </a:xfrm>
           <a:prstGeom prst="rect">
             <a:avLst/>
@@ -5614,7 +4575,10 @@
             <a:normAutofit/>
           </a:bodyPr>
           <a:p>
-            <a:endParaRPr b="0" lang="en-US" sz="3200" spc="-1" strike="noStrike">
+            <a:endParaRPr b="0" lang="en-US" sz="1800" spc="-1" strike="noStrike">
+              <a:solidFill>
+                <a:srgbClr val="000000"/>
+              </a:solidFill>
               <a:latin typeface="Arial"/>
             </a:endParaRPr>
           </a:p>
@@ -5632,8 +4596,8 @@
         </p:nvSpPr>
         <p:spPr>
           <a:xfrm>
-            <a:off x="2419560" y="1604520"/>
-            <a:ext cx="1723680" cy="904320"/>
+            <a:off x="6231960" y="1604520"/>
+            <a:ext cx="5354280" cy="1896840"/>
           </a:xfrm>
           <a:prstGeom prst="rect">
             <a:avLst/>
@@ -5644,7 +4608,10 @@
             <a:normAutofit/>
           </a:bodyPr>
           <a:p>
-            <a:endParaRPr b="0" lang="en-US" sz="3200" spc="-1" strike="noStrike">
+            <a:endParaRPr b="0" lang="en-US" sz="1800" spc="-1" strike="noStrike">
+              <a:solidFill>
+                <a:srgbClr val="000000"/>
+              </a:solidFill>
               <a:latin typeface="Arial"/>
             </a:endParaRPr>
           </a:p>
@@ -5662,8 +4629,8 @@
         </p:nvSpPr>
         <p:spPr>
           <a:xfrm>
-            <a:off x="609480" y="2595240"/>
-            <a:ext cx="3532680" cy="904320"/>
+            <a:off x="609480" y="3682080"/>
+            <a:ext cx="10972440" cy="1896840"/>
           </a:xfrm>
           <a:prstGeom prst="rect">
             <a:avLst/>
@@ -5674,7 +4641,10 @@
             <a:normAutofit/>
           </a:bodyPr>
           <a:p>
-            <a:endParaRPr b="0" lang="en-US" sz="3200" spc="-1" strike="noStrike">
+            <a:endParaRPr b="0" lang="en-US" sz="1800" spc="-1" strike="noStrike">
+              <a:solidFill>
+                <a:srgbClr val="000000"/>
+              </a:solidFill>
               <a:latin typeface="Arial"/>
             </a:endParaRPr>
           </a:p>
@@ -5718,7 +4688,7 @@
         <p:spPr>
           <a:xfrm>
             <a:off x="255960" y="265320"/>
-            <a:ext cx="11681280" cy="6330600"/>
+            <a:ext cx="11680560" cy="6329880"/>
           </a:xfrm>
           <a:prstGeom prst="rect">
             <a:avLst/>
@@ -5746,7 +4716,7 @@
         <p:spPr>
           <a:xfrm>
             <a:off x="604440" y="1196280"/>
-            <a:ext cx="10981440" cy="360"/>
+            <a:ext cx="10980720" cy="360"/>
           </a:xfrm>
           <a:custGeom>
             <a:avLst/>
@@ -5788,7 +4758,7 @@
         <p:spPr>
           <a:xfrm>
             <a:off x="254880" y="262800"/>
-            <a:ext cx="11680200" cy="6330600"/>
+            <a:ext cx="11679480" cy="6329880"/>
           </a:xfrm>
           <a:prstGeom prst="rect">
             <a:avLst/>
@@ -5829,14 +4799,19 @@
         <p:txBody>
           <a:bodyPr lIns="0" rIns="0" tIns="0" bIns="0" anchor="ctr"/>
           <a:p>
-            <a:pPr algn="ctr"/>
-            <a:r>
-              <a:rPr b="0" lang="en-US" sz="4400" spc="-1" strike="noStrike">
+            <a:r>
+              <a:rPr b="0" lang="en-US" sz="1800" spc="-1" strike="noStrike">
+                <a:solidFill>
+                  <a:srgbClr val="000000"/>
+                </a:solidFill>
                 <a:latin typeface="Arial"/>
               </a:rPr>
               <a:t>Click to edit the title text format</a:t>
             </a:r>
-            <a:endParaRPr b="0" lang="en-US" sz="4400" spc="-1" strike="noStrike">
+            <a:endParaRPr b="0" lang="en-US" sz="1800" spc="-1" strike="noStrike">
+              <a:solidFill>
+                <a:srgbClr val="000000"/>
+              </a:solidFill>
               <a:latin typeface="Arial"/>
             </a:endParaRPr>
           </a:p>
@@ -5878,12 +4853,18 @@
               <a:buChar char=""/>
             </a:pPr>
             <a:r>
-              <a:rPr b="0" lang="en-US" sz="3200" spc="-1" strike="noStrike">
+              <a:rPr b="0" lang="en-US" sz="1800" spc="-1" strike="noStrike">
+                <a:solidFill>
+                  <a:srgbClr val="000000"/>
+                </a:solidFill>
                 <a:latin typeface="Arial"/>
               </a:rPr>
               <a:t>Click to edit the outline text format</a:t>
             </a:r>
-            <a:endParaRPr b="0" lang="en-US" sz="3200" spc="-1" strike="noStrike">
+            <a:endParaRPr b="0" lang="en-US" sz="1800" spc="-1" strike="noStrike">
+              <a:solidFill>
+                <a:srgbClr val="000000"/>
+              </a:solidFill>
               <a:latin typeface="Arial"/>
             </a:endParaRPr>
           </a:p>
@@ -5900,12 +4881,18 @@
               <a:buChar char=""/>
             </a:pPr>
             <a:r>
-              <a:rPr b="0" lang="en-US" sz="2800" spc="-1" strike="noStrike">
+              <a:rPr b="0" lang="en-US" sz="1800" spc="-1" strike="noStrike">
+                <a:solidFill>
+                  <a:srgbClr val="000000"/>
+                </a:solidFill>
                 <a:latin typeface="Arial"/>
               </a:rPr>
               <a:t>Second Outline Level</a:t>
             </a:r>
-            <a:endParaRPr b="0" lang="en-US" sz="2800" spc="-1" strike="noStrike">
+            <a:endParaRPr b="0" lang="en-US" sz="1800" spc="-1" strike="noStrike">
+              <a:solidFill>
+                <a:srgbClr val="000000"/>
+              </a:solidFill>
               <a:latin typeface="Arial"/>
             </a:endParaRPr>
           </a:p>
@@ -5922,12 +4909,18 @@
               <a:buChar char=""/>
             </a:pPr>
             <a:r>
-              <a:rPr b="0" lang="en-US" sz="2400" spc="-1" strike="noStrike">
+              <a:rPr b="0" lang="en-US" sz="1800" spc="-1" strike="noStrike">
+                <a:solidFill>
+                  <a:srgbClr val="000000"/>
+                </a:solidFill>
                 <a:latin typeface="Arial"/>
               </a:rPr>
               <a:t>Third Outline Level</a:t>
             </a:r>
-            <a:endParaRPr b="0" lang="en-US" sz="2400" spc="-1" strike="noStrike">
+            <a:endParaRPr b="0" lang="en-US" sz="1800" spc="-1" strike="noStrike">
+              <a:solidFill>
+                <a:srgbClr val="000000"/>
+              </a:solidFill>
               <a:latin typeface="Arial"/>
             </a:endParaRPr>
           </a:p>
@@ -5944,12 +4937,18 @@
               <a:buChar char=""/>
             </a:pPr>
             <a:r>
-              <a:rPr b="0" lang="en-US" sz="2000" spc="-1" strike="noStrike">
+              <a:rPr b="0" lang="en-US" sz="1800" spc="-1" strike="noStrike">
+                <a:solidFill>
+                  <a:srgbClr val="000000"/>
+                </a:solidFill>
                 <a:latin typeface="Arial"/>
               </a:rPr>
               <a:t>Fourth Outline Level</a:t>
             </a:r>
-            <a:endParaRPr b="0" lang="en-US" sz="2000" spc="-1" strike="noStrike">
+            <a:endParaRPr b="0" lang="en-US" sz="1800" spc="-1" strike="noStrike">
+              <a:solidFill>
+                <a:srgbClr val="000000"/>
+              </a:solidFill>
               <a:latin typeface="Arial"/>
             </a:endParaRPr>
           </a:p>
@@ -5967,11 +4966,17 @@
             </a:pPr>
             <a:r>
               <a:rPr b="0" lang="en-US" sz="2000" spc="-1" strike="noStrike">
+                <a:solidFill>
+                  <a:srgbClr val="000000"/>
+                </a:solidFill>
                 <a:latin typeface="Arial"/>
               </a:rPr>
               <a:t>Fifth Outline Level</a:t>
             </a:r>
             <a:endParaRPr b="0" lang="en-US" sz="2000" spc="-1" strike="noStrike">
+              <a:solidFill>
+                <a:srgbClr val="000000"/>
+              </a:solidFill>
               <a:latin typeface="Arial"/>
             </a:endParaRPr>
           </a:p>
@@ -5989,11 +4994,17 @@
             </a:pPr>
             <a:r>
               <a:rPr b="0" lang="en-US" sz="2000" spc="-1" strike="noStrike">
+                <a:solidFill>
+                  <a:srgbClr val="000000"/>
+                </a:solidFill>
                 <a:latin typeface="Arial"/>
               </a:rPr>
               <a:t>Sixth Outline Level</a:t>
             </a:r>
             <a:endParaRPr b="0" lang="en-US" sz="2000" spc="-1" strike="noStrike">
+              <a:solidFill>
+                <a:srgbClr val="000000"/>
+              </a:solidFill>
               <a:latin typeface="Arial"/>
             </a:endParaRPr>
           </a:p>
@@ -6011,11 +5022,17 @@
             </a:pPr>
             <a:r>
               <a:rPr b="0" lang="en-US" sz="2000" spc="-1" strike="noStrike">
+                <a:solidFill>
+                  <a:srgbClr val="000000"/>
+                </a:solidFill>
                 <a:latin typeface="Arial"/>
               </a:rPr>
               <a:t>Seventh Outline Level</a:t>
             </a:r>
             <a:endParaRPr b="0" lang="en-US" sz="2000" spc="-1" strike="noStrike">
+              <a:solidFill>
+                <a:srgbClr val="000000"/>
+              </a:solidFill>
               <a:latin typeface="Arial"/>
             </a:endParaRPr>
           </a:p>
@@ -6074,7 +5091,7 @@
         <p:spPr>
           <a:xfrm>
             <a:off x="255960" y="265320"/>
-            <a:ext cx="11681280" cy="6330600"/>
+            <a:ext cx="11680560" cy="6329880"/>
           </a:xfrm>
           <a:prstGeom prst="rect">
             <a:avLst/>
@@ -6102,7 +5119,7 @@
         <p:spPr>
           <a:xfrm>
             <a:off x="604440" y="1196280"/>
-            <a:ext cx="10981440" cy="360"/>
+            <a:ext cx="10980720" cy="360"/>
           </a:xfrm>
           <a:custGeom>
             <a:avLst/>
@@ -6144,7 +5161,7 @@
         <p:spPr>
           <a:xfrm>
             <a:off x="255960" y="265320"/>
-            <a:ext cx="11681280" cy="6330600"/>
+            <a:ext cx="11680560" cy="6329880"/>
           </a:xfrm>
           <a:prstGeom prst="rect">
             <a:avLst/>
@@ -6172,7 +5189,7 @@
         <p:spPr>
           <a:xfrm>
             <a:off x="604440" y="1196280"/>
-            <a:ext cx="10981440" cy="360"/>
+            <a:ext cx="10980720" cy="360"/>
           </a:xfrm>
           <a:custGeom>
             <a:avLst/>
@@ -6227,14 +5244,19 @@
         <p:txBody>
           <a:bodyPr lIns="0" rIns="0" tIns="0" bIns="0" anchor="ctr"/>
           <a:p>
-            <a:pPr algn="ctr"/>
-            <a:r>
-              <a:rPr b="0" lang="en-US" sz="4400" spc="-1" strike="noStrike">
+            <a:r>
+              <a:rPr b="0" lang="en-US" sz="1800" spc="-1" strike="noStrike">
+                <a:solidFill>
+                  <a:srgbClr val="000000"/>
+                </a:solidFill>
                 <a:latin typeface="Arial"/>
               </a:rPr>
               <a:t>Click to edit the title text format</a:t>
             </a:r>
-            <a:endParaRPr b="0" lang="en-US" sz="4400" spc="-1" strike="noStrike">
+            <a:endParaRPr b="0" lang="en-US" sz="1800" spc="-1" strike="noStrike">
+              <a:solidFill>
+                <a:srgbClr val="000000"/>
+              </a:solidFill>
               <a:latin typeface="Arial"/>
             </a:endParaRPr>
           </a:p>
@@ -6276,12 +5298,18 @@
               <a:buChar char=""/>
             </a:pPr>
             <a:r>
-              <a:rPr b="0" lang="en-US" sz="3200" spc="-1" strike="noStrike">
+              <a:rPr b="0" lang="en-US" sz="1800" spc="-1" strike="noStrike">
+                <a:solidFill>
+                  <a:srgbClr val="000000"/>
+                </a:solidFill>
                 <a:latin typeface="Arial"/>
               </a:rPr>
               <a:t>Click to edit the outline text format</a:t>
             </a:r>
-            <a:endParaRPr b="0" lang="en-US" sz="3200" spc="-1" strike="noStrike">
+            <a:endParaRPr b="0" lang="en-US" sz="1800" spc="-1" strike="noStrike">
+              <a:solidFill>
+                <a:srgbClr val="000000"/>
+              </a:solidFill>
               <a:latin typeface="Arial"/>
             </a:endParaRPr>
           </a:p>
@@ -6298,12 +5326,18 @@
               <a:buChar char=""/>
             </a:pPr>
             <a:r>
-              <a:rPr b="0" lang="en-US" sz="2800" spc="-1" strike="noStrike">
+              <a:rPr b="0" lang="en-US" sz="1800" spc="-1" strike="noStrike">
+                <a:solidFill>
+                  <a:srgbClr val="000000"/>
+                </a:solidFill>
                 <a:latin typeface="Arial"/>
               </a:rPr>
               <a:t>Second Outline Level</a:t>
             </a:r>
-            <a:endParaRPr b="0" lang="en-US" sz="2800" spc="-1" strike="noStrike">
+            <a:endParaRPr b="0" lang="en-US" sz="1800" spc="-1" strike="noStrike">
+              <a:solidFill>
+                <a:srgbClr val="000000"/>
+              </a:solidFill>
               <a:latin typeface="Arial"/>
             </a:endParaRPr>
           </a:p>
@@ -6320,12 +5354,18 @@
               <a:buChar char=""/>
             </a:pPr>
             <a:r>
-              <a:rPr b="0" lang="en-US" sz="2400" spc="-1" strike="noStrike">
+              <a:rPr b="0" lang="en-US" sz="1800" spc="-1" strike="noStrike">
+                <a:solidFill>
+                  <a:srgbClr val="000000"/>
+                </a:solidFill>
                 <a:latin typeface="Arial"/>
               </a:rPr>
               <a:t>Third Outline Level</a:t>
             </a:r>
-            <a:endParaRPr b="0" lang="en-US" sz="2400" spc="-1" strike="noStrike">
+            <a:endParaRPr b="0" lang="en-US" sz="1800" spc="-1" strike="noStrike">
+              <a:solidFill>
+                <a:srgbClr val="000000"/>
+              </a:solidFill>
               <a:latin typeface="Arial"/>
             </a:endParaRPr>
           </a:p>
@@ -6342,12 +5382,18 @@
               <a:buChar char=""/>
             </a:pPr>
             <a:r>
-              <a:rPr b="0" lang="en-US" sz="2000" spc="-1" strike="noStrike">
+              <a:rPr b="0" lang="en-US" sz="1800" spc="-1" strike="noStrike">
+                <a:solidFill>
+                  <a:srgbClr val="000000"/>
+                </a:solidFill>
                 <a:latin typeface="Arial"/>
               </a:rPr>
               <a:t>Fourth Outline Level</a:t>
             </a:r>
-            <a:endParaRPr b="0" lang="en-US" sz="2000" spc="-1" strike="noStrike">
+            <a:endParaRPr b="0" lang="en-US" sz="1800" spc="-1" strike="noStrike">
+              <a:solidFill>
+                <a:srgbClr val="000000"/>
+              </a:solidFill>
               <a:latin typeface="Arial"/>
             </a:endParaRPr>
           </a:p>
@@ -6365,11 +5411,17 @@
             </a:pPr>
             <a:r>
               <a:rPr b="0" lang="en-US" sz="2000" spc="-1" strike="noStrike">
+                <a:solidFill>
+                  <a:srgbClr val="000000"/>
+                </a:solidFill>
                 <a:latin typeface="Arial"/>
               </a:rPr>
               <a:t>Fifth Outline Level</a:t>
             </a:r>
             <a:endParaRPr b="0" lang="en-US" sz="2000" spc="-1" strike="noStrike">
+              <a:solidFill>
+                <a:srgbClr val="000000"/>
+              </a:solidFill>
               <a:latin typeface="Arial"/>
             </a:endParaRPr>
           </a:p>
@@ -6387,11 +5439,17 @@
             </a:pPr>
             <a:r>
               <a:rPr b="0" lang="en-US" sz="2000" spc="-1" strike="noStrike">
+                <a:solidFill>
+                  <a:srgbClr val="000000"/>
+                </a:solidFill>
                 <a:latin typeface="Arial"/>
               </a:rPr>
               <a:t>Sixth Outline Level</a:t>
             </a:r>
             <a:endParaRPr b="0" lang="en-US" sz="2000" spc="-1" strike="noStrike">
+              <a:solidFill>
+                <a:srgbClr val="000000"/>
+              </a:solidFill>
               <a:latin typeface="Arial"/>
             </a:endParaRPr>
           </a:p>
@@ -6409,11 +5467,17 @@
             </a:pPr>
             <a:r>
               <a:rPr b="0" lang="en-US" sz="2000" spc="-1" strike="noStrike">
+                <a:solidFill>
+                  <a:srgbClr val="000000"/>
+                </a:solidFill>
                 <a:latin typeface="Arial"/>
               </a:rPr>
               <a:t>Seventh Outline Level</a:t>
             </a:r>
             <a:endParaRPr b="0" lang="en-US" sz="2000" spc="-1" strike="noStrike">
+              <a:solidFill>
+                <a:srgbClr val="000000"/>
+              </a:solidFill>
               <a:latin typeface="Arial"/>
             </a:endParaRPr>
           </a:p>
@@ -6472,7 +5536,7 @@
         <p:spPr>
           <a:xfrm>
             <a:off x="255960" y="265320"/>
-            <a:ext cx="11681280" cy="6330600"/>
+            <a:ext cx="11680560" cy="6329880"/>
           </a:xfrm>
           <a:prstGeom prst="rect">
             <a:avLst/>
@@ -6500,7 +5564,7 @@
         <p:spPr>
           <a:xfrm>
             <a:off x="604440" y="1196280"/>
-            <a:ext cx="10981440" cy="360"/>
+            <a:ext cx="10980720" cy="360"/>
           </a:xfrm>
           <a:custGeom>
             <a:avLst/>
@@ -6542,7 +5606,7 @@
         <p:spPr>
           <a:xfrm>
             <a:off x="254880" y="262800"/>
-            <a:ext cx="11681280" cy="6330600"/>
+            <a:ext cx="11680560" cy="6329880"/>
           </a:xfrm>
           <a:prstGeom prst="rect">
             <a:avLst/>
@@ -6570,7 +5634,7 @@
         <p:spPr>
           <a:xfrm>
             <a:off x="254880" y="262800"/>
-            <a:ext cx="11680200" cy="2070720"/>
+            <a:ext cx="11679480" cy="2070000"/>
           </a:xfrm>
           <a:prstGeom prst="rect">
             <a:avLst/>
@@ -6611,14 +5675,19 @@
         <p:txBody>
           <a:bodyPr lIns="0" rIns="0" tIns="0" bIns="0" anchor="ctr"/>
           <a:p>
-            <a:pPr algn="ctr"/>
-            <a:r>
-              <a:rPr b="0" lang="en-US" sz="4400" spc="-1" strike="noStrike">
+            <a:r>
+              <a:rPr b="0" lang="en-US" sz="1800" spc="-1" strike="noStrike">
+                <a:solidFill>
+                  <a:srgbClr val="000000"/>
+                </a:solidFill>
                 <a:latin typeface="Arial"/>
               </a:rPr>
               <a:t>Click to edit the title text format</a:t>
             </a:r>
-            <a:endParaRPr b="0" lang="en-US" sz="4400" spc="-1" strike="noStrike">
+            <a:endParaRPr b="0" lang="en-US" sz="1800" spc="-1" strike="noStrike">
+              <a:solidFill>
+                <a:srgbClr val="000000"/>
+              </a:solidFill>
               <a:latin typeface="Arial"/>
             </a:endParaRPr>
           </a:p>
@@ -6660,12 +5729,18 @@
               <a:buChar char=""/>
             </a:pPr>
             <a:r>
-              <a:rPr b="0" lang="en-US" sz="3200" spc="-1" strike="noStrike">
+              <a:rPr b="0" lang="en-US" sz="1800" spc="-1" strike="noStrike">
+                <a:solidFill>
+                  <a:srgbClr val="000000"/>
+                </a:solidFill>
                 <a:latin typeface="Arial"/>
               </a:rPr>
               <a:t>Click to edit the outline text format</a:t>
             </a:r>
-            <a:endParaRPr b="0" lang="en-US" sz="3200" spc="-1" strike="noStrike">
+            <a:endParaRPr b="0" lang="en-US" sz="1800" spc="-1" strike="noStrike">
+              <a:solidFill>
+                <a:srgbClr val="000000"/>
+              </a:solidFill>
               <a:latin typeface="Arial"/>
             </a:endParaRPr>
           </a:p>
@@ -6682,12 +5757,18 @@
               <a:buChar char=""/>
             </a:pPr>
             <a:r>
-              <a:rPr b="0" lang="en-US" sz="2800" spc="-1" strike="noStrike">
+              <a:rPr b="0" lang="en-US" sz="1800" spc="-1" strike="noStrike">
+                <a:solidFill>
+                  <a:srgbClr val="000000"/>
+                </a:solidFill>
                 <a:latin typeface="Arial"/>
               </a:rPr>
               <a:t>Second Outline Level</a:t>
             </a:r>
-            <a:endParaRPr b="0" lang="en-US" sz="2800" spc="-1" strike="noStrike">
+            <a:endParaRPr b="0" lang="en-US" sz="1800" spc="-1" strike="noStrike">
+              <a:solidFill>
+                <a:srgbClr val="000000"/>
+              </a:solidFill>
               <a:latin typeface="Arial"/>
             </a:endParaRPr>
           </a:p>
@@ -6704,12 +5785,18 @@
               <a:buChar char=""/>
             </a:pPr>
             <a:r>
-              <a:rPr b="0" lang="en-US" sz="2400" spc="-1" strike="noStrike">
+              <a:rPr b="0" lang="en-US" sz="1800" spc="-1" strike="noStrike">
+                <a:solidFill>
+                  <a:srgbClr val="000000"/>
+                </a:solidFill>
                 <a:latin typeface="Arial"/>
               </a:rPr>
               <a:t>Third Outline Level</a:t>
             </a:r>
-            <a:endParaRPr b="0" lang="en-US" sz="2400" spc="-1" strike="noStrike">
+            <a:endParaRPr b="0" lang="en-US" sz="1800" spc="-1" strike="noStrike">
+              <a:solidFill>
+                <a:srgbClr val="000000"/>
+              </a:solidFill>
               <a:latin typeface="Arial"/>
             </a:endParaRPr>
           </a:p>
@@ -6726,12 +5813,18 @@
               <a:buChar char=""/>
             </a:pPr>
             <a:r>
-              <a:rPr b="0" lang="en-US" sz="2000" spc="-1" strike="noStrike">
+              <a:rPr b="0" lang="en-US" sz="1800" spc="-1" strike="noStrike">
+                <a:solidFill>
+                  <a:srgbClr val="000000"/>
+                </a:solidFill>
                 <a:latin typeface="Arial"/>
               </a:rPr>
               <a:t>Fourth Outline Level</a:t>
             </a:r>
-            <a:endParaRPr b="0" lang="en-US" sz="2000" spc="-1" strike="noStrike">
+            <a:endParaRPr b="0" lang="en-US" sz="1800" spc="-1" strike="noStrike">
+              <a:solidFill>
+                <a:srgbClr val="000000"/>
+              </a:solidFill>
               <a:latin typeface="Arial"/>
             </a:endParaRPr>
           </a:p>
@@ -6749,11 +5842,17 @@
             </a:pPr>
             <a:r>
               <a:rPr b="0" lang="en-US" sz="2000" spc="-1" strike="noStrike">
+                <a:solidFill>
+                  <a:srgbClr val="000000"/>
+                </a:solidFill>
                 <a:latin typeface="Arial"/>
               </a:rPr>
               <a:t>Fifth Outline Level</a:t>
             </a:r>
             <a:endParaRPr b="0" lang="en-US" sz="2000" spc="-1" strike="noStrike">
+              <a:solidFill>
+                <a:srgbClr val="000000"/>
+              </a:solidFill>
               <a:latin typeface="Arial"/>
             </a:endParaRPr>
           </a:p>
@@ -6771,11 +5870,17 @@
             </a:pPr>
             <a:r>
               <a:rPr b="0" lang="en-US" sz="2000" spc="-1" strike="noStrike">
+                <a:solidFill>
+                  <a:srgbClr val="000000"/>
+                </a:solidFill>
                 <a:latin typeface="Arial"/>
               </a:rPr>
               <a:t>Sixth Outline Level</a:t>
             </a:r>
             <a:endParaRPr b="0" lang="en-US" sz="2000" spc="-1" strike="noStrike">
+              <a:solidFill>
+                <a:srgbClr val="000000"/>
+              </a:solidFill>
               <a:latin typeface="Arial"/>
             </a:endParaRPr>
           </a:p>
@@ -6793,11 +5898,17 @@
             </a:pPr>
             <a:r>
               <a:rPr b="0" lang="en-US" sz="2000" spc="-1" strike="noStrike">
+                <a:solidFill>
+                  <a:srgbClr val="000000"/>
+                </a:solidFill>
                 <a:latin typeface="Arial"/>
               </a:rPr>
               <a:t>Seventh Outline Level</a:t>
             </a:r>
             <a:endParaRPr b="0" lang="en-US" sz="2000" spc="-1" strike="noStrike">
+              <a:solidFill>
+                <a:srgbClr val="000000"/>
+              </a:solidFill>
               <a:latin typeface="Arial"/>
             </a:endParaRPr>
           </a:p>
@@ -6819,1256 +5930,6 @@
     <p:sldLayoutId id="2147483684" r:id="rId11"/>
     <p:sldLayoutId id="2147483685" r:id="rId12"/>
     <p:sldLayoutId id="2147483686" r:id="rId13"/>
-  </p:sldLayoutIdLst>
-</p:sldMaster>
-</file>
-
-<file path=ppt/slideMasters/slideMaster4.xml><?xml version="1.0" encoding="utf-8"?>
-<p:sldMaster xmlns:a="http://schemas.openxmlformats.org/drawingml/2006/main" xmlns:p="http://schemas.openxmlformats.org/presentationml/2006/main" xmlns:r="http://schemas.openxmlformats.org/officeDocument/2006/relationships" xmlns:p14="http://schemas.microsoft.com/office/powerpoint/2010/main" xmlns:p15="http://schemas.microsoft.com/office/powerpoint/2012/main" xmlns:mc="http://schemas.openxmlformats.org/markup-compatibility/2006">
-  <p:cSld>
-    <p:bg>
-      <p:bgPr>
-        <a:solidFill>
-          <a:srgbClr val="ffffff"/>
-        </a:solidFill>
-      </p:bgPr>
-    </p:bg>
-    <p:spTree>
-      <p:nvGrpSpPr>
-        <p:cNvPr id="1" name=""/>
-        <p:cNvGrpSpPr/>
-        <p:nvPr/>
-      </p:nvGrpSpPr>
-      <p:grpSpPr>
-        <a:xfrm>
-          <a:off x="0" y="0"/>
-          <a:ext cx="0" cy="0"/>
-          <a:chOff x="0" y="0"/>
-          <a:chExt cx="0" cy="0"/>
-        </a:xfrm>
-      </p:grpSpPr>
-      <p:sp>
-        <p:nvSpPr>
-          <p:cNvPr id="125" name="CustomShape 1"/>
-          <p:cNvSpPr/>
-          <p:nvPr/>
-        </p:nvSpPr>
-        <p:spPr>
-          <a:xfrm>
-            <a:off x="255960" y="265320"/>
-            <a:ext cx="11681280" cy="6330600"/>
-          </a:xfrm>
-          <a:prstGeom prst="rect">
-            <a:avLst/>
-          </a:prstGeom>
-          <a:solidFill>
-            <a:srgbClr val="f5f5f5"/>
-          </a:solidFill>
-          <a:ln>
-            <a:noFill/>
-          </a:ln>
-        </p:spPr>
-        <p:style>
-          <a:lnRef idx="0"/>
-          <a:fillRef idx="0"/>
-          <a:effectRef idx="0"/>
-          <a:fontRef idx="minor"/>
-        </p:style>
-      </p:sp>
-      <p:sp>
-        <p:nvSpPr>
-          <p:cNvPr id="126" name="CustomShape 2"/>
-          <p:cNvSpPr/>
-          <p:nvPr/>
-        </p:nvSpPr>
-        <p:spPr>
-          <a:xfrm>
-            <a:off x="604440" y="1196280"/>
-            <a:ext cx="10981440" cy="360"/>
-          </a:xfrm>
-          <a:custGeom>
-            <a:avLst/>
-            <a:gdLst/>
-            <a:ahLst/>
-            <a:rect l="l" t="t" r="r" b="b"/>
-            <a:pathLst>
-              <a:path w="21600" h="21600">
-                <a:moveTo>
-                  <a:pt x="0" y="0"/>
-                </a:moveTo>
-                <a:lnTo>
-                  <a:pt x="21600" y="21600"/>
-                </a:lnTo>
-              </a:path>
-            </a:pathLst>
-          </a:custGeom>
-          <a:noFill/>
-          <a:ln w="25560">
-            <a:solidFill>
-              <a:srgbClr val="d24726"/>
-            </a:solidFill>
-            <a:miter/>
-          </a:ln>
-        </p:spPr>
-        <p:style>
-          <a:lnRef idx="0"/>
-          <a:fillRef idx="0"/>
-          <a:effectRef idx="0"/>
-          <a:fontRef idx="minor"/>
-        </p:style>
-      </p:sp>
-      <p:sp>
-        <p:nvSpPr>
-          <p:cNvPr id="127" name="CustomShape 3"/>
-          <p:cNvSpPr/>
-          <p:nvPr/>
-        </p:nvSpPr>
-        <p:spPr>
-          <a:xfrm>
-            <a:off x="254880" y="262800"/>
-            <a:ext cx="11680200" cy="6330600"/>
-          </a:xfrm>
-          <a:prstGeom prst="rect">
-            <a:avLst/>
-          </a:prstGeom>
-          <a:solidFill>
-            <a:srgbClr val="d24726"/>
-          </a:solidFill>
-          <a:ln>
-            <a:noFill/>
-          </a:ln>
-        </p:spPr>
-        <p:style>
-          <a:lnRef idx="0"/>
-          <a:fillRef idx="0"/>
-          <a:effectRef idx="0"/>
-          <a:fontRef idx="minor"/>
-        </p:style>
-      </p:sp>
-      <p:sp>
-        <p:nvSpPr>
-          <p:cNvPr id="128" name="PlaceHolder 4"/>
-          <p:cNvSpPr>
-            <a:spLocks noGrp="1"/>
-          </p:cNvSpPr>
-          <p:nvPr>
-            <p:ph type="title"/>
-          </p:nvPr>
-        </p:nvSpPr>
-        <p:spPr>
-          <a:xfrm>
-            <a:off x="609480" y="273600"/>
-            <a:ext cx="10972080" cy="1144440"/>
-          </a:xfrm>
-          <a:prstGeom prst="rect">
-            <a:avLst/>
-          </a:prstGeom>
-        </p:spPr>
-        <p:txBody>
-          <a:bodyPr lIns="0" rIns="0" tIns="0" bIns="0" anchor="ctr"/>
-          <a:p>
-            <a:r>
-              <a:rPr b="0" lang="en-US" sz="1800" spc="-1" strike="noStrike">
-                <a:latin typeface="Arial"/>
-              </a:rPr>
-              <a:t>Click to edit the title text format</a:t>
-            </a:r>
-            <a:endParaRPr b="0" lang="en-US" sz="1800" spc="-1" strike="noStrike">
-              <a:latin typeface="Arial"/>
-            </a:endParaRPr>
-          </a:p>
-        </p:txBody>
-      </p:sp>
-      <p:sp>
-        <p:nvSpPr>
-          <p:cNvPr id="129" name="PlaceHolder 5"/>
-          <p:cNvSpPr>
-            <a:spLocks noGrp="1"/>
-          </p:cNvSpPr>
-          <p:nvPr>
-            <p:ph type="body"/>
-          </p:nvPr>
-        </p:nvSpPr>
-        <p:spPr>
-          <a:xfrm>
-            <a:off x="609480" y="1604520"/>
-            <a:ext cx="3532680" cy="1896480"/>
-          </a:xfrm>
-          <a:prstGeom prst="rect">
-            <a:avLst/>
-          </a:prstGeom>
-        </p:spPr>
-        <p:txBody>
-          <a:bodyPr lIns="0" rIns="0" tIns="0" bIns="0">
-            <a:normAutofit/>
-          </a:bodyPr>
-          <a:p>
-            <a:pPr marL="432000" indent="-324000">
-              <a:spcBef>
-                <a:spcPts val="1417"/>
-              </a:spcBef>
-              <a:buClr>
-                <a:srgbClr val="000000"/>
-              </a:buClr>
-              <a:buSzPct val="45000"/>
-              <a:buFont typeface="Wingdings" charset="2"/>
-              <a:buChar char=""/>
-            </a:pPr>
-            <a:r>
-              <a:rPr b="0" lang="en-US" sz="1800" spc="-1" strike="noStrike">
-                <a:latin typeface="Arial"/>
-              </a:rPr>
-              <a:t>Click to edit the outline text format</a:t>
-            </a:r>
-            <a:endParaRPr b="0" lang="en-US" sz="1800" spc="-1" strike="noStrike">
-              <a:latin typeface="Arial"/>
-            </a:endParaRPr>
-          </a:p>
-          <a:p>
-            <a:pPr lvl="1" marL="864000" indent="-324000">
-              <a:spcBef>
-                <a:spcPts val="1134"/>
-              </a:spcBef>
-              <a:buClr>
-                <a:srgbClr val="000000"/>
-              </a:buClr>
-              <a:buSzPct val="75000"/>
-              <a:buFont typeface="Symbol" charset="2"/>
-              <a:buChar char=""/>
-            </a:pPr>
-            <a:r>
-              <a:rPr b="0" lang="en-US" sz="1800" spc="-1" strike="noStrike">
-                <a:latin typeface="Arial"/>
-              </a:rPr>
-              <a:t>Second Outline Level</a:t>
-            </a:r>
-            <a:endParaRPr b="0" lang="en-US" sz="1800" spc="-1" strike="noStrike">
-              <a:latin typeface="Arial"/>
-            </a:endParaRPr>
-          </a:p>
-          <a:p>
-            <a:pPr lvl="2" marL="1296000" indent="-288000">
-              <a:spcBef>
-                <a:spcPts val="850"/>
-              </a:spcBef>
-              <a:buClr>
-                <a:srgbClr val="000000"/>
-              </a:buClr>
-              <a:buSzPct val="45000"/>
-              <a:buFont typeface="Wingdings" charset="2"/>
-              <a:buChar char=""/>
-            </a:pPr>
-            <a:r>
-              <a:rPr b="0" lang="en-US" sz="1800" spc="-1" strike="noStrike">
-                <a:latin typeface="Arial"/>
-              </a:rPr>
-              <a:t>Third Outline Level</a:t>
-            </a:r>
-            <a:endParaRPr b="0" lang="en-US" sz="1800" spc="-1" strike="noStrike">
-              <a:latin typeface="Arial"/>
-            </a:endParaRPr>
-          </a:p>
-          <a:p>
-            <a:pPr lvl="3" marL="1728000" indent="-216000">
-              <a:spcBef>
-                <a:spcPts val="567"/>
-              </a:spcBef>
-              <a:buClr>
-                <a:srgbClr val="000000"/>
-              </a:buClr>
-              <a:buSzPct val="75000"/>
-              <a:buFont typeface="Symbol" charset="2"/>
-              <a:buChar char=""/>
-            </a:pPr>
-            <a:r>
-              <a:rPr b="0" lang="en-US" sz="1800" spc="-1" strike="noStrike">
-                <a:latin typeface="Arial"/>
-              </a:rPr>
-              <a:t>Fourth Outline Level</a:t>
-            </a:r>
-            <a:endParaRPr b="0" lang="en-US" sz="1800" spc="-1" strike="noStrike">
-              <a:latin typeface="Arial"/>
-            </a:endParaRPr>
-          </a:p>
-          <a:p>
-            <a:pPr lvl="4" marL="2160000" indent="-216000">
-              <a:spcBef>
-                <a:spcPts val="283"/>
-              </a:spcBef>
-              <a:buClr>
-                <a:srgbClr val="000000"/>
-              </a:buClr>
-              <a:buSzPct val="45000"/>
-              <a:buFont typeface="Wingdings" charset="2"/>
-              <a:buChar char=""/>
-            </a:pPr>
-            <a:r>
-              <a:rPr b="0" lang="en-US" sz="1800" spc="-1" strike="noStrike">
-                <a:latin typeface="Arial"/>
-              </a:rPr>
-              <a:t>Fifth Outline Level</a:t>
-            </a:r>
-            <a:endParaRPr b="0" lang="en-US" sz="1800" spc="-1" strike="noStrike">
-              <a:latin typeface="Arial"/>
-            </a:endParaRPr>
-          </a:p>
-          <a:p>
-            <a:pPr lvl="5" marL="2592000" indent="-216000">
-              <a:spcBef>
-                <a:spcPts val="283"/>
-              </a:spcBef>
-              <a:buClr>
-                <a:srgbClr val="000000"/>
-              </a:buClr>
-              <a:buSzPct val="45000"/>
-              <a:buFont typeface="Wingdings" charset="2"/>
-              <a:buChar char=""/>
-            </a:pPr>
-            <a:r>
-              <a:rPr b="0" lang="en-US" sz="1800" spc="-1" strike="noStrike">
-                <a:latin typeface="Arial"/>
-              </a:rPr>
-              <a:t>Sixth Outline Level</a:t>
-            </a:r>
-            <a:endParaRPr b="0" lang="en-US" sz="1800" spc="-1" strike="noStrike">
-              <a:latin typeface="Arial"/>
-            </a:endParaRPr>
-          </a:p>
-          <a:p>
-            <a:pPr lvl="6" marL="3024000" indent="-216000">
-              <a:spcBef>
-                <a:spcPts val="283"/>
-              </a:spcBef>
-              <a:buClr>
-                <a:srgbClr val="000000"/>
-              </a:buClr>
-              <a:buSzPct val="45000"/>
-              <a:buFont typeface="Wingdings" charset="2"/>
-              <a:buChar char=""/>
-            </a:pPr>
-            <a:r>
-              <a:rPr b="0" lang="en-US" sz="1800" spc="-1" strike="noStrike">
-                <a:latin typeface="Arial"/>
-              </a:rPr>
-              <a:t>Seventh Outline Level</a:t>
-            </a:r>
-            <a:endParaRPr b="0" lang="en-US" sz="1800" spc="-1" strike="noStrike">
-              <a:latin typeface="Arial"/>
-            </a:endParaRPr>
-          </a:p>
-        </p:txBody>
-      </p:sp>
-      <p:sp>
-        <p:nvSpPr>
-          <p:cNvPr id="130" name="PlaceHolder 6"/>
-          <p:cNvSpPr>
-            <a:spLocks noGrp="1"/>
-          </p:cNvSpPr>
-          <p:nvPr>
-            <p:ph type="body"/>
-          </p:nvPr>
-        </p:nvSpPr>
-        <p:spPr>
-          <a:xfrm>
-            <a:off x="4319640" y="1604520"/>
-            <a:ext cx="3532680" cy="1896480"/>
-          </a:xfrm>
-          <a:prstGeom prst="rect">
-            <a:avLst/>
-          </a:prstGeom>
-        </p:spPr>
-        <p:txBody>
-          <a:bodyPr lIns="0" rIns="0" tIns="0" bIns="0">
-            <a:normAutofit/>
-          </a:bodyPr>
-          <a:p>
-            <a:pPr marL="432000" indent="-324000">
-              <a:spcBef>
-                <a:spcPts val="1417"/>
-              </a:spcBef>
-              <a:buClr>
-                <a:srgbClr val="000000"/>
-              </a:buClr>
-              <a:buSzPct val="45000"/>
-              <a:buFont typeface="Wingdings" charset="2"/>
-              <a:buChar char=""/>
-            </a:pPr>
-            <a:r>
-              <a:rPr b="0" lang="en-US" sz="1800" spc="-1" strike="noStrike">
-                <a:latin typeface="Arial"/>
-              </a:rPr>
-              <a:t>Click to edit the outline text format</a:t>
-            </a:r>
-            <a:endParaRPr b="0" lang="en-US" sz="1800" spc="-1" strike="noStrike">
-              <a:latin typeface="Arial"/>
-            </a:endParaRPr>
-          </a:p>
-          <a:p>
-            <a:pPr lvl="1" marL="864000" indent="-324000">
-              <a:spcBef>
-                <a:spcPts val="1134"/>
-              </a:spcBef>
-              <a:buClr>
-                <a:srgbClr val="000000"/>
-              </a:buClr>
-              <a:buSzPct val="75000"/>
-              <a:buFont typeface="Symbol" charset="2"/>
-              <a:buChar char=""/>
-            </a:pPr>
-            <a:r>
-              <a:rPr b="0" lang="en-US" sz="1800" spc="-1" strike="noStrike">
-                <a:latin typeface="Arial"/>
-              </a:rPr>
-              <a:t>Second Outline Level</a:t>
-            </a:r>
-            <a:endParaRPr b="0" lang="en-US" sz="1800" spc="-1" strike="noStrike">
-              <a:latin typeface="Arial"/>
-            </a:endParaRPr>
-          </a:p>
-          <a:p>
-            <a:pPr lvl="2" marL="1296000" indent="-288000">
-              <a:spcBef>
-                <a:spcPts val="850"/>
-              </a:spcBef>
-              <a:buClr>
-                <a:srgbClr val="000000"/>
-              </a:buClr>
-              <a:buSzPct val="45000"/>
-              <a:buFont typeface="Wingdings" charset="2"/>
-              <a:buChar char=""/>
-            </a:pPr>
-            <a:r>
-              <a:rPr b="0" lang="en-US" sz="1800" spc="-1" strike="noStrike">
-                <a:latin typeface="Arial"/>
-              </a:rPr>
-              <a:t>Third Outline Level</a:t>
-            </a:r>
-            <a:endParaRPr b="0" lang="en-US" sz="1800" spc="-1" strike="noStrike">
-              <a:latin typeface="Arial"/>
-            </a:endParaRPr>
-          </a:p>
-          <a:p>
-            <a:pPr lvl="3" marL="1728000" indent="-216000">
-              <a:spcBef>
-                <a:spcPts val="567"/>
-              </a:spcBef>
-              <a:buClr>
-                <a:srgbClr val="000000"/>
-              </a:buClr>
-              <a:buSzPct val="75000"/>
-              <a:buFont typeface="Symbol" charset="2"/>
-              <a:buChar char=""/>
-            </a:pPr>
-            <a:r>
-              <a:rPr b="0" lang="en-US" sz="1800" spc="-1" strike="noStrike">
-                <a:latin typeface="Arial"/>
-              </a:rPr>
-              <a:t>Fourth Outline Level</a:t>
-            </a:r>
-            <a:endParaRPr b="0" lang="en-US" sz="1800" spc="-1" strike="noStrike">
-              <a:latin typeface="Arial"/>
-            </a:endParaRPr>
-          </a:p>
-          <a:p>
-            <a:pPr lvl="4" marL="2160000" indent="-216000">
-              <a:spcBef>
-                <a:spcPts val="283"/>
-              </a:spcBef>
-              <a:buClr>
-                <a:srgbClr val="000000"/>
-              </a:buClr>
-              <a:buSzPct val="45000"/>
-              <a:buFont typeface="Wingdings" charset="2"/>
-              <a:buChar char=""/>
-            </a:pPr>
-            <a:r>
-              <a:rPr b="0" lang="en-US" sz="1800" spc="-1" strike="noStrike">
-                <a:latin typeface="Arial"/>
-              </a:rPr>
-              <a:t>Fifth Outline Level</a:t>
-            </a:r>
-            <a:endParaRPr b="0" lang="en-US" sz="1800" spc="-1" strike="noStrike">
-              <a:latin typeface="Arial"/>
-            </a:endParaRPr>
-          </a:p>
-          <a:p>
-            <a:pPr lvl="5" marL="2592000" indent="-216000">
-              <a:spcBef>
-                <a:spcPts val="283"/>
-              </a:spcBef>
-              <a:buClr>
-                <a:srgbClr val="000000"/>
-              </a:buClr>
-              <a:buSzPct val="45000"/>
-              <a:buFont typeface="Wingdings" charset="2"/>
-              <a:buChar char=""/>
-            </a:pPr>
-            <a:r>
-              <a:rPr b="0" lang="en-US" sz="1800" spc="-1" strike="noStrike">
-                <a:latin typeface="Arial"/>
-              </a:rPr>
-              <a:t>Sixth Outline Level</a:t>
-            </a:r>
-            <a:endParaRPr b="0" lang="en-US" sz="1800" spc="-1" strike="noStrike">
-              <a:latin typeface="Arial"/>
-            </a:endParaRPr>
-          </a:p>
-          <a:p>
-            <a:pPr lvl="6" marL="3024000" indent="-216000">
-              <a:spcBef>
-                <a:spcPts val="283"/>
-              </a:spcBef>
-              <a:buClr>
-                <a:srgbClr val="000000"/>
-              </a:buClr>
-              <a:buSzPct val="45000"/>
-              <a:buFont typeface="Wingdings" charset="2"/>
-              <a:buChar char=""/>
-            </a:pPr>
-            <a:r>
-              <a:rPr b="0" lang="en-US" sz="1800" spc="-1" strike="noStrike">
-                <a:latin typeface="Arial"/>
-              </a:rPr>
-              <a:t>Seventh Outline Level</a:t>
-            </a:r>
-            <a:endParaRPr b="0" lang="en-US" sz="1800" spc="-1" strike="noStrike">
-              <a:latin typeface="Arial"/>
-            </a:endParaRPr>
-          </a:p>
-        </p:txBody>
-      </p:sp>
-      <p:sp>
-        <p:nvSpPr>
-          <p:cNvPr id="131" name="PlaceHolder 7"/>
-          <p:cNvSpPr>
-            <a:spLocks noGrp="1"/>
-          </p:cNvSpPr>
-          <p:nvPr>
-            <p:ph type="body"/>
-          </p:nvPr>
-        </p:nvSpPr>
-        <p:spPr>
-          <a:xfrm>
-            <a:off x="8029800" y="1604520"/>
-            <a:ext cx="3532680" cy="1896480"/>
-          </a:xfrm>
-          <a:prstGeom prst="rect">
-            <a:avLst/>
-          </a:prstGeom>
-        </p:spPr>
-        <p:txBody>
-          <a:bodyPr lIns="0" rIns="0" tIns="0" bIns="0">
-            <a:normAutofit/>
-          </a:bodyPr>
-          <a:p>
-            <a:pPr marL="432000" indent="-324000">
-              <a:spcBef>
-                <a:spcPts val="1417"/>
-              </a:spcBef>
-              <a:buClr>
-                <a:srgbClr val="000000"/>
-              </a:buClr>
-              <a:buSzPct val="45000"/>
-              <a:buFont typeface="Wingdings" charset="2"/>
-              <a:buChar char=""/>
-            </a:pPr>
-            <a:r>
-              <a:rPr b="0" lang="en-US" sz="1800" spc="-1" strike="noStrike">
-                <a:latin typeface="Arial"/>
-              </a:rPr>
-              <a:t>Click to edit the outline text format</a:t>
-            </a:r>
-            <a:endParaRPr b="0" lang="en-US" sz="1800" spc="-1" strike="noStrike">
-              <a:latin typeface="Arial"/>
-            </a:endParaRPr>
-          </a:p>
-          <a:p>
-            <a:pPr lvl="1" marL="864000" indent="-324000">
-              <a:spcBef>
-                <a:spcPts val="1134"/>
-              </a:spcBef>
-              <a:buClr>
-                <a:srgbClr val="000000"/>
-              </a:buClr>
-              <a:buSzPct val="75000"/>
-              <a:buFont typeface="Symbol" charset="2"/>
-              <a:buChar char=""/>
-            </a:pPr>
-            <a:r>
-              <a:rPr b="0" lang="en-US" sz="1800" spc="-1" strike="noStrike">
-                <a:latin typeface="Arial"/>
-              </a:rPr>
-              <a:t>Second Outline Level</a:t>
-            </a:r>
-            <a:endParaRPr b="0" lang="en-US" sz="1800" spc="-1" strike="noStrike">
-              <a:latin typeface="Arial"/>
-            </a:endParaRPr>
-          </a:p>
-          <a:p>
-            <a:pPr lvl="2" marL="1296000" indent="-288000">
-              <a:spcBef>
-                <a:spcPts val="850"/>
-              </a:spcBef>
-              <a:buClr>
-                <a:srgbClr val="000000"/>
-              </a:buClr>
-              <a:buSzPct val="45000"/>
-              <a:buFont typeface="Wingdings" charset="2"/>
-              <a:buChar char=""/>
-            </a:pPr>
-            <a:r>
-              <a:rPr b="0" lang="en-US" sz="1800" spc="-1" strike="noStrike">
-                <a:latin typeface="Arial"/>
-              </a:rPr>
-              <a:t>Third Outline Level</a:t>
-            </a:r>
-            <a:endParaRPr b="0" lang="en-US" sz="1800" spc="-1" strike="noStrike">
-              <a:latin typeface="Arial"/>
-            </a:endParaRPr>
-          </a:p>
-          <a:p>
-            <a:pPr lvl="3" marL="1728000" indent="-216000">
-              <a:spcBef>
-                <a:spcPts val="567"/>
-              </a:spcBef>
-              <a:buClr>
-                <a:srgbClr val="000000"/>
-              </a:buClr>
-              <a:buSzPct val="75000"/>
-              <a:buFont typeface="Symbol" charset="2"/>
-              <a:buChar char=""/>
-            </a:pPr>
-            <a:r>
-              <a:rPr b="0" lang="en-US" sz="1800" spc="-1" strike="noStrike">
-                <a:latin typeface="Arial"/>
-              </a:rPr>
-              <a:t>Fourth Outline Level</a:t>
-            </a:r>
-            <a:endParaRPr b="0" lang="en-US" sz="1800" spc="-1" strike="noStrike">
-              <a:latin typeface="Arial"/>
-            </a:endParaRPr>
-          </a:p>
-          <a:p>
-            <a:pPr lvl="4" marL="2160000" indent="-216000">
-              <a:spcBef>
-                <a:spcPts val="283"/>
-              </a:spcBef>
-              <a:buClr>
-                <a:srgbClr val="000000"/>
-              </a:buClr>
-              <a:buSzPct val="45000"/>
-              <a:buFont typeface="Wingdings" charset="2"/>
-              <a:buChar char=""/>
-            </a:pPr>
-            <a:r>
-              <a:rPr b="0" lang="en-US" sz="1800" spc="-1" strike="noStrike">
-                <a:latin typeface="Arial"/>
-              </a:rPr>
-              <a:t>Fifth Outline Level</a:t>
-            </a:r>
-            <a:endParaRPr b="0" lang="en-US" sz="1800" spc="-1" strike="noStrike">
-              <a:latin typeface="Arial"/>
-            </a:endParaRPr>
-          </a:p>
-          <a:p>
-            <a:pPr lvl="5" marL="2592000" indent="-216000">
-              <a:spcBef>
-                <a:spcPts val="283"/>
-              </a:spcBef>
-              <a:buClr>
-                <a:srgbClr val="000000"/>
-              </a:buClr>
-              <a:buSzPct val="45000"/>
-              <a:buFont typeface="Wingdings" charset="2"/>
-              <a:buChar char=""/>
-            </a:pPr>
-            <a:r>
-              <a:rPr b="0" lang="en-US" sz="1800" spc="-1" strike="noStrike">
-                <a:latin typeface="Arial"/>
-              </a:rPr>
-              <a:t>Sixth Outline Level</a:t>
-            </a:r>
-            <a:endParaRPr b="0" lang="en-US" sz="1800" spc="-1" strike="noStrike">
-              <a:latin typeface="Arial"/>
-            </a:endParaRPr>
-          </a:p>
-          <a:p>
-            <a:pPr lvl="6" marL="3024000" indent="-216000">
-              <a:spcBef>
-                <a:spcPts val="283"/>
-              </a:spcBef>
-              <a:buClr>
-                <a:srgbClr val="000000"/>
-              </a:buClr>
-              <a:buSzPct val="45000"/>
-              <a:buFont typeface="Wingdings" charset="2"/>
-              <a:buChar char=""/>
-            </a:pPr>
-            <a:r>
-              <a:rPr b="0" lang="en-US" sz="1800" spc="-1" strike="noStrike">
-                <a:latin typeface="Arial"/>
-              </a:rPr>
-              <a:t>Seventh Outline Level</a:t>
-            </a:r>
-            <a:endParaRPr b="0" lang="en-US" sz="1800" spc="-1" strike="noStrike">
-              <a:latin typeface="Arial"/>
-            </a:endParaRPr>
-          </a:p>
-        </p:txBody>
-      </p:sp>
-      <p:sp>
-        <p:nvSpPr>
-          <p:cNvPr id="132" name="PlaceHolder 8"/>
-          <p:cNvSpPr>
-            <a:spLocks noGrp="1"/>
-          </p:cNvSpPr>
-          <p:nvPr>
-            <p:ph type="body"/>
-          </p:nvPr>
-        </p:nvSpPr>
-        <p:spPr>
-          <a:xfrm>
-            <a:off x="609480" y="3682080"/>
-            <a:ext cx="3532680" cy="1896480"/>
-          </a:xfrm>
-          <a:prstGeom prst="rect">
-            <a:avLst/>
-          </a:prstGeom>
-        </p:spPr>
-        <p:txBody>
-          <a:bodyPr lIns="0" rIns="0" tIns="0" bIns="0">
-            <a:normAutofit/>
-          </a:bodyPr>
-          <a:p>
-            <a:pPr marL="432000" indent="-324000">
-              <a:spcBef>
-                <a:spcPts val="1417"/>
-              </a:spcBef>
-              <a:buClr>
-                <a:srgbClr val="000000"/>
-              </a:buClr>
-              <a:buSzPct val="45000"/>
-              <a:buFont typeface="Wingdings" charset="2"/>
-              <a:buChar char=""/>
-            </a:pPr>
-            <a:r>
-              <a:rPr b="0" lang="en-US" sz="1800" spc="-1" strike="noStrike">
-                <a:latin typeface="Arial"/>
-              </a:rPr>
-              <a:t>Click to edit the outline text format</a:t>
-            </a:r>
-            <a:endParaRPr b="0" lang="en-US" sz="1800" spc="-1" strike="noStrike">
-              <a:latin typeface="Arial"/>
-            </a:endParaRPr>
-          </a:p>
-          <a:p>
-            <a:pPr lvl="1" marL="864000" indent="-324000">
-              <a:spcBef>
-                <a:spcPts val="1134"/>
-              </a:spcBef>
-              <a:buClr>
-                <a:srgbClr val="000000"/>
-              </a:buClr>
-              <a:buSzPct val="75000"/>
-              <a:buFont typeface="Symbol" charset="2"/>
-              <a:buChar char=""/>
-            </a:pPr>
-            <a:r>
-              <a:rPr b="0" lang="en-US" sz="1800" spc="-1" strike="noStrike">
-                <a:latin typeface="Arial"/>
-              </a:rPr>
-              <a:t>Second Outline Level</a:t>
-            </a:r>
-            <a:endParaRPr b="0" lang="en-US" sz="1800" spc="-1" strike="noStrike">
-              <a:latin typeface="Arial"/>
-            </a:endParaRPr>
-          </a:p>
-          <a:p>
-            <a:pPr lvl="2" marL="1296000" indent="-288000">
-              <a:spcBef>
-                <a:spcPts val="850"/>
-              </a:spcBef>
-              <a:buClr>
-                <a:srgbClr val="000000"/>
-              </a:buClr>
-              <a:buSzPct val="45000"/>
-              <a:buFont typeface="Wingdings" charset="2"/>
-              <a:buChar char=""/>
-            </a:pPr>
-            <a:r>
-              <a:rPr b="0" lang="en-US" sz="1800" spc="-1" strike="noStrike">
-                <a:latin typeface="Arial"/>
-              </a:rPr>
-              <a:t>Third Outline Level</a:t>
-            </a:r>
-            <a:endParaRPr b="0" lang="en-US" sz="1800" spc="-1" strike="noStrike">
-              <a:latin typeface="Arial"/>
-            </a:endParaRPr>
-          </a:p>
-          <a:p>
-            <a:pPr lvl="3" marL="1728000" indent="-216000">
-              <a:spcBef>
-                <a:spcPts val="567"/>
-              </a:spcBef>
-              <a:buClr>
-                <a:srgbClr val="000000"/>
-              </a:buClr>
-              <a:buSzPct val="75000"/>
-              <a:buFont typeface="Symbol" charset="2"/>
-              <a:buChar char=""/>
-            </a:pPr>
-            <a:r>
-              <a:rPr b="0" lang="en-US" sz="1800" spc="-1" strike="noStrike">
-                <a:latin typeface="Arial"/>
-              </a:rPr>
-              <a:t>Fourth Outline Level</a:t>
-            </a:r>
-            <a:endParaRPr b="0" lang="en-US" sz="1800" spc="-1" strike="noStrike">
-              <a:latin typeface="Arial"/>
-            </a:endParaRPr>
-          </a:p>
-          <a:p>
-            <a:pPr lvl="4" marL="2160000" indent="-216000">
-              <a:spcBef>
-                <a:spcPts val="283"/>
-              </a:spcBef>
-              <a:buClr>
-                <a:srgbClr val="000000"/>
-              </a:buClr>
-              <a:buSzPct val="45000"/>
-              <a:buFont typeface="Wingdings" charset="2"/>
-              <a:buChar char=""/>
-            </a:pPr>
-            <a:r>
-              <a:rPr b="0" lang="en-US" sz="1800" spc="-1" strike="noStrike">
-                <a:latin typeface="Arial"/>
-              </a:rPr>
-              <a:t>Fifth Outline Level</a:t>
-            </a:r>
-            <a:endParaRPr b="0" lang="en-US" sz="1800" spc="-1" strike="noStrike">
-              <a:latin typeface="Arial"/>
-            </a:endParaRPr>
-          </a:p>
-          <a:p>
-            <a:pPr lvl="5" marL="2592000" indent="-216000">
-              <a:spcBef>
-                <a:spcPts val="283"/>
-              </a:spcBef>
-              <a:buClr>
-                <a:srgbClr val="000000"/>
-              </a:buClr>
-              <a:buSzPct val="45000"/>
-              <a:buFont typeface="Wingdings" charset="2"/>
-              <a:buChar char=""/>
-            </a:pPr>
-            <a:r>
-              <a:rPr b="0" lang="en-US" sz="1800" spc="-1" strike="noStrike">
-                <a:latin typeface="Arial"/>
-              </a:rPr>
-              <a:t>Sixth Outline Level</a:t>
-            </a:r>
-            <a:endParaRPr b="0" lang="en-US" sz="1800" spc="-1" strike="noStrike">
-              <a:latin typeface="Arial"/>
-            </a:endParaRPr>
-          </a:p>
-          <a:p>
-            <a:pPr lvl="6" marL="3024000" indent="-216000">
-              <a:spcBef>
-                <a:spcPts val="283"/>
-              </a:spcBef>
-              <a:buClr>
-                <a:srgbClr val="000000"/>
-              </a:buClr>
-              <a:buSzPct val="45000"/>
-              <a:buFont typeface="Wingdings" charset="2"/>
-              <a:buChar char=""/>
-            </a:pPr>
-            <a:r>
-              <a:rPr b="0" lang="en-US" sz="1800" spc="-1" strike="noStrike">
-                <a:latin typeface="Arial"/>
-              </a:rPr>
-              <a:t>Seventh Outline Level</a:t>
-            </a:r>
-            <a:endParaRPr b="0" lang="en-US" sz="1800" spc="-1" strike="noStrike">
-              <a:latin typeface="Arial"/>
-            </a:endParaRPr>
-          </a:p>
-        </p:txBody>
-      </p:sp>
-      <p:sp>
-        <p:nvSpPr>
-          <p:cNvPr id="133" name="PlaceHolder 9"/>
-          <p:cNvSpPr>
-            <a:spLocks noGrp="1"/>
-          </p:cNvSpPr>
-          <p:nvPr>
-            <p:ph type="body"/>
-          </p:nvPr>
-        </p:nvSpPr>
-        <p:spPr>
-          <a:xfrm>
-            <a:off x="4319640" y="3682080"/>
-            <a:ext cx="3532680" cy="1896480"/>
-          </a:xfrm>
-          <a:prstGeom prst="rect">
-            <a:avLst/>
-          </a:prstGeom>
-        </p:spPr>
-        <p:txBody>
-          <a:bodyPr lIns="0" rIns="0" tIns="0" bIns="0">
-            <a:normAutofit/>
-          </a:bodyPr>
-          <a:p>
-            <a:pPr marL="432000" indent="-324000">
-              <a:spcBef>
-                <a:spcPts val="1417"/>
-              </a:spcBef>
-              <a:buClr>
-                <a:srgbClr val="000000"/>
-              </a:buClr>
-              <a:buSzPct val="45000"/>
-              <a:buFont typeface="Wingdings" charset="2"/>
-              <a:buChar char=""/>
-            </a:pPr>
-            <a:r>
-              <a:rPr b="0" lang="en-US" sz="1800" spc="-1" strike="noStrike">
-                <a:latin typeface="Arial"/>
-              </a:rPr>
-              <a:t>Click to edit the outline text format</a:t>
-            </a:r>
-            <a:endParaRPr b="0" lang="en-US" sz="1800" spc="-1" strike="noStrike">
-              <a:latin typeface="Arial"/>
-            </a:endParaRPr>
-          </a:p>
-          <a:p>
-            <a:pPr lvl="1" marL="864000" indent="-324000">
-              <a:spcBef>
-                <a:spcPts val="1134"/>
-              </a:spcBef>
-              <a:buClr>
-                <a:srgbClr val="000000"/>
-              </a:buClr>
-              <a:buSzPct val="75000"/>
-              <a:buFont typeface="Symbol" charset="2"/>
-              <a:buChar char=""/>
-            </a:pPr>
-            <a:r>
-              <a:rPr b="0" lang="en-US" sz="1800" spc="-1" strike="noStrike">
-                <a:latin typeface="Arial"/>
-              </a:rPr>
-              <a:t>Second Outline Level</a:t>
-            </a:r>
-            <a:endParaRPr b="0" lang="en-US" sz="1800" spc="-1" strike="noStrike">
-              <a:latin typeface="Arial"/>
-            </a:endParaRPr>
-          </a:p>
-          <a:p>
-            <a:pPr lvl="2" marL="1296000" indent="-288000">
-              <a:spcBef>
-                <a:spcPts val="850"/>
-              </a:spcBef>
-              <a:buClr>
-                <a:srgbClr val="000000"/>
-              </a:buClr>
-              <a:buSzPct val="45000"/>
-              <a:buFont typeface="Wingdings" charset="2"/>
-              <a:buChar char=""/>
-            </a:pPr>
-            <a:r>
-              <a:rPr b="0" lang="en-US" sz="1800" spc="-1" strike="noStrike">
-                <a:latin typeface="Arial"/>
-              </a:rPr>
-              <a:t>Third Outline Level</a:t>
-            </a:r>
-            <a:endParaRPr b="0" lang="en-US" sz="1800" spc="-1" strike="noStrike">
-              <a:latin typeface="Arial"/>
-            </a:endParaRPr>
-          </a:p>
-          <a:p>
-            <a:pPr lvl="3" marL="1728000" indent="-216000">
-              <a:spcBef>
-                <a:spcPts val="567"/>
-              </a:spcBef>
-              <a:buClr>
-                <a:srgbClr val="000000"/>
-              </a:buClr>
-              <a:buSzPct val="75000"/>
-              <a:buFont typeface="Symbol" charset="2"/>
-              <a:buChar char=""/>
-            </a:pPr>
-            <a:r>
-              <a:rPr b="0" lang="en-US" sz="1800" spc="-1" strike="noStrike">
-                <a:latin typeface="Arial"/>
-              </a:rPr>
-              <a:t>Fourth Outline Level</a:t>
-            </a:r>
-            <a:endParaRPr b="0" lang="en-US" sz="1800" spc="-1" strike="noStrike">
-              <a:latin typeface="Arial"/>
-            </a:endParaRPr>
-          </a:p>
-          <a:p>
-            <a:pPr lvl="4" marL="2160000" indent="-216000">
-              <a:spcBef>
-                <a:spcPts val="283"/>
-              </a:spcBef>
-              <a:buClr>
-                <a:srgbClr val="000000"/>
-              </a:buClr>
-              <a:buSzPct val="45000"/>
-              <a:buFont typeface="Wingdings" charset="2"/>
-              <a:buChar char=""/>
-            </a:pPr>
-            <a:r>
-              <a:rPr b="0" lang="en-US" sz="1800" spc="-1" strike="noStrike">
-                <a:latin typeface="Arial"/>
-              </a:rPr>
-              <a:t>Fifth Outline Level</a:t>
-            </a:r>
-            <a:endParaRPr b="0" lang="en-US" sz="1800" spc="-1" strike="noStrike">
-              <a:latin typeface="Arial"/>
-            </a:endParaRPr>
-          </a:p>
-          <a:p>
-            <a:pPr lvl="5" marL="2592000" indent="-216000">
-              <a:spcBef>
-                <a:spcPts val="283"/>
-              </a:spcBef>
-              <a:buClr>
-                <a:srgbClr val="000000"/>
-              </a:buClr>
-              <a:buSzPct val="45000"/>
-              <a:buFont typeface="Wingdings" charset="2"/>
-              <a:buChar char=""/>
-            </a:pPr>
-            <a:r>
-              <a:rPr b="0" lang="en-US" sz="1800" spc="-1" strike="noStrike">
-                <a:latin typeface="Arial"/>
-              </a:rPr>
-              <a:t>Sixth Outline Level</a:t>
-            </a:r>
-            <a:endParaRPr b="0" lang="en-US" sz="1800" spc="-1" strike="noStrike">
-              <a:latin typeface="Arial"/>
-            </a:endParaRPr>
-          </a:p>
-          <a:p>
-            <a:pPr lvl="6" marL="3024000" indent="-216000">
-              <a:spcBef>
-                <a:spcPts val="283"/>
-              </a:spcBef>
-              <a:buClr>
-                <a:srgbClr val="000000"/>
-              </a:buClr>
-              <a:buSzPct val="45000"/>
-              <a:buFont typeface="Wingdings" charset="2"/>
-              <a:buChar char=""/>
-            </a:pPr>
-            <a:r>
-              <a:rPr b="0" lang="en-US" sz="1800" spc="-1" strike="noStrike">
-                <a:latin typeface="Arial"/>
-              </a:rPr>
-              <a:t>Seventh Outline Level</a:t>
-            </a:r>
-            <a:endParaRPr b="0" lang="en-US" sz="1800" spc="-1" strike="noStrike">
-              <a:latin typeface="Arial"/>
-            </a:endParaRPr>
-          </a:p>
-        </p:txBody>
-      </p:sp>
-      <p:sp>
-        <p:nvSpPr>
-          <p:cNvPr id="134" name="PlaceHolder 10"/>
-          <p:cNvSpPr>
-            <a:spLocks noGrp="1"/>
-          </p:cNvSpPr>
-          <p:nvPr>
-            <p:ph type="body"/>
-          </p:nvPr>
-        </p:nvSpPr>
-        <p:spPr>
-          <a:xfrm>
-            <a:off x="8029800" y="3682080"/>
-            <a:ext cx="3532680" cy="1896480"/>
-          </a:xfrm>
-          <a:prstGeom prst="rect">
-            <a:avLst/>
-          </a:prstGeom>
-        </p:spPr>
-        <p:txBody>
-          <a:bodyPr lIns="0" rIns="0" tIns="0" bIns="0">
-            <a:normAutofit/>
-          </a:bodyPr>
-          <a:p>
-            <a:pPr marL="432000" indent="-324000">
-              <a:spcBef>
-                <a:spcPts val="1417"/>
-              </a:spcBef>
-              <a:buClr>
-                <a:srgbClr val="000000"/>
-              </a:buClr>
-              <a:buSzPct val="45000"/>
-              <a:buFont typeface="Wingdings" charset="2"/>
-              <a:buChar char=""/>
-            </a:pPr>
-            <a:r>
-              <a:rPr b="0" lang="en-US" sz="1800" spc="-1" strike="noStrike">
-                <a:latin typeface="Arial"/>
-              </a:rPr>
-              <a:t>Click to edit the outline text format</a:t>
-            </a:r>
-            <a:endParaRPr b="0" lang="en-US" sz="1800" spc="-1" strike="noStrike">
-              <a:latin typeface="Arial"/>
-            </a:endParaRPr>
-          </a:p>
-          <a:p>
-            <a:pPr lvl="1" marL="864000" indent="-324000">
-              <a:spcBef>
-                <a:spcPts val="1134"/>
-              </a:spcBef>
-              <a:buClr>
-                <a:srgbClr val="000000"/>
-              </a:buClr>
-              <a:buSzPct val="75000"/>
-              <a:buFont typeface="Symbol" charset="2"/>
-              <a:buChar char=""/>
-            </a:pPr>
-            <a:r>
-              <a:rPr b="0" lang="en-US" sz="1800" spc="-1" strike="noStrike">
-                <a:latin typeface="Arial"/>
-              </a:rPr>
-              <a:t>Second Outline Level</a:t>
-            </a:r>
-            <a:endParaRPr b="0" lang="en-US" sz="1800" spc="-1" strike="noStrike">
-              <a:latin typeface="Arial"/>
-            </a:endParaRPr>
-          </a:p>
-          <a:p>
-            <a:pPr lvl="2" marL="1296000" indent="-288000">
-              <a:spcBef>
-                <a:spcPts val="850"/>
-              </a:spcBef>
-              <a:buClr>
-                <a:srgbClr val="000000"/>
-              </a:buClr>
-              <a:buSzPct val="45000"/>
-              <a:buFont typeface="Wingdings" charset="2"/>
-              <a:buChar char=""/>
-            </a:pPr>
-            <a:r>
-              <a:rPr b="0" lang="en-US" sz="1800" spc="-1" strike="noStrike">
-                <a:latin typeface="Arial"/>
-              </a:rPr>
-              <a:t>Third Outline Level</a:t>
-            </a:r>
-            <a:endParaRPr b="0" lang="en-US" sz="1800" spc="-1" strike="noStrike">
-              <a:latin typeface="Arial"/>
-            </a:endParaRPr>
-          </a:p>
-          <a:p>
-            <a:pPr lvl="3" marL="1728000" indent="-216000">
-              <a:spcBef>
-                <a:spcPts val="567"/>
-              </a:spcBef>
-              <a:buClr>
-                <a:srgbClr val="000000"/>
-              </a:buClr>
-              <a:buSzPct val="75000"/>
-              <a:buFont typeface="Symbol" charset="2"/>
-              <a:buChar char=""/>
-            </a:pPr>
-            <a:r>
-              <a:rPr b="0" lang="en-US" sz="1800" spc="-1" strike="noStrike">
-                <a:latin typeface="Arial"/>
-              </a:rPr>
-              <a:t>Fourth Outline Level</a:t>
-            </a:r>
-            <a:endParaRPr b="0" lang="en-US" sz="1800" spc="-1" strike="noStrike">
-              <a:latin typeface="Arial"/>
-            </a:endParaRPr>
-          </a:p>
-          <a:p>
-            <a:pPr lvl="4" marL="2160000" indent="-216000">
-              <a:spcBef>
-                <a:spcPts val="283"/>
-              </a:spcBef>
-              <a:buClr>
-                <a:srgbClr val="000000"/>
-              </a:buClr>
-              <a:buSzPct val="45000"/>
-              <a:buFont typeface="Wingdings" charset="2"/>
-              <a:buChar char=""/>
-            </a:pPr>
-            <a:r>
-              <a:rPr b="0" lang="en-US" sz="1800" spc="-1" strike="noStrike">
-                <a:latin typeface="Arial"/>
-              </a:rPr>
-              <a:t>Fifth Outline Level</a:t>
-            </a:r>
-            <a:endParaRPr b="0" lang="en-US" sz="1800" spc="-1" strike="noStrike">
-              <a:latin typeface="Arial"/>
-            </a:endParaRPr>
-          </a:p>
-          <a:p>
-            <a:pPr lvl="5" marL="2592000" indent="-216000">
-              <a:spcBef>
-                <a:spcPts val="283"/>
-              </a:spcBef>
-              <a:buClr>
-                <a:srgbClr val="000000"/>
-              </a:buClr>
-              <a:buSzPct val="45000"/>
-              <a:buFont typeface="Wingdings" charset="2"/>
-              <a:buChar char=""/>
-            </a:pPr>
-            <a:r>
-              <a:rPr b="0" lang="en-US" sz="1800" spc="-1" strike="noStrike">
-                <a:latin typeface="Arial"/>
-              </a:rPr>
-              <a:t>Sixth Outline Level</a:t>
-            </a:r>
-            <a:endParaRPr b="0" lang="en-US" sz="1800" spc="-1" strike="noStrike">
-              <a:latin typeface="Arial"/>
-            </a:endParaRPr>
-          </a:p>
-          <a:p>
-            <a:pPr lvl="6" marL="3024000" indent="-216000">
-              <a:spcBef>
-                <a:spcPts val="283"/>
-              </a:spcBef>
-              <a:buClr>
-                <a:srgbClr val="000000"/>
-              </a:buClr>
-              <a:buSzPct val="45000"/>
-              <a:buFont typeface="Wingdings" charset="2"/>
-              <a:buChar char=""/>
-            </a:pPr>
-            <a:r>
-              <a:rPr b="0" lang="en-US" sz="1800" spc="-1" strike="noStrike">
-                <a:latin typeface="Arial"/>
-              </a:rPr>
-              <a:t>Seventh Outline Level</a:t>
-            </a:r>
-            <a:endParaRPr b="0" lang="en-US" sz="1800" spc="-1" strike="noStrike">
-              <a:latin typeface="Arial"/>
-            </a:endParaRPr>
-          </a:p>
-        </p:txBody>
-      </p:sp>
-    </p:spTree>
-  </p:cSld>
-  <p:clrMap bg1="lt1" bg2="lt2" tx1="dk1" tx2="dk2" accent1="accent1" accent2="accent2" accent3="accent3" accent4="accent4" accent5="accent5" accent6="accent6" hlink="hlink" folHlink="folHlink"/>
-  <p:sldLayoutIdLst>
-    <p:sldLayoutId id="2147483688" r:id="rId2"/>
-    <p:sldLayoutId id="2147483689" r:id="rId3"/>
-    <p:sldLayoutId id="2147483690" r:id="rId4"/>
-    <p:sldLayoutId id="2147483691" r:id="rId5"/>
-    <p:sldLayoutId id="2147483692" r:id="rId6"/>
-    <p:sldLayoutId id="2147483693" r:id="rId7"/>
-    <p:sldLayoutId id="2147483694" r:id="rId8"/>
-    <p:sldLayoutId id="2147483695" r:id="rId9"/>
-    <p:sldLayoutId id="2147483696" r:id="rId10"/>
-    <p:sldLayoutId id="2147483697" r:id="rId11"/>
-    <p:sldLayoutId id="2147483698" r:id="rId12"/>
-    <p:sldLayoutId id="2147483699" r:id="rId13"/>
   </p:sldLayoutIdLst>
 </p:sldMaster>
 </file>
@@ -8092,14 +5953,14 @@
       </p:grpSpPr>
       <p:sp>
         <p:nvSpPr>
-          <p:cNvPr id="177" name="CustomShape 1"/>
+          <p:cNvPr id="131" name="CustomShape 1"/>
           <p:cNvSpPr/>
           <p:nvPr/>
         </p:nvSpPr>
         <p:spPr>
           <a:xfrm>
             <a:off x="2016000" y="720360"/>
-            <a:ext cx="10513800" cy="2385720"/>
+            <a:ext cx="10513080" cy="2385000"/>
           </a:xfrm>
           <a:prstGeom prst="rect">
             <a:avLst/>
@@ -8124,7 +5985,7 @@
               </a:lnSpc>
             </a:pPr>
             <a:r>
-              <a:rPr b="0" lang="en-US" sz="1800" spc="-1" strike="noStrike">
+              <a:rPr b="0" lang="en-US" sz="4000" spc="-1" strike="noStrike">
                 <a:solidFill>
                   <a:srgbClr val="ffffff"/>
                 </a:solidFill>
@@ -8133,22 +5994,22 @@
               </a:rPr>
               <a:t>Wifi Embedded Webcam</a:t>
             </a:r>
-            <a:endParaRPr b="0" lang="en-US" sz="1800" spc="-1" strike="noStrike">
-              <a:latin typeface="Arial"/>
-            </a:endParaRPr>
-          </a:p>
-        </p:txBody>
-      </p:sp>
-      <p:sp>
-        <p:nvSpPr>
-          <p:cNvPr id="178" name="CustomShape 2"/>
+            <a:endParaRPr b="0" lang="en-US" sz="4000" spc="-1" strike="noStrike">
+              <a:latin typeface="Arial"/>
+            </a:endParaRPr>
+          </a:p>
+        </p:txBody>
+      </p:sp>
+      <p:sp>
+        <p:nvSpPr>
+          <p:cNvPr id="132" name="CustomShape 2"/>
           <p:cNvSpPr/>
           <p:nvPr/>
         </p:nvSpPr>
         <p:spPr>
           <a:xfrm>
             <a:off x="8477640" y="4075560"/>
-            <a:ext cx="3459960" cy="1701000"/>
+            <a:ext cx="3459240" cy="1700280"/>
           </a:xfrm>
           <a:prstGeom prst="rect">
             <a:avLst/>
@@ -8319,14 +6180,14 @@
       </p:grpSpPr>
       <p:sp>
         <p:nvSpPr>
-          <p:cNvPr id="207" name="CustomShape 1"/>
+          <p:cNvPr id="161" name="CustomShape 1"/>
           <p:cNvSpPr/>
           <p:nvPr/>
         </p:nvSpPr>
         <p:spPr>
           <a:xfrm>
             <a:off x="521280" y="1536120"/>
-            <a:ext cx="6874560" cy="638280"/>
+            <a:ext cx="6873840" cy="637560"/>
           </a:xfrm>
           <a:prstGeom prst="rect">
             <a:avLst/>
@@ -8368,14 +6229,14 @@
       </p:sp>
       <p:sp>
         <p:nvSpPr>
-          <p:cNvPr id="208" name="CustomShape 2"/>
+          <p:cNvPr id="162" name="CustomShape 2"/>
           <p:cNvSpPr/>
           <p:nvPr/>
         </p:nvSpPr>
         <p:spPr>
           <a:xfrm>
             <a:off x="457200" y="2698560"/>
-            <a:ext cx="10762200" cy="3975840"/>
+            <a:ext cx="10761480" cy="3975120"/>
           </a:xfrm>
           <a:prstGeom prst="rect">
             <a:avLst/>
@@ -8394,14 +6255,14 @@
       </p:sp>
       <p:sp>
         <p:nvSpPr>
-          <p:cNvPr id="209" name="CustomShape 3"/>
+          <p:cNvPr id="163" name="CustomShape 3"/>
           <p:cNvSpPr/>
           <p:nvPr/>
         </p:nvSpPr>
         <p:spPr>
           <a:xfrm>
             <a:off x="539640" y="2560320"/>
-            <a:ext cx="11072880" cy="3975840"/>
+            <a:ext cx="11072160" cy="3975120"/>
           </a:xfrm>
           <a:prstGeom prst="rect">
             <a:avLst/>
@@ -8420,9 +6281,9 @@
         <p:txBody>
           <a:bodyPr lIns="90000" rIns="90000" tIns="45000" bIns="45000"/>
           <a:p>
-            <a:pPr marL="432000" indent="-322200" algn="just">
+            <a:pPr marL="431640" indent="-321120" algn="just">
               <a:lnSpc>
-                <a:spcPct val="100000"/>
+                <a:spcPct val="160000"/>
               </a:lnSpc>
               <a:buBlip>
                 <a:blip r:embed="rId1"/>
@@ -8453,9 +6314,9 @@
             </a:endParaRPr>
           </a:p>
           <a:p>
-            <a:pPr marL="432000" indent="-322200" algn="just">
+            <a:pPr marL="431640" indent="-321120" algn="just">
               <a:lnSpc>
-                <a:spcPct val="100000"/>
+                <a:spcPct val="160000"/>
               </a:lnSpc>
               <a:buBlip>
                 <a:blip r:embed="rId2"/>
@@ -8486,9 +6347,9 @@
             </a:endParaRPr>
           </a:p>
           <a:p>
-            <a:pPr marL="432000" indent="-322200" algn="just">
+            <a:pPr marL="431640" indent="-321120" algn="just">
               <a:lnSpc>
-                <a:spcPct val="100000"/>
+                <a:spcPct val="160000"/>
               </a:lnSpc>
               <a:buBlip>
                 <a:blip r:embed="rId3"/>
@@ -8502,7 +6363,17 @@
                 <a:latin typeface="Times New Roman"/>
                 <a:ea typeface="Times New Roman"/>
               </a:rPr>
-              <a:t>Time delay in actual image and resulting image may cause significant failure in security</a:t>
+              <a:t>Time delay in actual image and resulting image may cause significant failure in </a:t>
+            </a:r>
+            <a:r>
+              <a:rPr b="1" lang="en-US" sz="2000" spc="-1" strike="noStrike">
+                <a:solidFill>
+                  <a:srgbClr val="3d3d3d"/>
+                </a:solidFill>
+                <a:latin typeface="Times New Roman"/>
+                <a:ea typeface="Times New Roman"/>
+              </a:rPr>
+              <a:t>security</a:t>
             </a:r>
             <a:endParaRPr b="0" lang="en-US" sz="2000" spc="-1" strike="noStrike">
               <a:latin typeface="Arial"/>
@@ -8571,14 +6442,14 @@
       </p:grpSpPr>
       <p:sp>
         <p:nvSpPr>
-          <p:cNvPr id="210" name="CustomShape 1"/>
+          <p:cNvPr id="164" name="CustomShape 1"/>
           <p:cNvSpPr/>
           <p:nvPr/>
         </p:nvSpPr>
         <p:spPr>
           <a:xfrm>
             <a:off x="521280" y="1536120"/>
-            <a:ext cx="6874560" cy="638280"/>
+            <a:ext cx="6873840" cy="637560"/>
           </a:xfrm>
           <a:prstGeom prst="rect">
             <a:avLst/>
@@ -8620,14 +6491,14 @@
       </p:sp>
       <p:sp>
         <p:nvSpPr>
-          <p:cNvPr id="211" name="CustomShape 2"/>
+          <p:cNvPr id="165" name="CustomShape 2"/>
           <p:cNvSpPr/>
           <p:nvPr/>
         </p:nvSpPr>
         <p:spPr>
           <a:xfrm>
             <a:off x="539640" y="2560320"/>
-            <a:ext cx="9443880" cy="3975840"/>
+            <a:ext cx="9443160" cy="3975120"/>
           </a:xfrm>
           <a:prstGeom prst="rect">
             <a:avLst/>
@@ -8646,14 +6517,14 @@
       </p:sp>
       <p:sp>
         <p:nvSpPr>
-          <p:cNvPr id="212" name="CustomShape 3"/>
+          <p:cNvPr id="166" name="CustomShape 3"/>
           <p:cNvSpPr/>
           <p:nvPr/>
         </p:nvSpPr>
         <p:spPr>
           <a:xfrm>
             <a:off x="607320" y="2560320"/>
-            <a:ext cx="9816480" cy="3793320"/>
+            <a:ext cx="9815760" cy="3792600"/>
           </a:xfrm>
           <a:prstGeom prst="rect">
             <a:avLst/>
@@ -8674,7 +6545,7 @@
           <a:p>
             <a:pPr marL="216000" indent="-215640">
               <a:lnSpc>
-                <a:spcPct val="100000"/>
+                <a:spcPct val="140000"/>
               </a:lnSpc>
               <a:buBlip>
                 <a:blip r:embed="rId1"/>
@@ -8697,7 +6568,7 @@
           <a:p>
             <a:pPr marL="216000" indent="-215640">
               <a:lnSpc>
-                <a:spcPct val="100000"/>
+                <a:spcPct val="140000"/>
               </a:lnSpc>
               <a:buBlip>
                 <a:blip r:embed="rId2"/>
@@ -8720,7 +6591,7 @@
           <a:p>
             <a:pPr marL="216000" indent="-215640">
               <a:lnSpc>
-                <a:spcPct val="100000"/>
+                <a:spcPct val="140000"/>
               </a:lnSpc>
               <a:buBlip>
                 <a:blip r:embed="rId3"/>
@@ -8743,7 +6614,7 @@
           <a:p>
             <a:pPr marL="216000" indent="-215640">
               <a:lnSpc>
-                <a:spcPct val="100000"/>
+                <a:spcPct val="140000"/>
               </a:lnSpc>
               <a:buBlip>
                 <a:blip r:embed="rId4"/>
@@ -8766,7 +6637,7 @@
           <a:p>
             <a:pPr marL="216000" indent="-215640">
               <a:lnSpc>
-                <a:spcPct val="100000"/>
+                <a:spcPct val="140000"/>
               </a:lnSpc>
               <a:buBlip>
                 <a:blip r:embed="rId5"/>
@@ -8839,14 +6710,14 @@
       </p:grpSpPr>
       <p:sp>
         <p:nvSpPr>
-          <p:cNvPr id="213" name="CustomShape 1"/>
+          <p:cNvPr id="167" name="CustomShape 1"/>
           <p:cNvSpPr/>
           <p:nvPr/>
         </p:nvSpPr>
         <p:spPr>
           <a:xfrm>
             <a:off x="521280" y="1536120"/>
-            <a:ext cx="6874560" cy="638280"/>
+            <a:ext cx="6873840" cy="637560"/>
           </a:xfrm>
           <a:prstGeom prst="rect">
             <a:avLst/>
@@ -8888,14 +6759,14 @@
       </p:sp>
       <p:sp>
         <p:nvSpPr>
-          <p:cNvPr id="214" name="CustomShape 2"/>
+          <p:cNvPr id="168" name="CustomShape 2"/>
           <p:cNvSpPr/>
           <p:nvPr/>
         </p:nvSpPr>
         <p:spPr>
           <a:xfrm>
             <a:off x="539640" y="2560320"/>
-            <a:ext cx="9443880" cy="3975840"/>
+            <a:ext cx="9443160" cy="3975120"/>
           </a:xfrm>
           <a:prstGeom prst="rect">
             <a:avLst/>
@@ -8933,6 +6804,115 @@
               </a:spcBef>
             </a:pPr>
             <a:endParaRPr b="0" lang="en-US" sz="1800" spc="-1" strike="noStrike">
+              <a:latin typeface="Arial"/>
+            </a:endParaRPr>
+          </a:p>
+        </p:txBody>
+      </p:sp>
+      <p:sp>
+        <p:nvSpPr>
+          <p:cNvPr id="169" name="CustomShape 3"/>
+          <p:cNvSpPr/>
+          <p:nvPr/>
+        </p:nvSpPr>
+        <p:spPr>
+          <a:xfrm>
+            <a:off x="521280" y="2619360"/>
+            <a:ext cx="10728720" cy="3447360"/>
+          </a:xfrm>
+          <a:prstGeom prst="rect">
+            <a:avLst/>
+          </a:prstGeom>
+          <a:noFill/>
+          <a:ln>
+            <a:noFill/>
+          </a:ln>
+        </p:spPr>
+        <p:style>
+          <a:lnRef idx="0"/>
+          <a:fillRef idx="0"/>
+          <a:effectRef idx="0"/>
+          <a:fontRef idx="minor"/>
+        </p:style>
+        <p:txBody>
+          <a:bodyPr lIns="90000" rIns="90000" tIns="45000" bIns="45000"/>
+          <a:p>
+            <a:pPr algn="just">
+              <a:lnSpc>
+                <a:spcPct val="100000"/>
+              </a:lnSpc>
+            </a:pPr>
+            <a:r>
+              <a:rPr b="0" lang="en-US" sz="2000" spc="-1" strike="noStrike">
+                <a:solidFill>
+                  <a:srgbClr val="000000"/>
+                </a:solidFill>
+                <a:latin typeface="Times New Roman"/>
+                <a:ea typeface="DejaVu Sans"/>
+              </a:rPr>
+              <a:t>Although the necessity for inventing webcam were realized due to raise in </a:t>
+            </a:r>
+            <a:r>
+              <a:rPr b="1" lang="en-US" sz="2000" spc="-1" strike="noStrike">
+                <a:solidFill>
+                  <a:srgbClr val="000000"/>
+                </a:solidFill>
+                <a:latin typeface="Times New Roman"/>
+                <a:ea typeface="DejaVu Sans"/>
+              </a:rPr>
+              <a:t>theft and robbery</a:t>
+            </a:r>
+            <a:r>
+              <a:rPr b="0" lang="en-US" sz="2000" spc="-1" strike="noStrike">
+                <a:solidFill>
+                  <a:srgbClr val="000000"/>
+                </a:solidFill>
+                <a:latin typeface="Times New Roman"/>
+                <a:ea typeface="DejaVu Sans"/>
+              </a:rPr>
+              <a:t> in the recent times but it further had many more applications. </a:t>
+            </a:r>
+            <a:r>
+              <a:rPr b="1" lang="en-US" sz="2000" spc="-1" strike="noStrike">
+                <a:solidFill>
+                  <a:srgbClr val="000000"/>
+                </a:solidFill>
+                <a:latin typeface="Times New Roman"/>
+                <a:ea typeface="DejaVu Sans"/>
+              </a:rPr>
+              <a:t>Personal Relationships</a:t>
+            </a:r>
+            <a:r>
+              <a:rPr b="0" lang="en-US" sz="2000" spc="-1" strike="noStrike">
+                <a:solidFill>
+                  <a:srgbClr val="000000"/>
+                </a:solidFill>
+                <a:latin typeface="Times New Roman"/>
+                <a:ea typeface="DejaVu Sans"/>
+              </a:rPr>
+              <a:t>, having a webcam helps you keep in touch with your loved ones whiles seeing their faces and expressions. </a:t>
+            </a:r>
+            <a:r>
+              <a:rPr b="1" lang="en-US" sz="2000" spc="-1" strike="noStrike">
+                <a:solidFill>
+                  <a:srgbClr val="000000"/>
+                </a:solidFill>
+                <a:latin typeface="Times New Roman"/>
+                <a:ea typeface="DejaVu Sans"/>
+              </a:rPr>
+              <a:t>Education and Training, </a:t>
+            </a:r>
+            <a:r>
+              <a:rPr b="0" lang="en-US" sz="2000" spc="-1" strike="noStrike">
+                <a:solidFill>
+                  <a:srgbClr val="000000"/>
+                </a:solidFill>
+                <a:latin typeface="Times New Roman"/>
+                <a:ea typeface="DejaVu Sans"/>
+              </a:rPr>
+              <a:t>webcam has made distance learning more easier and accessible. Webcam are very versatile i.e. they can be used in different fields for specific purposes.</a:t>
+            </a:r>
+            <a:endParaRPr b="0" lang="en-US" sz="2000" spc="-1" strike="noStrike">
               <a:latin typeface="Arial"/>
             </a:endParaRPr>
           </a:p>
@@ -8989,14 +6969,14 @@
       </p:grpSpPr>
       <p:sp>
         <p:nvSpPr>
-          <p:cNvPr id="215" name="CustomShape 1"/>
+          <p:cNvPr id="170" name="CustomShape 1"/>
           <p:cNvSpPr/>
           <p:nvPr/>
         </p:nvSpPr>
         <p:spPr>
           <a:xfrm>
             <a:off x="2467440" y="2655720"/>
-            <a:ext cx="6874560" cy="638280"/>
+            <a:ext cx="6873840" cy="637560"/>
           </a:xfrm>
           <a:prstGeom prst="rect">
             <a:avLst/>
@@ -9038,264 +7018,6 @@
       </p:sp>
     </p:spTree>
   </p:cSld>
-  <p:timing>
-    <p:tnLst>
-      <p:par>
-        <p:cTn id="25" dur="indefinite" restart="never" nodeType="tmRoot">
-          <p:childTnLst>
-            <p:seq>
-              <p:cTn id="26" dur="indefinite" nodeType="mainSeq"/>
-              <p:prevCondLst>
-                <p:cond delay="0" evt="onPrev">
-                  <p:tgtEl>
-                    <p:sldTgt/>
-                  </p:tgtEl>
-                </p:cond>
-              </p:prevCondLst>
-              <p:nextCondLst>
-                <p:cond delay="0" evt="onNext">
-                  <p:tgtEl>
-                    <p:sldTgt/>
-                  </p:tgtEl>
-                </p:cond>
-              </p:nextCondLst>
-            </p:seq>
-          </p:childTnLst>
-        </p:cTn>
-      </p:par>
-    </p:tnLst>
-  </p:timing>
-</p:sld>
-</file>
-
-<file path=ppt/slides/slide14.xml><?xml version="1.0" encoding="utf-8"?>
-<p:sld xmlns:a="http://schemas.openxmlformats.org/drawingml/2006/main" xmlns:p="http://schemas.openxmlformats.org/presentationml/2006/main" xmlns:r="http://schemas.openxmlformats.org/officeDocument/2006/relationships" xmlns:p14="http://schemas.microsoft.com/office/powerpoint/2010/main" xmlns:p15="http://schemas.microsoft.com/office/powerpoint/2012/main" xmlns:mc="http://schemas.openxmlformats.org/markup-compatibility/2006">
-  <p:cSld>
-    <p:spTree>
-      <p:nvGrpSpPr>
-        <p:cNvPr id="1" name=""/>
-        <p:cNvGrpSpPr/>
-        <p:nvPr/>
-      </p:nvGrpSpPr>
-      <p:grpSpPr>
-        <a:xfrm>
-          <a:off x="0" y="0"/>
-          <a:ext cx="0" cy="0"/>
-          <a:chOff x="0" y="0"/>
-          <a:chExt cx="0" cy="0"/>
-        </a:xfrm>
-      </p:grpSpPr>
-      <p:sp>
-        <p:nvSpPr>
-          <p:cNvPr id="216" name="CustomShape 1"/>
-          <p:cNvSpPr/>
-          <p:nvPr/>
-        </p:nvSpPr>
-        <p:spPr>
-          <a:xfrm>
-            <a:off x="609480" y="273600"/>
-            <a:ext cx="10972080" cy="1144440"/>
-          </a:xfrm>
-          <a:prstGeom prst="rect">
-            <a:avLst/>
-          </a:prstGeom>
-          <a:noFill/>
-          <a:ln>
-            <a:noFill/>
-          </a:ln>
-        </p:spPr>
-        <p:style>
-          <a:lnRef idx="0"/>
-          <a:fillRef idx="0"/>
-          <a:effectRef idx="0"/>
-          <a:fontRef idx="minor"/>
-        </p:style>
-      </p:sp>
-      <p:sp>
-        <p:nvSpPr>
-          <p:cNvPr id="217" name="CustomShape 2"/>
-          <p:cNvSpPr/>
-          <p:nvPr/>
-        </p:nvSpPr>
-        <p:spPr>
-          <a:xfrm>
-            <a:off x="609480" y="1604520"/>
-            <a:ext cx="3532680" cy="1896480"/>
-          </a:xfrm>
-          <a:prstGeom prst="rect">
-            <a:avLst/>
-          </a:prstGeom>
-          <a:noFill/>
-          <a:ln>
-            <a:noFill/>
-          </a:ln>
-        </p:spPr>
-        <p:style>
-          <a:lnRef idx="0"/>
-          <a:fillRef idx="0"/>
-          <a:effectRef idx="0"/>
-          <a:fontRef idx="minor"/>
-        </p:style>
-      </p:sp>
-      <p:sp>
-        <p:nvSpPr>
-          <p:cNvPr id="218" name="CustomShape 3"/>
-          <p:cNvSpPr/>
-          <p:nvPr/>
-        </p:nvSpPr>
-        <p:spPr>
-          <a:xfrm>
-            <a:off x="4319640" y="1604520"/>
-            <a:ext cx="3532680" cy="1896480"/>
-          </a:xfrm>
-          <a:prstGeom prst="rect">
-            <a:avLst/>
-          </a:prstGeom>
-          <a:noFill/>
-          <a:ln>
-            <a:noFill/>
-          </a:ln>
-        </p:spPr>
-        <p:style>
-          <a:lnRef idx="0"/>
-          <a:fillRef idx="0"/>
-          <a:effectRef idx="0"/>
-          <a:fontRef idx="minor"/>
-        </p:style>
-      </p:sp>
-      <p:sp>
-        <p:nvSpPr>
-          <p:cNvPr id="219" name="CustomShape 4"/>
-          <p:cNvSpPr/>
-          <p:nvPr/>
-        </p:nvSpPr>
-        <p:spPr>
-          <a:xfrm>
-            <a:off x="8029800" y="1604520"/>
-            <a:ext cx="3532680" cy="1896480"/>
-          </a:xfrm>
-          <a:prstGeom prst="rect">
-            <a:avLst/>
-          </a:prstGeom>
-          <a:noFill/>
-          <a:ln>
-            <a:noFill/>
-          </a:ln>
-        </p:spPr>
-        <p:style>
-          <a:lnRef idx="0"/>
-          <a:fillRef idx="0"/>
-          <a:effectRef idx="0"/>
-          <a:fontRef idx="minor"/>
-        </p:style>
-      </p:sp>
-      <p:sp>
-        <p:nvSpPr>
-          <p:cNvPr id="220" name="CustomShape 5"/>
-          <p:cNvSpPr/>
-          <p:nvPr/>
-        </p:nvSpPr>
-        <p:spPr>
-          <a:xfrm>
-            <a:off x="609480" y="3682080"/>
-            <a:ext cx="3532680" cy="1896480"/>
-          </a:xfrm>
-          <a:prstGeom prst="rect">
-            <a:avLst/>
-          </a:prstGeom>
-          <a:noFill/>
-          <a:ln>
-            <a:noFill/>
-          </a:ln>
-        </p:spPr>
-        <p:style>
-          <a:lnRef idx="0"/>
-          <a:fillRef idx="0"/>
-          <a:effectRef idx="0"/>
-          <a:fontRef idx="minor"/>
-        </p:style>
-      </p:sp>
-      <p:sp>
-        <p:nvSpPr>
-          <p:cNvPr id="221" name="CustomShape 6"/>
-          <p:cNvSpPr/>
-          <p:nvPr/>
-        </p:nvSpPr>
-        <p:spPr>
-          <a:xfrm>
-            <a:off x="4319640" y="3682080"/>
-            <a:ext cx="3532680" cy="1896480"/>
-          </a:xfrm>
-          <a:prstGeom prst="rect">
-            <a:avLst/>
-          </a:prstGeom>
-          <a:noFill/>
-          <a:ln>
-            <a:noFill/>
-          </a:ln>
-        </p:spPr>
-        <p:style>
-          <a:lnRef idx="0"/>
-          <a:fillRef idx="0"/>
-          <a:effectRef idx="0"/>
-          <a:fontRef idx="minor"/>
-        </p:style>
-      </p:sp>
-      <p:sp>
-        <p:nvSpPr>
-          <p:cNvPr id="222" name="CustomShape 7"/>
-          <p:cNvSpPr/>
-          <p:nvPr/>
-        </p:nvSpPr>
-        <p:spPr>
-          <a:xfrm>
-            <a:off x="8029800" y="3682080"/>
-            <a:ext cx="3532680" cy="1896480"/>
-          </a:xfrm>
-          <a:prstGeom prst="rect">
-            <a:avLst/>
-          </a:prstGeom>
-          <a:noFill/>
-          <a:ln>
-            <a:noFill/>
-          </a:ln>
-        </p:spPr>
-        <p:style>
-          <a:lnRef idx="0"/>
-          <a:fillRef idx="0"/>
-          <a:effectRef idx="0"/>
-          <a:fontRef idx="minor"/>
-        </p:style>
-      </p:sp>
-    </p:spTree>
-  </p:cSld>
-  <p:timing>
-    <p:tnLst>
-      <p:par>
-        <p:cTn id="27" dur="indefinite" restart="never" nodeType="tmRoot">
-          <p:childTnLst>
-            <p:seq>
-              <p:cTn id="28" dur="indefinite" nodeType="mainSeq"/>
-              <p:prevCondLst>
-                <p:cond delay="0" evt="onPrev">
-                  <p:tgtEl>
-                    <p:sldTgt/>
-                  </p:tgtEl>
-                </p:cond>
-              </p:prevCondLst>
-              <p:nextCondLst>
-                <p:cond delay="0" evt="onNext">
-                  <p:tgtEl>
-                    <p:sldTgt/>
-                  </p:tgtEl>
-                </p:cond>
-              </p:nextCondLst>
-            </p:seq>
-          </p:childTnLst>
-        </p:cTn>
-      </p:par>
-    </p:tnLst>
-  </p:timing>
 </p:sld>
 </file>
 
@@ -9318,14 +7040,14 @@
       </p:grpSpPr>
       <p:sp>
         <p:nvSpPr>
-          <p:cNvPr id="179" name="CustomShape 1"/>
+          <p:cNvPr id="133" name="CustomShape 1"/>
           <p:cNvSpPr/>
           <p:nvPr/>
         </p:nvSpPr>
         <p:spPr>
           <a:xfrm>
             <a:off x="521280" y="448200"/>
-            <a:ext cx="10724760" cy="638280"/>
+            <a:ext cx="10724040" cy="637560"/>
           </a:xfrm>
           <a:prstGeom prst="rect">
             <a:avLst/>
@@ -9357,7 +7079,7 @@
                 <a:latin typeface="Quattrocento Sans"/>
                 <a:ea typeface="Quattrocento Sans"/>
               </a:rPr>
-              <a:t>What / Why “Wifi Embedded Webcam”?</a:t>
+              <a:t>What / Why “WiFi Embedded Webcam”?</a:t>
             </a:r>
             <a:endParaRPr b="0" lang="en-US" sz="3600" spc="-1" strike="noStrike">
               <a:latin typeface="Arial"/>
@@ -9367,14 +7089,14 @@
       </p:sp>
       <p:sp>
         <p:nvSpPr>
-          <p:cNvPr id="180" name="CustomShape 2"/>
+          <p:cNvPr id="134" name="CustomShape 2"/>
           <p:cNvSpPr/>
           <p:nvPr/>
         </p:nvSpPr>
         <p:spPr>
           <a:xfrm>
             <a:off x="541440" y="1524600"/>
-            <a:ext cx="4320000" cy="3869640"/>
+            <a:ext cx="4319280" cy="3868920"/>
           </a:xfrm>
           <a:prstGeom prst="rect">
             <a:avLst/>
@@ -9393,7 +7115,7 @@
         <p:txBody>
           <a:bodyPr lIns="90000" rIns="90000" tIns="45000" bIns="45000"/>
           <a:p>
-            <a:pPr marL="432000" indent="-322200" algn="just">
+            <a:pPr marL="431640" indent="-321120" algn="just">
               <a:lnSpc>
                 <a:spcPct val="100000"/>
               </a:lnSpc>
@@ -9423,7 +7145,7 @@
             </a:endParaRPr>
           </a:p>
           <a:p>
-            <a:pPr marL="432000" indent="-322200" algn="just">
+            <a:pPr marL="431640" indent="-321120" algn="just">
               <a:lnSpc>
                 <a:spcPct val="100000"/>
               </a:lnSpc>
@@ -9436,7 +7158,7 @@
             </a:endParaRPr>
           </a:p>
           <a:p>
-            <a:pPr marL="432000" indent="-322200" algn="just">
+            <a:pPr marL="431640" indent="-321120" algn="just">
               <a:lnSpc>
                 <a:spcPct val="100000"/>
               </a:lnSpc>
@@ -9462,14 +7184,14 @@
       </p:sp>
       <p:sp>
         <p:nvSpPr>
-          <p:cNvPr id="181" name="CustomShape 3"/>
+          <p:cNvPr id="135" name="CustomShape 3"/>
           <p:cNvSpPr/>
           <p:nvPr/>
         </p:nvSpPr>
         <p:spPr>
           <a:xfrm>
             <a:off x="5866920" y="1638000"/>
-            <a:ext cx="4320000" cy="3869640"/>
+            <a:ext cx="4319280" cy="3868920"/>
           </a:xfrm>
           <a:prstGeom prst="rect">
             <a:avLst/>
@@ -9488,7 +7210,7 @@
         <p:txBody>
           <a:bodyPr lIns="90000" rIns="90000" tIns="45000" bIns="45000"/>
           <a:p>
-            <a:pPr marL="228600" indent="-226800">
+            <a:pPr marL="228600" indent="-226440">
               <a:lnSpc>
                 <a:spcPct val="90000"/>
               </a:lnSpc>
@@ -9511,7 +7233,7 @@
                 <a:latin typeface="Times New Roman"/>
                 <a:ea typeface="Times New Roman"/>
               </a:rPr>
-              <a:t>:  </a:t>
+              <a:t>:  Due to increase in security issues</a:t>
             </a:r>
             <a:r>
               <a:rPr b="0" lang="en-US" sz="1800" spc="-1" strike="noStrike">
@@ -9521,7 +7243,7 @@
                 <a:latin typeface="Times New Roman"/>
                 <a:ea typeface="Times New Roman"/>
               </a:rPr>
-              <a:t>To visualize its importance and demonstrate how small ideas can really make changes</a:t>
+              <a:t> and to demonstrate how small ideas can really make changes</a:t>
             </a:r>
             <a:endParaRPr b="0" lang="en-US" sz="1800" spc="-1" strike="noStrike">
               <a:latin typeface="Arial"/>
@@ -9580,14 +7302,14 @@
       </p:grpSpPr>
       <p:sp>
         <p:nvSpPr>
-          <p:cNvPr id="182" name="CustomShape 1"/>
+          <p:cNvPr id="136" name="CustomShape 1"/>
           <p:cNvSpPr/>
           <p:nvPr/>
         </p:nvSpPr>
         <p:spPr>
           <a:xfrm>
             <a:off x="521280" y="448200"/>
-            <a:ext cx="6875280" cy="638280"/>
+            <a:ext cx="6874560" cy="637560"/>
           </a:xfrm>
           <a:prstGeom prst="rect">
             <a:avLst/>
@@ -9629,14 +7351,14 @@
       </p:sp>
       <p:sp>
         <p:nvSpPr>
-          <p:cNvPr id="183" name="CustomShape 2"/>
+          <p:cNvPr id="137" name="CustomShape 2"/>
           <p:cNvSpPr/>
           <p:nvPr/>
         </p:nvSpPr>
         <p:spPr>
           <a:xfrm>
             <a:off x="539640" y="1435680"/>
-            <a:ext cx="10260360" cy="4600800"/>
+            <a:ext cx="10259640" cy="4600080"/>
           </a:xfrm>
           <a:prstGeom prst="rect">
             <a:avLst/>
@@ -9655,7 +7377,7 @@
         <p:txBody>
           <a:bodyPr lIns="90000" rIns="90000" tIns="45000" bIns="45000"/>
           <a:p>
-            <a:pPr marL="216000" indent="-125280">
+            <a:pPr marL="216000" indent="-124200">
               <a:lnSpc>
                 <a:spcPct val="150000"/>
               </a:lnSpc>
@@ -9723,7 +7445,7 @@
             </a:endParaRPr>
           </a:p>
           <a:p>
-            <a:pPr marL="216000" indent="-125280">
+            <a:pPr marL="216000" indent="-124200">
               <a:lnSpc>
                 <a:spcPct val="150000"/>
               </a:lnSpc>
@@ -9788,6 +7510,16 @@
                 <a:latin typeface="Times New Roman"/>
                 <a:ea typeface="Times New Roman"/>
               </a:rPr>
+              <a:t>    </a:t>
+            </a:r>
+            <a:r>
+              <a:rPr b="0" lang="en-US" sz="2000" spc="-1" strike="noStrike">
+                <a:solidFill>
+                  <a:srgbClr val="3f3f3f"/>
+                </a:solidFill>
+                <a:latin typeface="Times New Roman"/>
+                <a:ea typeface="Times New Roman"/>
+              </a:rPr>
               <a:t>live stream of the real time video sent from the webcam via the internet</a:t>
             </a:r>
             <a:endParaRPr b="0" lang="en-US" sz="2000" spc="-1" strike="noStrike">
@@ -9795,7 +7527,7 @@
             </a:endParaRPr>
           </a:p>
           <a:p>
-            <a:pPr marL="216000" indent="-125280">
+            <a:pPr marL="216000" indent="-124200">
               <a:lnSpc>
                 <a:spcPct val="150000"/>
               </a:lnSpc>
@@ -9843,7 +7575,7 @@
             </a:endParaRPr>
           </a:p>
           <a:p>
-            <a:pPr marL="216000" indent="-125280">
+            <a:pPr marL="216000" indent="-124200">
               <a:lnSpc>
                 <a:spcPct val="150000"/>
               </a:lnSpc>
@@ -9944,14 +7676,14 @@
       </p:grpSpPr>
       <p:sp>
         <p:nvSpPr>
-          <p:cNvPr id="184" name="CustomShape 1"/>
+          <p:cNvPr id="138" name="CustomShape 1"/>
           <p:cNvSpPr/>
           <p:nvPr/>
         </p:nvSpPr>
         <p:spPr>
           <a:xfrm>
             <a:off x="521280" y="1536120"/>
-            <a:ext cx="6874560" cy="638280"/>
+            <a:ext cx="6873840" cy="637560"/>
           </a:xfrm>
           <a:prstGeom prst="rect">
             <a:avLst/>
@@ -9993,14 +7725,14 @@
       </p:sp>
       <p:sp>
         <p:nvSpPr>
-          <p:cNvPr id="185" name="CustomShape 2"/>
+          <p:cNvPr id="139" name="CustomShape 2"/>
           <p:cNvSpPr/>
           <p:nvPr/>
         </p:nvSpPr>
         <p:spPr>
           <a:xfrm>
-            <a:off x="539640" y="2560320"/>
-            <a:ext cx="4474800" cy="3975840"/>
+            <a:off x="521280" y="2552760"/>
+            <a:ext cx="4474080" cy="4141440"/>
           </a:xfrm>
           <a:prstGeom prst="rect">
             <a:avLst/>
@@ -10028,16 +7760,16 @@
               </a:spcBef>
             </a:pPr>
             <a:r>
-              <a:rPr b="1" lang="en-US" sz="1670" spc="-1" strike="noStrike">
-                <a:solidFill>
-                  <a:srgbClr val="595959"/>
+              <a:rPr b="1" lang="en-US" sz="1800" spc="-1" strike="noStrike">
+                <a:solidFill>
+                  <a:srgbClr val="404040"/>
                 </a:solidFill>
                 <a:latin typeface="Times New Roman"/>
                 <a:ea typeface="Times New Roman"/>
               </a:rPr>
               <a:t>A. D-Link Camera</a:t>
             </a:r>
-            <a:endParaRPr b="0" lang="en-US" sz="1670" spc="-1" strike="noStrike">
+            <a:endParaRPr b="0" lang="en-US" sz="1800" spc="-1" strike="noStrike">
               <a:latin typeface="Arial"/>
             </a:endParaRPr>
           </a:p>
@@ -10051,24 +7783,14 @@
               </a:spcBef>
             </a:pPr>
             <a:r>
-              <a:rPr b="1" lang="en-US" sz="1670" spc="-1" strike="noStrike">
-                <a:solidFill>
-                  <a:srgbClr val="3f3f3f"/>
+              <a:rPr b="0" lang="en-US" sz="1670" spc="-1" strike="noStrike">
+                <a:solidFill>
+                  <a:srgbClr val="404040"/>
                 </a:solidFill>
                 <a:latin typeface="Times New Roman"/>
                 <a:ea typeface="Times New Roman"/>
               </a:rPr>
-              <a:t>Features</a:t>
-            </a:r>
-            <a:r>
-              <a:rPr b="0" lang="en-US" sz="1670" spc="-1" strike="noStrike">
-                <a:solidFill>
-                  <a:srgbClr val="3f3f3f"/>
-                </a:solidFill>
-                <a:latin typeface="Times New Roman"/>
-                <a:ea typeface="Times New Roman"/>
-              </a:rPr>
-              <a:t>:</a:t>
+              <a:t>1. Infrared (Night vision)</a:t>
             </a:r>
             <a:endParaRPr b="0" lang="en-US" sz="1670" spc="-1" strike="noStrike">
               <a:latin typeface="Arial"/>
@@ -10086,12 +7808,12 @@
             <a:r>
               <a:rPr b="0" lang="en-US" sz="1670" spc="-1" strike="noStrike">
                 <a:solidFill>
-                  <a:srgbClr val="3f3f3f"/>
+                  <a:srgbClr val="404040"/>
                 </a:solidFill>
                 <a:latin typeface="Times New Roman"/>
                 <a:ea typeface="Times New Roman"/>
               </a:rPr>
-              <a:t>1. Infrared (Night vision)</a:t>
+              <a:t>2. Motion Detection</a:t>
             </a:r>
             <a:endParaRPr b="0" lang="en-US" sz="1670" spc="-1" strike="noStrike">
               <a:latin typeface="Arial"/>
@@ -10109,12 +7831,12 @@
             <a:r>
               <a:rPr b="0" lang="en-US" sz="1670" spc="-1" strike="noStrike">
                 <a:solidFill>
-                  <a:srgbClr val="3f3f3f"/>
+                  <a:srgbClr val="404040"/>
                 </a:solidFill>
                 <a:latin typeface="Times New Roman"/>
                 <a:ea typeface="Times New Roman"/>
               </a:rPr>
-              <a:t>2. Motion Detection</a:t>
+              <a:t>3. Low resolution (640*480)</a:t>
             </a:r>
             <a:endParaRPr b="0" lang="en-US" sz="1670" spc="-1" strike="noStrike">
               <a:latin typeface="Arial"/>
@@ -10132,12 +7854,12 @@
             <a:r>
               <a:rPr b="0" lang="en-US" sz="1670" spc="-1" strike="noStrike">
                 <a:solidFill>
-                  <a:srgbClr val="3f3f3f"/>
+                  <a:srgbClr val="404040"/>
                 </a:solidFill>
                 <a:latin typeface="Times New Roman"/>
                 <a:ea typeface="Times New Roman"/>
               </a:rPr>
-              <a:t>3. Low resolution (640*480)</a:t>
+              <a:t>4. 150-300 Mbps</a:t>
             </a:r>
             <a:endParaRPr b="0" lang="en-US" sz="1670" spc="-1" strike="noStrike">
               <a:latin typeface="Arial"/>
@@ -10155,30 +7877,7 @@
             <a:r>
               <a:rPr b="0" lang="en-US" sz="1670" spc="-1" strike="noStrike">
                 <a:solidFill>
-                  <a:srgbClr val="3f3f3f"/>
-                </a:solidFill>
-                <a:latin typeface="Times New Roman"/>
-                <a:ea typeface="Times New Roman"/>
-              </a:rPr>
-              <a:t>4. 150-300 Mbps</a:t>
-            </a:r>
-            <a:endParaRPr b="0" lang="en-US" sz="1670" spc="-1" strike="noStrike">
-              <a:latin typeface="Arial"/>
-            </a:endParaRPr>
-          </a:p>
-          <a:p>
-            <a:pPr>
-              <a:lnSpc>
-                <a:spcPct val="130000"/>
-              </a:lnSpc>
-              <a:spcBef>
-                <a:spcPts val="2200"/>
-              </a:spcBef>
-            </a:pPr>
-            <a:r>
-              <a:rPr b="0" lang="en-US" sz="1670" spc="-1" strike="noStrike">
-                <a:solidFill>
-                  <a:srgbClr val="3f3f3f"/>
+                  <a:srgbClr val="404040"/>
                 </a:solidFill>
                 <a:latin typeface="Times New Roman"/>
                 <a:ea typeface="Times New Roman"/>
@@ -10206,7 +7905,7 @@
       </p:sp>
       <p:pic>
         <p:nvPicPr>
-          <p:cNvPr id="186" name="Picture 139" descr=""/>
+          <p:cNvPr id="140" name="Picture 139" descr=""/>
           <p:cNvPicPr/>
           <p:nvPr/>
         </p:nvPicPr>
@@ -10217,7 +7916,7 @@
         <p:spPr>
           <a:xfrm>
             <a:off x="6068520" y="2552400"/>
-            <a:ext cx="5634720" cy="3755880"/>
+            <a:ext cx="5634000" cy="3755160"/>
           </a:xfrm>
           <a:prstGeom prst="rect">
             <a:avLst/>
@@ -10278,14 +7977,14 @@
       </p:grpSpPr>
       <p:sp>
         <p:nvSpPr>
-          <p:cNvPr id="187" name="CustomShape 1"/>
+          <p:cNvPr id="141" name="CustomShape 1"/>
           <p:cNvSpPr/>
           <p:nvPr/>
         </p:nvSpPr>
         <p:spPr>
           <a:xfrm>
             <a:off x="521280" y="1536120"/>
-            <a:ext cx="6874560" cy="638280"/>
+            <a:ext cx="6873840" cy="637560"/>
           </a:xfrm>
           <a:prstGeom prst="rect">
             <a:avLst/>
@@ -10327,14 +8026,14 @@
       </p:sp>
       <p:sp>
         <p:nvSpPr>
-          <p:cNvPr id="188" name="CustomShape 2"/>
+          <p:cNvPr id="142" name="CustomShape 2"/>
           <p:cNvSpPr/>
           <p:nvPr/>
         </p:nvSpPr>
         <p:spPr>
           <a:xfrm>
             <a:off x="539640" y="2560320"/>
-            <a:ext cx="4474800" cy="3975840"/>
+            <a:ext cx="4474080" cy="3975120"/>
           </a:xfrm>
           <a:prstGeom prst="rect">
             <a:avLst/>
@@ -10361,7 +8060,7 @@
             <a:r>
               <a:rPr b="1" lang="en-US" sz="1800" spc="-1" strike="noStrike">
                 <a:solidFill>
-                  <a:srgbClr val="3f3f3f"/>
+                  <a:srgbClr val="404040"/>
                 </a:solidFill>
                 <a:latin typeface="Times New Roman"/>
                 <a:ea typeface="Times New Roman"/>
@@ -10375,173 +8074,153 @@
           <a:p>
             <a:pPr>
               <a:lnSpc>
-                <a:spcPct val="140000"/>
+                <a:spcPct val="150000"/>
               </a:lnSpc>
             </a:pPr>
             <a:r>
-              <a:rPr b="1" lang="en-US" sz="1800" spc="-1" strike="noStrike">
-                <a:solidFill>
-                  <a:srgbClr val="3f3f3f"/>
+              <a:rPr b="0" lang="en-US" sz="1650" spc="-1" strike="noStrike">
+                <a:solidFill>
+                  <a:srgbClr val="404040"/>
                 </a:solidFill>
                 <a:latin typeface="Times New Roman"/>
                 <a:ea typeface="Times New Roman"/>
               </a:rPr>
-              <a:t>Features:</a:t>
-            </a:r>
-            <a:endParaRPr b="0" lang="en-US" sz="1800" spc="-1" strike="noStrike">
+              <a:t>1. 900 Mbps </a:t>
+            </a:r>
+            <a:endParaRPr b="0" lang="en-US" sz="1650" spc="-1" strike="noStrike">
               <a:latin typeface="Arial"/>
             </a:endParaRPr>
           </a:p>
           <a:p>
             <a:pPr>
               <a:lnSpc>
-                <a:spcPct val="140000"/>
+                <a:spcPct val="170000"/>
               </a:lnSpc>
             </a:pPr>
             <a:r>
-              <a:rPr b="1" lang="en-US" sz="1800" spc="-1" strike="noStrike">
-                <a:solidFill>
-                  <a:srgbClr val="3f3f3f"/>
+              <a:rPr b="0" lang="en-US" sz="1650" spc="-1" strike="noStrike">
+                <a:solidFill>
+                  <a:srgbClr val="404040"/>
                 </a:solidFill>
                 <a:latin typeface="Times New Roman"/>
                 <a:ea typeface="Times New Roman"/>
               </a:rPr>
-              <a:t>1. 900 Mbps </a:t>
-            </a:r>
-            <a:endParaRPr b="0" lang="en-US" sz="1800" spc="-1" strike="noStrike">
+              <a:t>2. Glass Lens</a:t>
+            </a:r>
+            <a:endParaRPr b="0" lang="en-US" sz="1650" spc="-1" strike="noStrike">
               <a:latin typeface="Arial"/>
             </a:endParaRPr>
           </a:p>
           <a:p>
             <a:pPr>
               <a:lnSpc>
-                <a:spcPct val="140000"/>
+                <a:spcPct val="170000"/>
               </a:lnSpc>
             </a:pPr>
             <a:r>
-              <a:rPr b="1" lang="en-US" sz="1800" spc="-1" strike="noStrike">
-                <a:solidFill>
-                  <a:srgbClr val="3f3f3f"/>
+              <a:rPr b="0" lang="en-US" sz="1650" spc="-1" strike="noStrike">
+                <a:solidFill>
+                  <a:srgbClr val="404040"/>
                 </a:solidFill>
                 <a:latin typeface="Times New Roman"/>
                 <a:ea typeface="Times New Roman"/>
               </a:rPr>
-              <a:t>2. Glass Lens</a:t>
-            </a:r>
-            <a:endParaRPr b="0" lang="en-US" sz="1800" spc="-1" strike="noStrike">
+              <a:t>3. Cloud Facilities</a:t>
+            </a:r>
+            <a:endParaRPr b="0" lang="en-US" sz="1650" spc="-1" strike="noStrike">
               <a:latin typeface="Arial"/>
             </a:endParaRPr>
           </a:p>
           <a:p>
             <a:pPr>
               <a:lnSpc>
-                <a:spcPct val="140000"/>
+                <a:spcPct val="170000"/>
               </a:lnSpc>
             </a:pPr>
             <a:r>
-              <a:rPr b="1" lang="en-US" sz="1800" spc="-1" strike="noStrike">
-                <a:solidFill>
-                  <a:srgbClr val="3f3f3f"/>
+              <a:rPr b="0" lang="en-US" sz="1650" spc="-1" strike="noStrike">
+                <a:solidFill>
+                  <a:srgbClr val="404040"/>
                 </a:solidFill>
                 <a:latin typeface="Times New Roman"/>
                 <a:ea typeface="Times New Roman"/>
               </a:rPr>
-              <a:t>3. Cloud Facilities</a:t>
-            </a:r>
-            <a:endParaRPr b="0" lang="en-US" sz="1800" spc="-1" strike="noStrike">
+              <a:t>4. Easy Setup</a:t>
+            </a:r>
+            <a:endParaRPr b="0" lang="en-US" sz="1650" spc="-1" strike="noStrike">
               <a:latin typeface="Arial"/>
             </a:endParaRPr>
           </a:p>
           <a:p>
             <a:pPr>
               <a:lnSpc>
-                <a:spcPct val="140000"/>
+                <a:spcPct val="170000"/>
               </a:lnSpc>
             </a:pPr>
             <a:r>
-              <a:rPr b="1" lang="en-US" sz="1800" spc="-1" strike="noStrike">
-                <a:solidFill>
-                  <a:srgbClr val="3f3f3f"/>
+              <a:rPr b="0" lang="en-US" sz="1650" spc="-1" strike="noStrike">
+                <a:solidFill>
+                  <a:srgbClr val="404040"/>
                 </a:solidFill>
                 <a:latin typeface="Times New Roman"/>
                 <a:ea typeface="Times New Roman"/>
               </a:rPr>
-              <a:t>4. Easy Setup</a:t>
-            </a:r>
-            <a:endParaRPr b="0" lang="en-US" sz="1800" spc="-1" strike="noStrike">
+              <a:t>5. Night Vision(IR)</a:t>
+            </a:r>
+            <a:endParaRPr b="0" lang="en-US" sz="1650" spc="-1" strike="noStrike">
               <a:latin typeface="Arial"/>
             </a:endParaRPr>
           </a:p>
           <a:p>
             <a:pPr>
               <a:lnSpc>
-                <a:spcPct val="140000"/>
+                <a:spcPct val="170000"/>
               </a:lnSpc>
             </a:pPr>
             <a:r>
-              <a:rPr b="1" lang="en-US" sz="1800" spc="-1" strike="noStrike">
-                <a:solidFill>
-                  <a:srgbClr val="3f3f3f"/>
+              <a:rPr b="0" lang="en-US" sz="1650" spc="-1" strike="noStrike">
+                <a:solidFill>
+                  <a:srgbClr val="404040"/>
                 </a:solidFill>
                 <a:latin typeface="Times New Roman"/>
                 <a:ea typeface="Times New Roman"/>
               </a:rPr>
-              <a:t>5. Night Vision(IR)</a:t>
-            </a:r>
-            <a:endParaRPr b="0" lang="en-US" sz="1800" spc="-1" strike="noStrike">
+              <a:t>6. Wide-Angle</a:t>
+            </a:r>
+            <a:endParaRPr b="0" lang="en-US" sz="1650" spc="-1" strike="noStrike">
               <a:latin typeface="Arial"/>
             </a:endParaRPr>
           </a:p>
           <a:p>
             <a:pPr>
               <a:lnSpc>
-                <a:spcPct val="140000"/>
+                <a:spcPct val="170000"/>
               </a:lnSpc>
             </a:pPr>
             <a:r>
-              <a:rPr b="1" lang="en-US" sz="1800" spc="-1" strike="noStrike">
-                <a:solidFill>
-                  <a:srgbClr val="3f3f3f"/>
+              <a:rPr b="0" lang="en-US" sz="1650" spc="-1" strike="noStrike">
+                <a:solidFill>
+                  <a:srgbClr val="404040"/>
                 </a:solidFill>
                 <a:latin typeface="Times New Roman"/>
                 <a:ea typeface="Times New Roman"/>
               </a:rPr>
-              <a:t>6. Wide-Angle</a:t>
-            </a:r>
-            <a:endParaRPr b="0" lang="en-US" sz="1800" spc="-1" strike="noStrike">
-              <a:latin typeface="Arial"/>
-            </a:endParaRPr>
-          </a:p>
-          <a:p>
-            <a:pPr>
-              <a:lnSpc>
-                <a:spcPct val="140000"/>
-              </a:lnSpc>
-            </a:pPr>
-            <a:r>
-              <a:rPr b="1" lang="en-US" sz="1800" spc="-1" strike="noStrike">
-                <a:solidFill>
-                  <a:srgbClr val="3f3f3f"/>
-                </a:solidFill>
-                <a:latin typeface="Times New Roman"/>
-                <a:ea typeface="Times New Roman"/>
-              </a:rPr>
               <a:t>7. Motion Sensor</a:t>
             </a:r>
-            <a:endParaRPr b="0" lang="en-US" sz="1800" spc="-1" strike="noStrike">
+            <a:endParaRPr b="0" lang="en-US" sz="1650" spc="-1" strike="noStrike">
               <a:latin typeface="Arial"/>
             </a:endParaRPr>
           </a:p>
           <a:p>
             <a:pPr algn="just">
               <a:lnSpc>
-                <a:spcPct val="140000"/>
+                <a:spcPct val="170000"/>
               </a:lnSpc>
               <a:spcBef>
                 <a:spcPts val="2200"/>
               </a:spcBef>
             </a:pPr>
-            <a:endParaRPr b="0" lang="en-US" sz="1800" spc="-1" strike="noStrike">
+            <a:endParaRPr b="0" lang="en-US" sz="1650" spc="-1" strike="noStrike">
               <a:latin typeface="Arial"/>
             </a:endParaRPr>
           </a:p>
@@ -10549,7 +8228,7 @@
       </p:sp>
       <p:pic>
         <p:nvPicPr>
-          <p:cNvPr id="189" name="Picture 142" descr=""/>
+          <p:cNvPr id="143" name="Picture 142" descr=""/>
           <p:cNvPicPr/>
           <p:nvPr/>
         </p:nvPicPr>
@@ -10560,7 +8239,7 @@
         <p:spPr>
           <a:xfrm>
             <a:off x="6270120" y="2507400"/>
-            <a:ext cx="5433120" cy="3983760"/>
+            <a:ext cx="5432400" cy="3983040"/>
           </a:xfrm>
           <a:prstGeom prst="rect">
             <a:avLst/>
@@ -10621,14 +8300,14 @@
       </p:grpSpPr>
       <p:sp>
         <p:nvSpPr>
-          <p:cNvPr id="190" name="CustomShape 1"/>
+          <p:cNvPr id="144" name="CustomShape 1"/>
           <p:cNvSpPr/>
           <p:nvPr/>
         </p:nvSpPr>
         <p:spPr>
           <a:xfrm>
             <a:off x="521280" y="1536120"/>
-            <a:ext cx="6874560" cy="638280"/>
+            <a:ext cx="6873840" cy="637560"/>
           </a:xfrm>
           <a:prstGeom prst="rect">
             <a:avLst/>
@@ -10670,14 +8349,14 @@
       </p:sp>
       <p:sp>
         <p:nvSpPr>
-          <p:cNvPr id="191" name="CustomShape 2"/>
+          <p:cNvPr id="145" name="CustomShape 2"/>
           <p:cNvSpPr/>
           <p:nvPr/>
         </p:nvSpPr>
         <p:spPr>
           <a:xfrm>
             <a:off x="539640" y="2560320"/>
-            <a:ext cx="4474800" cy="3975840"/>
+            <a:ext cx="4474080" cy="3975120"/>
           </a:xfrm>
           <a:prstGeom prst="rect">
             <a:avLst/>
@@ -10702,16 +8381,16 @@
               </a:lnSpc>
             </a:pPr>
             <a:r>
-              <a:rPr b="1" lang="en-US" sz="1530" spc="-1" strike="noStrike">
+              <a:rPr b="1" lang="en-US" sz="1800" spc="-1" strike="noStrike">
                 <a:solidFill>
                   <a:srgbClr val="3f3f3f"/>
                 </a:solidFill>
                 <a:latin typeface="Times New Roman"/>
                 <a:ea typeface="Times New Roman"/>
               </a:rPr>
-              <a:t>DropCam</a:t>
-            </a:r>
-            <a:endParaRPr b="0" lang="en-US" sz="1530" spc="-1" strike="noStrike">
+              <a:t>C. DropCam</a:t>
+            </a:r>
+            <a:endParaRPr b="0" lang="en-US" sz="1800" spc="-1" strike="noStrike">
               <a:latin typeface="Arial"/>
             </a:endParaRPr>
           </a:p>
@@ -10732,7 +8411,7 @@
                 <a:latin typeface="Times New Roman"/>
                 <a:ea typeface="Times New Roman"/>
               </a:rPr>
-              <a:t>Features:</a:t>
+              <a:t>1. Can integrate with Alexa</a:t>
             </a:r>
             <a:endParaRPr b="0" lang="en-US" sz="1530" spc="-1" strike="noStrike">
               <a:latin typeface="Arial"/>
@@ -10755,7 +8434,7 @@
                 <a:latin typeface="Times New Roman"/>
                 <a:ea typeface="Times New Roman"/>
               </a:rPr>
-              <a:t>1. Can integrate with Alexa</a:t>
+              <a:t>2. 60 - second setup</a:t>
             </a:r>
             <a:endParaRPr b="0" lang="en-US" sz="1530" spc="-1" strike="noStrike">
               <a:latin typeface="Arial"/>
@@ -10778,7 +8457,7 @@
                 <a:latin typeface="Times New Roman"/>
                 <a:ea typeface="Times New Roman"/>
               </a:rPr>
-              <a:t>2. 60 - second setup</a:t>
+              <a:t>3. 5 GHZ</a:t>
             </a:r>
             <a:endParaRPr b="0" lang="en-US" sz="1530" spc="-1" strike="noStrike">
               <a:latin typeface="Arial"/>
@@ -10801,7 +8480,7 @@
                 <a:latin typeface="Times New Roman"/>
                 <a:ea typeface="Times New Roman"/>
               </a:rPr>
-              <a:t>3. 5 GHZ</a:t>
+              <a:t>4. Wide Angle View(130 degree)</a:t>
             </a:r>
             <a:endParaRPr b="0" lang="en-US" sz="1530" spc="-1" strike="noStrike">
               <a:latin typeface="Arial"/>
@@ -10824,29 +8503,6 @@
                 <a:latin typeface="Times New Roman"/>
                 <a:ea typeface="Times New Roman"/>
               </a:rPr>
-              <a:t>4. Wide Angle View(130 degree)</a:t>
-            </a:r>
-            <a:endParaRPr b="0" lang="en-US" sz="1530" spc="-1" strike="noStrike">
-              <a:latin typeface="Arial"/>
-            </a:endParaRPr>
-          </a:p>
-          <a:p>
-            <a:pPr>
-              <a:lnSpc>
-                <a:spcPct val="140000"/>
-              </a:lnSpc>
-              <a:spcBef>
-                <a:spcPts val="2200"/>
-              </a:spcBef>
-            </a:pPr>
-            <a:r>
-              <a:rPr b="0" lang="en-US" sz="1530" spc="-1" strike="noStrike">
-                <a:solidFill>
-                  <a:srgbClr val="3f3f3f"/>
-                </a:solidFill>
-                <a:latin typeface="Times New Roman"/>
-                <a:ea typeface="Times New Roman"/>
-              </a:rPr>
               <a:t>5. Night Vision and Zoom mode</a:t>
             </a:r>
             <a:endParaRPr b="0" lang="en-US" sz="1530" spc="-1" strike="noStrike">
@@ -10857,7 +8513,7 @@
       </p:sp>
       <p:pic>
         <p:nvPicPr>
-          <p:cNvPr id="192" name="Picture 145" descr=""/>
+          <p:cNvPr id="146" name="Picture 145" descr=""/>
           <p:cNvPicPr/>
           <p:nvPr/>
         </p:nvPicPr>
@@ -10868,7 +8524,7 @@
         <p:spPr>
           <a:xfrm>
             <a:off x="5596200" y="2633040"/>
-            <a:ext cx="6198480" cy="3492360"/>
+            <a:ext cx="6197760" cy="3491640"/>
           </a:xfrm>
           <a:prstGeom prst="rect">
             <a:avLst/>
@@ -10929,14 +8585,14 @@
       </p:grpSpPr>
       <p:sp>
         <p:nvSpPr>
-          <p:cNvPr id="193" name="CustomShape 1"/>
+          <p:cNvPr id="147" name="CustomShape 1"/>
           <p:cNvSpPr/>
           <p:nvPr/>
         </p:nvSpPr>
         <p:spPr>
           <a:xfrm>
             <a:off x="325080" y="1389240"/>
-            <a:ext cx="6874560" cy="638280"/>
+            <a:ext cx="6873840" cy="637560"/>
           </a:xfrm>
           <a:prstGeom prst="rect">
             <a:avLst/>
@@ -10968,7 +8624,7 @@
                 <a:latin typeface="Quattrocento Sans"/>
                 <a:ea typeface="Quattrocento Sans"/>
               </a:rPr>
-              <a:t>Take Way</a:t>
+              <a:t>Take Away</a:t>
             </a:r>
             <a:endParaRPr b="0" lang="en-US" sz="4800" spc="-1" strike="noStrike">
               <a:latin typeface="Arial"/>
@@ -10978,14 +8634,14 @@
       </p:sp>
       <p:sp>
         <p:nvSpPr>
-          <p:cNvPr id="194" name="CustomShape 2"/>
+          <p:cNvPr id="148" name="CustomShape 2"/>
           <p:cNvSpPr/>
           <p:nvPr/>
         </p:nvSpPr>
         <p:spPr>
           <a:xfrm>
             <a:off x="539640" y="2560320"/>
-            <a:ext cx="2934360" cy="3975840"/>
+            <a:ext cx="2933640" cy="3975120"/>
           </a:xfrm>
           <a:prstGeom prst="rect">
             <a:avLst/>
@@ -11004,7 +8660,7 @@
         <p:txBody>
           <a:bodyPr lIns="90000" rIns="90000" tIns="45000" bIns="45000"/>
           <a:p>
-            <a:pPr marL="432000" indent="-322200" algn="just">
+            <a:pPr marL="431640" indent="-321120" algn="just">
               <a:lnSpc>
                 <a:spcPct val="100000"/>
               </a:lnSpc>
@@ -11029,7 +8685,7 @@
             </a:endParaRPr>
           </a:p>
           <a:p>
-            <a:pPr marL="432000" indent="-322200" algn="just">
+            <a:pPr marL="431640" indent="-321120" algn="just">
               <a:lnSpc>
                 <a:spcPct val="100000"/>
               </a:lnSpc>
@@ -11057,7 +8713,7 @@
             </a:endParaRPr>
           </a:p>
           <a:p>
-            <a:pPr marL="432000" indent="-322200" algn="just">
+            <a:pPr marL="431640" indent="-321120" algn="just">
               <a:lnSpc>
                 <a:spcPct val="100000"/>
               </a:lnSpc>
@@ -11085,7 +8741,7 @@
             </a:endParaRPr>
           </a:p>
           <a:p>
-            <a:pPr marL="432000" indent="-322200" algn="just">
+            <a:pPr marL="431640" indent="-321120" algn="just">
               <a:lnSpc>
                 <a:spcPct val="100000"/>
               </a:lnSpc>
@@ -11106,14 +8762,14 @@
                 <a:latin typeface="Times New Roman"/>
                 <a:ea typeface="Times New Roman"/>
               </a:rPr>
-              <a:t>Individual friendly</a:t>
+              <a:t>Secure</a:t>
             </a:r>
             <a:endParaRPr b="0" lang="en-US" sz="2000" spc="-1" strike="noStrike">
               <a:latin typeface="Arial"/>
             </a:endParaRPr>
           </a:p>
           <a:p>
-            <a:pPr marL="432000" indent="-322200" algn="just">
+            <a:pPr marL="431640" indent="-321120" algn="just">
               <a:lnSpc>
                 <a:spcPct val="100000"/>
               </a:lnSpc>
@@ -11141,7 +8797,7 @@
             </a:endParaRPr>
           </a:p>
           <a:p>
-            <a:pPr marL="432000" indent="-322200" algn="just">
+            <a:pPr marL="431640" indent="-321120" algn="just">
               <a:lnSpc>
                 <a:spcPct val="100000"/>
               </a:lnSpc>
@@ -11221,14 +8877,14 @@
       </p:grpSpPr>
       <p:sp>
         <p:nvSpPr>
-          <p:cNvPr id="195" name="CustomShape 1"/>
+          <p:cNvPr id="149" name="CustomShape 1"/>
           <p:cNvSpPr/>
           <p:nvPr/>
         </p:nvSpPr>
         <p:spPr>
           <a:xfrm>
             <a:off x="325080" y="1389240"/>
-            <a:ext cx="6874560" cy="638280"/>
+            <a:ext cx="6873840" cy="637560"/>
           </a:xfrm>
           <a:prstGeom prst="rect">
             <a:avLst/>
@@ -11270,14 +8926,14 @@
       </p:sp>
       <p:sp>
         <p:nvSpPr>
-          <p:cNvPr id="196" name="CustomShape 2"/>
+          <p:cNvPr id="150" name="CustomShape 2"/>
           <p:cNvSpPr/>
           <p:nvPr/>
         </p:nvSpPr>
         <p:spPr>
           <a:xfrm>
             <a:off x="539640" y="2560320"/>
-            <a:ext cx="9443880" cy="3975840"/>
+            <a:ext cx="9443160" cy="3975120"/>
           </a:xfrm>
           <a:prstGeom prst="rect">
             <a:avLst/>
@@ -11296,14 +8952,14 @@
       </p:sp>
       <p:sp>
         <p:nvSpPr>
-          <p:cNvPr id="197" name="CustomShape 3"/>
+          <p:cNvPr id="151" name="CustomShape 3"/>
           <p:cNvSpPr/>
           <p:nvPr/>
         </p:nvSpPr>
         <p:spPr>
           <a:xfrm>
             <a:off x="640080" y="5394960"/>
-            <a:ext cx="2934360" cy="3975840"/>
+            <a:ext cx="2933640" cy="3975120"/>
           </a:xfrm>
           <a:prstGeom prst="rect">
             <a:avLst/>
@@ -11322,7 +8978,7 @@
         <p:txBody>
           <a:bodyPr lIns="90000" rIns="90000" tIns="45000" bIns="45000"/>
           <a:p>
-            <a:pPr marL="432000" indent="-322200" algn="just">
+            <a:pPr marL="431640" indent="-321120" algn="just">
               <a:lnSpc>
                 <a:spcPct val="100000"/>
               </a:lnSpc>
@@ -11353,7 +9009,7 @@
       </p:sp>
       <p:pic>
         <p:nvPicPr>
-          <p:cNvPr id="198" name="" descr=""/>
+          <p:cNvPr id="152" name="Picture 197" descr=""/>
           <p:cNvPicPr/>
           <p:nvPr/>
         </p:nvPicPr>
@@ -11364,7 +9020,7 @@
         <p:spPr>
           <a:xfrm>
             <a:off x="731520" y="2497680"/>
-            <a:ext cx="3374640" cy="2530800"/>
+            <a:ext cx="3373920" cy="2530080"/>
           </a:xfrm>
           <a:prstGeom prst="rect">
             <a:avLst/>
@@ -11376,7 +9032,7 @@
       </p:pic>
       <p:pic>
         <p:nvPicPr>
-          <p:cNvPr id="199" name="" descr=""/>
+          <p:cNvPr id="153" name="Picture 198" descr=""/>
           <p:cNvPicPr/>
           <p:nvPr/>
         </p:nvPicPr>
@@ -11387,7 +9043,7 @@
         <p:spPr>
           <a:xfrm>
             <a:off x="4754880" y="2468880"/>
-            <a:ext cx="2508120" cy="2508120"/>
+            <a:ext cx="2507400" cy="2507400"/>
           </a:xfrm>
           <a:prstGeom prst="rect">
             <a:avLst/>
@@ -11399,7 +9055,7 @@
       </p:pic>
       <p:pic>
         <p:nvPicPr>
-          <p:cNvPr id="200" name="" descr=""/>
+          <p:cNvPr id="154" name="Picture 199" descr=""/>
           <p:cNvPicPr/>
           <p:nvPr/>
         </p:nvPicPr>
@@ -11410,7 +9066,7 @@
         <p:spPr>
           <a:xfrm>
             <a:off x="7863840" y="2468880"/>
-            <a:ext cx="3534840" cy="2651040"/>
+            <a:ext cx="3534120" cy="2650320"/>
           </a:xfrm>
           <a:prstGeom prst="rect">
             <a:avLst/>
@@ -11422,14 +9078,14 @@
       </p:pic>
       <p:sp>
         <p:nvSpPr>
-          <p:cNvPr id="201" name="CustomShape 4"/>
+          <p:cNvPr id="155" name="CustomShape 4"/>
           <p:cNvSpPr/>
           <p:nvPr/>
         </p:nvSpPr>
         <p:spPr>
           <a:xfrm>
             <a:off x="8769240" y="5486400"/>
-            <a:ext cx="2934360" cy="3518640"/>
+            <a:ext cx="2933640" cy="3517920"/>
           </a:xfrm>
           <a:prstGeom prst="rect">
             <a:avLst/>
@@ -11448,7 +9104,7 @@
         <p:txBody>
           <a:bodyPr lIns="90000" rIns="90000" tIns="45000" bIns="45000"/>
           <a:p>
-            <a:pPr marL="432000" indent="-322200" algn="just">
+            <a:pPr marL="431640" indent="-321120" algn="just">
               <a:lnSpc>
                 <a:spcPct val="100000"/>
               </a:lnSpc>
@@ -11479,14 +9135,14 @@
       </p:sp>
       <p:sp>
         <p:nvSpPr>
-          <p:cNvPr id="202" name="CustomShape 5"/>
+          <p:cNvPr id="156" name="CustomShape 5"/>
           <p:cNvSpPr/>
           <p:nvPr/>
         </p:nvSpPr>
         <p:spPr>
           <a:xfrm>
             <a:off x="4471560" y="5441760"/>
-            <a:ext cx="2934360" cy="3975840"/>
+            <a:ext cx="2933640" cy="3975120"/>
           </a:xfrm>
           <a:prstGeom prst="rect">
             <a:avLst/>
@@ -11505,7 +9161,7 @@
         <p:txBody>
           <a:bodyPr lIns="90000" rIns="90000" tIns="45000" bIns="45000"/>
           <a:p>
-            <a:pPr marL="432000" indent="-322200" algn="just">
+            <a:pPr marL="431640" indent="-321120" algn="just">
               <a:lnSpc>
                 <a:spcPct val="100000"/>
               </a:lnSpc>
@@ -11598,14 +9254,14 @@
       </p:grpSpPr>
       <p:sp>
         <p:nvSpPr>
-          <p:cNvPr id="203" name="CustomShape 1"/>
+          <p:cNvPr id="157" name="CustomShape 1"/>
           <p:cNvSpPr/>
           <p:nvPr/>
         </p:nvSpPr>
         <p:spPr>
           <a:xfrm>
             <a:off x="325080" y="1389240"/>
-            <a:ext cx="6874560" cy="638280"/>
+            <a:ext cx="6873840" cy="637560"/>
           </a:xfrm>
           <a:prstGeom prst="rect">
             <a:avLst/>
@@ -11647,14 +9303,14 @@
       </p:sp>
       <p:sp>
         <p:nvSpPr>
-          <p:cNvPr id="204" name="CustomShape 2"/>
+          <p:cNvPr id="158" name="CustomShape 2"/>
           <p:cNvSpPr/>
           <p:nvPr/>
         </p:nvSpPr>
         <p:spPr>
           <a:xfrm>
             <a:off x="539640" y="2560320"/>
-            <a:ext cx="9443880" cy="3975840"/>
+            <a:ext cx="9443160" cy="3975120"/>
           </a:xfrm>
           <a:prstGeom prst="rect">
             <a:avLst/>
@@ -11673,14 +9329,14 @@
       </p:sp>
       <p:sp>
         <p:nvSpPr>
-          <p:cNvPr id="205" name="CustomShape 3"/>
+          <p:cNvPr id="159" name="CustomShape 3"/>
           <p:cNvSpPr/>
           <p:nvPr/>
         </p:nvSpPr>
         <p:spPr>
           <a:xfrm>
             <a:off x="3474720" y="6126480"/>
-            <a:ext cx="4754160" cy="730800"/>
+            <a:ext cx="4753440" cy="730080"/>
           </a:xfrm>
           <a:prstGeom prst="rect">
             <a:avLst/>
@@ -11699,7 +9355,7 @@
         <p:txBody>
           <a:bodyPr lIns="90000" rIns="90000" tIns="45000" bIns="45000"/>
           <a:p>
-            <a:pPr marL="432000" indent="-322200" algn="just">
+            <a:pPr marL="431640" indent="-321120" algn="just">
               <a:lnSpc>
                 <a:spcPct val="100000"/>
               </a:lnSpc>
@@ -11730,7 +9386,7 @@
       </p:sp>
       <p:pic>
         <p:nvPicPr>
-          <p:cNvPr id="206" name="" descr=""/>
+          <p:cNvPr id="160" name="Picture 205" descr=""/>
           <p:cNvPicPr/>
           <p:nvPr/>
         </p:nvPicPr>
@@ -11741,7 +9397,7 @@
         <p:spPr>
           <a:xfrm>
             <a:off x="3575160" y="2377440"/>
-            <a:ext cx="4662720" cy="3503880"/>
+            <a:ext cx="4662000" cy="3503160"/>
           </a:xfrm>
           <a:prstGeom prst="rect">
             <a:avLst/>
@@ -12673,227 +10329,4 @@
     </a:fmtScheme>
   </a:themeElements>
 </a:theme>
-</file>
-
-<file path=ppt/theme/theme5.xml><?xml version="1.0" encoding="utf-8"?>
-<a:theme xmlns:a="http://schemas.openxmlformats.org/drawingml/2006/main" name="Office Theme">
-  <a:themeElements>
-    <a:clrScheme name="Office">
-      <a:dk1>
-        <a:sysClr val="windowText" lastClr="000000"/>
-      </a:dk1>
-      <a:lt1>
-        <a:sysClr val="window" lastClr="FFFFFF"/>
-      </a:lt1>
-      <a:dk2>
-        <a:srgbClr val="1f497d"/>
-      </a:dk2>
-      <a:lt2>
-        <a:srgbClr val="eeece1"/>
-      </a:lt2>
-      <a:accent1>
-        <a:srgbClr val="4f81bd"/>
-      </a:accent1>
-      <a:accent2>
-        <a:srgbClr val="c0504d"/>
-      </a:accent2>
-      <a:accent3>
-        <a:srgbClr val="9bbb59"/>
-      </a:accent3>
-      <a:accent4>
-        <a:srgbClr val="8064a2"/>
-      </a:accent4>
-      <a:accent5>
-        <a:srgbClr val="4bacc6"/>
-      </a:accent5>
-      <a:accent6>
-        <a:srgbClr val="f79646"/>
-      </a:accent6>
-      <a:hlink>
-        <a:srgbClr val="0000ff"/>
-      </a:hlink>
-      <a:folHlink>
-        <a:srgbClr val="800080"/>
-      </a:folHlink>
-    </a:clrScheme>
-    <a:fontScheme name="Office">
-      <a:majorFont>
-        <a:latin typeface="Arial"/>
-        <a:ea typeface="DejaVu Sans"/>
-        <a:cs typeface="DejaVu Sans"/>
-      </a:majorFont>
-      <a:minorFont>
-        <a:latin typeface="Arial"/>
-        <a:ea typeface="DejaVu Sans"/>
-        <a:cs typeface="DejaVu Sans"/>
-      </a:minorFont>
-    </a:fontScheme>
-    <a:fmtScheme name="Office">
-      <a:fillStyleLst>
-        <a:solidFill>
-          <a:schemeClr val="phClr"/>
-        </a:solidFill>
-        <a:gradFill rotWithShape="1">
-          <a:gsLst>
-            <a:gs pos="0">
-              <a:schemeClr val="phClr">
-                <a:tint val="50000"/>
-                <a:satMod val="300000"/>
-              </a:schemeClr>
-            </a:gs>
-            <a:gs pos="35000">
-              <a:schemeClr val="phClr">
-                <a:tint val="37000"/>
-                <a:satMod val="300000"/>
-              </a:schemeClr>
-            </a:gs>
-            <a:gs pos="100000">
-              <a:schemeClr val="phClr">
-                <a:tint val="15000"/>
-                <a:satMod val="350000"/>
-              </a:schemeClr>
-            </a:gs>
-          </a:gsLst>
-          <a:lin ang="16200000" scaled="1"/>
-        </a:gradFill>
-        <a:gradFill rotWithShape="1">
-          <a:gsLst>
-            <a:gs pos="0">
-              <a:schemeClr val="phClr">
-                <a:shade val="51000"/>
-                <a:satMod val="130000"/>
-              </a:schemeClr>
-            </a:gs>
-            <a:gs pos="80000">
-              <a:schemeClr val="phClr">
-                <a:shade val="93000"/>
-                <a:satMod val="130000"/>
-              </a:schemeClr>
-            </a:gs>
-            <a:gs pos="100000">
-              <a:schemeClr val="phClr">
-                <a:shade val="94000"/>
-                <a:satMod val="135000"/>
-              </a:schemeClr>
-            </a:gs>
-          </a:gsLst>
-          <a:lin ang="16200000" scaled="0"/>
-        </a:gradFill>
-      </a:fillStyleLst>
-      <a:lnStyleLst>
-        <a:ln w="9525" cap="flat" cmpd="sng" algn="ctr">
-          <a:solidFill>
-            <a:schemeClr val="phClr">
-              <a:shade val="95000"/>
-              <a:satMod val="105000"/>
-            </a:schemeClr>
-          </a:solidFill>
-          <a:prstDash val="solid"/>
-        </a:ln>
-        <a:ln w="25400" cap="flat" cmpd="sng" algn="ctr">
-          <a:solidFill>
-            <a:schemeClr val="phClr"/>
-          </a:solidFill>
-          <a:prstDash val="solid"/>
-        </a:ln>
-        <a:ln w="38100" cap="flat" cmpd="sng" algn="ctr">
-          <a:solidFill>
-            <a:schemeClr val="phClr"/>
-          </a:solidFill>
-          <a:prstDash val="solid"/>
-        </a:ln>
-      </a:lnStyleLst>
-      <a:effectStyleLst>
-        <a:effectStyle>
-          <a:effectLst>
-            <a:outerShdw blurRad="40000" dist="20000" dir="5400000" rotWithShape="0">
-              <a:srgbClr val="000000">
-                <a:alpha val="38000"/>
-              </a:srgbClr>
-            </a:outerShdw>
-          </a:effectLst>
-        </a:effectStyle>
-        <a:effectStyle>
-          <a:effectLst>
-            <a:outerShdw blurRad="40000" dist="23000" dir="5400000" rotWithShape="0">
-              <a:srgbClr val="000000">
-                <a:alpha val="35000"/>
-              </a:srgbClr>
-            </a:outerShdw>
-          </a:effectLst>
-        </a:effectStyle>
-        <a:effectStyle>
-          <a:effectLst>
-            <a:outerShdw blurRad="40000" dist="23000" dir="5400000" rotWithShape="0">
-              <a:srgbClr val="000000">
-                <a:alpha val="35000"/>
-              </a:srgbClr>
-            </a:outerShdw>
-          </a:effectLst>
-          <a:scene3d>
-            <a:camera prst="orthographicFront">
-              <a:rot lat="0" lon="0" rev="0"/>
-            </a:camera>
-            <a:lightRig rig="threePt" dir="t">
-              <a:rot lat="0" lon="0" rev="1200000"/>
-            </a:lightRig>
-          </a:scene3d>
-          <a:sp3d>
-            <a:bevelT w="63500" h="25400"/>
-          </a:sp3d>
-        </a:effectStyle>
-      </a:effectStyleLst>
-      <a:bgFillStyleLst>
-        <a:solidFill>
-          <a:schemeClr val="phClr"/>
-        </a:solidFill>
-        <a:gradFill rotWithShape="1">
-          <a:gsLst>
-            <a:gs pos="0">
-              <a:schemeClr val="phClr">
-                <a:tint val="40000"/>
-                <a:satMod val="350000"/>
-              </a:schemeClr>
-            </a:gs>
-            <a:gs pos="40000">
-              <a:schemeClr val="phClr">
-                <a:tint val="45000"/>
-                <a:shade val="99000"/>
-                <a:satMod val="350000"/>
-              </a:schemeClr>
-            </a:gs>
-            <a:gs pos="100000">
-              <a:schemeClr val="phClr">
-                <a:shade val="20000"/>
-                <a:satMod val="255000"/>
-              </a:schemeClr>
-            </a:gs>
-          </a:gsLst>
-          <a:path path="circle">
-            <a:fillToRect l="50000" t="-80000" r="50000" b="180000"/>
-          </a:path>
-        </a:gradFill>
-        <a:gradFill rotWithShape="1">
-          <a:gsLst>
-            <a:gs pos="0">
-              <a:schemeClr val="phClr">
-                <a:tint val="80000"/>
-                <a:satMod val="300000"/>
-              </a:schemeClr>
-            </a:gs>
-            <a:gs pos="100000">
-              <a:schemeClr val="phClr">
-                <a:shade val="30000"/>
-                <a:satMod val="200000"/>
-              </a:schemeClr>
-            </a:gs>
-          </a:gsLst>
-          <a:path path="circle">
-            <a:fillToRect l="50000" t="50000" r="50000" b="50000"/>
-          </a:path>
-        </a:gradFill>
-      </a:bgFillStyleLst>
-    </a:fmtScheme>
-  </a:themeElements>
-</a:theme>
 </file>